--- a/PowerShell Fundamentals 1.pptx
+++ b/PowerShell Fundamentals 1.pptx
@@ -4,10 +4,17 @@
   <p:sldMasterIdLst>
     <p:sldMasterId id="2147483648" r:id="rId1"/>
   </p:sldMasterIdLst>
+  <p:notesMasterIdLst>
+    <p:notesMasterId r:id="rId9"/>
+  </p:notesMasterIdLst>
   <p:sldIdLst>
     <p:sldId id="256" r:id="rId2"/>
-    <p:sldId id="257" r:id="rId3"/>
-    <p:sldId id="258" r:id="rId4"/>
+    <p:sldId id="261" r:id="rId3"/>
+    <p:sldId id="257" r:id="rId4"/>
+    <p:sldId id="258" r:id="rId5"/>
+    <p:sldId id="259" r:id="rId6"/>
+    <p:sldId id="262" r:id="rId7"/>
+    <p:sldId id="260" r:id="rId8"/>
   </p:sldIdLst>
   <p:sldSz cx="12192000" cy="6858000"/>
   <p:notesSz cx="6858000" cy="9144000"/>
@@ -106,11 +113,139 @@
       </a:defRPr>
     </a:lvl9pPr>
   </p:defaultTextStyle>
+  <p:extLst>
+    <p:ext uri="{EFAFB233-063F-42B5-8137-9DF3F51BA10A}">
+      <p15:sldGuideLst xmlns:p15="http://schemas.microsoft.com/office/powerpoint/2012/main"/>
+    </p:ext>
+  </p:extLst>
 </p:presentation>
 </file>
 
 <file path=ppt/changesInfos/changesInfo1.xml><?xml version="1.0" encoding="utf-8"?>
 <pc:chgInfo xmlns:a="http://schemas.openxmlformats.org/drawingml/2006/main" xmlns:r="http://schemas.openxmlformats.org/officeDocument/2006/relationships" xmlns:ac="http://schemas.microsoft.com/office/drawing/2013/main/command" xmlns:pc="http://schemas.microsoft.com/office/powerpoint/2013/main/command">
+  <pc:docChgLst>
+    <pc:chgData name="David Littlejohn" userId="1a0871b5c88a1c81" providerId="LiveId" clId="{DA4CFBB5-EEA7-45D3-9440-3B65A164F9AB}"/>
+    <pc:docChg chg="undo custSel addSld modSld">
+      <pc:chgData name="David Littlejohn" userId="1a0871b5c88a1c81" providerId="LiveId" clId="{DA4CFBB5-EEA7-45D3-9440-3B65A164F9AB}" dt="2019-06-17T21:17:49.163" v="1195" actId="27636"/>
+      <pc:docMkLst>
+        <pc:docMk/>
+      </pc:docMkLst>
+      <pc:sldChg chg="modSp">
+        <pc:chgData name="David Littlejohn" userId="1a0871b5c88a1c81" providerId="LiveId" clId="{DA4CFBB5-EEA7-45D3-9440-3B65A164F9AB}" dt="2019-06-17T21:17:49.163" v="1195" actId="27636"/>
+        <pc:sldMkLst>
+          <pc:docMk/>
+          <pc:sldMk cId="878438801" sldId="256"/>
+        </pc:sldMkLst>
+        <pc:spChg chg="mod">
+          <ac:chgData name="David Littlejohn" userId="1a0871b5c88a1c81" providerId="LiveId" clId="{DA4CFBB5-EEA7-45D3-9440-3B65A164F9AB}" dt="2019-06-17T21:17:49.163" v="1195" actId="27636"/>
+          <ac:spMkLst>
+            <pc:docMk/>
+            <pc:sldMk cId="878438801" sldId="256"/>
+            <ac:spMk id="3" creationId="{1FD350CA-5E54-4CAF-B5A5-741D8E9815C2}"/>
+          </ac:spMkLst>
+        </pc:spChg>
+      </pc:sldChg>
+      <pc:sldChg chg="modSp modNotesTx">
+        <pc:chgData name="David Littlejohn" userId="1a0871b5c88a1c81" providerId="LiveId" clId="{DA4CFBB5-EEA7-45D3-9440-3B65A164F9AB}" dt="2019-06-17T20:46:46.201" v="331" actId="20577"/>
+        <pc:sldMkLst>
+          <pc:docMk/>
+          <pc:sldMk cId="311011863" sldId="257"/>
+        </pc:sldMkLst>
+        <pc:spChg chg="mod">
+          <ac:chgData name="David Littlejohn" userId="1a0871b5c88a1c81" providerId="LiveId" clId="{DA4CFBB5-EEA7-45D3-9440-3B65A164F9AB}" dt="2019-06-17T20:27:47.393" v="252" actId="20577"/>
+          <ac:spMkLst>
+            <pc:docMk/>
+            <pc:sldMk cId="311011863" sldId="257"/>
+            <ac:spMk id="2" creationId="{A1E55A32-07B6-48F8-8603-815920900656}"/>
+          </ac:spMkLst>
+        </pc:spChg>
+      </pc:sldChg>
+      <pc:sldChg chg="modSp add modNotesTx">
+        <pc:chgData name="David Littlejohn" userId="1a0871b5c88a1c81" providerId="LiveId" clId="{DA4CFBB5-EEA7-45D3-9440-3B65A164F9AB}" dt="2019-06-17T21:16:29.019" v="1174" actId="20577"/>
+        <pc:sldMkLst>
+          <pc:docMk/>
+          <pc:sldMk cId="2866318210" sldId="259"/>
+        </pc:sldMkLst>
+        <pc:spChg chg="mod">
+          <ac:chgData name="David Littlejohn" userId="1a0871b5c88a1c81" providerId="LiveId" clId="{DA4CFBB5-EEA7-45D3-9440-3B65A164F9AB}" dt="2019-06-17T20:46:29.623" v="287" actId="20577"/>
+          <ac:spMkLst>
+            <pc:docMk/>
+            <pc:sldMk cId="2866318210" sldId="259"/>
+            <ac:spMk id="2" creationId="{5C4BA178-2996-4D86-9409-4A192A826FDB}"/>
+          </ac:spMkLst>
+        </pc:spChg>
+        <pc:spChg chg="mod">
+          <ac:chgData name="David Littlejohn" userId="1a0871b5c88a1c81" providerId="LiveId" clId="{DA4CFBB5-EEA7-45D3-9440-3B65A164F9AB}" dt="2019-06-17T21:16:29.019" v="1174" actId="20577"/>
+          <ac:spMkLst>
+            <pc:docMk/>
+            <pc:sldMk cId="2866318210" sldId="259"/>
+            <ac:spMk id="3" creationId="{59849B9E-97F6-47A3-AB10-B0775F126161}"/>
+          </ac:spMkLst>
+        </pc:spChg>
+      </pc:sldChg>
+      <pc:sldChg chg="modSp add">
+        <pc:chgData name="David Littlejohn" userId="1a0871b5c88a1c81" providerId="LiveId" clId="{DA4CFBB5-EEA7-45D3-9440-3B65A164F9AB}" dt="2019-06-17T21:02:46.656" v="670"/>
+        <pc:sldMkLst>
+          <pc:docMk/>
+          <pc:sldMk cId="3846218459" sldId="260"/>
+        </pc:sldMkLst>
+        <pc:spChg chg="mod">
+          <ac:chgData name="David Littlejohn" userId="1a0871b5c88a1c81" providerId="LiveId" clId="{DA4CFBB5-EEA7-45D3-9440-3B65A164F9AB}" dt="2019-06-17T20:54:18.476" v="530" actId="20577"/>
+          <ac:spMkLst>
+            <pc:docMk/>
+            <pc:sldMk cId="3846218459" sldId="260"/>
+            <ac:spMk id="2" creationId="{78F2687B-1DAD-4E58-94AC-1009C9CF1721}"/>
+          </ac:spMkLst>
+        </pc:spChg>
+        <pc:spChg chg="mod">
+          <ac:chgData name="David Littlejohn" userId="1a0871b5c88a1c81" providerId="LiveId" clId="{DA4CFBB5-EEA7-45D3-9440-3B65A164F9AB}" dt="2019-06-17T21:02:46.656" v="670"/>
+          <ac:spMkLst>
+            <pc:docMk/>
+            <pc:sldMk cId="3846218459" sldId="260"/>
+            <ac:spMk id="3" creationId="{B878F1E6-3C4D-4BDE-825C-E244F9657F36}"/>
+          </ac:spMkLst>
+        </pc:spChg>
+      </pc:sldChg>
+      <pc:sldChg chg="modSp add">
+        <pc:chgData name="David Littlejohn" userId="1a0871b5c88a1c81" providerId="LiveId" clId="{DA4CFBB5-EEA7-45D3-9440-3B65A164F9AB}" dt="2019-06-17T21:17:03.139" v="1192" actId="20577"/>
+        <pc:sldMkLst>
+          <pc:docMk/>
+          <pc:sldMk cId="3278669182" sldId="261"/>
+        </pc:sldMkLst>
+        <pc:spChg chg="mod">
+          <ac:chgData name="David Littlejohn" userId="1a0871b5c88a1c81" providerId="LiveId" clId="{DA4CFBB5-EEA7-45D3-9440-3B65A164F9AB}" dt="2019-06-17T21:00:37.274" v="607" actId="20577"/>
+          <ac:spMkLst>
+            <pc:docMk/>
+            <pc:sldMk cId="3278669182" sldId="261"/>
+            <ac:spMk id="2" creationId="{05B193E3-249B-470A-889C-8C94E2A0A61E}"/>
+          </ac:spMkLst>
+        </pc:spChg>
+        <pc:spChg chg="mod">
+          <ac:chgData name="David Littlejohn" userId="1a0871b5c88a1c81" providerId="LiveId" clId="{DA4CFBB5-EEA7-45D3-9440-3B65A164F9AB}" dt="2019-06-17T21:17:03.139" v="1192" actId="20577"/>
+          <ac:spMkLst>
+            <pc:docMk/>
+            <pc:sldMk cId="3278669182" sldId="261"/>
+            <ac:spMk id="3" creationId="{B39900F3-93D5-4C4B-AB69-DAE8302B88DC}"/>
+          </ac:spMkLst>
+        </pc:spChg>
+      </pc:sldChg>
+      <pc:sldChg chg="modSp add">
+        <pc:chgData name="David Littlejohn" userId="1a0871b5c88a1c81" providerId="LiveId" clId="{DA4CFBB5-EEA7-45D3-9440-3B65A164F9AB}" dt="2019-06-17T21:08:17.368" v="1002" actId="20577"/>
+        <pc:sldMkLst>
+          <pc:docMk/>
+          <pc:sldMk cId="4124520193" sldId="262"/>
+        </pc:sldMkLst>
+        <pc:spChg chg="mod">
+          <ac:chgData name="David Littlejohn" userId="1a0871b5c88a1c81" providerId="LiveId" clId="{DA4CFBB5-EEA7-45D3-9440-3B65A164F9AB}" dt="2019-06-17T21:08:17.368" v="1002" actId="20577"/>
+          <ac:spMkLst>
+            <pc:docMk/>
+            <pc:sldMk cId="4124520193" sldId="262"/>
+            <ac:spMk id="2" creationId="{E47E3F83-1473-4FDF-B075-018EBEBB1BFA}"/>
+          </ac:spMkLst>
+        </pc:spChg>
+      </pc:sldChg>
+    </pc:docChg>
+  </pc:docChgLst>
   <pc:docChgLst>
     <pc:chgData name="David Littlejohn" userId="1a0871b5c88a1c81" providerId="LiveId" clId="{547D1292-2BA8-4745-8705-C88769D5E3D1}"/>
     <pc:docChg chg="custSel addSld modSld">
@@ -159,6 +294,550 @@
     </pc:docChg>
   </pc:docChgLst>
 </pc:chgInfo>
+</file>
+
+<file path=ppt/notesMasters/notesMaster1.xml><?xml version="1.0" encoding="utf-8"?>
+<p:notesMaster xmlns:a="http://schemas.openxmlformats.org/drawingml/2006/main" xmlns:r="http://schemas.openxmlformats.org/officeDocument/2006/relationships" xmlns:p="http://schemas.openxmlformats.org/presentationml/2006/main">
+  <p:cSld>
+    <p:bg>
+      <p:bgRef idx="1001">
+        <a:schemeClr val="bg1"/>
+      </p:bgRef>
+    </p:bg>
+    <p:spTree>
+      <p:nvGrpSpPr>
+        <p:cNvPr id="1" name=""/>
+        <p:cNvGrpSpPr/>
+        <p:nvPr/>
+      </p:nvGrpSpPr>
+      <p:grpSpPr>
+        <a:xfrm>
+          <a:off x="0" y="0"/>
+          <a:ext cx="0" cy="0"/>
+          <a:chOff x="0" y="0"/>
+          <a:chExt cx="0" cy="0"/>
+        </a:xfrm>
+      </p:grpSpPr>
+      <p:sp>
+        <p:nvSpPr>
+          <p:cNvPr id="2" name="Header Placeholder 1"/>
+          <p:cNvSpPr>
+            <a:spLocks noGrp="1"/>
+          </p:cNvSpPr>
+          <p:nvPr>
+            <p:ph type="hdr" sz="quarter"/>
+          </p:nvPr>
+        </p:nvSpPr>
+        <p:spPr>
+          <a:xfrm>
+            <a:off x="0" y="0"/>
+            <a:ext cx="2971800" cy="458788"/>
+          </a:xfrm>
+          <a:prstGeom prst="rect">
+            <a:avLst/>
+          </a:prstGeom>
+        </p:spPr>
+        <p:txBody>
+          <a:bodyPr vert="horz" lIns="91440" tIns="45720" rIns="91440" bIns="45720" rtlCol="0"/>
+          <a:lstStyle>
+            <a:lvl1pPr algn="l">
+              <a:defRPr sz="1200"/>
+            </a:lvl1pPr>
+          </a:lstStyle>
+          <a:p>
+            <a:endParaRPr lang="en-US"/>
+          </a:p>
+        </p:txBody>
+      </p:sp>
+      <p:sp>
+        <p:nvSpPr>
+          <p:cNvPr id="3" name="Date Placeholder 2"/>
+          <p:cNvSpPr>
+            <a:spLocks noGrp="1"/>
+          </p:cNvSpPr>
+          <p:nvPr>
+            <p:ph type="dt" idx="1"/>
+          </p:nvPr>
+        </p:nvSpPr>
+        <p:spPr>
+          <a:xfrm>
+            <a:off x="3884613" y="0"/>
+            <a:ext cx="2971800" cy="458788"/>
+          </a:xfrm>
+          <a:prstGeom prst="rect">
+            <a:avLst/>
+          </a:prstGeom>
+        </p:spPr>
+        <p:txBody>
+          <a:bodyPr vert="horz" lIns="91440" tIns="45720" rIns="91440" bIns="45720" rtlCol="0"/>
+          <a:lstStyle>
+            <a:lvl1pPr algn="r">
+              <a:defRPr sz="1200"/>
+            </a:lvl1pPr>
+          </a:lstStyle>
+          <a:p>
+            <a:fld id="{F8CB840B-AE6F-4482-9BDB-EDAB9756A2FA}" type="datetimeFigureOut">
+              <a:rPr lang="en-US" smtClean="0"/>
+              <a:t>6/17/2019</a:t>
+            </a:fld>
+            <a:endParaRPr lang="en-US"/>
+          </a:p>
+        </p:txBody>
+      </p:sp>
+      <p:sp>
+        <p:nvSpPr>
+          <p:cNvPr id="4" name="Slide Image Placeholder 3"/>
+          <p:cNvSpPr>
+            <a:spLocks noGrp="1" noRot="1" noChangeAspect="1"/>
+          </p:cNvSpPr>
+          <p:nvPr>
+            <p:ph type="sldImg" idx="2"/>
+          </p:nvPr>
+        </p:nvSpPr>
+        <p:spPr>
+          <a:xfrm>
+            <a:off x="685800" y="1143000"/>
+            <a:ext cx="5486400" cy="3086100"/>
+          </a:xfrm>
+          <a:prstGeom prst="rect">
+            <a:avLst/>
+          </a:prstGeom>
+          <a:noFill/>
+          <a:ln w="12700">
+            <a:solidFill>
+              <a:prstClr val="black"/>
+            </a:solidFill>
+          </a:ln>
+        </p:spPr>
+        <p:txBody>
+          <a:bodyPr vert="horz" lIns="91440" tIns="45720" rIns="91440" bIns="45720" rtlCol="0" anchor="ctr"/>
+          <a:lstStyle/>
+          <a:p>
+            <a:endParaRPr lang="en-US"/>
+          </a:p>
+        </p:txBody>
+      </p:sp>
+      <p:sp>
+        <p:nvSpPr>
+          <p:cNvPr id="5" name="Notes Placeholder 4"/>
+          <p:cNvSpPr>
+            <a:spLocks noGrp="1"/>
+          </p:cNvSpPr>
+          <p:nvPr>
+            <p:ph type="body" sz="quarter" idx="3"/>
+          </p:nvPr>
+        </p:nvSpPr>
+        <p:spPr>
+          <a:xfrm>
+            <a:off x="685800" y="4400550"/>
+            <a:ext cx="5486400" cy="3600450"/>
+          </a:xfrm>
+          <a:prstGeom prst="rect">
+            <a:avLst/>
+          </a:prstGeom>
+        </p:spPr>
+        <p:txBody>
+          <a:bodyPr vert="horz" lIns="91440" tIns="45720" rIns="91440" bIns="45720" rtlCol="0"/>
+          <a:lstStyle/>
+          <a:p>
+            <a:pPr lvl="0"/>
+            <a:r>
+              <a:rPr lang="en-US"/>
+              <a:t>Click to edit Master text styles</a:t>
+            </a:r>
+          </a:p>
+          <a:p>
+            <a:pPr lvl="1"/>
+            <a:r>
+              <a:rPr lang="en-US"/>
+              <a:t>Second level</a:t>
+            </a:r>
+          </a:p>
+          <a:p>
+            <a:pPr lvl="2"/>
+            <a:r>
+              <a:rPr lang="en-US"/>
+              <a:t>Third level</a:t>
+            </a:r>
+          </a:p>
+          <a:p>
+            <a:pPr lvl="3"/>
+            <a:r>
+              <a:rPr lang="en-US"/>
+              <a:t>Fourth level</a:t>
+            </a:r>
+          </a:p>
+          <a:p>
+            <a:pPr lvl="4"/>
+            <a:r>
+              <a:rPr lang="en-US"/>
+              <a:t>Fifth level</a:t>
+            </a:r>
+          </a:p>
+        </p:txBody>
+      </p:sp>
+      <p:sp>
+        <p:nvSpPr>
+          <p:cNvPr id="6" name="Footer Placeholder 5"/>
+          <p:cNvSpPr>
+            <a:spLocks noGrp="1"/>
+          </p:cNvSpPr>
+          <p:nvPr>
+            <p:ph type="ftr" sz="quarter" idx="4"/>
+          </p:nvPr>
+        </p:nvSpPr>
+        <p:spPr>
+          <a:xfrm>
+            <a:off x="0" y="8685213"/>
+            <a:ext cx="2971800" cy="458787"/>
+          </a:xfrm>
+          <a:prstGeom prst="rect">
+            <a:avLst/>
+          </a:prstGeom>
+        </p:spPr>
+        <p:txBody>
+          <a:bodyPr vert="horz" lIns="91440" tIns="45720" rIns="91440" bIns="45720" rtlCol="0" anchor="b"/>
+          <a:lstStyle>
+            <a:lvl1pPr algn="l">
+              <a:defRPr sz="1200"/>
+            </a:lvl1pPr>
+          </a:lstStyle>
+          <a:p>
+            <a:endParaRPr lang="en-US"/>
+          </a:p>
+        </p:txBody>
+      </p:sp>
+      <p:sp>
+        <p:nvSpPr>
+          <p:cNvPr id="7" name="Slide Number Placeholder 6"/>
+          <p:cNvSpPr>
+            <a:spLocks noGrp="1"/>
+          </p:cNvSpPr>
+          <p:nvPr>
+            <p:ph type="sldNum" sz="quarter" idx="5"/>
+          </p:nvPr>
+        </p:nvSpPr>
+        <p:spPr>
+          <a:xfrm>
+            <a:off x="3884613" y="8685213"/>
+            <a:ext cx="2971800" cy="458787"/>
+          </a:xfrm>
+          <a:prstGeom prst="rect">
+            <a:avLst/>
+          </a:prstGeom>
+        </p:spPr>
+        <p:txBody>
+          <a:bodyPr vert="horz" lIns="91440" tIns="45720" rIns="91440" bIns="45720" rtlCol="0" anchor="b"/>
+          <a:lstStyle>
+            <a:lvl1pPr algn="r">
+              <a:defRPr sz="1200"/>
+            </a:lvl1pPr>
+          </a:lstStyle>
+          <a:p>
+            <a:fld id="{C556AB2D-E6C7-4CA0-9DAF-29512BF9A363}" type="slidenum">
+              <a:rPr lang="en-US" smtClean="0"/>
+              <a:t>‹#›</a:t>
+            </a:fld>
+            <a:endParaRPr lang="en-US"/>
+          </a:p>
+        </p:txBody>
+      </p:sp>
+    </p:spTree>
+    <p:extLst>
+      <p:ext uri="{BB962C8B-B14F-4D97-AF65-F5344CB8AC3E}">
+        <p14:creationId xmlns:p14="http://schemas.microsoft.com/office/powerpoint/2010/main" val="3957424486"/>
+      </p:ext>
+    </p:extLst>
+  </p:cSld>
+  <p:clrMap bg1="lt1" tx1="dk1" bg2="lt2" tx2="dk2" accent1="accent1" accent2="accent2" accent3="accent3" accent4="accent4" accent5="accent5" accent6="accent6" hlink="hlink" folHlink="folHlink"/>
+  <p:notesStyle>
+    <a:lvl1pPr marL="0" algn="l" defTabSz="914400" rtl="0" eaLnBrk="1" latinLnBrk="0" hangingPunct="1">
+      <a:defRPr sz="1200" kern="1200">
+        <a:solidFill>
+          <a:schemeClr val="tx1"/>
+        </a:solidFill>
+        <a:latin typeface="+mn-lt"/>
+        <a:ea typeface="+mn-ea"/>
+        <a:cs typeface="+mn-cs"/>
+      </a:defRPr>
+    </a:lvl1pPr>
+    <a:lvl2pPr marL="457200" algn="l" defTabSz="914400" rtl="0" eaLnBrk="1" latinLnBrk="0" hangingPunct="1">
+      <a:defRPr sz="1200" kern="1200">
+        <a:solidFill>
+          <a:schemeClr val="tx1"/>
+        </a:solidFill>
+        <a:latin typeface="+mn-lt"/>
+        <a:ea typeface="+mn-ea"/>
+        <a:cs typeface="+mn-cs"/>
+      </a:defRPr>
+    </a:lvl2pPr>
+    <a:lvl3pPr marL="914400" algn="l" defTabSz="914400" rtl="0" eaLnBrk="1" latinLnBrk="0" hangingPunct="1">
+      <a:defRPr sz="1200" kern="1200">
+        <a:solidFill>
+          <a:schemeClr val="tx1"/>
+        </a:solidFill>
+        <a:latin typeface="+mn-lt"/>
+        <a:ea typeface="+mn-ea"/>
+        <a:cs typeface="+mn-cs"/>
+      </a:defRPr>
+    </a:lvl3pPr>
+    <a:lvl4pPr marL="1371600" algn="l" defTabSz="914400" rtl="0" eaLnBrk="1" latinLnBrk="0" hangingPunct="1">
+      <a:defRPr sz="1200" kern="1200">
+        <a:solidFill>
+          <a:schemeClr val="tx1"/>
+        </a:solidFill>
+        <a:latin typeface="+mn-lt"/>
+        <a:ea typeface="+mn-ea"/>
+        <a:cs typeface="+mn-cs"/>
+      </a:defRPr>
+    </a:lvl4pPr>
+    <a:lvl5pPr marL="1828800" algn="l" defTabSz="914400" rtl="0" eaLnBrk="1" latinLnBrk="0" hangingPunct="1">
+      <a:defRPr sz="1200" kern="1200">
+        <a:solidFill>
+          <a:schemeClr val="tx1"/>
+        </a:solidFill>
+        <a:latin typeface="+mn-lt"/>
+        <a:ea typeface="+mn-ea"/>
+        <a:cs typeface="+mn-cs"/>
+      </a:defRPr>
+    </a:lvl5pPr>
+    <a:lvl6pPr marL="2286000" algn="l" defTabSz="914400" rtl="0" eaLnBrk="1" latinLnBrk="0" hangingPunct="1">
+      <a:defRPr sz="1200" kern="1200">
+        <a:solidFill>
+          <a:schemeClr val="tx1"/>
+        </a:solidFill>
+        <a:latin typeface="+mn-lt"/>
+        <a:ea typeface="+mn-ea"/>
+        <a:cs typeface="+mn-cs"/>
+      </a:defRPr>
+    </a:lvl6pPr>
+    <a:lvl7pPr marL="2743200" algn="l" defTabSz="914400" rtl="0" eaLnBrk="1" latinLnBrk="0" hangingPunct="1">
+      <a:defRPr sz="1200" kern="1200">
+        <a:solidFill>
+          <a:schemeClr val="tx1"/>
+        </a:solidFill>
+        <a:latin typeface="+mn-lt"/>
+        <a:ea typeface="+mn-ea"/>
+        <a:cs typeface="+mn-cs"/>
+      </a:defRPr>
+    </a:lvl7pPr>
+    <a:lvl8pPr marL="3200400" algn="l" defTabSz="914400" rtl="0" eaLnBrk="1" latinLnBrk="0" hangingPunct="1">
+      <a:defRPr sz="1200" kern="1200">
+        <a:solidFill>
+          <a:schemeClr val="tx1"/>
+        </a:solidFill>
+        <a:latin typeface="+mn-lt"/>
+        <a:ea typeface="+mn-ea"/>
+        <a:cs typeface="+mn-cs"/>
+      </a:defRPr>
+    </a:lvl8pPr>
+    <a:lvl9pPr marL="3657600" algn="l" defTabSz="914400" rtl="0" eaLnBrk="1" latinLnBrk="0" hangingPunct="1">
+      <a:defRPr sz="1200" kern="1200">
+        <a:solidFill>
+          <a:schemeClr val="tx1"/>
+        </a:solidFill>
+        <a:latin typeface="+mn-lt"/>
+        <a:ea typeface="+mn-ea"/>
+        <a:cs typeface="+mn-cs"/>
+      </a:defRPr>
+    </a:lvl9pPr>
+  </p:notesStyle>
+</p:notesMaster>
+</file>
+
+<file path=ppt/notesSlides/notesSlide1.xml><?xml version="1.0" encoding="utf-8"?>
+<p:notes xmlns:a="http://schemas.openxmlformats.org/drawingml/2006/main" xmlns:r="http://schemas.openxmlformats.org/officeDocument/2006/relationships" xmlns:p="http://schemas.openxmlformats.org/presentationml/2006/main">
+  <p:cSld>
+    <p:spTree>
+      <p:nvGrpSpPr>
+        <p:cNvPr id="1" name=""/>
+        <p:cNvGrpSpPr/>
+        <p:nvPr/>
+      </p:nvGrpSpPr>
+      <p:grpSpPr>
+        <a:xfrm>
+          <a:off x="0" y="0"/>
+          <a:ext cx="0" cy="0"/>
+          <a:chOff x="0" y="0"/>
+          <a:chExt cx="0" cy="0"/>
+        </a:xfrm>
+      </p:grpSpPr>
+      <p:sp>
+        <p:nvSpPr>
+          <p:cNvPr id="2" name="Slide Image Placeholder 1"/>
+          <p:cNvSpPr>
+            <a:spLocks noGrp="1" noRot="1" noChangeAspect="1"/>
+          </p:cNvSpPr>
+          <p:nvPr>
+            <p:ph type="sldImg"/>
+          </p:nvPr>
+        </p:nvSpPr>
+        <p:spPr/>
+      </p:sp>
+      <p:sp>
+        <p:nvSpPr>
+          <p:cNvPr id="3" name="Notes Placeholder 2"/>
+          <p:cNvSpPr>
+            <a:spLocks noGrp="1"/>
+          </p:cNvSpPr>
+          <p:nvPr>
+            <p:ph type="body" idx="1"/>
+          </p:nvPr>
+        </p:nvSpPr>
+        <p:spPr/>
+        <p:txBody>
+          <a:bodyPr/>
+          <a:lstStyle/>
+          <a:p>
+            <a:r>
+              <a:rPr lang="en-US" dirty="0"/>
+              <a:t>PowerShell does not ship with all of the help files to lower the size of the install</a:t>
+            </a:r>
+          </a:p>
+          <a:p>
+            <a:r>
+              <a:rPr lang="en-US" dirty="0"/>
+              <a:t>Update should be run as administrator as the files are laid down in the system folders</a:t>
+            </a:r>
+          </a:p>
+          <a:p>
+            <a:r>
+              <a:rPr lang="en-US" dirty="0"/>
+              <a:t>Title is song lyrics from The Beatles</a:t>
+            </a:r>
+          </a:p>
+        </p:txBody>
+      </p:sp>
+      <p:sp>
+        <p:nvSpPr>
+          <p:cNvPr id="4" name="Slide Number Placeholder 3"/>
+          <p:cNvSpPr>
+            <a:spLocks noGrp="1"/>
+          </p:cNvSpPr>
+          <p:nvPr>
+            <p:ph type="sldNum" sz="quarter" idx="5"/>
+          </p:nvPr>
+        </p:nvSpPr>
+        <p:spPr/>
+        <p:txBody>
+          <a:bodyPr/>
+          <a:lstStyle/>
+          <a:p>
+            <a:fld id="{C556AB2D-E6C7-4CA0-9DAF-29512BF9A363}" type="slidenum">
+              <a:rPr lang="en-US" smtClean="0"/>
+              <a:t>3</a:t>
+            </a:fld>
+            <a:endParaRPr lang="en-US"/>
+          </a:p>
+        </p:txBody>
+      </p:sp>
+    </p:spTree>
+    <p:extLst>
+      <p:ext uri="{BB962C8B-B14F-4D97-AF65-F5344CB8AC3E}">
+        <p14:creationId xmlns:p14="http://schemas.microsoft.com/office/powerpoint/2010/main" val="4270964808"/>
+      </p:ext>
+    </p:extLst>
+  </p:cSld>
+  <p:clrMapOvr>
+    <a:masterClrMapping/>
+  </p:clrMapOvr>
+</p:notes>
+</file>
+
+<file path=ppt/notesSlides/notesSlide2.xml><?xml version="1.0" encoding="utf-8"?>
+<p:notes xmlns:a="http://schemas.openxmlformats.org/drawingml/2006/main" xmlns:r="http://schemas.openxmlformats.org/officeDocument/2006/relationships" xmlns:p="http://schemas.openxmlformats.org/presentationml/2006/main">
+  <p:cSld>
+    <p:spTree>
+      <p:nvGrpSpPr>
+        <p:cNvPr id="1" name=""/>
+        <p:cNvGrpSpPr/>
+        <p:nvPr/>
+      </p:nvGrpSpPr>
+      <p:grpSpPr>
+        <a:xfrm>
+          <a:off x="0" y="0"/>
+          <a:ext cx="0" cy="0"/>
+          <a:chOff x="0" y="0"/>
+          <a:chExt cx="0" cy="0"/>
+        </a:xfrm>
+      </p:grpSpPr>
+      <p:sp>
+        <p:nvSpPr>
+          <p:cNvPr id="2" name="Slide Image Placeholder 1"/>
+          <p:cNvSpPr>
+            <a:spLocks noGrp="1" noRot="1" noChangeAspect="1"/>
+          </p:cNvSpPr>
+          <p:nvPr>
+            <p:ph type="sldImg"/>
+          </p:nvPr>
+        </p:nvSpPr>
+        <p:spPr/>
+      </p:sp>
+      <p:sp>
+        <p:nvSpPr>
+          <p:cNvPr id="3" name="Notes Placeholder 2"/>
+          <p:cNvSpPr>
+            <a:spLocks noGrp="1"/>
+          </p:cNvSpPr>
+          <p:nvPr>
+            <p:ph type="body" idx="1"/>
+          </p:nvPr>
+        </p:nvSpPr>
+        <p:spPr/>
+        <p:txBody>
+          <a:bodyPr/>
+          <a:lstStyle/>
+          <a:p>
+            <a:r>
+              <a:rPr lang="en-US" dirty="0"/>
+              <a:t>Should feel confident now to explore what commands we can run in PowerShell</a:t>
+            </a:r>
+          </a:p>
+          <a:p>
+            <a:r>
+              <a:rPr lang="en-US" dirty="0"/>
+              <a:t>The title is intended to be song lyrics from the band Lakeside</a:t>
+            </a:r>
+          </a:p>
+          <a:p>
+            <a:endParaRPr lang="en-US" dirty="0"/>
+          </a:p>
+        </p:txBody>
+      </p:sp>
+      <p:sp>
+        <p:nvSpPr>
+          <p:cNvPr id="4" name="Slide Number Placeholder 3"/>
+          <p:cNvSpPr>
+            <a:spLocks noGrp="1"/>
+          </p:cNvSpPr>
+          <p:nvPr>
+            <p:ph type="sldNum" sz="quarter" idx="5"/>
+          </p:nvPr>
+        </p:nvSpPr>
+        <p:spPr/>
+        <p:txBody>
+          <a:bodyPr/>
+          <a:lstStyle/>
+          <a:p>
+            <a:fld id="{C556AB2D-E6C7-4CA0-9DAF-29512BF9A363}" type="slidenum">
+              <a:rPr lang="en-US" smtClean="0"/>
+              <a:t>5</a:t>
+            </a:fld>
+            <a:endParaRPr lang="en-US"/>
+          </a:p>
+        </p:txBody>
+      </p:sp>
+    </p:spTree>
+    <p:extLst>
+      <p:ext uri="{BB962C8B-B14F-4D97-AF65-F5344CB8AC3E}">
+        <p14:creationId xmlns:p14="http://schemas.microsoft.com/office/powerpoint/2010/main" val="2493479230"/>
+      </p:ext>
+    </p:extLst>
+  </p:cSld>
+  <p:clrMapOvr>
+    <a:masterClrMapping/>
+  </p:clrMapOvr>
+</p:notes>
 </file>
 
 <file path=ppt/slideLayouts/slideLayout1.xml><?xml version="1.0" encoding="utf-8"?>
@@ -3422,7 +4101,7 @@
         <p:spPr/>
         <p:txBody>
           <a:bodyPr>
-            <a:normAutofit lnSpcReduction="10000"/>
+            <a:normAutofit fontScale="77500" lnSpcReduction="20000"/>
           </a:bodyPr>
           <a:lstStyle/>
           <a:p>
@@ -3454,6 +4133,15 @@
                 <a:hlinkClick r:id="rId2"/>
               </a:rPr>
               <a:t>https://www.powershellchatt.com/</a:t>
+            </a:r>
+            <a:endParaRPr lang="en-US" dirty="0"/>
+          </a:p>
+          <a:p>
+            <a:r>
+              <a:rPr lang="en-US" dirty="0">
+                <a:hlinkClick r:id="rId3"/>
+              </a:rPr>
+              <a:t>https://github.com/PSHChatt/UserGroup</a:t>
             </a:r>
             <a:endParaRPr lang="en-US" dirty="0"/>
           </a:p>
@@ -3494,7 +4182,7 @@
           <p:cNvPr id="2" name="Title 1">
             <a:extLst>
               <a:ext uri="{FF2B5EF4-FFF2-40B4-BE49-F238E27FC236}">
-                <a16:creationId xmlns:a16="http://schemas.microsoft.com/office/drawing/2014/main" id="{A1E55A32-07B6-48F8-8603-815920900656}"/>
+                <a16:creationId xmlns:a16="http://schemas.microsoft.com/office/drawing/2014/main" id="{05B193E3-249B-470A-889C-8C94E2A0A61E}"/>
               </a:ext>
             </a:extLst>
           </p:cNvPr>
@@ -3512,7 +4200,7 @@
           <a:p>
             <a:r>
               <a:rPr lang="en-US" dirty="0"/>
-              <a:t>Help! I need somebody, not just anybody</a:t>
+              <a:t>PowerShell History and Standards</a:t>
             </a:r>
           </a:p>
         </p:txBody>
@@ -3522,7 +4210,7 @@
           <p:cNvPr id="3" name="Content Placeholder 2">
             <a:extLst>
               <a:ext uri="{FF2B5EF4-FFF2-40B4-BE49-F238E27FC236}">
-                <a16:creationId xmlns:a16="http://schemas.microsoft.com/office/drawing/2014/main" id="{A37876D5-20D9-41D1-96E2-C73600455D24}"/>
+                <a16:creationId xmlns:a16="http://schemas.microsoft.com/office/drawing/2014/main" id="{B39900F3-93D5-4C4B-AB69-DAE8302B88DC}"/>
               </a:ext>
             </a:extLst>
           </p:cNvPr>
@@ -3540,7 +4228,15 @@
           <a:p>
             <a:r>
               <a:rPr lang="en-US" dirty="0"/>
-              <a:t>Get-Help</a:t>
+              <a:t>Designed in 2002 by Jeffrey </a:t>
+            </a:r>
+            <a:r>
+              <a:rPr lang="en-US" dirty="0" err="1"/>
+              <a:t>Snover</a:t>
+            </a:r>
+            <a:r>
+              <a:rPr lang="en-US" dirty="0"/>
+              <a:t> to create a framework that could be used for automation and pluggable into other systems</a:t>
             </a:r>
           </a:p>
           <a:p>
@@ -3549,7 +4245,7 @@
           <a:p>
             <a:r>
               <a:rPr lang="en-US" dirty="0"/>
-              <a:t>Update-Help run as administrator</a:t>
+              <a:t>First called Monad but before version 1 was released it was changed to Windows PowerShell</a:t>
             </a:r>
           </a:p>
           <a:p>
@@ -3558,24 +4254,21 @@
           <a:p>
             <a:r>
               <a:rPr lang="en-US" dirty="0"/>
-              <a:t>It is common to get errors about updating help files for specific modules and can be ignored</a:t>
+              <a:t>Has a &lt;verb&gt;-&lt;noun&gt; syntax and can be stringed together with multiple commands using a pipe |</a:t>
             </a:r>
           </a:p>
           <a:p>
             <a:endParaRPr lang="en-US" dirty="0"/>
           </a:p>
           <a:p>
-            <a:r>
-              <a:rPr lang="en-US" dirty="0"/>
-              <a:t>Help and man are two aliases for Get-Help</a:t>
-            </a:r>
+            <a:endParaRPr lang="en-US" dirty="0"/>
           </a:p>
         </p:txBody>
       </p:sp>
     </p:spTree>
     <p:extLst>
       <p:ext uri="{BB962C8B-B14F-4D97-AF65-F5344CB8AC3E}">
-        <p14:creationId xmlns:p14="http://schemas.microsoft.com/office/powerpoint/2010/main" val="311011863"/>
+        <p14:creationId xmlns:p14="http://schemas.microsoft.com/office/powerpoint/2010/main" val="3278669182"/>
       </p:ext>
     </p:extLst>
   </p:cSld>
@@ -3607,6 +4300,119 @@
           <p:cNvPr id="2" name="Title 1">
             <a:extLst>
               <a:ext uri="{FF2B5EF4-FFF2-40B4-BE49-F238E27FC236}">
+                <a16:creationId xmlns:a16="http://schemas.microsoft.com/office/drawing/2014/main" id="{A1E55A32-07B6-48F8-8603-815920900656}"/>
+              </a:ext>
+            </a:extLst>
+          </p:cNvPr>
+          <p:cNvSpPr>
+            <a:spLocks noGrp="1"/>
+          </p:cNvSpPr>
+          <p:nvPr>
+            <p:ph type="title"/>
+          </p:nvPr>
+        </p:nvSpPr>
+        <p:spPr/>
+        <p:txBody>
+          <a:bodyPr/>
+          <a:lstStyle/>
+          <a:p>
+            <a:r>
+              <a:rPr lang="en-US" dirty="0"/>
+              <a:t>Help! I need somebody; not just anybody</a:t>
+            </a:r>
+          </a:p>
+        </p:txBody>
+      </p:sp>
+      <p:sp>
+        <p:nvSpPr>
+          <p:cNvPr id="3" name="Content Placeholder 2">
+            <a:extLst>
+              <a:ext uri="{FF2B5EF4-FFF2-40B4-BE49-F238E27FC236}">
+                <a16:creationId xmlns:a16="http://schemas.microsoft.com/office/drawing/2014/main" id="{A37876D5-20D9-41D1-96E2-C73600455D24}"/>
+              </a:ext>
+            </a:extLst>
+          </p:cNvPr>
+          <p:cNvSpPr>
+            <a:spLocks noGrp="1"/>
+          </p:cNvSpPr>
+          <p:nvPr>
+            <p:ph idx="1"/>
+          </p:nvPr>
+        </p:nvSpPr>
+        <p:spPr/>
+        <p:txBody>
+          <a:bodyPr/>
+          <a:lstStyle/>
+          <a:p>
+            <a:r>
+              <a:rPr lang="en-US" dirty="0"/>
+              <a:t>Get-Help</a:t>
+            </a:r>
+          </a:p>
+          <a:p>
+            <a:endParaRPr lang="en-US" dirty="0"/>
+          </a:p>
+          <a:p>
+            <a:r>
+              <a:rPr lang="en-US" dirty="0"/>
+              <a:t>Update-Help run as administrator</a:t>
+            </a:r>
+          </a:p>
+          <a:p>
+            <a:endParaRPr lang="en-US" dirty="0"/>
+          </a:p>
+          <a:p>
+            <a:r>
+              <a:rPr lang="en-US" dirty="0"/>
+              <a:t>It is common to get errors about updating help files for specific modules and can be ignored</a:t>
+            </a:r>
+          </a:p>
+          <a:p>
+            <a:endParaRPr lang="en-US" dirty="0"/>
+          </a:p>
+          <a:p>
+            <a:r>
+              <a:rPr lang="en-US" dirty="0"/>
+              <a:t>Help and man are two aliases for Get-Help</a:t>
+            </a:r>
+          </a:p>
+        </p:txBody>
+      </p:sp>
+    </p:spTree>
+    <p:extLst>
+      <p:ext uri="{BB962C8B-B14F-4D97-AF65-F5344CB8AC3E}">
+        <p14:creationId xmlns:p14="http://schemas.microsoft.com/office/powerpoint/2010/main" val="311011863"/>
+      </p:ext>
+    </p:extLst>
+  </p:cSld>
+  <p:clrMapOvr>
+    <a:masterClrMapping/>
+  </p:clrMapOvr>
+</p:sld>
+</file>
+
+<file path=ppt/slides/slide4.xml><?xml version="1.0" encoding="utf-8"?>
+<p:sld xmlns:a="http://schemas.openxmlformats.org/drawingml/2006/main" xmlns:r="http://schemas.openxmlformats.org/officeDocument/2006/relationships" xmlns:p="http://schemas.openxmlformats.org/presentationml/2006/main">
+  <p:cSld>
+    <p:spTree>
+      <p:nvGrpSpPr>
+        <p:cNvPr id="1" name=""/>
+        <p:cNvGrpSpPr/>
+        <p:nvPr/>
+      </p:nvGrpSpPr>
+      <p:grpSpPr>
+        <a:xfrm>
+          <a:off x="0" y="0"/>
+          <a:ext cx="0" cy="0"/>
+          <a:chOff x="0" y="0"/>
+          <a:chExt cx="0" cy="0"/>
+        </a:xfrm>
+      </p:grpSpPr>
+      <p:sp>
+        <p:nvSpPr>
+          <p:cNvPr id="2" name="Title 1">
+            <a:extLst>
+              <a:ext uri="{FF2B5EF4-FFF2-40B4-BE49-F238E27FC236}">
                 <a16:creationId xmlns:a16="http://schemas.microsoft.com/office/drawing/2014/main" id="{846CE1C8-0815-4CBD-822C-7B1BFEF76D97}"/>
               </a:ext>
             </a:extLst>
@@ -3659,6 +4465,293 @@
     <p:extLst>
       <p:ext uri="{BB962C8B-B14F-4D97-AF65-F5344CB8AC3E}">
         <p14:creationId xmlns:p14="http://schemas.microsoft.com/office/powerpoint/2010/main" val="1560917551"/>
+      </p:ext>
+    </p:extLst>
+  </p:cSld>
+  <p:clrMapOvr>
+    <a:masterClrMapping/>
+  </p:clrMapOvr>
+</p:sld>
+</file>
+
+<file path=ppt/slides/slide5.xml><?xml version="1.0" encoding="utf-8"?>
+<p:sld xmlns:a="http://schemas.openxmlformats.org/drawingml/2006/main" xmlns:r="http://schemas.openxmlformats.org/officeDocument/2006/relationships" xmlns:p="http://schemas.openxmlformats.org/presentationml/2006/main">
+  <p:cSld>
+    <p:spTree>
+      <p:nvGrpSpPr>
+        <p:cNvPr id="1" name=""/>
+        <p:cNvGrpSpPr/>
+        <p:nvPr/>
+      </p:nvGrpSpPr>
+      <p:grpSpPr>
+        <a:xfrm>
+          <a:off x="0" y="0"/>
+          <a:ext cx="0" cy="0"/>
+          <a:chOff x="0" y="0"/>
+          <a:chExt cx="0" cy="0"/>
+        </a:xfrm>
+      </p:grpSpPr>
+      <p:sp>
+        <p:nvSpPr>
+          <p:cNvPr id="2" name="Title 1">
+            <a:extLst>
+              <a:ext uri="{FF2B5EF4-FFF2-40B4-BE49-F238E27FC236}">
+                <a16:creationId xmlns:a16="http://schemas.microsoft.com/office/drawing/2014/main" id="{5C4BA178-2996-4D86-9409-4A192A826FDB}"/>
+              </a:ext>
+            </a:extLst>
+          </p:cNvPr>
+          <p:cNvSpPr>
+            <a:spLocks noGrp="1"/>
+          </p:cNvSpPr>
+          <p:nvPr>
+            <p:ph type="title"/>
+          </p:nvPr>
+        </p:nvSpPr>
+        <p:spPr/>
+        <p:txBody>
+          <a:bodyPr/>
+          <a:lstStyle/>
+          <a:p>
+            <a:r>
+              <a:rPr lang="en-US" dirty="0"/>
+              <a:t>Your wish is my command</a:t>
+            </a:r>
+          </a:p>
+        </p:txBody>
+      </p:sp>
+      <p:sp>
+        <p:nvSpPr>
+          <p:cNvPr id="3" name="Content Placeholder 2">
+            <a:extLst>
+              <a:ext uri="{FF2B5EF4-FFF2-40B4-BE49-F238E27FC236}">
+                <a16:creationId xmlns:a16="http://schemas.microsoft.com/office/drawing/2014/main" id="{59849B9E-97F6-47A3-AB10-B0775F126161}"/>
+              </a:ext>
+            </a:extLst>
+          </p:cNvPr>
+          <p:cNvSpPr>
+            <a:spLocks noGrp="1"/>
+          </p:cNvSpPr>
+          <p:nvPr>
+            <p:ph idx="1"/>
+          </p:nvPr>
+        </p:nvSpPr>
+        <p:spPr/>
+        <p:txBody>
+          <a:bodyPr/>
+          <a:lstStyle/>
+          <a:p>
+            <a:r>
+              <a:rPr lang="en-US" dirty="0"/>
+              <a:t>Get-Command</a:t>
+            </a:r>
+          </a:p>
+          <a:p>
+            <a:endParaRPr lang="en-US" dirty="0"/>
+          </a:p>
+          <a:p>
+            <a:r>
+              <a:rPr lang="en-US" dirty="0"/>
+              <a:t>Provides details about a command</a:t>
+            </a:r>
+          </a:p>
+          <a:p>
+            <a:endParaRPr lang="en-US" dirty="0"/>
+          </a:p>
+          <a:p>
+            <a:r>
+              <a:rPr lang="en-US" dirty="0"/>
+              <a:t>Can search by verb, noun, type, module it is defined in, and more</a:t>
+            </a:r>
+          </a:p>
+        </p:txBody>
+      </p:sp>
+    </p:spTree>
+    <p:extLst>
+      <p:ext uri="{BB962C8B-B14F-4D97-AF65-F5344CB8AC3E}">
+        <p14:creationId xmlns:p14="http://schemas.microsoft.com/office/powerpoint/2010/main" val="2866318210"/>
+      </p:ext>
+    </p:extLst>
+  </p:cSld>
+  <p:clrMapOvr>
+    <a:masterClrMapping/>
+  </p:clrMapOvr>
+</p:sld>
+</file>
+
+<file path=ppt/slides/slide6.xml><?xml version="1.0" encoding="utf-8"?>
+<p:sld xmlns:a="http://schemas.openxmlformats.org/drawingml/2006/main" xmlns:r="http://schemas.openxmlformats.org/officeDocument/2006/relationships" xmlns:p="http://schemas.openxmlformats.org/presentationml/2006/main">
+  <p:cSld>
+    <p:spTree>
+      <p:nvGrpSpPr>
+        <p:cNvPr id="1" name=""/>
+        <p:cNvGrpSpPr/>
+        <p:nvPr/>
+      </p:nvGrpSpPr>
+      <p:grpSpPr>
+        <a:xfrm>
+          <a:off x="0" y="0"/>
+          <a:ext cx="0" cy="0"/>
+          <a:chOff x="0" y="0"/>
+          <a:chExt cx="0" cy="0"/>
+        </a:xfrm>
+      </p:grpSpPr>
+      <p:sp>
+        <p:nvSpPr>
+          <p:cNvPr id="2" name="Title 1">
+            <a:extLst>
+              <a:ext uri="{FF2B5EF4-FFF2-40B4-BE49-F238E27FC236}">
+                <a16:creationId xmlns:a16="http://schemas.microsoft.com/office/drawing/2014/main" id="{E47E3F83-1473-4FDF-B075-018EBEBB1BFA}"/>
+              </a:ext>
+            </a:extLst>
+          </p:cNvPr>
+          <p:cNvSpPr>
+            <a:spLocks noGrp="1"/>
+          </p:cNvSpPr>
+          <p:nvPr>
+            <p:ph type="title"/>
+          </p:nvPr>
+        </p:nvSpPr>
+        <p:spPr/>
+        <p:txBody>
+          <a:bodyPr/>
+          <a:lstStyle/>
+          <a:p>
+            <a:r>
+              <a:rPr lang="en-US" dirty="0"/>
+              <a:t>Get-Command Demo</a:t>
+            </a:r>
+          </a:p>
+        </p:txBody>
+      </p:sp>
+      <p:sp>
+        <p:nvSpPr>
+          <p:cNvPr id="3" name="Content Placeholder 2">
+            <a:extLst>
+              <a:ext uri="{FF2B5EF4-FFF2-40B4-BE49-F238E27FC236}">
+                <a16:creationId xmlns:a16="http://schemas.microsoft.com/office/drawing/2014/main" id="{E3D0640B-6519-4F75-AA65-3344B28E6BEB}"/>
+              </a:ext>
+            </a:extLst>
+          </p:cNvPr>
+          <p:cNvSpPr>
+            <a:spLocks noGrp="1"/>
+          </p:cNvSpPr>
+          <p:nvPr>
+            <p:ph idx="1"/>
+          </p:nvPr>
+        </p:nvSpPr>
+        <p:spPr/>
+        <p:txBody>
+          <a:bodyPr/>
+          <a:lstStyle/>
+          <a:p>
+            <a:endParaRPr lang="en-US"/>
+          </a:p>
+        </p:txBody>
+      </p:sp>
+    </p:spTree>
+    <p:extLst>
+      <p:ext uri="{BB962C8B-B14F-4D97-AF65-F5344CB8AC3E}">
+        <p14:creationId xmlns:p14="http://schemas.microsoft.com/office/powerpoint/2010/main" val="4124520193"/>
+      </p:ext>
+    </p:extLst>
+  </p:cSld>
+  <p:clrMapOvr>
+    <a:masterClrMapping/>
+  </p:clrMapOvr>
+</p:sld>
+</file>
+
+<file path=ppt/slides/slide7.xml><?xml version="1.0" encoding="utf-8"?>
+<p:sld xmlns:a="http://schemas.openxmlformats.org/drawingml/2006/main" xmlns:r="http://schemas.openxmlformats.org/officeDocument/2006/relationships" xmlns:p="http://schemas.openxmlformats.org/presentationml/2006/main">
+  <p:cSld>
+    <p:spTree>
+      <p:nvGrpSpPr>
+        <p:cNvPr id="1" name=""/>
+        <p:cNvGrpSpPr/>
+        <p:nvPr/>
+      </p:nvGrpSpPr>
+      <p:grpSpPr>
+        <a:xfrm>
+          <a:off x="0" y="0"/>
+          <a:ext cx="0" cy="0"/>
+          <a:chOff x="0" y="0"/>
+          <a:chExt cx="0" cy="0"/>
+        </a:xfrm>
+      </p:grpSpPr>
+      <p:sp>
+        <p:nvSpPr>
+          <p:cNvPr id="2" name="Title 1">
+            <a:extLst>
+              <a:ext uri="{FF2B5EF4-FFF2-40B4-BE49-F238E27FC236}">
+                <a16:creationId xmlns:a16="http://schemas.microsoft.com/office/drawing/2014/main" id="{78F2687B-1DAD-4E58-94AC-1009C9CF1721}"/>
+              </a:ext>
+            </a:extLst>
+          </p:cNvPr>
+          <p:cNvSpPr>
+            <a:spLocks noGrp="1"/>
+          </p:cNvSpPr>
+          <p:nvPr>
+            <p:ph type="title"/>
+          </p:nvPr>
+        </p:nvSpPr>
+        <p:spPr/>
+        <p:txBody>
+          <a:bodyPr/>
+          <a:lstStyle/>
+          <a:p>
+            <a:r>
+              <a:rPr lang="en-US" dirty="0"/>
+              <a:t>References</a:t>
+            </a:r>
+          </a:p>
+        </p:txBody>
+      </p:sp>
+      <p:sp>
+        <p:nvSpPr>
+          <p:cNvPr id="3" name="Content Placeholder 2">
+            <a:extLst>
+              <a:ext uri="{FF2B5EF4-FFF2-40B4-BE49-F238E27FC236}">
+                <a16:creationId xmlns:a16="http://schemas.microsoft.com/office/drawing/2014/main" id="{B878F1E6-3C4D-4BDE-825C-E244F9657F36}"/>
+              </a:ext>
+            </a:extLst>
+          </p:cNvPr>
+          <p:cNvSpPr>
+            <a:spLocks noGrp="1"/>
+          </p:cNvSpPr>
+          <p:nvPr>
+            <p:ph idx="1"/>
+          </p:nvPr>
+        </p:nvSpPr>
+        <p:spPr/>
+        <p:txBody>
+          <a:bodyPr/>
+          <a:lstStyle/>
+          <a:p>
+            <a:r>
+              <a:rPr lang="en-US" dirty="0">
+                <a:hlinkClick r:id="rId2"/>
+              </a:rPr>
+              <a:t>https://www.jsnover.com/Docs/MonadManifesto.pdf</a:t>
+            </a:r>
+            <a:endParaRPr lang="en-US" dirty="0">
+              <a:hlinkClick r:id="rId3"/>
+            </a:endParaRPr>
+          </a:p>
+          <a:p>
+            <a:r>
+              <a:rPr lang="en-US" dirty="0">
+                <a:hlinkClick r:id="rId3"/>
+              </a:rPr>
+              <a:t>https://communary.net/2015/01/20/the-holy-trinity-of-powershell-cmdlets/</a:t>
+            </a:r>
+            <a:endParaRPr lang="en-US" dirty="0"/>
+          </a:p>
+        </p:txBody>
+      </p:sp>
+    </p:spTree>
+    <p:extLst>
+      <p:ext uri="{BB962C8B-B14F-4D97-AF65-F5344CB8AC3E}">
+        <p14:creationId xmlns:p14="http://schemas.microsoft.com/office/powerpoint/2010/main" val="3846218459"/>
       </p:ext>
     </p:extLst>
   </p:cSld>
@@ -3961,4 +5054,299 @@
     </a:ext>
   </a:extLst>
 </a:theme>
+</file>
+
+<file path=ppt/theme/theme2.xml><?xml version="1.0" encoding="utf-8"?>
+<a:theme xmlns:a="http://schemas.openxmlformats.org/drawingml/2006/main" name="Office Theme">
+  <a:themeElements>
+    <a:clrScheme name="Office">
+      <a:dk1>
+        <a:sysClr val="windowText" lastClr="000000"/>
+      </a:dk1>
+      <a:lt1>
+        <a:sysClr val="window" lastClr="FFFFFF"/>
+      </a:lt1>
+      <a:dk2>
+        <a:srgbClr val="44546A"/>
+      </a:dk2>
+      <a:lt2>
+        <a:srgbClr val="E7E6E6"/>
+      </a:lt2>
+      <a:accent1>
+        <a:srgbClr val="4472C4"/>
+      </a:accent1>
+      <a:accent2>
+        <a:srgbClr val="ED7D31"/>
+      </a:accent2>
+      <a:accent3>
+        <a:srgbClr val="A5A5A5"/>
+      </a:accent3>
+      <a:accent4>
+        <a:srgbClr val="FFC000"/>
+      </a:accent4>
+      <a:accent5>
+        <a:srgbClr val="5B9BD5"/>
+      </a:accent5>
+      <a:accent6>
+        <a:srgbClr val="70AD47"/>
+      </a:accent6>
+      <a:hlink>
+        <a:srgbClr val="0563C1"/>
+      </a:hlink>
+      <a:folHlink>
+        <a:srgbClr val="954F72"/>
+      </a:folHlink>
+    </a:clrScheme>
+    <a:fontScheme name="Office">
+      <a:majorFont>
+        <a:latin typeface="Calibri Light" panose="020F0302020204030204"/>
+        <a:ea typeface=""/>
+        <a:cs typeface=""/>
+        <a:font script="Jpan" typeface="游ゴシック Light"/>
+        <a:font script="Hang" typeface="맑은 고딕"/>
+        <a:font script="Hans" typeface="等线 Light"/>
+        <a:font script="Hant" typeface="新細明體"/>
+        <a:font script="Arab" typeface="Times New Roman"/>
+        <a:font script="Hebr" typeface="Times New Roman"/>
+        <a:font script="Thai" typeface="Angsana New"/>
+        <a:font script="Ethi" typeface="Nyala"/>
+        <a:font script="Beng" typeface="Vrinda"/>
+        <a:font script="Gujr" typeface="Shruti"/>
+        <a:font script="Khmr" typeface="MoolBoran"/>
+        <a:font script="Knda" typeface="Tunga"/>
+        <a:font script="Guru" typeface="Raavi"/>
+        <a:font script="Cans" typeface="Euphemia"/>
+        <a:font script="Cher" typeface="Plantagenet Cherokee"/>
+        <a:font script="Yiii" typeface="Microsoft Yi Baiti"/>
+        <a:font script="Tibt" typeface="Microsoft Himalaya"/>
+        <a:font script="Thaa" typeface="MV Boli"/>
+        <a:font script="Deva" typeface="Mangal"/>
+        <a:font script="Telu" typeface="Gautami"/>
+        <a:font script="Taml" typeface="Latha"/>
+        <a:font script="Syrc" typeface="Estrangelo Edessa"/>
+        <a:font script="Orya" typeface="Kalinga"/>
+        <a:font script="Mlym" typeface="Kartika"/>
+        <a:font script="Laoo" typeface="DokChampa"/>
+        <a:font script="Sinh" typeface="Iskoola Pota"/>
+        <a:font script="Mong" typeface="Mongolian Baiti"/>
+        <a:font script="Viet" typeface="Times New Roman"/>
+        <a:font script="Uigh" typeface="Microsoft Uighur"/>
+        <a:font script="Geor" typeface="Sylfaen"/>
+        <a:font script="Armn" typeface="Arial"/>
+        <a:font script="Bugi" typeface="Leelawadee UI"/>
+        <a:font script="Bopo" typeface="Microsoft JhengHei"/>
+        <a:font script="Java" typeface="Javanese Text"/>
+        <a:font script="Lisu" typeface="Segoe UI"/>
+        <a:font script="Mymr" typeface="Myanmar Text"/>
+        <a:font script="Nkoo" typeface="Ebrima"/>
+        <a:font script="Olck" typeface="Nirmala UI"/>
+        <a:font script="Osma" typeface="Ebrima"/>
+        <a:font script="Phag" typeface="Phagspa"/>
+        <a:font script="Syrn" typeface="Estrangelo Edessa"/>
+        <a:font script="Syrj" typeface="Estrangelo Edessa"/>
+        <a:font script="Syre" typeface="Estrangelo Edessa"/>
+        <a:font script="Sora" typeface="Nirmala UI"/>
+        <a:font script="Tale" typeface="Microsoft Tai Le"/>
+        <a:font script="Talu" typeface="Microsoft New Tai Lue"/>
+        <a:font script="Tfng" typeface="Ebrima"/>
+      </a:majorFont>
+      <a:minorFont>
+        <a:latin typeface="Calibri" panose="020F0502020204030204"/>
+        <a:ea typeface=""/>
+        <a:cs typeface=""/>
+        <a:font script="Jpan" typeface="游ゴシック"/>
+        <a:font script="Hang" typeface="맑은 고딕"/>
+        <a:font script="Hans" typeface="等线"/>
+        <a:font script="Hant" typeface="新細明體"/>
+        <a:font script="Arab" typeface="Arial"/>
+        <a:font script="Hebr" typeface="Arial"/>
+        <a:font script="Thai" typeface="Cordia New"/>
+        <a:font script="Ethi" typeface="Nyala"/>
+        <a:font script="Beng" typeface="Vrinda"/>
+        <a:font script="Gujr" typeface="Shruti"/>
+        <a:font script="Khmr" typeface="DaunPenh"/>
+        <a:font script="Knda" typeface="Tunga"/>
+        <a:font script="Guru" typeface="Raavi"/>
+        <a:font script="Cans" typeface="Euphemia"/>
+        <a:font script="Cher" typeface="Plantagenet Cherokee"/>
+        <a:font script="Yiii" typeface="Microsoft Yi Baiti"/>
+        <a:font script="Tibt" typeface="Microsoft Himalaya"/>
+        <a:font script="Thaa" typeface="MV Boli"/>
+        <a:font script="Deva" typeface="Mangal"/>
+        <a:font script="Telu" typeface="Gautami"/>
+        <a:font script="Taml" typeface="Latha"/>
+        <a:font script="Syrc" typeface="Estrangelo Edessa"/>
+        <a:font script="Orya" typeface="Kalinga"/>
+        <a:font script="Mlym" typeface="Kartika"/>
+        <a:font script="Laoo" typeface="DokChampa"/>
+        <a:font script="Sinh" typeface="Iskoola Pota"/>
+        <a:font script="Mong" typeface="Mongolian Baiti"/>
+        <a:font script="Viet" typeface="Arial"/>
+        <a:font script="Uigh" typeface="Microsoft Uighur"/>
+        <a:font script="Geor" typeface="Sylfaen"/>
+        <a:font script="Armn" typeface="Arial"/>
+        <a:font script="Bugi" typeface="Leelawadee UI"/>
+        <a:font script="Bopo" typeface="Microsoft JhengHei"/>
+        <a:font script="Java" typeface="Javanese Text"/>
+        <a:font script="Lisu" typeface="Segoe UI"/>
+        <a:font script="Mymr" typeface="Myanmar Text"/>
+        <a:font script="Nkoo" typeface="Ebrima"/>
+        <a:font script="Olck" typeface="Nirmala UI"/>
+        <a:font script="Osma" typeface="Ebrima"/>
+        <a:font script="Phag" typeface="Phagspa"/>
+        <a:font script="Syrn" typeface="Estrangelo Edessa"/>
+        <a:font script="Syrj" typeface="Estrangelo Edessa"/>
+        <a:font script="Syre" typeface="Estrangelo Edessa"/>
+        <a:font script="Sora" typeface="Nirmala UI"/>
+        <a:font script="Tale" typeface="Microsoft Tai Le"/>
+        <a:font script="Talu" typeface="Microsoft New Tai Lue"/>
+        <a:font script="Tfng" typeface="Ebrima"/>
+      </a:minorFont>
+    </a:fontScheme>
+    <a:fmtScheme name="Office">
+      <a:fillStyleLst>
+        <a:solidFill>
+          <a:schemeClr val="phClr"/>
+        </a:solidFill>
+        <a:gradFill rotWithShape="1">
+          <a:gsLst>
+            <a:gs pos="0">
+              <a:schemeClr val="phClr">
+                <a:lumMod val="110000"/>
+                <a:satMod val="105000"/>
+                <a:tint val="67000"/>
+              </a:schemeClr>
+            </a:gs>
+            <a:gs pos="50000">
+              <a:schemeClr val="phClr">
+                <a:lumMod val="105000"/>
+                <a:satMod val="103000"/>
+                <a:tint val="73000"/>
+              </a:schemeClr>
+            </a:gs>
+            <a:gs pos="100000">
+              <a:schemeClr val="phClr">
+                <a:lumMod val="105000"/>
+                <a:satMod val="109000"/>
+                <a:tint val="81000"/>
+              </a:schemeClr>
+            </a:gs>
+          </a:gsLst>
+          <a:lin ang="5400000" scaled="0"/>
+        </a:gradFill>
+        <a:gradFill rotWithShape="1">
+          <a:gsLst>
+            <a:gs pos="0">
+              <a:schemeClr val="phClr">
+                <a:satMod val="103000"/>
+                <a:lumMod val="102000"/>
+                <a:tint val="94000"/>
+              </a:schemeClr>
+            </a:gs>
+            <a:gs pos="50000">
+              <a:schemeClr val="phClr">
+                <a:satMod val="110000"/>
+                <a:lumMod val="100000"/>
+                <a:shade val="100000"/>
+              </a:schemeClr>
+            </a:gs>
+            <a:gs pos="100000">
+              <a:schemeClr val="phClr">
+                <a:lumMod val="99000"/>
+                <a:satMod val="120000"/>
+                <a:shade val="78000"/>
+              </a:schemeClr>
+            </a:gs>
+          </a:gsLst>
+          <a:lin ang="5400000" scaled="0"/>
+        </a:gradFill>
+      </a:fillStyleLst>
+      <a:lnStyleLst>
+        <a:ln w="6350" cap="flat" cmpd="sng" algn="ctr">
+          <a:solidFill>
+            <a:schemeClr val="phClr"/>
+          </a:solidFill>
+          <a:prstDash val="solid"/>
+          <a:miter lim="800000"/>
+        </a:ln>
+        <a:ln w="12700" cap="flat" cmpd="sng" algn="ctr">
+          <a:solidFill>
+            <a:schemeClr val="phClr"/>
+          </a:solidFill>
+          <a:prstDash val="solid"/>
+          <a:miter lim="800000"/>
+        </a:ln>
+        <a:ln w="19050" cap="flat" cmpd="sng" algn="ctr">
+          <a:solidFill>
+            <a:schemeClr val="phClr"/>
+          </a:solidFill>
+          <a:prstDash val="solid"/>
+          <a:miter lim="800000"/>
+        </a:ln>
+      </a:lnStyleLst>
+      <a:effectStyleLst>
+        <a:effectStyle>
+          <a:effectLst/>
+        </a:effectStyle>
+        <a:effectStyle>
+          <a:effectLst/>
+        </a:effectStyle>
+        <a:effectStyle>
+          <a:effectLst>
+            <a:outerShdw blurRad="57150" dist="19050" dir="5400000" algn="ctr" rotWithShape="0">
+              <a:srgbClr val="000000">
+                <a:alpha val="63000"/>
+              </a:srgbClr>
+            </a:outerShdw>
+          </a:effectLst>
+        </a:effectStyle>
+      </a:effectStyleLst>
+      <a:bgFillStyleLst>
+        <a:solidFill>
+          <a:schemeClr val="phClr"/>
+        </a:solidFill>
+        <a:solidFill>
+          <a:schemeClr val="phClr">
+            <a:tint val="95000"/>
+            <a:satMod val="170000"/>
+          </a:schemeClr>
+        </a:solidFill>
+        <a:gradFill rotWithShape="1">
+          <a:gsLst>
+            <a:gs pos="0">
+              <a:schemeClr val="phClr">
+                <a:tint val="93000"/>
+                <a:satMod val="150000"/>
+                <a:shade val="98000"/>
+                <a:lumMod val="102000"/>
+              </a:schemeClr>
+            </a:gs>
+            <a:gs pos="50000">
+              <a:schemeClr val="phClr">
+                <a:tint val="98000"/>
+                <a:satMod val="130000"/>
+                <a:shade val="90000"/>
+                <a:lumMod val="103000"/>
+              </a:schemeClr>
+            </a:gs>
+            <a:gs pos="100000">
+              <a:schemeClr val="phClr">
+                <a:shade val="63000"/>
+                <a:satMod val="120000"/>
+              </a:schemeClr>
+            </a:gs>
+          </a:gsLst>
+          <a:lin ang="5400000" scaled="0"/>
+        </a:gradFill>
+      </a:bgFillStyleLst>
+    </a:fmtScheme>
+  </a:themeElements>
+  <a:objectDefaults/>
+  <a:extraClrSchemeLst/>
+  <a:extLst>
+    <a:ext uri="{05A4C25C-085E-4340-85A3-A5531E510DB2}">
+      <thm15:themeFamily xmlns:thm15="http://schemas.microsoft.com/office/thememl/2012/main" name="Office Theme" id="{62F939B6-93AF-4DB8-9C6B-D6C7DFDC589F}" vid="{4A3C46E8-61CC-4603-A589-7422A47A8E4A}"/>
+    </a:ext>
+  </a:extLst>
+</a:theme>
 </file>
--- a/PowerShell Fundamentals 1.pptx
+++ b/PowerShell Fundamentals 1.pptx
@@ -5,7 +5,7 @@
     <p:sldMasterId id="2147483648" r:id="rId1"/>
   </p:sldMasterIdLst>
   <p:notesMasterIdLst>
-    <p:notesMasterId r:id="rId9"/>
+    <p:notesMasterId r:id="rId11"/>
   </p:notesMasterIdLst>
   <p:sldIdLst>
     <p:sldId id="256" r:id="rId2"/>
@@ -14,7 +14,9 @@
     <p:sldId id="258" r:id="rId5"/>
     <p:sldId id="259" r:id="rId6"/>
     <p:sldId id="262" r:id="rId7"/>
-    <p:sldId id="260" r:id="rId8"/>
+    <p:sldId id="263" r:id="rId8"/>
+    <p:sldId id="264" r:id="rId9"/>
+    <p:sldId id="260" r:id="rId10"/>
   </p:sldIdLst>
   <p:sldSz cx="12192000" cy="6858000"/>
   <p:notesSz cx="6858000" cy="9144000"/>
@@ -126,18 +128,18 @@
   <pc:docChgLst>
     <pc:chgData name="David Littlejohn" userId="1a0871b5c88a1c81" providerId="LiveId" clId="{DA4CFBB5-EEA7-45D3-9440-3B65A164F9AB}"/>
     <pc:docChg chg="undo custSel addSld modSld">
-      <pc:chgData name="David Littlejohn" userId="1a0871b5c88a1c81" providerId="LiveId" clId="{DA4CFBB5-EEA7-45D3-9440-3B65A164F9AB}" dt="2019-06-17T21:17:49.163" v="1195" actId="27636"/>
+      <pc:chgData name="David Littlejohn" userId="1a0871b5c88a1c81" providerId="LiveId" clId="{DA4CFBB5-EEA7-45D3-9440-3B65A164F9AB}" dt="2019-06-17T21:43:17.238" v="1703" actId="20577"/>
       <pc:docMkLst>
         <pc:docMk/>
       </pc:docMkLst>
       <pc:sldChg chg="modSp">
-        <pc:chgData name="David Littlejohn" userId="1a0871b5c88a1c81" providerId="LiveId" clId="{DA4CFBB5-EEA7-45D3-9440-3B65A164F9AB}" dt="2019-06-17T21:17:49.163" v="1195" actId="27636"/>
+        <pc:chgData name="David Littlejohn" userId="1a0871b5c88a1c81" providerId="LiveId" clId="{DA4CFBB5-EEA7-45D3-9440-3B65A164F9AB}" dt="2019-06-17T21:22:28.184" v="1196"/>
         <pc:sldMkLst>
           <pc:docMk/>
           <pc:sldMk cId="878438801" sldId="256"/>
         </pc:sldMkLst>
         <pc:spChg chg="mod">
-          <ac:chgData name="David Littlejohn" userId="1a0871b5c88a1c81" providerId="LiveId" clId="{DA4CFBB5-EEA7-45D3-9440-3B65A164F9AB}" dt="2019-06-17T21:17:49.163" v="1195" actId="27636"/>
+          <ac:chgData name="David Littlejohn" userId="1a0871b5c88a1c81" providerId="LiveId" clId="{DA4CFBB5-EEA7-45D3-9440-3B65A164F9AB}" dt="2019-06-17T21:22:28.184" v="1196"/>
           <ac:spMkLst>
             <pc:docMk/>
             <pc:sldMk cId="878438801" sldId="256"/>
@@ -241,6 +243,44 @@
             <pc:docMk/>
             <pc:sldMk cId="4124520193" sldId="262"/>
             <ac:spMk id="2" creationId="{E47E3F83-1473-4FDF-B075-018EBEBB1BFA}"/>
+          </ac:spMkLst>
+        </pc:spChg>
+      </pc:sldChg>
+      <pc:sldChg chg="modSp add modNotesTx">
+        <pc:chgData name="David Littlejohn" userId="1a0871b5c88a1c81" providerId="LiveId" clId="{DA4CFBB5-EEA7-45D3-9440-3B65A164F9AB}" dt="2019-06-17T21:32:59.863" v="1681" actId="20577"/>
+        <pc:sldMkLst>
+          <pc:docMk/>
+          <pc:sldMk cId="1251765685" sldId="263"/>
+        </pc:sldMkLst>
+        <pc:spChg chg="mod">
+          <ac:chgData name="David Littlejohn" userId="1a0871b5c88a1c81" providerId="LiveId" clId="{DA4CFBB5-EEA7-45D3-9440-3B65A164F9AB}" dt="2019-06-17T21:29:06.100" v="1213" actId="20577"/>
+          <ac:spMkLst>
+            <pc:docMk/>
+            <pc:sldMk cId="1251765685" sldId="263"/>
+            <ac:spMk id="2" creationId="{4E2FCC33-C846-4483-9C6A-4F47AA21E620}"/>
+          </ac:spMkLst>
+        </pc:spChg>
+        <pc:spChg chg="mod">
+          <ac:chgData name="David Littlejohn" userId="1a0871b5c88a1c81" providerId="LiveId" clId="{DA4CFBB5-EEA7-45D3-9440-3B65A164F9AB}" dt="2019-06-17T21:32:08.141" v="1550" actId="20577"/>
+          <ac:spMkLst>
+            <pc:docMk/>
+            <pc:sldMk cId="1251765685" sldId="263"/>
+            <ac:spMk id="3" creationId="{7C48534F-BCE2-428D-87EA-98D943DB6C69}"/>
+          </ac:spMkLst>
+        </pc:spChg>
+      </pc:sldChg>
+      <pc:sldChg chg="modSp add">
+        <pc:chgData name="David Littlejohn" userId="1a0871b5c88a1c81" providerId="LiveId" clId="{DA4CFBB5-EEA7-45D3-9440-3B65A164F9AB}" dt="2019-06-17T21:43:17.238" v="1703" actId="20577"/>
+        <pc:sldMkLst>
+          <pc:docMk/>
+          <pc:sldMk cId="2231455180" sldId="264"/>
+        </pc:sldMkLst>
+        <pc:spChg chg="mod">
+          <ac:chgData name="David Littlejohn" userId="1a0871b5c88a1c81" providerId="LiveId" clId="{DA4CFBB5-EEA7-45D3-9440-3B65A164F9AB}" dt="2019-06-17T21:43:17.238" v="1703" actId="20577"/>
+          <ac:spMkLst>
+            <pc:docMk/>
+            <pc:sldMk cId="2231455180" sldId="264"/>
+            <ac:spMk id="2" creationId="{E5FAB51B-F705-4F8E-B808-FF9E03021EF5}"/>
           </ac:spMkLst>
         </pc:spChg>
       </pc:sldChg>
@@ -831,6 +871,99 @@
     <p:extLst>
       <p:ext uri="{BB962C8B-B14F-4D97-AF65-F5344CB8AC3E}">
         <p14:creationId xmlns:p14="http://schemas.microsoft.com/office/powerpoint/2010/main" val="2493479230"/>
+      </p:ext>
+    </p:extLst>
+  </p:cSld>
+  <p:clrMapOvr>
+    <a:masterClrMapping/>
+  </p:clrMapOvr>
+</p:notes>
+</file>
+
+<file path=ppt/notesSlides/notesSlide3.xml><?xml version="1.0" encoding="utf-8"?>
+<p:notes xmlns:a="http://schemas.openxmlformats.org/drawingml/2006/main" xmlns:r="http://schemas.openxmlformats.org/officeDocument/2006/relationships" xmlns:p="http://schemas.openxmlformats.org/presentationml/2006/main">
+  <p:cSld>
+    <p:spTree>
+      <p:nvGrpSpPr>
+        <p:cNvPr id="1" name=""/>
+        <p:cNvGrpSpPr/>
+        <p:nvPr/>
+      </p:nvGrpSpPr>
+      <p:grpSpPr>
+        <a:xfrm>
+          <a:off x="0" y="0"/>
+          <a:ext cx="0" cy="0"/>
+          <a:chOff x="0" y="0"/>
+          <a:chExt cx="0" cy="0"/>
+        </a:xfrm>
+      </p:grpSpPr>
+      <p:sp>
+        <p:nvSpPr>
+          <p:cNvPr id="2" name="Slide Image Placeholder 1"/>
+          <p:cNvSpPr>
+            <a:spLocks noGrp="1" noRot="1" noChangeAspect="1"/>
+          </p:cNvSpPr>
+          <p:nvPr>
+            <p:ph type="sldImg"/>
+          </p:nvPr>
+        </p:nvSpPr>
+        <p:spPr/>
+      </p:sp>
+      <p:sp>
+        <p:nvSpPr>
+          <p:cNvPr id="3" name="Notes Placeholder 2"/>
+          <p:cNvSpPr>
+            <a:spLocks noGrp="1"/>
+          </p:cNvSpPr>
+          <p:nvPr>
+            <p:ph type="body" idx="1"/>
+          </p:nvPr>
+        </p:nvSpPr>
+        <p:spPr/>
+        <p:txBody>
+          <a:bodyPr/>
+          <a:lstStyle/>
+          <a:p>
+            <a:r>
+              <a:rPr lang="en-US" dirty="0"/>
+              <a:t>Dogs have properties such as four legs, fur color, different breeds</a:t>
+            </a:r>
+          </a:p>
+          <a:p>
+            <a:r>
+              <a:rPr lang="en-US" dirty="0"/>
+              <a:t>Dogs have methods such as bark, walk, sit</a:t>
+            </a:r>
+          </a:p>
+        </p:txBody>
+      </p:sp>
+      <p:sp>
+        <p:nvSpPr>
+          <p:cNvPr id="4" name="Slide Number Placeholder 3"/>
+          <p:cNvSpPr>
+            <a:spLocks noGrp="1"/>
+          </p:cNvSpPr>
+          <p:nvPr>
+            <p:ph type="sldNum" sz="quarter" idx="5"/>
+          </p:nvPr>
+        </p:nvSpPr>
+        <p:spPr/>
+        <p:txBody>
+          <a:bodyPr/>
+          <a:lstStyle/>
+          <a:p>
+            <a:fld id="{C556AB2D-E6C7-4CA0-9DAF-29512BF9A363}" type="slidenum">
+              <a:rPr lang="en-US" smtClean="0"/>
+              <a:t>7</a:t>
+            </a:fld>
+            <a:endParaRPr lang="en-US"/>
+          </a:p>
+        </p:txBody>
+      </p:sp>
+    </p:spTree>
+    <p:extLst>
+      <p:ext uri="{BB962C8B-B14F-4D97-AF65-F5344CB8AC3E}">
+        <p14:creationId xmlns:p14="http://schemas.microsoft.com/office/powerpoint/2010/main" val="3092789033"/>
       </p:ext>
     </p:extLst>
   </p:cSld>
@@ -4141,7 +4274,7 @@
               <a:rPr lang="en-US" dirty="0">
                 <a:hlinkClick r:id="rId3"/>
               </a:rPr>
-              <a:t>https://github.com/PSHChatt/UserGroup</a:t>
+              <a:t>https://github.com/PSHChatt</a:t>
             </a:r>
             <a:endParaRPr lang="en-US" dirty="0"/>
           </a:p>
@@ -4662,6 +4795,208 @@
 </file>
 
 <file path=ppt/slides/slide7.xml><?xml version="1.0" encoding="utf-8"?>
+<p:sld xmlns:a="http://schemas.openxmlformats.org/drawingml/2006/main" xmlns:r="http://schemas.openxmlformats.org/officeDocument/2006/relationships" xmlns:p="http://schemas.openxmlformats.org/presentationml/2006/main">
+  <p:cSld>
+    <p:spTree>
+      <p:nvGrpSpPr>
+        <p:cNvPr id="1" name=""/>
+        <p:cNvGrpSpPr/>
+        <p:nvPr/>
+      </p:nvGrpSpPr>
+      <p:grpSpPr>
+        <a:xfrm>
+          <a:off x="0" y="0"/>
+          <a:ext cx="0" cy="0"/>
+          <a:chOff x="0" y="0"/>
+          <a:chExt cx="0" cy="0"/>
+        </a:xfrm>
+      </p:grpSpPr>
+      <p:sp>
+        <p:nvSpPr>
+          <p:cNvPr id="2" name="Title 1">
+            <a:extLst>
+              <a:ext uri="{FF2B5EF4-FFF2-40B4-BE49-F238E27FC236}">
+                <a16:creationId xmlns:a16="http://schemas.microsoft.com/office/drawing/2014/main" id="{4E2FCC33-C846-4483-9C6A-4F47AA21E620}"/>
+              </a:ext>
+            </a:extLst>
+          </p:cNvPr>
+          <p:cNvSpPr>
+            <a:spLocks noGrp="1"/>
+          </p:cNvSpPr>
+          <p:nvPr>
+            <p:ph type="title"/>
+          </p:nvPr>
+        </p:nvSpPr>
+        <p:spPr/>
+        <p:txBody>
+          <a:bodyPr/>
+          <a:lstStyle/>
+          <a:p>
+            <a:r>
+              <a:rPr lang="en-US" dirty="0"/>
+              <a:t>Get-Member</a:t>
+            </a:r>
+          </a:p>
+        </p:txBody>
+      </p:sp>
+      <p:sp>
+        <p:nvSpPr>
+          <p:cNvPr id="3" name="Content Placeholder 2">
+            <a:extLst>
+              <a:ext uri="{FF2B5EF4-FFF2-40B4-BE49-F238E27FC236}">
+                <a16:creationId xmlns:a16="http://schemas.microsoft.com/office/drawing/2014/main" id="{7C48534F-BCE2-428D-87EA-98D943DB6C69}"/>
+              </a:ext>
+            </a:extLst>
+          </p:cNvPr>
+          <p:cNvSpPr>
+            <a:spLocks noGrp="1"/>
+          </p:cNvSpPr>
+          <p:nvPr>
+            <p:ph idx="1"/>
+          </p:nvPr>
+        </p:nvSpPr>
+        <p:spPr/>
+        <p:txBody>
+          <a:bodyPr/>
+          <a:lstStyle/>
+          <a:p>
+            <a:r>
+              <a:rPr lang="en-US" dirty="0"/>
+              <a:t>PowerShell returns objects</a:t>
+            </a:r>
+          </a:p>
+          <a:p>
+            <a:endParaRPr lang="en-US" dirty="0"/>
+          </a:p>
+          <a:p>
+            <a:r>
+              <a:rPr lang="en-US" dirty="0"/>
+              <a:t>Objects have:</a:t>
+            </a:r>
+          </a:p>
+          <a:p>
+            <a:pPr lvl="1"/>
+            <a:r>
+              <a:rPr lang="en-US" dirty="0"/>
+              <a:t>Properties = descriptive words aka fields or attributes</a:t>
+            </a:r>
+          </a:p>
+          <a:p>
+            <a:pPr lvl="1"/>
+            <a:r>
+              <a:rPr lang="en-US" dirty="0"/>
+              <a:t>Methods = actionable code or procedures</a:t>
+            </a:r>
+          </a:p>
+          <a:p>
+            <a:pPr lvl="1"/>
+            <a:endParaRPr lang="en-US" dirty="0"/>
+          </a:p>
+          <a:p>
+            <a:r>
+              <a:rPr lang="en-US" dirty="0"/>
+              <a:t>Think of a dog as an object</a:t>
+            </a:r>
+          </a:p>
+        </p:txBody>
+      </p:sp>
+    </p:spTree>
+    <p:extLst>
+      <p:ext uri="{BB962C8B-B14F-4D97-AF65-F5344CB8AC3E}">
+        <p14:creationId xmlns:p14="http://schemas.microsoft.com/office/powerpoint/2010/main" val="1251765685"/>
+      </p:ext>
+    </p:extLst>
+  </p:cSld>
+  <p:clrMapOvr>
+    <a:masterClrMapping/>
+  </p:clrMapOvr>
+</p:sld>
+</file>
+
+<file path=ppt/slides/slide8.xml><?xml version="1.0" encoding="utf-8"?>
+<p:sld xmlns:a="http://schemas.openxmlformats.org/drawingml/2006/main" xmlns:r="http://schemas.openxmlformats.org/officeDocument/2006/relationships" xmlns:p="http://schemas.openxmlformats.org/presentationml/2006/main">
+  <p:cSld>
+    <p:spTree>
+      <p:nvGrpSpPr>
+        <p:cNvPr id="1" name=""/>
+        <p:cNvGrpSpPr/>
+        <p:nvPr/>
+      </p:nvGrpSpPr>
+      <p:grpSpPr>
+        <a:xfrm>
+          <a:off x="0" y="0"/>
+          <a:ext cx="0" cy="0"/>
+          <a:chOff x="0" y="0"/>
+          <a:chExt cx="0" cy="0"/>
+        </a:xfrm>
+      </p:grpSpPr>
+      <p:sp>
+        <p:nvSpPr>
+          <p:cNvPr id="2" name="Title 1">
+            <a:extLst>
+              <a:ext uri="{FF2B5EF4-FFF2-40B4-BE49-F238E27FC236}">
+                <a16:creationId xmlns:a16="http://schemas.microsoft.com/office/drawing/2014/main" id="{E5FAB51B-F705-4F8E-B808-FF9E03021EF5}"/>
+              </a:ext>
+            </a:extLst>
+          </p:cNvPr>
+          <p:cNvSpPr>
+            <a:spLocks noGrp="1"/>
+          </p:cNvSpPr>
+          <p:nvPr>
+            <p:ph type="title"/>
+          </p:nvPr>
+        </p:nvSpPr>
+        <p:spPr/>
+        <p:txBody>
+          <a:bodyPr/>
+          <a:lstStyle/>
+          <a:p>
+            <a:r>
+              <a:rPr lang="en-US" dirty="0"/>
+              <a:t>Get-Member Demo</a:t>
+            </a:r>
+          </a:p>
+        </p:txBody>
+      </p:sp>
+      <p:sp>
+        <p:nvSpPr>
+          <p:cNvPr id="3" name="Content Placeholder 2">
+            <a:extLst>
+              <a:ext uri="{FF2B5EF4-FFF2-40B4-BE49-F238E27FC236}">
+                <a16:creationId xmlns:a16="http://schemas.microsoft.com/office/drawing/2014/main" id="{D79E9E7A-3E4D-498A-B435-6097D4CFE1CD}"/>
+              </a:ext>
+            </a:extLst>
+          </p:cNvPr>
+          <p:cNvSpPr>
+            <a:spLocks noGrp="1"/>
+          </p:cNvSpPr>
+          <p:nvPr>
+            <p:ph idx="1"/>
+          </p:nvPr>
+        </p:nvSpPr>
+        <p:spPr/>
+        <p:txBody>
+          <a:bodyPr/>
+          <a:lstStyle/>
+          <a:p>
+            <a:endParaRPr lang="en-US"/>
+          </a:p>
+        </p:txBody>
+      </p:sp>
+    </p:spTree>
+    <p:extLst>
+      <p:ext uri="{BB962C8B-B14F-4D97-AF65-F5344CB8AC3E}">
+        <p14:creationId xmlns:p14="http://schemas.microsoft.com/office/powerpoint/2010/main" val="2231455180"/>
+      </p:ext>
+    </p:extLst>
+  </p:cSld>
+  <p:clrMapOvr>
+    <a:masterClrMapping/>
+  </p:clrMapOvr>
+</p:sld>
+</file>
+
+<file path=ppt/slides/slide9.xml><?xml version="1.0" encoding="utf-8"?>
 <p:sld xmlns:a="http://schemas.openxmlformats.org/drawingml/2006/main" xmlns:r="http://schemas.openxmlformats.org/officeDocument/2006/relationships" xmlns:p="http://schemas.openxmlformats.org/presentationml/2006/main">
   <p:cSld>
     <p:spTree>

--- a/PowerShell Fundamentals 1.pptx
+++ b/PowerShell Fundamentals 1.pptx
@@ -2,21 +2,25 @@
 <file path=ppt/presentation.xml><?xml version="1.0" encoding="utf-8"?>
 <p:presentation xmlns:a="http://schemas.openxmlformats.org/drawingml/2006/main" xmlns:r="http://schemas.openxmlformats.org/officeDocument/2006/relationships" xmlns:p="http://schemas.openxmlformats.org/presentationml/2006/main" saveSubsetFonts="1">
   <p:sldMasterIdLst>
-    <p:sldMasterId id="2147483648" r:id="rId1"/>
+    <p:sldMasterId id="2147483734" r:id="rId1"/>
   </p:sldMasterIdLst>
   <p:notesMasterIdLst>
-    <p:notesMasterId r:id="rId11"/>
+    <p:notesMasterId r:id="rId15"/>
   </p:notesMasterIdLst>
   <p:sldIdLst>
-    <p:sldId id="256" r:id="rId2"/>
-    <p:sldId id="261" r:id="rId3"/>
-    <p:sldId id="257" r:id="rId4"/>
-    <p:sldId id="258" r:id="rId5"/>
-    <p:sldId id="259" r:id="rId6"/>
-    <p:sldId id="262" r:id="rId7"/>
-    <p:sldId id="263" r:id="rId8"/>
-    <p:sldId id="264" r:id="rId9"/>
-    <p:sldId id="260" r:id="rId10"/>
+    <p:sldId id="267" r:id="rId2"/>
+    <p:sldId id="256" r:id="rId3"/>
+    <p:sldId id="261" r:id="rId4"/>
+    <p:sldId id="257" r:id="rId5"/>
+    <p:sldId id="258" r:id="rId6"/>
+    <p:sldId id="259" r:id="rId7"/>
+    <p:sldId id="262" r:id="rId8"/>
+    <p:sldId id="263" r:id="rId9"/>
+    <p:sldId id="264" r:id="rId10"/>
+    <p:sldId id="268" r:id="rId11"/>
+    <p:sldId id="260" r:id="rId12"/>
+    <p:sldId id="265" r:id="rId13"/>
+    <p:sldId id="266" r:id="rId14"/>
   </p:sldIdLst>
   <p:sldSz cx="12192000" cy="6858000"/>
   <p:notesSz cx="6858000" cy="9144000"/>
@@ -24,7 +28,7 @@
     <a:defPPr>
       <a:defRPr lang="en-US"/>
     </a:defPPr>
-    <a:lvl1pPr marL="0" algn="l" defTabSz="914400" rtl="0" eaLnBrk="1" latinLnBrk="0" hangingPunct="1">
+    <a:lvl1pPr marL="0" algn="l" defTabSz="457200" rtl="0" eaLnBrk="1" latinLnBrk="0" hangingPunct="1">
       <a:defRPr sz="1800" kern="1200">
         <a:solidFill>
           <a:schemeClr val="tx1"/>
@@ -34,7 +38,7 @@
         <a:cs typeface="+mn-cs"/>
       </a:defRPr>
     </a:lvl1pPr>
-    <a:lvl2pPr marL="457200" algn="l" defTabSz="914400" rtl="0" eaLnBrk="1" latinLnBrk="0" hangingPunct="1">
+    <a:lvl2pPr marL="457200" algn="l" defTabSz="457200" rtl="0" eaLnBrk="1" latinLnBrk="0" hangingPunct="1">
       <a:defRPr sz="1800" kern="1200">
         <a:solidFill>
           <a:schemeClr val="tx1"/>
@@ -44,7 +48,7 @@
         <a:cs typeface="+mn-cs"/>
       </a:defRPr>
     </a:lvl2pPr>
-    <a:lvl3pPr marL="914400" algn="l" defTabSz="914400" rtl="0" eaLnBrk="1" latinLnBrk="0" hangingPunct="1">
+    <a:lvl3pPr marL="914400" algn="l" defTabSz="457200" rtl="0" eaLnBrk="1" latinLnBrk="0" hangingPunct="1">
       <a:defRPr sz="1800" kern="1200">
         <a:solidFill>
           <a:schemeClr val="tx1"/>
@@ -54,7 +58,7 @@
         <a:cs typeface="+mn-cs"/>
       </a:defRPr>
     </a:lvl3pPr>
-    <a:lvl4pPr marL="1371600" algn="l" defTabSz="914400" rtl="0" eaLnBrk="1" latinLnBrk="0" hangingPunct="1">
+    <a:lvl4pPr marL="1371600" algn="l" defTabSz="457200" rtl="0" eaLnBrk="1" latinLnBrk="0" hangingPunct="1">
       <a:defRPr sz="1800" kern="1200">
         <a:solidFill>
           <a:schemeClr val="tx1"/>
@@ -64,7 +68,7 @@
         <a:cs typeface="+mn-cs"/>
       </a:defRPr>
     </a:lvl4pPr>
-    <a:lvl5pPr marL="1828800" algn="l" defTabSz="914400" rtl="0" eaLnBrk="1" latinLnBrk="0" hangingPunct="1">
+    <a:lvl5pPr marL="1828800" algn="l" defTabSz="457200" rtl="0" eaLnBrk="1" latinLnBrk="0" hangingPunct="1">
       <a:defRPr sz="1800" kern="1200">
         <a:solidFill>
           <a:schemeClr val="tx1"/>
@@ -74,7 +78,7 @@
         <a:cs typeface="+mn-cs"/>
       </a:defRPr>
     </a:lvl5pPr>
-    <a:lvl6pPr marL="2286000" algn="l" defTabSz="914400" rtl="0" eaLnBrk="1" latinLnBrk="0" hangingPunct="1">
+    <a:lvl6pPr marL="2286000" algn="l" defTabSz="457200" rtl="0" eaLnBrk="1" latinLnBrk="0" hangingPunct="1">
       <a:defRPr sz="1800" kern="1200">
         <a:solidFill>
           <a:schemeClr val="tx1"/>
@@ -84,7 +88,7 @@
         <a:cs typeface="+mn-cs"/>
       </a:defRPr>
     </a:lvl6pPr>
-    <a:lvl7pPr marL="2743200" algn="l" defTabSz="914400" rtl="0" eaLnBrk="1" latinLnBrk="0" hangingPunct="1">
+    <a:lvl7pPr marL="2743200" algn="l" defTabSz="457200" rtl="0" eaLnBrk="1" latinLnBrk="0" hangingPunct="1">
       <a:defRPr sz="1800" kern="1200">
         <a:solidFill>
           <a:schemeClr val="tx1"/>
@@ -94,7 +98,7 @@
         <a:cs typeface="+mn-cs"/>
       </a:defRPr>
     </a:lvl7pPr>
-    <a:lvl8pPr marL="3200400" algn="l" defTabSz="914400" rtl="0" eaLnBrk="1" latinLnBrk="0" hangingPunct="1">
+    <a:lvl8pPr marL="3200400" algn="l" defTabSz="457200" rtl="0" eaLnBrk="1" latinLnBrk="0" hangingPunct="1">
       <a:defRPr sz="1800" kern="1200">
         <a:solidFill>
           <a:schemeClr val="tx1"/>
@@ -104,7 +108,7 @@
         <a:cs typeface="+mn-cs"/>
       </a:defRPr>
     </a:lvl8pPr>
-    <a:lvl9pPr marL="3657600" algn="l" defTabSz="914400" rtl="0" eaLnBrk="1" latinLnBrk="0" hangingPunct="1">
+    <a:lvl9pPr marL="3657600" algn="l" defTabSz="457200" rtl="0" eaLnBrk="1" latinLnBrk="0" hangingPunct="1">
       <a:defRPr sz="1800" kern="1200">
         <a:solidFill>
           <a:schemeClr val="tx1"/>
@@ -127,19 +131,19 @@
 <pc:chgInfo xmlns:a="http://schemas.openxmlformats.org/drawingml/2006/main" xmlns:r="http://schemas.openxmlformats.org/officeDocument/2006/relationships" xmlns:ac="http://schemas.microsoft.com/office/drawing/2013/main/command" xmlns:pc="http://schemas.microsoft.com/office/powerpoint/2013/main/command">
   <pc:docChgLst>
     <pc:chgData name="David Littlejohn" userId="1a0871b5c88a1c81" providerId="LiveId" clId="{DA4CFBB5-EEA7-45D3-9440-3B65A164F9AB}"/>
-    <pc:docChg chg="undo custSel addSld modSld">
-      <pc:chgData name="David Littlejohn" userId="1a0871b5c88a1c81" providerId="LiveId" clId="{DA4CFBB5-EEA7-45D3-9440-3B65A164F9AB}" dt="2019-06-17T21:43:17.238" v="1703" actId="20577"/>
+    <pc:docChg chg="undo custSel addSld modSld sldOrd">
+      <pc:chgData name="David Littlejohn" userId="1a0871b5c88a1c81" providerId="LiveId" clId="{DA4CFBB5-EEA7-45D3-9440-3B65A164F9AB}" dt="2019-07-01T22:36:56.119" v="2468" actId="20577"/>
       <pc:docMkLst>
         <pc:docMk/>
       </pc:docMkLst>
       <pc:sldChg chg="modSp">
-        <pc:chgData name="David Littlejohn" userId="1a0871b5c88a1c81" providerId="LiveId" clId="{DA4CFBB5-EEA7-45D3-9440-3B65A164F9AB}" dt="2019-06-17T21:22:28.184" v="1196"/>
+        <pc:chgData name="David Littlejohn" userId="1a0871b5c88a1c81" providerId="LiveId" clId="{DA4CFBB5-EEA7-45D3-9440-3B65A164F9AB}" dt="2019-07-01T22:26:50.639" v="2307" actId="27636"/>
         <pc:sldMkLst>
           <pc:docMk/>
           <pc:sldMk cId="878438801" sldId="256"/>
         </pc:sldMkLst>
         <pc:spChg chg="mod">
-          <ac:chgData name="David Littlejohn" userId="1a0871b5c88a1c81" providerId="LiveId" clId="{DA4CFBB5-EEA7-45D3-9440-3B65A164F9AB}" dt="2019-06-17T21:22:28.184" v="1196"/>
+          <ac:chgData name="David Littlejohn" userId="1a0871b5c88a1c81" providerId="LiveId" clId="{DA4CFBB5-EEA7-45D3-9440-3B65A164F9AB}" dt="2019-07-01T22:26:50.639" v="2307" actId="27636"/>
           <ac:spMkLst>
             <pc:docMk/>
             <pc:sldMk cId="878438801" sldId="256"/>
@@ -148,7 +152,7 @@
         </pc:spChg>
       </pc:sldChg>
       <pc:sldChg chg="modSp modNotesTx">
-        <pc:chgData name="David Littlejohn" userId="1a0871b5c88a1c81" providerId="LiveId" clId="{DA4CFBB5-EEA7-45D3-9440-3B65A164F9AB}" dt="2019-06-17T20:46:46.201" v="331" actId="20577"/>
+        <pc:chgData name="David Littlejohn" userId="1a0871b5c88a1c81" providerId="LiveId" clId="{DA4CFBB5-EEA7-45D3-9440-3B65A164F9AB}" dt="2019-07-01T22:27:28.479" v="2310" actId="255"/>
         <pc:sldMkLst>
           <pc:docMk/>
           <pc:sldMk cId="311011863" sldId="257"/>
@@ -161,9 +165,17 @@
             <ac:spMk id="2" creationId="{A1E55A32-07B6-48F8-8603-815920900656}"/>
           </ac:spMkLst>
         </pc:spChg>
+        <pc:spChg chg="mod">
+          <ac:chgData name="David Littlejohn" userId="1a0871b5c88a1c81" providerId="LiveId" clId="{DA4CFBB5-EEA7-45D3-9440-3B65A164F9AB}" dt="2019-07-01T22:27:28.479" v="2310" actId="255"/>
+          <ac:spMkLst>
+            <pc:docMk/>
+            <pc:sldMk cId="311011863" sldId="257"/>
+            <ac:spMk id="3" creationId="{A37876D5-20D9-41D1-96E2-C73600455D24}"/>
+          </ac:spMkLst>
+        </pc:spChg>
       </pc:sldChg>
       <pc:sldChg chg="modSp add modNotesTx">
-        <pc:chgData name="David Littlejohn" userId="1a0871b5c88a1c81" providerId="LiveId" clId="{DA4CFBB5-EEA7-45D3-9440-3B65A164F9AB}" dt="2019-06-17T21:16:29.019" v="1174" actId="20577"/>
+        <pc:chgData name="David Littlejohn" userId="1a0871b5c88a1c81" providerId="LiveId" clId="{DA4CFBB5-EEA7-45D3-9440-3B65A164F9AB}" dt="2019-07-01T22:27:36.517" v="2311" actId="255"/>
         <pc:sldMkLst>
           <pc:docMk/>
           <pc:sldMk cId="2866318210" sldId="259"/>
@@ -177,7 +189,7 @@
           </ac:spMkLst>
         </pc:spChg>
         <pc:spChg chg="mod">
-          <ac:chgData name="David Littlejohn" userId="1a0871b5c88a1c81" providerId="LiveId" clId="{DA4CFBB5-EEA7-45D3-9440-3B65A164F9AB}" dt="2019-06-17T21:16:29.019" v="1174" actId="20577"/>
+          <ac:chgData name="David Littlejohn" userId="1a0871b5c88a1c81" providerId="LiveId" clId="{DA4CFBB5-EEA7-45D3-9440-3B65A164F9AB}" dt="2019-07-01T22:27:36.517" v="2311" actId="255"/>
           <ac:spMkLst>
             <pc:docMk/>
             <pc:sldMk cId="2866318210" sldId="259"/>
@@ -186,7 +198,7 @@
         </pc:spChg>
       </pc:sldChg>
       <pc:sldChg chg="modSp add">
-        <pc:chgData name="David Littlejohn" userId="1a0871b5c88a1c81" providerId="LiveId" clId="{DA4CFBB5-EEA7-45D3-9440-3B65A164F9AB}" dt="2019-06-17T21:02:46.656" v="670"/>
+        <pc:chgData name="David Littlejohn" userId="1a0871b5c88a1c81" providerId="LiveId" clId="{DA4CFBB5-EEA7-45D3-9440-3B65A164F9AB}" dt="2019-07-01T22:28:08.375" v="2315" actId="255"/>
         <pc:sldMkLst>
           <pc:docMk/>
           <pc:sldMk cId="3846218459" sldId="260"/>
@@ -200,7 +212,7 @@
           </ac:spMkLst>
         </pc:spChg>
         <pc:spChg chg="mod">
-          <ac:chgData name="David Littlejohn" userId="1a0871b5c88a1c81" providerId="LiveId" clId="{DA4CFBB5-EEA7-45D3-9440-3B65A164F9AB}" dt="2019-06-17T21:02:46.656" v="670"/>
+          <ac:chgData name="David Littlejohn" userId="1a0871b5c88a1c81" providerId="LiveId" clId="{DA4CFBB5-EEA7-45D3-9440-3B65A164F9AB}" dt="2019-07-01T22:28:08.375" v="2315" actId="255"/>
           <ac:spMkLst>
             <pc:docMk/>
             <pc:sldMk cId="3846218459" sldId="260"/>
@@ -209,7 +221,7 @@
         </pc:spChg>
       </pc:sldChg>
       <pc:sldChg chg="modSp add">
-        <pc:chgData name="David Littlejohn" userId="1a0871b5c88a1c81" providerId="LiveId" clId="{DA4CFBB5-EEA7-45D3-9440-3B65A164F9AB}" dt="2019-06-17T21:17:03.139" v="1192" actId="20577"/>
+        <pc:chgData name="David Littlejohn" userId="1a0871b5c88a1c81" providerId="LiveId" clId="{DA4CFBB5-EEA7-45D3-9440-3B65A164F9AB}" dt="2019-07-01T22:27:24.254" v="2309" actId="255"/>
         <pc:sldMkLst>
           <pc:docMk/>
           <pc:sldMk cId="3278669182" sldId="261"/>
@@ -223,7 +235,7 @@
           </ac:spMkLst>
         </pc:spChg>
         <pc:spChg chg="mod">
-          <ac:chgData name="David Littlejohn" userId="1a0871b5c88a1c81" providerId="LiveId" clId="{DA4CFBB5-EEA7-45D3-9440-3B65A164F9AB}" dt="2019-06-17T21:17:03.139" v="1192" actId="20577"/>
+          <ac:chgData name="David Littlejohn" userId="1a0871b5c88a1c81" providerId="LiveId" clId="{DA4CFBB5-EEA7-45D3-9440-3B65A164F9AB}" dt="2019-07-01T22:27:24.254" v="2309" actId="255"/>
           <ac:spMkLst>
             <pc:docMk/>
             <pc:sldMk cId="3278669182" sldId="261"/>
@@ -247,7 +259,7 @@
         </pc:spChg>
       </pc:sldChg>
       <pc:sldChg chg="modSp add modNotesTx">
-        <pc:chgData name="David Littlejohn" userId="1a0871b5c88a1c81" providerId="LiveId" clId="{DA4CFBB5-EEA7-45D3-9440-3B65A164F9AB}" dt="2019-06-17T21:32:59.863" v="1681" actId="20577"/>
+        <pc:chgData name="David Littlejohn" userId="1a0871b5c88a1c81" providerId="LiveId" clId="{DA4CFBB5-EEA7-45D3-9440-3B65A164F9AB}" dt="2019-07-01T22:27:59.339" v="2314" actId="255"/>
         <pc:sldMkLst>
           <pc:docMk/>
           <pc:sldMk cId="1251765685" sldId="263"/>
@@ -261,7 +273,7 @@
           </ac:spMkLst>
         </pc:spChg>
         <pc:spChg chg="mod">
-          <ac:chgData name="David Littlejohn" userId="1a0871b5c88a1c81" providerId="LiveId" clId="{DA4CFBB5-EEA7-45D3-9440-3B65A164F9AB}" dt="2019-06-17T21:32:08.141" v="1550" actId="20577"/>
+          <ac:chgData name="David Littlejohn" userId="1a0871b5c88a1c81" providerId="LiveId" clId="{DA4CFBB5-EEA7-45D3-9440-3B65A164F9AB}" dt="2019-07-01T22:27:59.339" v="2314" actId="255"/>
           <ac:spMkLst>
             <pc:docMk/>
             <pc:sldMk cId="1251765685" sldId="263"/>
@@ -281,6 +293,114 @@
             <pc:docMk/>
             <pc:sldMk cId="2231455180" sldId="264"/>
             <ac:spMk id="2" creationId="{E5FAB51B-F705-4F8E-B808-FF9E03021EF5}"/>
+          </ac:spMkLst>
+        </pc:spChg>
+      </pc:sldChg>
+      <pc:sldChg chg="modSp add">
+        <pc:chgData name="David Littlejohn" userId="1a0871b5c88a1c81" providerId="LiveId" clId="{DA4CFBB5-EEA7-45D3-9440-3B65A164F9AB}" dt="2019-07-01T22:28:13.272" v="2316" actId="255"/>
+        <pc:sldMkLst>
+          <pc:docMk/>
+          <pc:sldMk cId="1832739366" sldId="265"/>
+        </pc:sldMkLst>
+        <pc:spChg chg="mod">
+          <ac:chgData name="David Littlejohn" userId="1a0871b5c88a1c81" providerId="LiveId" clId="{DA4CFBB5-EEA7-45D3-9440-3B65A164F9AB}" dt="2019-07-01T22:10:50.607" v="1718" actId="20577"/>
+          <ac:spMkLst>
+            <pc:docMk/>
+            <pc:sldMk cId="1832739366" sldId="265"/>
+            <ac:spMk id="2" creationId="{22148B53-20C2-40D5-8A40-BECCBD847254}"/>
+          </ac:spMkLst>
+        </pc:spChg>
+        <pc:spChg chg="mod">
+          <ac:chgData name="David Littlejohn" userId="1a0871b5c88a1c81" providerId="LiveId" clId="{DA4CFBB5-EEA7-45D3-9440-3B65A164F9AB}" dt="2019-07-01T22:28:13.272" v="2316" actId="255"/>
+          <ac:spMkLst>
+            <pc:docMk/>
+            <pc:sldMk cId="1832739366" sldId="265"/>
+            <ac:spMk id="3" creationId="{D553982B-64CD-4637-ADA9-6F8CA958B6E6}"/>
+          </ac:spMkLst>
+        </pc:spChg>
+      </pc:sldChg>
+      <pc:sldChg chg="modSp add">
+        <pc:chgData name="David Littlejohn" userId="1a0871b5c88a1c81" providerId="LiveId" clId="{DA4CFBB5-EEA7-45D3-9440-3B65A164F9AB}" dt="2019-07-01T22:18:08.659" v="1842" actId="20577"/>
+        <pc:sldMkLst>
+          <pc:docMk/>
+          <pc:sldMk cId="3752931151" sldId="266"/>
+        </pc:sldMkLst>
+        <pc:spChg chg="mod">
+          <ac:chgData name="David Littlejohn" userId="1a0871b5c88a1c81" providerId="LiveId" clId="{DA4CFBB5-EEA7-45D3-9440-3B65A164F9AB}" dt="2019-07-01T22:18:08.659" v="1842" actId="20577"/>
+          <ac:spMkLst>
+            <pc:docMk/>
+            <pc:sldMk cId="3752931151" sldId="266"/>
+            <ac:spMk id="2" creationId="{15579AF1-31CA-42EA-ABF8-163A5F08EFE2}"/>
+          </ac:spMkLst>
+        </pc:spChg>
+      </pc:sldChg>
+      <pc:sldChg chg="addSp delSp modSp add ord">
+        <pc:chgData name="David Littlejohn" userId="1a0871b5c88a1c81" providerId="LiveId" clId="{DA4CFBB5-EEA7-45D3-9440-3B65A164F9AB}" dt="2019-07-01T22:27:18.140" v="2308" actId="255"/>
+        <pc:sldMkLst>
+          <pc:docMk/>
+          <pc:sldMk cId="3804050382" sldId="267"/>
+        </pc:sldMkLst>
+        <pc:spChg chg="del">
+          <ac:chgData name="David Littlejohn" userId="1a0871b5c88a1c81" providerId="LiveId" clId="{DA4CFBB5-EEA7-45D3-9440-3B65A164F9AB}" dt="2019-07-01T22:18:27.851" v="1845"/>
+          <ac:spMkLst>
+            <pc:docMk/>
+            <pc:sldMk cId="3804050382" sldId="267"/>
+            <ac:spMk id="2" creationId="{381E23A6-0213-4444-B2AC-EF2018AF4776}"/>
+          </ac:spMkLst>
+        </pc:spChg>
+        <pc:spChg chg="del">
+          <ac:chgData name="David Littlejohn" userId="1a0871b5c88a1c81" providerId="LiveId" clId="{DA4CFBB5-EEA7-45D3-9440-3B65A164F9AB}" dt="2019-07-01T22:18:27.851" v="1845"/>
+          <ac:spMkLst>
+            <pc:docMk/>
+            <pc:sldMk cId="3804050382" sldId="267"/>
+            <ac:spMk id="3" creationId="{8A935FBF-01D2-4F1D-AEA6-136A309C5BC0}"/>
+          </ac:spMkLst>
+        </pc:spChg>
+        <pc:spChg chg="add del mod">
+          <ac:chgData name="David Littlejohn" userId="1a0871b5c88a1c81" providerId="LiveId" clId="{DA4CFBB5-EEA7-45D3-9440-3B65A164F9AB}" dt="2019-07-01T22:18:31.276" v="1846"/>
+          <ac:spMkLst>
+            <pc:docMk/>
+            <pc:sldMk cId="3804050382" sldId="267"/>
+            <ac:spMk id="4" creationId="{6353C002-58A6-4755-897D-42FA12CB75CD}"/>
+          </ac:spMkLst>
+        </pc:spChg>
+        <pc:spChg chg="add mod">
+          <ac:chgData name="David Littlejohn" userId="1a0871b5c88a1c81" providerId="LiveId" clId="{DA4CFBB5-EEA7-45D3-9440-3B65A164F9AB}" dt="2019-07-01T22:18:34.863" v="1861" actId="20577"/>
+          <ac:spMkLst>
+            <pc:docMk/>
+            <pc:sldMk cId="3804050382" sldId="267"/>
+            <ac:spMk id="5" creationId="{06C40825-3EEE-4316-A33E-8626B06FEBD1}"/>
+          </ac:spMkLst>
+        </pc:spChg>
+        <pc:spChg chg="add mod">
+          <ac:chgData name="David Littlejohn" userId="1a0871b5c88a1c81" providerId="LiveId" clId="{DA4CFBB5-EEA7-45D3-9440-3B65A164F9AB}" dt="2019-07-01T22:27:18.140" v="2308" actId="255"/>
+          <ac:spMkLst>
+            <pc:docMk/>
+            <pc:sldMk cId="3804050382" sldId="267"/>
+            <ac:spMk id="6" creationId="{27C3F9D6-5A6D-480B-BAFB-EE53145784F4}"/>
+          </ac:spMkLst>
+        </pc:spChg>
+      </pc:sldChg>
+      <pc:sldChg chg="modSp add">
+        <pc:chgData name="David Littlejohn" userId="1a0871b5c88a1c81" providerId="LiveId" clId="{DA4CFBB5-EEA7-45D3-9440-3B65A164F9AB}" dt="2019-07-01T22:36:56.119" v="2468" actId="20577"/>
+        <pc:sldMkLst>
+          <pc:docMk/>
+          <pc:sldMk cId="4217542822" sldId="268"/>
+        </pc:sldMkLst>
+        <pc:spChg chg="mod">
+          <ac:chgData name="David Littlejohn" userId="1a0871b5c88a1c81" providerId="LiveId" clId="{DA4CFBB5-EEA7-45D3-9440-3B65A164F9AB}" dt="2019-07-01T22:35:48.478" v="2325" actId="20577"/>
+          <ac:spMkLst>
+            <pc:docMk/>
+            <pc:sldMk cId="4217542822" sldId="268"/>
+            <ac:spMk id="2" creationId="{99602E41-ED1C-4A83-BE1D-5F9666860B77}"/>
+          </ac:spMkLst>
+        </pc:spChg>
+        <pc:spChg chg="mod">
+          <ac:chgData name="David Littlejohn" userId="1a0871b5c88a1c81" providerId="LiveId" clId="{DA4CFBB5-EEA7-45D3-9440-3B65A164F9AB}" dt="2019-07-01T22:36:56.119" v="2468" actId="20577"/>
+          <ac:spMkLst>
+            <pc:docMk/>
+            <pc:sldMk cId="4217542822" sldId="268"/>
+            <ac:spMk id="3" creationId="{55FCA305-1E34-48DC-B6A1-2B90AB65F525}"/>
           </ac:spMkLst>
         </pc:spChg>
       </pc:sldChg>
@@ -418,7 +538,7 @@
           <a:p>
             <a:fld id="{F8CB840B-AE6F-4482-9BDB-EDAB9756A2FA}" type="datetimeFigureOut">
               <a:rPr lang="en-US" smtClean="0"/>
-              <a:t>6/17/2019</a:t>
+              <a:t>7/1/2019</a:t>
             </a:fld>
             <a:endParaRPr lang="en-US"/>
           </a:p>
@@ -765,7 +885,7 @@
           <a:p>
             <a:fld id="{C556AB2D-E6C7-4CA0-9DAF-29512BF9A363}" type="slidenum">
               <a:rPr lang="en-US" smtClean="0"/>
-              <a:t>3</a:t>
+              <a:t>4</a:t>
             </a:fld>
             <a:endParaRPr lang="en-US"/>
           </a:p>
@@ -861,7 +981,7 @@
           <a:p>
             <a:fld id="{C556AB2D-E6C7-4CA0-9DAF-29512BF9A363}" type="slidenum">
               <a:rPr lang="en-US" smtClean="0"/>
-              <a:t>5</a:t>
+              <a:t>6</a:t>
             </a:fld>
             <a:endParaRPr lang="en-US"/>
           </a:p>
@@ -954,7 +1074,7 @@
           <a:p>
             <a:fld id="{C556AB2D-E6C7-4CA0-9DAF-29512BF9A363}" type="slidenum">
               <a:rPr lang="en-US" smtClean="0"/>
-              <a:t>7</a:t>
+              <a:t>8</a:t>
             </a:fld>
             <a:endParaRPr lang="en-US"/>
           </a:p>
@@ -974,7 +1094,7 @@
 </file>
 
 <file path=ppt/slideLayouts/slideLayout1.xml><?xml version="1.0" encoding="utf-8"?>
-<p:sldLayout xmlns:a="http://schemas.openxmlformats.org/drawingml/2006/main" xmlns:r="http://schemas.openxmlformats.org/officeDocument/2006/relationships" xmlns:p="http://schemas.openxmlformats.org/presentationml/2006/main" type="title" preserve="1">
+<p:sldLayout xmlns:a="http://schemas.openxmlformats.org/drawingml/2006/main" xmlns:r="http://schemas.openxmlformats.org/officeDocument/2006/relationships" xmlns:p="http://schemas.openxmlformats.org/presentationml/2006/main" showMasterSp="0" type="title" preserve="1">
   <p:cSld name="Title Slide">
     <p:spTree>
       <p:nvGrpSpPr>
@@ -990,15 +1110,539 @@
           <a:chExt cx="0" cy="0"/>
         </a:xfrm>
       </p:grpSpPr>
-      <p:sp>
-        <p:nvSpPr>
-          <p:cNvPr id="2" name="Title 1">
-            <a:extLst>
-              <a:ext uri="{FF2B5EF4-FFF2-40B4-BE49-F238E27FC236}">
-                <a16:creationId xmlns:a16="http://schemas.microsoft.com/office/drawing/2014/main" id="{3EB10912-AF66-472A-83B4-3CF5D836E99F}"/>
-              </a:ext>
-            </a:extLst>
-          </p:cNvPr>
+      <p:grpSp>
+        <p:nvGrpSpPr>
+          <p:cNvPr id="7" name="Group 6"/>
+          <p:cNvGrpSpPr/>
+          <p:nvPr/>
+        </p:nvGrpSpPr>
+        <p:grpSpPr>
+          <a:xfrm>
+            <a:off x="0" y="-8467"/>
+            <a:ext cx="12192000" cy="6866467"/>
+            <a:chOff x="0" y="-8467"/>
+            <a:chExt cx="12192000" cy="6866467"/>
+          </a:xfrm>
+        </p:grpSpPr>
+        <p:cxnSp>
+          <p:nvCxnSpPr>
+            <p:cNvPr id="32" name="Straight Connector 31"/>
+            <p:cNvCxnSpPr/>
+            <p:nvPr/>
+          </p:nvCxnSpPr>
+          <p:spPr>
+            <a:xfrm>
+              <a:off x="9371012" y="0"/>
+              <a:ext cx="1219200" cy="6858000"/>
+            </a:xfrm>
+            <a:prstGeom prst="line">
+              <a:avLst/>
+            </a:prstGeom>
+            <a:ln w="9525">
+              <a:solidFill>
+                <a:schemeClr val="bg1">
+                  <a:lumMod val="75000"/>
+                </a:schemeClr>
+              </a:solidFill>
+            </a:ln>
+          </p:spPr>
+          <p:style>
+            <a:lnRef idx="2">
+              <a:schemeClr val="accent1"/>
+            </a:lnRef>
+            <a:fillRef idx="0">
+              <a:schemeClr val="accent1"/>
+            </a:fillRef>
+            <a:effectRef idx="1">
+              <a:schemeClr val="accent1"/>
+            </a:effectRef>
+            <a:fontRef idx="minor">
+              <a:schemeClr val="tx1"/>
+            </a:fontRef>
+          </p:style>
+        </p:cxnSp>
+        <p:cxnSp>
+          <p:nvCxnSpPr>
+            <p:cNvPr id="21" name="Straight Connector 20"/>
+            <p:cNvCxnSpPr/>
+            <p:nvPr/>
+          </p:nvCxnSpPr>
+          <p:spPr>
+            <a:xfrm flipH="1">
+              <a:off x="7425267" y="3681413"/>
+              <a:ext cx="4763558" cy="3176587"/>
+            </a:xfrm>
+            <a:prstGeom prst="line">
+              <a:avLst/>
+            </a:prstGeom>
+            <a:ln w="9525">
+              <a:solidFill>
+                <a:schemeClr val="bg1">
+                  <a:lumMod val="85000"/>
+                </a:schemeClr>
+              </a:solidFill>
+            </a:ln>
+          </p:spPr>
+          <p:style>
+            <a:lnRef idx="2">
+              <a:schemeClr val="accent1"/>
+            </a:lnRef>
+            <a:fillRef idx="0">
+              <a:schemeClr val="accent1"/>
+            </a:fillRef>
+            <a:effectRef idx="1">
+              <a:schemeClr val="accent1"/>
+            </a:effectRef>
+            <a:fontRef idx="minor">
+              <a:schemeClr val="tx1"/>
+            </a:fontRef>
+          </p:style>
+        </p:cxnSp>
+        <p:sp>
+          <p:nvSpPr>
+            <p:cNvPr id="24" name="Rectangle 23"/>
+            <p:cNvSpPr/>
+            <p:nvPr/>
+          </p:nvSpPr>
+          <p:spPr>
+            <a:xfrm>
+              <a:off x="9181476" y="-8467"/>
+              <a:ext cx="3007349" cy="6866467"/>
+            </a:xfrm>
+            <a:custGeom>
+              <a:avLst/>
+              <a:gdLst/>
+              <a:ahLst/>
+              <a:cxnLst/>
+              <a:rect l="l" t="t" r="r" b="b"/>
+              <a:pathLst>
+                <a:path w="3007349" h="6866467">
+                  <a:moveTo>
+                    <a:pt x="2045532" y="0"/>
+                  </a:moveTo>
+                  <a:lnTo>
+                    <a:pt x="3007349" y="0"/>
+                  </a:lnTo>
+                  <a:lnTo>
+                    <a:pt x="3007349" y="6866467"/>
+                  </a:lnTo>
+                  <a:lnTo>
+                    <a:pt x="0" y="6866467"/>
+                  </a:lnTo>
+                  <a:lnTo>
+                    <a:pt x="2045532" y="0"/>
+                  </a:lnTo>
+                  <a:close/>
+                </a:path>
+              </a:pathLst>
+            </a:custGeom>
+            <a:solidFill>
+              <a:schemeClr val="accent1">
+                <a:alpha val="30000"/>
+              </a:schemeClr>
+            </a:solidFill>
+            <a:ln>
+              <a:noFill/>
+            </a:ln>
+            <a:effectLst/>
+          </p:spPr>
+          <p:style>
+            <a:lnRef idx="1">
+              <a:schemeClr val="accent1"/>
+            </a:lnRef>
+            <a:fillRef idx="3">
+              <a:schemeClr val="accent1"/>
+            </a:fillRef>
+            <a:effectRef idx="2">
+              <a:schemeClr val="accent1"/>
+            </a:effectRef>
+            <a:fontRef idx="minor">
+              <a:schemeClr val="lt1"/>
+            </a:fontRef>
+          </p:style>
+        </p:sp>
+        <p:sp>
+          <p:nvSpPr>
+            <p:cNvPr id="26" name="Rectangle 25"/>
+            <p:cNvSpPr/>
+            <p:nvPr/>
+          </p:nvSpPr>
+          <p:spPr>
+            <a:xfrm>
+              <a:off x="9603442" y="-8467"/>
+              <a:ext cx="2588558" cy="6866467"/>
+            </a:xfrm>
+            <a:custGeom>
+              <a:avLst/>
+              <a:gdLst/>
+              <a:ahLst/>
+              <a:cxnLst/>
+              <a:rect l="l" t="t" r="r" b="b"/>
+              <a:pathLst>
+                <a:path w="2573311" h="6866467">
+                  <a:moveTo>
+                    <a:pt x="0" y="0"/>
+                  </a:moveTo>
+                  <a:lnTo>
+                    <a:pt x="2573311" y="0"/>
+                  </a:lnTo>
+                  <a:lnTo>
+                    <a:pt x="2573311" y="6866467"/>
+                  </a:lnTo>
+                  <a:lnTo>
+                    <a:pt x="1202336" y="6866467"/>
+                  </a:lnTo>
+                  <a:lnTo>
+                    <a:pt x="0" y="0"/>
+                  </a:lnTo>
+                  <a:close/>
+                </a:path>
+              </a:pathLst>
+            </a:custGeom>
+            <a:solidFill>
+              <a:schemeClr val="accent1">
+                <a:alpha val="20000"/>
+              </a:schemeClr>
+            </a:solidFill>
+            <a:ln>
+              <a:noFill/>
+            </a:ln>
+            <a:effectLst/>
+          </p:spPr>
+          <p:style>
+            <a:lnRef idx="1">
+              <a:schemeClr val="accent1"/>
+            </a:lnRef>
+            <a:fillRef idx="3">
+              <a:schemeClr val="accent1"/>
+            </a:fillRef>
+            <a:effectRef idx="2">
+              <a:schemeClr val="accent1"/>
+            </a:effectRef>
+            <a:fontRef idx="minor">
+              <a:schemeClr val="lt1"/>
+            </a:fontRef>
+          </p:style>
+        </p:sp>
+        <p:sp>
+          <p:nvSpPr>
+            <p:cNvPr id="27" name="Isosceles Triangle 26"/>
+            <p:cNvSpPr/>
+            <p:nvPr/>
+          </p:nvSpPr>
+          <p:spPr>
+            <a:xfrm>
+              <a:off x="8932333" y="3048000"/>
+              <a:ext cx="3259667" cy="3810000"/>
+            </a:xfrm>
+            <a:prstGeom prst="triangle">
+              <a:avLst>
+                <a:gd name="adj" fmla="val 100000"/>
+              </a:avLst>
+            </a:prstGeom>
+            <a:solidFill>
+              <a:schemeClr val="accent2">
+                <a:alpha val="72000"/>
+              </a:schemeClr>
+            </a:solidFill>
+            <a:ln>
+              <a:noFill/>
+            </a:ln>
+            <a:effectLst/>
+          </p:spPr>
+          <p:style>
+            <a:lnRef idx="1">
+              <a:schemeClr val="accent1"/>
+            </a:lnRef>
+            <a:fillRef idx="3">
+              <a:schemeClr val="accent1"/>
+            </a:fillRef>
+            <a:effectRef idx="2">
+              <a:schemeClr val="accent1"/>
+            </a:effectRef>
+            <a:fontRef idx="minor">
+              <a:schemeClr val="lt1"/>
+            </a:fontRef>
+          </p:style>
+        </p:sp>
+        <p:sp>
+          <p:nvSpPr>
+            <p:cNvPr id="28" name="Rectangle 27"/>
+            <p:cNvSpPr/>
+            <p:nvPr/>
+          </p:nvSpPr>
+          <p:spPr>
+            <a:xfrm>
+              <a:off x="9334500" y="-8467"/>
+              <a:ext cx="2854326" cy="6866467"/>
+            </a:xfrm>
+            <a:custGeom>
+              <a:avLst/>
+              <a:gdLst/>
+              <a:ahLst/>
+              <a:cxnLst/>
+              <a:rect l="l" t="t" r="r" b="b"/>
+              <a:pathLst>
+                <a:path w="2858013" h="6866467">
+                  <a:moveTo>
+                    <a:pt x="0" y="0"/>
+                  </a:moveTo>
+                  <a:lnTo>
+                    <a:pt x="2858013" y="0"/>
+                  </a:lnTo>
+                  <a:lnTo>
+                    <a:pt x="2858013" y="6866467"/>
+                  </a:lnTo>
+                  <a:lnTo>
+                    <a:pt x="2473942" y="6866467"/>
+                  </a:lnTo>
+                  <a:lnTo>
+                    <a:pt x="0" y="0"/>
+                  </a:lnTo>
+                  <a:close/>
+                </a:path>
+              </a:pathLst>
+            </a:custGeom>
+            <a:solidFill>
+              <a:schemeClr val="accent2">
+                <a:lumMod val="75000"/>
+                <a:alpha val="70000"/>
+              </a:schemeClr>
+            </a:solidFill>
+            <a:ln>
+              <a:noFill/>
+            </a:ln>
+            <a:effectLst/>
+          </p:spPr>
+          <p:style>
+            <a:lnRef idx="1">
+              <a:schemeClr val="accent1"/>
+            </a:lnRef>
+            <a:fillRef idx="3">
+              <a:schemeClr val="accent1"/>
+            </a:fillRef>
+            <a:effectRef idx="2">
+              <a:schemeClr val="accent1"/>
+            </a:effectRef>
+            <a:fontRef idx="minor">
+              <a:schemeClr val="lt1"/>
+            </a:fontRef>
+          </p:style>
+        </p:sp>
+        <p:sp>
+          <p:nvSpPr>
+            <p:cNvPr id="29" name="Rectangle 28"/>
+            <p:cNvSpPr/>
+            <p:nvPr/>
+          </p:nvSpPr>
+          <p:spPr>
+            <a:xfrm>
+              <a:off x="10898730" y="-8467"/>
+              <a:ext cx="1290094" cy="6866467"/>
+            </a:xfrm>
+            <a:custGeom>
+              <a:avLst/>
+              <a:gdLst/>
+              <a:ahLst/>
+              <a:cxnLst/>
+              <a:rect l="l" t="t" r="r" b="b"/>
+              <a:pathLst>
+                <a:path w="1290094" h="6858000">
+                  <a:moveTo>
+                    <a:pt x="1019735" y="0"/>
+                  </a:moveTo>
+                  <a:lnTo>
+                    <a:pt x="1290094" y="0"/>
+                  </a:lnTo>
+                  <a:lnTo>
+                    <a:pt x="1290094" y="6858000"/>
+                  </a:lnTo>
+                  <a:lnTo>
+                    <a:pt x="0" y="6858000"/>
+                  </a:lnTo>
+                  <a:lnTo>
+                    <a:pt x="1019735" y="0"/>
+                  </a:lnTo>
+                  <a:close/>
+                </a:path>
+              </a:pathLst>
+            </a:custGeom>
+            <a:solidFill>
+              <a:schemeClr val="accent1">
+                <a:lumMod val="60000"/>
+                <a:lumOff val="40000"/>
+                <a:alpha val="70000"/>
+              </a:schemeClr>
+            </a:solidFill>
+            <a:ln>
+              <a:noFill/>
+            </a:ln>
+            <a:effectLst/>
+          </p:spPr>
+          <p:style>
+            <a:lnRef idx="1">
+              <a:schemeClr val="accent1"/>
+            </a:lnRef>
+            <a:fillRef idx="3">
+              <a:schemeClr val="accent1"/>
+            </a:fillRef>
+            <a:effectRef idx="2">
+              <a:schemeClr val="accent1"/>
+            </a:effectRef>
+            <a:fontRef idx="minor">
+              <a:schemeClr val="lt1"/>
+            </a:fontRef>
+          </p:style>
+        </p:sp>
+        <p:sp>
+          <p:nvSpPr>
+            <p:cNvPr id="30" name="Rectangle 29"/>
+            <p:cNvSpPr/>
+            <p:nvPr/>
+          </p:nvSpPr>
+          <p:spPr>
+            <a:xfrm>
+              <a:off x="10938999" y="-8467"/>
+              <a:ext cx="1249825" cy="6866467"/>
+            </a:xfrm>
+            <a:custGeom>
+              <a:avLst/>
+              <a:gdLst/>
+              <a:ahLst/>
+              <a:cxnLst/>
+              <a:rect l="l" t="t" r="r" b="b"/>
+              <a:pathLst>
+                <a:path w="1249825" h="6858000">
+                  <a:moveTo>
+                    <a:pt x="0" y="0"/>
+                  </a:moveTo>
+                  <a:lnTo>
+                    <a:pt x="1249825" y="0"/>
+                  </a:lnTo>
+                  <a:lnTo>
+                    <a:pt x="1249825" y="6858000"/>
+                  </a:lnTo>
+                  <a:lnTo>
+                    <a:pt x="1109382" y="6858000"/>
+                  </a:lnTo>
+                  <a:lnTo>
+                    <a:pt x="0" y="0"/>
+                  </a:lnTo>
+                  <a:close/>
+                </a:path>
+              </a:pathLst>
+            </a:custGeom>
+            <a:solidFill>
+              <a:schemeClr val="accent1">
+                <a:alpha val="65000"/>
+              </a:schemeClr>
+            </a:solidFill>
+            <a:ln>
+              <a:noFill/>
+            </a:ln>
+            <a:effectLst/>
+          </p:spPr>
+          <p:style>
+            <a:lnRef idx="1">
+              <a:schemeClr val="accent1"/>
+            </a:lnRef>
+            <a:fillRef idx="3">
+              <a:schemeClr val="accent1"/>
+            </a:fillRef>
+            <a:effectRef idx="2">
+              <a:schemeClr val="accent1"/>
+            </a:effectRef>
+            <a:fontRef idx="minor">
+              <a:schemeClr val="lt1"/>
+            </a:fontRef>
+          </p:style>
+        </p:sp>
+        <p:sp>
+          <p:nvSpPr>
+            <p:cNvPr id="31" name="Isosceles Triangle 30"/>
+            <p:cNvSpPr/>
+            <p:nvPr/>
+          </p:nvSpPr>
+          <p:spPr>
+            <a:xfrm>
+              <a:off x="10371666" y="3589867"/>
+              <a:ext cx="1817159" cy="3268133"/>
+            </a:xfrm>
+            <a:prstGeom prst="triangle">
+              <a:avLst>
+                <a:gd name="adj" fmla="val 100000"/>
+              </a:avLst>
+            </a:prstGeom>
+            <a:solidFill>
+              <a:schemeClr val="accent1">
+                <a:alpha val="80000"/>
+              </a:schemeClr>
+            </a:solidFill>
+            <a:ln>
+              <a:noFill/>
+            </a:ln>
+            <a:effectLst/>
+          </p:spPr>
+          <p:style>
+            <a:lnRef idx="1">
+              <a:schemeClr val="accent1"/>
+            </a:lnRef>
+            <a:fillRef idx="3">
+              <a:schemeClr val="accent1"/>
+            </a:fillRef>
+            <a:effectRef idx="2">
+              <a:schemeClr val="accent1"/>
+            </a:effectRef>
+            <a:fontRef idx="minor">
+              <a:schemeClr val="lt1"/>
+            </a:fontRef>
+          </p:style>
+        </p:sp>
+        <p:sp>
+          <p:nvSpPr>
+            <p:cNvPr id="19" name="Isosceles Triangle 18"/>
+            <p:cNvSpPr/>
+            <p:nvPr/>
+          </p:nvSpPr>
+          <p:spPr>
+            <a:xfrm rot="10800000">
+              <a:off x="0" y="0"/>
+              <a:ext cx="842596" cy="5666154"/>
+            </a:xfrm>
+            <a:prstGeom prst="triangle">
+              <a:avLst>
+                <a:gd name="adj" fmla="val 100000"/>
+              </a:avLst>
+            </a:prstGeom>
+            <a:solidFill>
+              <a:schemeClr val="accent1">
+                <a:alpha val="85000"/>
+              </a:schemeClr>
+            </a:solidFill>
+            <a:ln>
+              <a:noFill/>
+            </a:ln>
+            <a:effectLst/>
+          </p:spPr>
+          <p:style>
+            <a:lnRef idx="1">
+              <a:schemeClr val="accent1"/>
+            </a:lnRef>
+            <a:fillRef idx="3">
+              <a:schemeClr val="accent1"/>
+            </a:fillRef>
+            <a:effectRef idx="2">
+              <a:schemeClr val="accent1"/>
+            </a:effectRef>
+            <a:fontRef idx="minor">
+              <a:schemeClr val="lt1"/>
+            </a:fontRef>
+          </p:style>
+        </p:sp>
+      </p:grpSp>
+      <p:sp>
+        <p:nvSpPr>
+          <p:cNvPr id="2" name="Title 1"/>
           <p:cNvSpPr>
             <a:spLocks noGrp="1"/>
           </p:cNvSpPr>
@@ -1008,15 +1652,21 @@
         </p:nvSpPr>
         <p:spPr>
           <a:xfrm>
-            <a:off x="1524000" y="1122363"/>
-            <a:ext cx="9144000" cy="2387600"/>
+            <a:off x="1507067" y="2404534"/>
+            <a:ext cx="7766936" cy="1646302"/>
           </a:xfrm>
         </p:spPr>
         <p:txBody>
-          <a:bodyPr anchor="b"/>
+          <a:bodyPr anchor="b">
+            <a:noAutofit/>
+          </a:bodyPr>
           <a:lstStyle>
-            <a:lvl1pPr algn="ctr">
-              <a:defRPr sz="6000"/>
+            <a:lvl1pPr algn="r">
+              <a:defRPr sz="5400">
+                <a:solidFill>
+                  <a:schemeClr val="accent1"/>
+                </a:solidFill>
+              </a:defRPr>
             </a:lvl1pPr>
           </a:lstStyle>
           <a:p>
@@ -1024,18 +1674,13 @@
               <a:rPr lang="en-US"/>
               <a:t>Click to edit Master title style</a:t>
             </a:r>
-          </a:p>
-        </p:txBody>
-      </p:sp>
-      <p:sp>
-        <p:nvSpPr>
-          <p:cNvPr id="3" name="Subtitle 2">
-            <a:extLst>
-              <a:ext uri="{FF2B5EF4-FFF2-40B4-BE49-F238E27FC236}">
-                <a16:creationId xmlns:a16="http://schemas.microsoft.com/office/drawing/2014/main" id="{1FE888BD-D8C6-4610-B031-00DFFDF66B03}"/>
-              </a:ext>
-            </a:extLst>
-          </p:cNvPr>
+            <a:endParaRPr lang="en-US" dirty="0"/>
+          </a:p>
+        </p:txBody>
+      </p:sp>
+      <p:sp>
+        <p:nvSpPr>
+          <p:cNvPr id="3" name="Subtitle 2"/>
           <p:cNvSpPr>
             <a:spLocks noGrp="1"/>
           </p:cNvSpPr>
@@ -1045,48 +1690,103 @@
         </p:nvSpPr>
         <p:spPr>
           <a:xfrm>
-            <a:off x="1524000" y="3602038"/>
-            <a:ext cx="9144000" cy="1655762"/>
+            <a:off x="1507067" y="4050833"/>
+            <a:ext cx="7766936" cy="1096899"/>
           </a:xfrm>
         </p:spPr>
         <p:txBody>
-          <a:bodyPr/>
+          <a:bodyPr anchor="t"/>
           <a:lstStyle>
-            <a:lvl1pPr marL="0" indent="0" algn="ctr">
-              <a:buNone/>
-              <a:defRPr sz="2400"/>
+            <a:lvl1pPr marL="0" indent="0" algn="r">
+              <a:buNone/>
+              <a:defRPr>
+                <a:solidFill>
+                  <a:schemeClr val="tx1">
+                    <a:lumMod val="50000"/>
+                    <a:lumOff val="50000"/>
+                  </a:schemeClr>
+                </a:solidFill>
+              </a:defRPr>
             </a:lvl1pPr>
             <a:lvl2pPr marL="457200" indent="0" algn="ctr">
               <a:buNone/>
-              <a:defRPr sz="2000"/>
+              <a:defRPr>
+                <a:solidFill>
+                  <a:schemeClr val="tx1">
+                    <a:tint val="75000"/>
+                  </a:schemeClr>
+                </a:solidFill>
+              </a:defRPr>
             </a:lvl2pPr>
             <a:lvl3pPr marL="914400" indent="0" algn="ctr">
               <a:buNone/>
-              <a:defRPr sz="1800"/>
+              <a:defRPr>
+                <a:solidFill>
+                  <a:schemeClr val="tx1">
+                    <a:tint val="75000"/>
+                  </a:schemeClr>
+                </a:solidFill>
+              </a:defRPr>
             </a:lvl3pPr>
             <a:lvl4pPr marL="1371600" indent="0" algn="ctr">
               <a:buNone/>
-              <a:defRPr sz="1600"/>
+              <a:defRPr>
+                <a:solidFill>
+                  <a:schemeClr val="tx1">
+                    <a:tint val="75000"/>
+                  </a:schemeClr>
+                </a:solidFill>
+              </a:defRPr>
             </a:lvl4pPr>
             <a:lvl5pPr marL="1828800" indent="0" algn="ctr">
               <a:buNone/>
-              <a:defRPr sz="1600"/>
+              <a:defRPr>
+                <a:solidFill>
+                  <a:schemeClr val="tx1">
+                    <a:tint val="75000"/>
+                  </a:schemeClr>
+                </a:solidFill>
+              </a:defRPr>
             </a:lvl5pPr>
             <a:lvl6pPr marL="2286000" indent="0" algn="ctr">
               <a:buNone/>
-              <a:defRPr sz="1600"/>
+              <a:defRPr>
+                <a:solidFill>
+                  <a:schemeClr val="tx1">
+                    <a:tint val="75000"/>
+                  </a:schemeClr>
+                </a:solidFill>
+              </a:defRPr>
             </a:lvl6pPr>
             <a:lvl7pPr marL="2743200" indent="0" algn="ctr">
               <a:buNone/>
-              <a:defRPr sz="1600"/>
+              <a:defRPr>
+                <a:solidFill>
+                  <a:schemeClr val="tx1">
+                    <a:tint val="75000"/>
+                  </a:schemeClr>
+                </a:solidFill>
+              </a:defRPr>
             </a:lvl7pPr>
             <a:lvl8pPr marL="3200400" indent="0" algn="ctr">
               <a:buNone/>
-              <a:defRPr sz="1600"/>
+              <a:defRPr>
+                <a:solidFill>
+                  <a:schemeClr val="tx1">
+                    <a:tint val="75000"/>
+                  </a:schemeClr>
+                </a:solidFill>
+              </a:defRPr>
             </a:lvl8pPr>
             <a:lvl9pPr marL="3657600" indent="0" algn="ctr">
               <a:buNone/>
-              <a:defRPr sz="1600"/>
+              <a:defRPr>
+                <a:solidFill>
+                  <a:schemeClr val="tx1">
+                    <a:tint val="75000"/>
+                  </a:schemeClr>
+                </a:solidFill>
+              </a:defRPr>
             </a:lvl9pPr>
           </a:lstStyle>
           <a:p>
@@ -1094,18 +1794,13 @@
               <a:rPr lang="en-US"/>
               <a:t>Click to edit Master subtitle style</a:t>
             </a:r>
-          </a:p>
-        </p:txBody>
-      </p:sp>
-      <p:sp>
-        <p:nvSpPr>
-          <p:cNvPr id="4" name="Date Placeholder 3">
-            <a:extLst>
-              <a:ext uri="{FF2B5EF4-FFF2-40B4-BE49-F238E27FC236}">
-                <a16:creationId xmlns:a16="http://schemas.microsoft.com/office/drawing/2014/main" id="{0D604FE1-F7CB-4981-B451-14D437D8463A}"/>
-              </a:ext>
-            </a:extLst>
-          </p:cNvPr>
+            <a:endParaRPr lang="en-US" dirty="0"/>
+          </a:p>
+        </p:txBody>
+      </p:sp>
+      <p:sp>
+        <p:nvSpPr>
+          <p:cNvPr id="4" name="Date Placeholder 3"/>
           <p:cNvSpPr>
             <a:spLocks noGrp="1"/>
           </p:cNvSpPr>
@@ -1120,7 +1815,7 @@
           <a:p>
             <a:fld id="{5FC93890-602C-48CB-AE8E-BB8867784A0C}" type="datetimeFigureOut">
               <a:rPr lang="en-US" smtClean="0"/>
-              <a:t>6/17/2019</a:t>
+              <a:t>7/1/2019</a:t>
             </a:fld>
             <a:endParaRPr lang="en-US"/>
           </a:p>
@@ -1128,13 +1823,7 @@
       </p:sp>
       <p:sp>
         <p:nvSpPr>
-          <p:cNvPr id="5" name="Footer Placeholder 4">
-            <a:extLst>
-              <a:ext uri="{FF2B5EF4-FFF2-40B4-BE49-F238E27FC236}">
-                <a16:creationId xmlns:a16="http://schemas.microsoft.com/office/drawing/2014/main" id="{984FC7B6-92F5-479F-8539-A7781CDEAE18}"/>
-              </a:ext>
-            </a:extLst>
-          </p:cNvPr>
+          <p:cNvPr id="5" name="Footer Placeholder 4"/>
           <p:cNvSpPr>
             <a:spLocks noGrp="1"/>
           </p:cNvSpPr>
@@ -1153,13 +1842,7 @@
       </p:sp>
       <p:sp>
         <p:nvSpPr>
-          <p:cNvPr id="6" name="Slide Number Placeholder 5">
-            <a:extLst>
-              <a:ext uri="{FF2B5EF4-FFF2-40B4-BE49-F238E27FC236}">
-                <a16:creationId xmlns:a16="http://schemas.microsoft.com/office/drawing/2014/main" id="{BA0F1B68-01B3-4E5F-83FF-0CA9A83914EB}"/>
-              </a:ext>
-            </a:extLst>
-          </p:cNvPr>
+          <p:cNvPr id="6" name="Slide Number Placeholder 5"/>
           <p:cNvSpPr>
             <a:spLocks noGrp="1"/>
           </p:cNvSpPr>
@@ -1183,7 +1866,7 @@
     </p:spTree>
     <p:extLst>
       <p:ext uri="{BB962C8B-B14F-4D97-AF65-F5344CB8AC3E}">
-        <p14:creationId xmlns:p14="http://schemas.microsoft.com/office/powerpoint/2010/main" val="3234002560"/>
+        <p14:creationId xmlns:p14="http://schemas.microsoft.com/office/powerpoint/2010/main" val="3328849667"/>
       </p:ext>
     </p:extLst>
   </p:cSld>
@@ -1194,6 +1877,1619 @@
 </file>
 
 <file path=ppt/slideLayouts/slideLayout10.xml><?xml version="1.0" encoding="utf-8"?>
+<p:sldLayout xmlns:a="http://schemas.openxmlformats.org/drawingml/2006/main" xmlns:r="http://schemas.openxmlformats.org/officeDocument/2006/relationships" xmlns:p="http://schemas.openxmlformats.org/presentationml/2006/main" preserve="1">
+  <p:cSld name="Title and Caption">
+    <p:spTree>
+      <p:nvGrpSpPr>
+        <p:cNvPr id="1" name=""/>
+        <p:cNvGrpSpPr/>
+        <p:nvPr/>
+      </p:nvGrpSpPr>
+      <p:grpSpPr>
+        <a:xfrm>
+          <a:off x="0" y="0"/>
+          <a:ext cx="0" cy="0"/>
+          <a:chOff x="0" y="0"/>
+          <a:chExt cx="0" cy="0"/>
+        </a:xfrm>
+      </p:grpSpPr>
+      <p:sp>
+        <p:nvSpPr>
+          <p:cNvPr id="2" name="Title 1"/>
+          <p:cNvSpPr>
+            <a:spLocks noGrp="1"/>
+          </p:cNvSpPr>
+          <p:nvPr>
+            <p:ph type="title"/>
+          </p:nvPr>
+        </p:nvSpPr>
+        <p:spPr>
+          <a:xfrm>
+            <a:off x="677335" y="609600"/>
+            <a:ext cx="8596668" cy="3403600"/>
+          </a:xfrm>
+        </p:spPr>
+        <p:txBody>
+          <a:bodyPr anchor="ctr">
+            <a:normAutofit/>
+          </a:bodyPr>
+          <a:lstStyle>
+            <a:lvl1pPr algn="l">
+              <a:defRPr sz="4400" b="0" cap="none"/>
+            </a:lvl1pPr>
+          </a:lstStyle>
+          <a:p>
+            <a:r>
+              <a:rPr lang="en-US"/>
+              <a:t>Click to edit Master title style</a:t>
+            </a:r>
+            <a:endParaRPr lang="en-US" dirty="0"/>
+          </a:p>
+        </p:txBody>
+      </p:sp>
+      <p:sp>
+        <p:nvSpPr>
+          <p:cNvPr id="3" name="Text Placeholder 2"/>
+          <p:cNvSpPr>
+            <a:spLocks noGrp="1"/>
+          </p:cNvSpPr>
+          <p:nvPr>
+            <p:ph type="body" idx="1"/>
+          </p:nvPr>
+        </p:nvSpPr>
+        <p:spPr>
+          <a:xfrm>
+            <a:off x="677335" y="4470400"/>
+            <a:ext cx="8596668" cy="1570962"/>
+          </a:xfrm>
+        </p:spPr>
+        <p:txBody>
+          <a:bodyPr anchor="ctr">
+            <a:normAutofit/>
+          </a:bodyPr>
+          <a:lstStyle>
+            <a:lvl1pPr marL="0" indent="0" algn="l">
+              <a:buNone/>
+              <a:defRPr sz="1800">
+                <a:solidFill>
+                  <a:schemeClr val="tx1">
+                    <a:lumMod val="75000"/>
+                    <a:lumOff val="25000"/>
+                  </a:schemeClr>
+                </a:solidFill>
+              </a:defRPr>
+            </a:lvl1pPr>
+            <a:lvl2pPr marL="457200" indent="0">
+              <a:buNone/>
+              <a:defRPr sz="1800">
+                <a:solidFill>
+                  <a:schemeClr val="tx1">
+                    <a:tint val="75000"/>
+                  </a:schemeClr>
+                </a:solidFill>
+              </a:defRPr>
+            </a:lvl2pPr>
+            <a:lvl3pPr marL="914400" indent="0">
+              <a:buNone/>
+              <a:defRPr sz="1600">
+                <a:solidFill>
+                  <a:schemeClr val="tx1">
+                    <a:tint val="75000"/>
+                  </a:schemeClr>
+                </a:solidFill>
+              </a:defRPr>
+            </a:lvl3pPr>
+            <a:lvl4pPr marL="1371600" indent="0">
+              <a:buNone/>
+              <a:defRPr sz="1400">
+                <a:solidFill>
+                  <a:schemeClr val="tx1">
+                    <a:tint val="75000"/>
+                  </a:schemeClr>
+                </a:solidFill>
+              </a:defRPr>
+            </a:lvl4pPr>
+            <a:lvl5pPr marL="1828800" indent="0">
+              <a:buNone/>
+              <a:defRPr sz="1400">
+                <a:solidFill>
+                  <a:schemeClr val="tx1">
+                    <a:tint val="75000"/>
+                  </a:schemeClr>
+                </a:solidFill>
+              </a:defRPr>
+            </a:lvl5pPr>
+            <a:lvl6pPr marL="2286000" indent="0">
+              <a:buNone/>
+              <a:defRPr sz="1400">
+                <a:solidFill>
+                  <a:schemeClr val="tx1">
+                    <a:tint val="75000"/>
+                  </a:schemeClr>
+                </a:solidFill>
+              </a:defRPr>
+            </a:lvl6pPr>
+            <a:lvl7pPr marL="2743200" indent="0">
+              <a:buNone/>
+              <a:defRPr sz="1400">
+                <a:solidFill>
+                  <a:schemeClr val="tx1">
+                    <a:tint val="75000"/>
+                  </a:schemeClr>
+                </a:solidFill>
+              </a:defRPr>
+            </a:lvl7pPr>
+            <a:lvl8pPr marL="3200400" indent="0">
+              <a:buNone/>
+              <a:defRPr sz="1400">
+                <a:solidFill>
+                  <a:schemeClr val="tx1">
+                    <a:tint val="75000"/>
+                  </a:schemeClr>
+                </a:solidFill>
+              </a:defRPr>
+            </a:lvl8pPr>
+            <a:lvl9pPr marL="3657600" indent="0">
+              <a:buNone/>
+              <a:defRPr sz="1400">
+                <a:solidFill>
+                  <a:schemeClr val="tx1">
+                    <a:tint val="75000"/>
+                  </a:schemeClr>
+                </a:solidFill>
+              </a:defRPr>
+            </a:lvl9pPr>
+          </a:lstStyle>
+          <a:p>
+            <a:pPr lvl="0"/>
+            <a:r>
+              <a:rPr lang="en-US"/>
+              <a:t>Click to edit Master text styles</a:t>
+            </a:r>
+          </a:p>
+        </p:txBody>
+      </p:sp>
+      <p:sp>
+        <p:nvSpPr>
+          <p:cNvPr id="4" name="Date Placeholder 3"/>
+          <p:cNvSpPr>
+            <a:spLocks noGrp="1"/>
+          </p:cNvSpPr>
+          <p:nvPr>
+            <p:ph type="dt" sz="half" idx="10"/>
+          </p:nvPr>
+        </p:nvSpPr>
+        <p:spPr/>
+        <p:txBody>
+          <a:bodyPr/>
+          <a:lstStyle/>
+          <a:p>
+            <a:fld id="{5FC93890-602C-48CB-AE8E-BB8867784A0C}" type="datetimeFigureOut">
+              <a:rPr lang="en-US" smtClean="0"/>
+              <a:t>7/1/2019</a:t>
+            </a:fld>
+            <a:endParaRPr lang="en-US"/>
+          </a:p>
+        </p:txBody>
+      </p:sp>
+      <p:sp>
+        <p:nvSpPr>
+          <p:cNvPr id="5" name="Footer Placeholder 4"/>
+          <p:cNvSpPr>
+            <a:spLocks noGrp="1"/>
+          </p:cNvSpPr>
+          <p:nvPr>
+            <p:ph type="ftr" sz="quarter" idx="11"/>
+          </p:nvPr>
+        </p:nvSpPr>
+        <p:spPr/>
+        <p:txBody>
+          <a:bodyPr/>
+          <a:lstStyle/>
+          <a:p>
+            <a:endParaRPr lang="en-US"/>
+          </a:p>
+        </p:txBody>
+      </p:sp>
+      <p:sp>
+        <p:nvSpPr>
+          <p:cNvPr id="6" name="Slide Number Placeholder 5"/>
+          <p:cNvSpPr>
+            <a:spLocks noGrp="1"/>
+          </p:cNvSpPr>
+          <p:nvPr>
+            <p:ph type="sldNum" sz="quarter" idx="12"/>
+          </p:nvPr>
+        </p:nvSpPr>
+        <p:spPr/>
+        <p:txBody>
+          <a:bodyPr/>
+          <a:lstStyle/>
+          <a:p>
+            <a:fld id="{B33D6D8E-5B73-4E14-8698-76804C0F0F55}" type="slidenum">
+              <a:rPr lang="en-US" smtClean="0"/>
+              <a:t>‹#›</a:t>
+            </a:fld>
+            <a:endParaRPr lang="en-US"/>
+          </a:p>
+        </p:txBody>
+      </p:sp>
+    </p:spTree>
+    <p:extLst>
+      <p:ext uri="{BB962C8B-B14F-4D97-AF65-F5344CB8AC3E}">
+        <p14:creationId xmlns:p14="http://schemas.microsoft.com/office/powerpoint/2010/main" val="4210232246"/>
+      </p:ext>
+    </p:extLst>
+  </p:cSld>
+  <p:clrMapOvr>
+    <a:masterClrMapping/>
+  </p:clrMapOvr>
+</p:sldLayout>
+</file>
+
+<file path=ppt/slideLayouts/slideLayout11.xml><?xml version="1.0" encoding="utf-8"?>
+<p:sldLayout xmlns:a="http://schemas.openxmlformats.org/drawingml/2006/main" xmlns:r="http://schemas.openxmlformats.org/officeDocument/2006/relationships" xmlns:p="http://schemas.openxmlformats.org/presentationml/2006/main" preserve="1">
+  <p:cSld name="Quote with Caption">
+    <p:spTree>
+      <p:nvGrpSpPr>
+        <p:cNvPr id="1" name=""/>
+        <p:cNvGrpSpPr/>
+        <p:nvPr/>
+      </p:nvGrpSpPr>
+      <p:grpSpPr>
+        <a:xfrm>
+          <a:off x="0" y="0"/>
+          <a:ext cx="0" cy="0"/>
+          <a:chOff x="0" y="0"/>
+          <a:chExt cx="0" cy="0"/>
+        </a:xfrm>
+      </p:grpSpPr>
+      <p:sp>
+        <p:nvSpPr>
+          <p:cNvPr id="2" name="Title 1"/>
+          <p:cNvSpPr>
+            <a:spLocks noGrp="1"/>
+          </p:cNvSpPr>
+          <p:nvPr>
+            <p:ph type="title"/>
+          </p:nvPr>
+        </p:nvSpPr>
+        <p:spPr>
+          <a:xfrm>
+            <a:off x="931334" y="609600"/>
+            <a:ext cx="8094134" cy="3022600"/>
+          </a:xfrm>
+        </p:spPr>
+        <p:txBody>
+          <a:bodyPr anchor="ctr">
+            <a:normAutofit/>
+          </a:bodyPr>
+          <a:lstStyle>
+            <a:lvl1pPr algn="l">
+              <a:defRPr sz="4400" b="0" cap="none"/>
+            </a:lvl1pPr>
+          </a:lstStyle>
+          <a:p>
+            <a:r>
+              <a:rPr lang="en-US"/>
+              <a:t>Click to edit Master title style</a:t>
+            </a:r>
+            <a:endParaRPr lang="en-US" dirty="0"/>
+          </a:p>
+        </p:txBody>
+      </p:sp>
+      <p:sp>
+        <p:nvSpPr>
+          <p:cNvPr id="23" name="Text Placeholder 9"/>
+          <p:cNvSpPr>
+            <a:spLocks noGrp="1"/>
+          </p:cNvSpPr>
+          <p:nvPr>
+            <p:ph type="body" sz="quarter" idx="13"/>
+          </p:nvPr>
+        </p:nvSpPr>
+        <p:spPr>
+          <a:xfrm>
+            <a:off x="1366139" y="3632200"/>
+            <a:ext cx="7224524" cy="381000"/>
+          </a:xfrm>
+        </p:spPr>
+        <p:txBody>
+          <a:bodyPr anchor="ctr">
+            <a:noAutofit/>
+          </a:bodyPr>
+          <a:lstStyle>
+            <a:lvl1pPr marL="0" indent="0">
+              <a:buFontTx/>
+              <a:buNone/>
+              <a:defRPr sz="1600">
+                <a:solidFill>
+                  <a:schemeClr val="tx1">
+                    <a:lumMod val="50000"/>
+                    <a:lumOff val="50000"/>
+                  </a:schemeClr>
+                </a:solidFill>
+              </a:defRPr>
+            </a:lvl1pPr>
+            <a:lvl2pPr marL="457200" indent="0">
+              <a:buFontTx/>
+              <a:buNone/>
+              <a:defRPr/>
+            </a:lvl2pPr>
+            <a:lvl3pPr marL="914400" indent="0">
+              <a:buFontTx/>
+              <a:buNone/>
+              <a:defRPr/>
+            </a:lvl3pPr>
+            <a:lvl4pPr marL="1371600" indent="0">
+              <a:buFontTx/>
+              <a:buNone/>
+              <a:defRPr/>
+            </a:lvl4pPr>
+            <a:lvl5pPr marL="1828800" indent="0">
+              <a:buFontTx/>
+              <a:buNone/>
+              <a:defRPr/>
+            </a:lvl5pPr>
+          </a:lstStyle>
+          <a:p>
+            <a:pPr lvl="0"/>
+            <a:r>
+              <a:rPr lang="en-US"/>
+              <a:t>Click to edit Master text styles</a:t>
+            </a:r>
+          </a:p>
+        </p:txBody>
+      </p:sp>
+      <p:sp>
+        <p:nvSpPr>
+          <p:cNvPr id="3" name="Text Placeholder 2"/>
+          <p:cNvSpPr>
+            <a:spLocks noGrp="1"/>
+          </p:cNvSpPr>
+          <p:nvPr>
+            <p:ph type="body" idx="1"/>
+          </p:nvPr>
+        </p:nvSpPr>
+        <p:spPr>
+          <a:xfrm>
+            <a:off x="677335" y="4470400"/>
+            <a:ext cx="8596668" cy="1570962"/>
+          </a:xfrm>
+        </p:spPr>
+        <p:txBody>
+          <a:bodyPr anchor="ctr">
+            <a:normAutofit/>
+          </a:bodyPr>
+          <a:lstStyle>
+            <a:lvl1pPr marL="0" indent="0" algn="l">
+              <a:buNone/>
+              <a:defRPr sz="1800">
+                <a:solidFill>
+                  <a:schemeClr val="tx1">
+                    <a:lumMod val="75000"/>
+                    <a:lumOff val="25000"/>
+                  </a:schemeClr>
+                </a:solidFill>
+              </a:defRPr>
+            </a:lvl1pPr>
+            <a:lvl2pPr marL="457200" indent="0">
+              <a:buNone/>
+              <a:defRPr sz="1800">
+                <a:solidFill>
+                  <a:schemeClr val="tx1">
+                    <a:tint val="75000"/>
+                  </a:schemeClr>
+                </a:solidFill>
+              </a:defRPr>
+            </a:lvl2pPr>
+            <a:lvl3pPr marL="914400" indent="0">
+              <a:buNone/>
+              <a:defRPr sz="1600">
+                <a:solidFill>
+                  <a:schemeClr val="tx1">
+                    <a:tint val="75000"/>
+                  </a:schemeClr>
+                </a:solidFill>
+              </a:defRPr>
+            </a:lvl3pPr>
+            <a:lvl4pPr marL="1371600" indent="0">
+              <a:buNone/>
+              <a:defRPr sz="1400">
+                <a:solidFill>
+                  <a:schemeClr val="tx1">
+                    <a:tint val="75000"/>
+                  </a:schemeClr>
+                </a:solidFill>
+              </a:defRPr>
+            </a:lvl4pPr>
+            <a:lvl5pPr marL="1828800" indent="0">
+              <a:buNone/>
+              <a:defRPr sz="1400">
+                <a:solidFill>
+                  <a:schemeClr val="tx1">
+                    <a:tint val="75000"/>
+                  </a:schemeClr>
+                </a:solidFill>
+              </a:defRPr>
+            </a:lvl5pPr>
+            <a:lvl6pPr marL="2286000" indent="0">
+              <a:buNone/>
+              <a:defRPr sz="1400">
+                <a:solidFill>
+                  <a:schemeClr val="tx1">
+                    <a:tint val="75000"/>
+                  </a:schemeClr>
+                </a:solidFill>
+              </a:defRPr>
+            </a:lvl6pPr>
+            <a:lvl7pPr marL="2743200" indent="0">
+              <a:buNone/>
+              <a:defRPr sz="1400">
+                <a:solidFill>
+                  <a:schemeClr val="tx1">
+                    <a:tint val="75000"/>
+                  </a:schemeClr>
+                </a:solidFill>
+              </a:defRPr>
+            </a:lvl7pPr>
+            <a:lvl8pPr marL="3200400" indent="0">
+              <a:buNone/>
+              <a:defRPr sz="1400">
+                <a:solidFill>
+                  <a:schemeClr val="tx1">
+                    <a:tint val="75000"/>
+                  </a:schemeClr>
+                </a:solidFill>
+              </a:defRPr>
+            </a:lvl8pPr>
+            <a:lvl9pPr marL="3657600" indent="0">
+              <a:buNone/>
+              <a:defRPr sz="1400">
+                <a:solidFill>
+                  <a:schemeClr val="tx1">
+                    <a:tint val="75000"/>
+                  </a:schemeClr>
+                </a:solidFill>
+              </a:defRPr>
+            </a:lvl9pPr>
+          </a:lstStyle>
+          <a:p>
+            <a:pPr lvl="0"/>
+            <a:r>
+              <a:rPr lang="en-US"/>
+              <a:t>Click to edit Master text styles</a:t>
+            </a:r>
+          </a:p>
+        </p:txBody>
+      </p:sp>
+      <p:sp>
+        <p:nvSpPr>
+          <p:cNvPr id="4" name="Date Placeholder 3"/>
+          <p:cNvSpPr>
+            <a:spLocks noGrp="1"/>
+          </p:cNvSpPr>
+          <p:nvPr>
+            <p:ph type="dt" sz="half" idx="10"/>
+          </p:nvPr>
+        </p:nvSpPr>
+        <p:spPr/>
+        <p:txBody>
+          <a:bodyPr/>
+          <a:lstStyle/>
+          <a:p>
+            <a:fld id="{5FC93890-602C-48CB-AE8E-BB8867784A0C}" type="datetimeFigureOut">
+              <a:rPr lang="en-US" smtClean="0"/>
+              <a:t>7/1/2019</a:t>
+            </a:fld>
+            <a:endParaRPr lang="en-US"/>
+          </a:p>
+        </p:txBody>
+      </p:sp>
+      <p:sp>
+        <p:nvSpPr>
+          <p:cNvPr id="5" name="Footer Placeholder 4"/>
+          <p:cNvSpPr>
+            <a:spLocks noGrp="1"/>
+          </p:cNvSpPr>
+          <p:nvPr>
+            <p:ph type="ftr" sz="quarter" idx="11"/>
+          </p:nvPr>
+        </p:nvSpPr>
+        <p:spPr/>
+        <p:txBody>
+          <a:bodyPr/>
+          <a:lstStyle/>
+          <a:p>
+            <a:endParaRPr lang="en-US"/>
+          </a:p>
+        </p:txBody>
+      </p:sp>
+      <p:sp>
+        <p:nvSpPr>
+          <p:cNvPr id="6" name="Slide Number Placeholder 5"/>
+          <p:cNvSpPr>
+            <a:spLocks noGrp="1"/>
+          </p:cNvSpPr>
+          <p:nvPr>
+            <p:ph type="sldNum" sz="quarter" idx="12"/>
+          </p:nvPr>
+        </p:nvSpPr>
+        <p:spPr/>
+        <p:txBody>
+          <a:bodyPr/>
+          <a:lstStyle/>
+          <a:p>
+            <a:fld id="{B33D6D8E-5B73-4E14-8698-76804C0F0F55}" type="slidenum">
+              <a:rPr lang="en-US" smtClean="0"/>
+              <a:t>‹#›</a:t>
+            </a:fld>
+            <a:endParaRPr lang="en-US"/>
+          </a:p>
+        </p:txBody>
+      </p:sp>
+      <p:sp>
+        <p:nvSpPr>
+          <p:cNvPr id="20" name="TextBox 19"/>
+          <p:cNvSpPr txBox="1"/>
+          <p:nvPr/>
+        </p:nvSpPr>
+        <p:spPr>
+          <a:xfrm>
+            <a:off x="541870" y="790378"/>
+            <a:ext cx="609600" cy="584776"/>
+          </a:xfrm>
+          <a:prstGeom prst="rect">
+            <a:avLst/>
+          </a:prstGeom>
+        </p:spPr>
+        <p:txBody>
+          <a:bodyPr vert="horz" lIns="91440" tIns="45720" rIns="91440" bIns="45720" rtlCol="0" anchor="ctr">
+            <a:noAutofit/>
+          </a:bodyPr>
+          <a:lstStyle/>
+          <a:p>
+            <a:pPr lvl="0"/>
+            <a:r>
+              <a:rPr lang="en-US" sz="8000" baseline="0" dirty="0">
+                <a:ln w="3175" cmpd="sng">
+                  <a:noFill/>
+                </a:ln>
+                <a:solidFill>
+                  <a:schemeClr val="accent1">
+                    <a:lumMod val="60000"/>
+                    <a:lumOff val="40000"/>
+                  </a:schemeClr>
+                </a:solidFill>
+                <a:effectLst/>
+                <a:latin typeface="Arial"/>
+              </a:rPr>
+              <a:t>“</a:t>
+            </a:r>
+          </a:p>
+        </p:txBody>
+      </p:sp>
+      <p:sp>
+        <p:nvSpPr>
+          <p:cNvPr id="22" name="TextBox 21"/>
+          <p:cNvSpPr txBox="1"/>
+          <p:nvPr/>
+        </p:nvSpPr>
+        <p:spPr>
+          <a:xfrm>
+            <a:off x="8893011" y="2886556"/>
+            <a:ext cx="609600" cy="584776"/>
+          </a:xfrm>
+          <a:prstGeom prst="rect">
+            <a:avLst/>
+          </a:prstGeom>
+        </p:spPr>
+        <p:txBody>
+          <a:bodyPr vert="horz" lIns="91440" tIns="45720" rIns="91440" bIns="45720" rtlCol="0" anchor="ctr">
+            <a:noAutofit/>
+          </a:bodyPr>
+          <a:lstStyle/>
+          <a:p>
+            <a:pPr lvl="0"/>
+            <a:r>
+              <a:rPr lang="en-US" sz="8000" baseline="0" dirty="0">
+                <a:ln w="3175" cmpd="sng">
+                  <a:noFill/>
+                </a:ln>
+                <a:solidFill>
+                  <a:schemeClr val="accent1">
+                    <a:lumMod val="60000"/>
+                    <a:lumOff val="40000"/>
+                  </a:schemeClr>
+                </a:solidFill>
+                <a:latin typeface="Arial"/>
+              </a:rPr>
+              <a:t>”</a:t>
+            </a:r>
+            <a:endParaRPr lang="en-US" dirty="0">
+              <a:solidFill>
+                <a:schemeClr val="accent1">
+                  <a:lumMod val="60000"/>
+                  <a:lumOff val="40000"/>
+                </a:schemeClr>
+              </a:solidFill>
+              <a:latin typeface="Arial"/>
+            </a:endParaRPr>
+          </a:p>
+        </p:txBody>
+      </p:sp>
+    </p:spTree>
+    <p:extLst>
+      <p:ext uri="{BB962C8B-B14F-4D97-AF65-F5344CB8AC3E}">
+        <p14:creationId xmlns:p14="http://schemas.microsoft.com/office/powerpoint/2010/main" val="721722337"/>
+      </p:ext>
+    </p:extLst>
+  </p:cSld>
+  <p:clrMapOvr>
+    <a:masterClrMapping/>
+  </p:clrMapOvr>
+</p:sldLayout>
+</file>
+
+<file path=ppt/slideLayouts/slideLayout12.xml><?xml version="1.0" encoding="utf-8"?>
+<p:sldLayout xmlns:a="http://schemas.openxmlformats.org/drawingml/2006/main" xmlns:r="http://schemas.openxmlformats.org/officeDocument/2006/relationships" xmlns:p="http://schemas.openxmlformats.org/presentationml/2006/main" preserve="1">
+  <p:cSld name="Name Card">
+    <p:spTree>
+      <p:nvGrpSpPr>
+        <p:cNvPr id="1" name=""/>
+        <p:cNvGrpSpPr/>
+        <p:nvPr/>
+      </p:nvGrpSpPr>
+      <p:grpSpPr>
+        <a:xfrm>
+          <a:off x="0" y="0"/>
+          <a:ext cx="0" cy="0"/>
+          <a:chOff x="0" y="0"/>
+          <a:chExt cx="0" cy="0"/>
+        </a:xfrm>
+      </p:grpSpPr>
+      <p:sp>
+        <p:nvSpPr>
+          <p:cNvPr id="2" name="Title 1"/>
+          <p:cNvSpPr>
+            <a:spLocks noGrp="1"/>
+          </p:cNvSpPr>
+          <p:nvPr>
+            <p:ph type="title"/>
+          </p:nvPr>
+        </p:nvSpPr>
+        <p:spPr>
+          <a:xfrm>
+            <a:off x="677335" y="1931988"/>
+            <a:ext cx="8596668" cy="2595460"/>
+          </a:xfrm>
+        </p:spPr>
+        <p:txBody>
+          <a:bodyPr anchor="b">
+            <a:normAutofit/>
+          </a:bodyPr>
+          <a:lstStyle>
+            <a:lvl1pPr algn="l">
+              <a:defRPr sz="4400" b="0" cap="none"/>
+            </a:lvl1pPr>
+          </a:lstStyle>
+          <a:p>
+            <a:r>
+              <a:rPr lang="en-US"/>
+              <a:t>Click to edit Master title style</a:t>
+            </a:r>
+            <a:endParaRPr lang="en-US" dirty="0"/>
+          </a:p>
+        </p:txBody>
+      </p:sp>
+      <p:sp>
+        <p:nvSpPr>
+          <p:cNvPr id="3" name="Text Placeholder 2"/>
+          <p:cNvSpPr>
+            <a:spLocks noGrp="1"/>
+          </p:cNvSpPr>
+          <p:nvPr>
+            <p:ph type="body" idx="1"/>
+          </p:nvPr>
+        </p:nvSpPr>
+        <p:spPr>
+          <a:xfrm>
+            <a:off x="677335" y="4527448"/>
+            <a:ext cx="8596668" cy="1513914"/>
+          </a:xfrm>
+        </p:spPr>
+        <p:txBody>
+          <a:bodyPr anchor="t">
+            <a:normAutofit/>
+          </a:bodyPr>
+          <a:lstStyle>
+            <a:lvl1pPr marL="0" indent="0" algn="l">
+              <a:buNone/>
+              <a:defRPr sz="1800">
+                <a:solidFill>
+                  <a:schemeClr val="tx1">
+                    <a:lumMod val="75000"/>
+                    <a:lumOff val="25000"/>
+                  </a:schemeClr>
+                </a:solidFill>
+              </a:defRPr>
+            </a:lvl1pPr>
+            <a:lvl2pPr marL="457200" indent="0">
+              <a:buNone/>
+              <a:defRPr sz="1800">
+                <a:solidFill>
+                  <a:schemeClr val="tx1">
+                    <a:tint val="75000"/>
+                  </a:schemeClr>
+                </a:solidFill>
+              </a:defRPr>
+            </a:lvl2pPr>
+            <a:lvl3pPr marL="914400" indent="0">
+              <a:buNone/>
+              <a:defRPr sz="1600">
+                <a:solidFill>
+                  <a:schemeClr val="tx1">
+                    <a:tint val="75000"/>
+                  </a:schemeClr>
+                </a:solidFill>
+              </a:defRPr>
+            </a:lvl3pPr>
+            <a:lvl4pPr marL="1371600" indent="0">
+              <a:buNone/>
+              <a:defRPr sz="1400">
+                <a:solidFill>
+                  <a:schemeClr val="tx1">
+                    <a:tint val="75000"/>
+                  </a:schemeClr>
+                </a:solidFill>
+              </a:defRPr>
+            </a:lvl4pPr>
+            <a:lvl5pPr marL="1828800" indent="0">
+              <a:buNone/>
+              <a:defRPr sz="1400">
+                <a:solidFill>
+                  <a:schemeClr val="tx1">
+                    <a:tint val="75000"/>
+                  </a:schemeClr>
+                </a:solidFill>
+              </a:defRPr>
+            </a:lvl5pPr>
+            <a:lvl6pPr marL="2286000" indent="0">
+              <a:buNone/>
+              <a:defRPr sz="1400">
+                <a:solidFill>
+                  <a:schemeClr val="tx1">
+                    <a:tint val="75000"/>
+                  </a:schemeClr>
+                </a:solidFill>
+              </a:defRPr>
+            </a:lvl6pPr>
+            <a:lvl7pPr marL="2743200" indent="0">
+              <a:buNone/>
+              <a:defRPr sz="1400">
+                <a:solidFill>
+                  <a:schemeClr val="tx1">
+                    <a:tint val="75000"/>
+                  </a:schemeClr>
+                </a:solidFill>
+              </a:defRPr>
+            </a:lvl7pPr>
+            <a:lvl8pPr marL="3200400" indent="0">
+              <a:buNone/>
+              <a:defRPr sz="1400">
+                <a:solidFill>
+                  <a:schemeClr val="tx1">
+                    <a:tint val="75000"/>
+                  </a:schemeClr>
+                </a:solidFill>
+              </a:defRPr>
+            </a:lvl8pPr>
+            <a:lvl9pPr marL="3657600" indent="0">
+              <a:buNone/>
+              <a:defRPr sz="1400">
+                <a:solidFill>
+                  <a:schemeClr val="tx1">
+                    <a:tint val="75000"/>
+                  </a:schemeClr>
+                </a:solidFill>
+              </a:defRPr>
+            </a:lvl9pPr>
+          </a:lstStyle>
+          <a:p>
+            <a:pPr lvl="0"/>
+            <a:r>
+              <a:rPr lang="en-US"/>
+              <a:t>Click to edit Master text styles</a:t>
+            </a:r>
+          </a:p>
+        </p:txBody>
+      </p:sp>
+      <p:sp>
+        <p:nvSpPr>
+          <p:cNvPr id="4" name="Date Placeholder 3"/>
+          <p:cNvSpPr>
+            <a:spLocks noGrp="1"/>
+          </p:cNvSpPr>
+          <p:nvPr>
+            <p:ph type="dt" sz="half" idx="10"/>
+          </p:nvPr>
+        </p:nvSpPr>
+        <p:spPr/>
+        <p:txBody>
+          <a:bodyPr/>
+          <a:lstStyle/>
+          <a:p>
+            <a:fld id="{5FC93890-602C-48CB-AE8E-BB8867784A0C}" type="datetimeFigureOut">
+              <a:rPr lang="en-US" smtClean="0"/>
+              <a:t>7/1/2019</a:t>
+            </a:fld>
+            <a:endParaRPr lang="en-US"/>
+          </a:p>
+        </p:txBody>
+      </p:sp>
+      <p:sp>
+        <p:nvSpPr>
+          <p:cNvPr id="5" name="Footer Placeholder 4"/>
+          <p:cNvSpPr>
+            <a:spLocks noGrp="1"/>
+          </p:cNvSpPr>
+          <p:nvPr>
+            <p:ph type="ftr" sz="quarter" idx="11"/>
+          </p:nvPr>
+        </p:nvSpPr>
+        <p:spPr/>
+        <p:txBody>
+          <a:bodyPr/>
+          <a:lstStyle/>
+          <a:p>
+            <a:endParaRPr lang="en-US"/>
+          </a:p>
+        </p:txBody>
+      </p:sp>
+      <p:sp>
+        <p:nvSpPr>
+          <p:cNvPr id="6" name="Slide Number Placeholder 5"/>
+          <p:cNvSpPr>
+            <a:spLocks noGrp="1"/>
+          </p:cNvSpPr>
+          <p:nvPr>
+            <p:ph type="sldNum" sz="quarter" idx="12"/>
+          </p:nvPr>
+        </p:nvSpPr>
+        <p:spPr/>
+        <p:txBody>
+          <a:bodyPr/>
+          <a:lstStyle/>
+          <a:p>
+            <a:fld id="{B33D6D8E-5B73-4E14-8698-76804C0F0F55}" type="slidenum">
+              <a:rPr lang="en-US" smtClean="0"/>
+              <a:t>‹#›</a:t>
+            </a:fld>
+            <a:endParaRPr lang="en-US"/>
+          </a:p>
+        </p:txBody>
+      </p:sp>
+    </p:spTree>
+    <p:extLst>
+      <p:ext uri="{BB962C8B-B14F-4D97-AF65-F5344CB8AC3E}">
+        <p14:creationId xmlns:p14="http://schemas.microsoft.com/office/powerpoint/2010/main" val="296115510"/>
+      </p:ext>
+    </p:extLst>
+  </p:cSld>
+  <p:clrMapOvr>
+    <a:masterClrMapping/>
+  </p:clrMapOvr>
+</p:sldLayout>
+</file>
+
+<file path=ppt/slideLayouts/slideLayout13.xml><?xml version="1.0" encoding="utf-8"?>
+<p:sldLayout xmlns:a="http://schemas.openxmlformats.org/drawingml/2006/main" xmlns:r="http://schemas.openxmlformats.org/officeDocument/2006/relationships" xmlns:p="http://schemas.openxmlformats.org/presentationml/2006/main" preserve="1">
+  <p:cSld name="Quote Name Card">
+    <p:spTree>
+      <p:nvGrpSpPr>
+        <p:cNvPr id="1" name=""/>
+        <p:cNvGrpSpPr/>
+        <p:nvPr/>
+      </p:nvGrpSpPr>
+      <p:grpSpPr>
+        <a:xfrm>
+          <a:off x="0" y="0"/>
+          <a:ext cx="0" cy="0"/>
+          <a:chOff x="0" y="0"/>
+          <a:chExt cx="0" cy="0"/>
+        </a:xfrm>
+      </p:grpSpPr>
+      <p:sp>
+        <p:nvSpPr>
+          <p:cNvPr id="2" name="Title 1"/>
+          <p:cNvSpPr>
+            <a:spLocks noGrp="1"/>
+          </p:cNvSpPr>
+          <p:nvPr>
+            <p:ph type="title"/>
+          </p:nvPr>
+        </p:nvSpPr>
+        <p:spPr>
+          <a:xfrm>
+            <a:off x="931334" y="609600"/>
+            <a:ext cx="8094134" cy="3022600"/>
+          </a:xfrm>
+        </p:spPr>
+        <p:txBody>
+          <a:bodyPr anchor="ctr">
+            <a:normAutofit/>
+          </a:bodyPr>
+          <a:lstStyle>
+            <a:lvl1pPr algn="l">
+              <a:defRPr sz="4400" b="0" cap="none"/>
+            </a:lvl1pPr>
+          </a:lstStyle>
+          <a:p>
+            <a:r>
+              <a:rPr lang="en-US"/>
+              <a:t>Click to edit Master title style</a:t>
+            </a:r>
+            <a:endParaRPr lang="en-US" dirty="0"/>
+          </a:p>
+        </p:txBody>
+      </p:sp>
+      <p:sp>
+        <p:nvSpPr>
+          <p:cNvPr id="23" name="Text Placeholder 9"/>
+          <p:cNvSpPr>
+            <a:spLocks noGrp="1"/>
+          </p:cNvSpPr>
+          <p:nvPr>
+            <p:ph type="body" sz="quarter" idx="13"/>
+          </p:nvPr>
+        </p:nvSpPr>
+        <p:spPr>
+          <a:xfrm>
+            <a:off x="677332" y="4013200"/>
+            <a:ext cx="8596669" cy="514248"/>
+          </a:xfrm>
+        </p:spPr>
+        <p:txBody>
+          <a:bodyPr anchor="b">
+            <a:noAutofit/>
+          </a:bodyPr>
+          <a:lstStyle>
+            <a:lvl1pPr marL="0" indent="0">
+              <a:buFontTx/>
+              <a:buNone/>
+              <a:defRPr sz="2400">
+                <a:solidFill>
+                  <a:schemeClr val="tx1">
+                    <a:lumMod val="75000"/>
+                    <a:lumOff val="25000"/>
+                  </a:schemeClr>
+                </a:solidFill>
+              </a:defRPr>
+            </a:lvl1pPr>
+            <a:lvl2pPr marL="457200" indent="0">
+              <a:buFontTx/>
+              <a:buNone/>
+              <a:defRPr/>
+            </a:lvl2pPr>
+            <a:lvl3pPr marL="914400" indent="0">
+              <a:buFontTx/>
+              <a:buNone/>
+              <a:defRPr/>
+            </a:lvl3pPr>
+            <a:lvl4pPr marL="1371600" indent="0">
+              <a:buFontTx/>
+              <a:buNone/>
+              <a:defRPr/>
+            </a:lvl4pPr>
+            <a:lvl5pPr marL="1828800" indent="0">
+              <a:buFontTx/>
+              <a:buNone/>
+              <a:defRPr/>
+            </a:lvl5pPr>
+          </a:lstStyle>
+          <a:p>
+            <a:pPr lvl="0"/>
+            <a:r>
+              <a:rPr lang="en-US"/>
+              <a:t>Click to edit Master text styles</a:t>
+            </a:r>
+          </a:p>
+        </p:txBody>
+      </p:sp>
+      <p:sp>
+        <p:nvSpPr>
+          <p:cNvPr id="3" name="Text Placeholder 2"/>
+          <p:cNvSpPr>
+            <a:spLocks noGrp="1"/>
+          </p:cNvSpPr>
+          <p:nvPr>
+            <p:ph type="body" idx="1"/>
+          </p:nvPr>
+        </p:nvSpPr>
+        <p:spPr>
+          <a:xfrm>
+            <a:off x="677335" y="4527448"/>
+            <a:ext cx="8596668" cy="1513914"/>
+          </a:xfrm>
+        </p:spPr>
+        <p:txBody>
+          <a:bodyPr anchor="t">
+            <a:normAutofit/>
+          </a:bodyPr>
+          <a:lstStyle>
+            <a:lvl1pPr marL="0" indent="0" algn="l">
+              <a:buNone/>
+              <a:defRPr sz="1800">
+                <a:solidFill>
+                  <a:schemeClr val="tx1">
+                    <a:lumMod val="50000"/>
+                    <a:lumOff val="50000"/>
+                  </a:schemeClr>
+                </a:solidFill>
+              </a:defRPr>
+            </a:lvl1pPr>
+            <a:lvl2pPr marL="457200" indent="0">
+              <a:buNone/>
+              <a:defRPr sz="1800">
+                <a:solidFill>
+                  <a:schemeClr val="tx1">
+                    <a:tint val="75000"/>
+                  </a:schemeClr>
+                </a:solidFill>
+              </a:defRPr>
+            </a:lvl2pPr>
+            <a:lvl3pPr marL="914400" indent="0">
+              <a:buNone/>
+              <a:defRPr sz="1600">
+                <a:solidFill>
+                  <a:schemeClr val="tx1">
+                    <a:tint val="75000"/>
+                  </a:schemeClr>
+                </a:solidFill>
+              </a:defRPr>
+            </a:lvl3pPr>
+            <a:lvl4pPr marL="1371600" indent="0">
+              <a:buNone/>
+              <a:defRPr sz="1400">
+                <a:solidFill>
+                  <a:schemeClr val="tx1">
+                    <a:tint val="75000"/>
+                  </a:schemeClr>
+                </a:solidFill>
+              </a:defRPr>
+            </a:lvl4pPr>
+            <a:lvl5pPr marL="1828800" indent="0">
+              <a:buNone/>
+              <a:defRPr sz="1400">
+                <a:solidFill>
+                  <a:schemeClr val="tx1">
+                    <a:tint val="75000"/>
+                  </a:schemeClr>
+                </a:solidFill>
+              </a:defRPr>
+            </a:lvl5pPr>
+            <a:lvl6pPr marL="2286000" indent="0">
+              <a:buNone/>
+              <a:defRPr sz="1400">
+                <a:solidFill>
+                  <a:schemeClr val="tx1">
+                    <a:tint val="75000"/>
+                  </a:schemeClr>
+                </a:solidFill>
+              </a:defRPr>
+            </a:lvl6pPr>
+            <a:lvl7pPr marL="2743200" indent="0">
+              <a:buNone/>
+              <a:defRPr sz="1400">
+                <a:solidFill>
+                  <a:schemeClr val="tx1">
+                    <a:tint val="75000"/>
+                  </a:schemeClr>
+                </a:solidFill>
+              </a:defRPr>
+            </a:lvl7pPr>
+            <a:lvl8pPr marL="3200400" indent="0">
+              <a:buNone/>
+              <a:defRPr sz="1400">
+                <a:solidFill>
+                  <a:schemeClr val="tx1">
+                    <a:tint val="75000"/>
+                  </a:schemeClr>
+                </a:solidFill>
+              </a:defRPr>
+            </a:lvl8pPr>
+            <a:lvl9pPr marL="3657600" indent="0">
+              <a:buNone/>
+              <a:defRPr sz="1400">
+                <a:solidFill>
+                  <a:schemeClr val="tx1">
+                    <a:tint val="75000"/>
+                  </a:schemeClr>
+                </a:solidFill>
+              </a:defRPr>
+            </a:lvl9pPr>
+          </a:lstStyle>
+          <a:p>
+            <a:pPr lvl="0"/>
+            <a:r>
+              <a:rPr lang="en-US"/>
+              <a:t>Click to edit Master text styles</a:t>
+            </a:r>
+          </a:p>
+        </p:txBody>
+      </p:sp>
+      <p:sp>
+        <p:nvSpPr>
+          <p:cNvPr id="4" name="Date Placeholder 3"/>
+          <p:cNvSpPr>
+            <a:spLocks noGrp="1"/>
+          </p:cNvSpPr>
+          <p:nvPr>
+            <p:ph type="dt" sz="half" idx="10"/>
+          </p:nvPr>
+        </p:nvSpPr>
+        <p:spPr/>
+        <p:txBody>
+          <a:bodyPr/>
+          <a:lstStyle/>
+          <a:p>
+            <a:fld id="{5FC93890-602C-48CB-AE8E-BB8867784A0C}" type="datetimeFigureOut">
+              <a:rPr lang="en-US" smtClean="0"/>
+              <a:t>7/1/2019</a:t>
+            </a:fld>
+            <a:endParaRPr lang="en-US"/>
+          </a:p>
+        </p:txBody>
+      </p:sp>
+      <p:sp>
+        <p:nvSpPr>
+          <p:cNvPr id="5" name="Footer Placeholder 4"/>
+          <p:cNvSpPr>
+            <a:spLocks noGrp="1"/>
+          </p:cNvSpPr>
+          <p:nvPr>
+            <p:ph type="ftr" sz="quarter" idx="11"/>
+          </p:nvPr>
+        </p:nvSpPr>
+        <p:spPr/>
+        <p:txBody>
+          <a:bodyPr/>
+          <a:lstStyle/>
+          <a:p>
+            <a:endParaRPr lang="en-US"/>
+          </a:p>
+        </p:txBody>
+      </p:sp>
+      <p:sp>
+        <p:nvSpPr>
+          <p:cNvPr id="6" name="Slide Number Placeholder 5"/>
+          <p:cNvSpPr>
+            <a:spLocks noGrp="1"/>
+          </p:cNvSpPr>
+          <p:nvPr>
+            <p:ph type="sldNum" sz="quarter" idx="12"/>
+          </p:nvPr>
+        </p:nvSpPr>
+        <p:spPr/>
+        <p:txBody>
+          <a:bodyPr/>
+          <a:lstStyle/>
+          <a:p>
+            <a:fld id="{B33D6D8E-5B73-4E14-8698-76804C0F0F55}" type="slidenum">
+              <a:rPr lang="en-US" smtClean="0"/>
+              <a:t>‹#›</a:t>
+            </a:fld>
+            <a:endParaRPr lang="en-US"/>
+          </a:p>
+        </p:txBody>
+      </p:sp>
+      <p:sp>
+        <p:nvSpPr>
+          <p:cNvPr id="24" name="TextBox 23"/>
+          <p:cNvSpPr txBox="1"/>
+          <p:nvPr/>
+        </p:nvSpPr>
+        <p:spPr>
+          <a:xfrm>
+            <a:off x="541870" y="790378"/>
+            <a:ext cx="609600" cy="584776"/>
+          </a:xfrm>
+          <a:prstGeom prst="rect">
+            <a:avLst/>
+          </a:prstGeom>
+        </p:spPr>
+        <p:txBody>
+          <a:bodyPr vert="horz" lIns="91440" tIns="45720" rIns="91440" bIns="45720" rtlCol="0" anchor="ctr">
+            <a:noAutofit/>
+          </a:bodyPr>
+          <a:lstStyle/>
+          <a:p>
+            <a:pPr lvl="0"/>
+            <a:r>
+              <a:rPr lang="en-US" sz="8000" baseline="0" dirty="0">
+                <a:ln w="3175" cmpd="sng">
+                  <a:noFill/>
+                </a:ln>
+                <a:solidFill>
+                  <a:schemeClr val="accent1">
+                    <a:lumMod val="60000"/>
+                    <a:lumOff val="40000"/>
+                  </a:schemeClr>
+                </a:solidFill>
+                <a:effectLst/>
+                <a:latin typeface="Arial"/>
+              </a:rPr>
+              <a:t>“</a:t>
+            </a:r>
+          </a:p>
+        </p:txBody>
+      </p:sp>
+      <p:sp>
+        <p:nvSpPr>
+          <p:cNvPr id="25" name="TextBox 24"/>
+          <p:cNvSpPr txBox="1"/>
+          <p:nvPr/>
+        </p:nvSpPr>
+        <p:spPr>
+          <a:xfrm>
+            <a:off x="8893011" y="2886556"/>
+            <a:ext cx="609600" cy="584776"/>
+          </a:xfrm>
+          <a:prstGeom prst="rect">
+            <a:avLst/>
+          </a:prstGeom>
+        </p:spPr>
+        <p:txBody>
+          <a:bodyPr vert="horz" lIns="91440" tIns="45720" rIns="91440" bIns="45720" rtlCol="0" anchor="ctr">
+            <a:noAutofit/>
+          </a:bodyPr>
+          <a:lstStyle/>
+          <a:p>
+            <a:pPr lvl="0"/>
+            <a:r>
+              <a:rPr lang="en-US" sz="8000" baseline="0" dirty="0">
+                <a:ln w="3175" cmpd="sng">
+                  <a:noFill/>
+                </a:ln>
+                <a:solidFill>
+                  <a:schemeClr val="accent1">
+                    <a:lumMod val="60000"/>
+                    <a:lumOff val="40000"/>
+                  </a:schemeClr>
+                </a:solidFill>
+                <a:effectLst/>
+                <a:latin typeface="Arial"/>
+              </a:rPr>
+              <a:t>”</a:t>
+            </a:r>
+          </a:p>
+        </p:txBody>
+      </p:sp>
+    </p:spTree>
+    <p:extLst>
+      <p:ext uri="{BB962C8B-B14F-4D97-AF65-F5344CB8AC3E}">
+        <p14:creationId xmlns:p14="http://schemas.microsoft.com/office/powerpoint/2010/main" val="2696881803"/>
+      </p:ext>
+    </p:extLst>
+  </p:cSld>
+  <p:clrMapOvr>
+    <a:masterClrMapping/>
+  </p:clrMapOvr>
+</p:sldLayout>
+</file>
+
+<file path=ppt/slideLayouts/slideLayout14.xml><?xml version="1.0" encoding="utf-8"?>
+<p:sldLayout xmlns:a="http://schemas.openxmlformats.org/drawingml/2006/main" xmlns:r="http://schemas.openxmlformats.org/officeDocument/2006/relationships" xmlns:p="http://schemas.openxmlformats.org/presentationml/2006/main" preserve="1">
+  <p:cSld name="True or False">
+    <p:spTree>
+      <p:nvGrpSpPr>
+        <p:cNvPr id="1" name=""/>
+        <p:cNvGrpSpPr/>
+        <p:nvPr/>
+      </p:nvGrpSpPr>
+      <p:grpSpPr>
+        <a:xfrm>
+          <a:off x="0" y="0"/>
+          <a:ext cx="0" cy="0"/>
+          <a:chOff x="0" y="0"/>
+          <a:chExt cx="0" cy="0"/>
+        </a:xfrm>
+      </p:grpSpPr>
+      <p:sp>
+        <p:nvSpPr>
+          <p:cNvPr id="2" name="Title 1"/>
+          <p:cNvSpPr>
+            <a:spLocks noGrp="1"/>
+          </p:cNvSpPr>
+          <p:nvPr>
+            <p:ph type="title"/>
+          </p:nvPr>
+        </p:nvSpPr>
+        <p:spPr>
+          <a:xfrm>
+            <a:off x="685799" y="609600"/>
+            <a:ext cx="8588203" cy="3022600"/>
+          </a:xfrm>
+        </p:spPr>
+        <p:txBody>
+          <a:bodyPr anchor="ctr">
+            <a:normAutofit/>
+          </a:bodyPr>
+          <a:lstStyle>
+            <a:lvl1pPr algn="l">
+              <a:defRPr sz="4400" b="0" cap="none"/>
+            </a:lvl1pPr>
+          </a:lstStyle>
+          <a:p>
+            <a:r>
+              <a:rPr lang="en-US"/>
+              <a:t>Click to edit Master title style</a:t>
+            </a:r>
+            <a:endParaRPr lang="en-US" dirty="0"/>
+          </a:p>
+        </p:txBody>
+      </p:sp>
+      <p:sp>
+        <p:nvSpPr>
+          <p:cNvPr id="23" name="Text Placeholder 9"/>
+          <p:cNvSpPr>
+            <a:spLocks noGrp="1"/>
+          </p:cNvSpPr>
+          <p:nvPr>
+            <p:ph type="body" sz="quarter" idx="13"/>
+          </p:nvPr>
+        </p:nvSpPr>
+        <p:spPr>
+          <a:xfrm>
+            <a:off x="677332" y="4013200"/>
+            <a:ext cx="8596669" cy="514248"/>
+          </a:xfrm>
+        </p:spPr>
+        <p:txBody>
+          <a:bodyPr anchor="b">
+            <a:noAutofit/>
+          </a:bodyPr>
+          <a:lstStyle>
+            <a:lvl1pPr marL="0" indent="0">
+              <a:buFontTx/>
+              <a:buNone/>
+              <a:defRPr sz="2400">
+                <a:solidFill>
+                  <a:schemeClr val="accent1"/>
+                </a:solidFill>
+              </a:defRPr>
+            </a:lvl1pPr>
+            <a:lvl2pPr marL="457200" indent="0">
+              <a:buFontTx/>
+              <a:buNone/>
+              <a:defRPr/>
+            </a:lvl2pPr>
+            <a:lvl3pPr marL="914400" indent="0">
+              <a:buFontTx/>
+              <a:buNone/>
+              <a:defRPr/>
+            </a:lvl3pPr>
+            <a:lvl4pPr marL="1371600" indent="0">
+              <a:buFontTx/>
+              <a:buNone/>
+              <a:defRPr/>
+            </a:lvl4pPr>
+            <a:lvl5pPr marL="1828800" indent="0">
+              <a:buFontTx/>
+              <a:buNone/>
+              <a:defRPr/>
+            </a:lvl5pPr>
+          </a:lstStyle>
+          <a:p>
+            <a:pPr lvl="0"/>
+            <a:r>
+              <a:rPr lang="en-US"/>
+              <a:t>Click to edit Master text styles</a:t>
+            </a:r>
+          </a:p>
+        </p:txBody>
+      </p:sp>
+      <p:sp>
+        <p:nvSpPr>
+          <p:cNvPr id="3" name="Text Placeholder 2"/>
+          <p:cNvSpPr>
+            <a:spLocks noGrp="1"/>
+          </p:cNvSpPr>
+          <p:nvPr>
+            <p:ph type="body" idx="1"/>
+          </p:nvPr>
+        </p:nvSpPr>
+        <p:spPr>
+          <a:xfrm>
+            <a:off x="677335" y="4527448"/>
+            <a:ext cx="8596668" cy="1513914"/>
+          </a:xfrm>
+        </p:spPr>
+        <p:txBody>
+          <a:bodyPr anchor="t">
+            <a:normAutofit/>
+          </a:bodyPr>
+          <a:lstStyle>
+            <a:lvl1pPr marL="0" indent="0" algn="l">
+              <a:buNone/>
+              <a:defRPr sz="1800">
+                <a:solidFill>
+                  <a:schemeClr val="tx1">
+                    <a:lumMod val="50000"/>
+                    <a:lumOff val="50000"/>
+                  </a:schemeClr>
+                </a:solidFill>
+              </a:defRPr>
+            </a:lvl1pPr>
+            <a:lvl2pPr marL="457200" indent="0">
+              <a:buNone/>
+              <a:defRPr sz="1800">
+                <a:solidFill>
+                  <a:schemeClr val="tx1">
+                    <a:tint val="75000"/>
+                  </a:schemeClr>
+                </a:solidFill>
+              </a:defRPr>
+            </a:lvl2pPr>
+            <a:lvl3pPr marL="914400" indent="0">
+              <a:buNone/>
+              <a:defRPr sz="1600">
+                <a:solidFill>
+                  <a:schemeClr val="tx1">
+                    <a:tint val="75000"/>
+                  </a:schemeClr>
+                </a:solidFill>
+              </a:defRPr>
+            </a:lvl3pPr>
+            <a:lvl4pPr marL="1371600" indent="0">
+              <a:buNone/>
+              <a:defRPr sz="1400">
+                <a:solidFill>
+                  <a:schemeClr val="tx1">
+                    <a:tint val="75000"/>
+                  </a:schemeClr>
+                </a:solidFill>
+              </a:defRPr>
+            </a:lvl4pPr>
+            <a:lvl5pPr marL="1828800" indent="0">
+              <a:buNone/>
+              <a:defRPr sz="1400">
+                <a:solidFill>
+                  <a:schemeClr val="tx1">
+                    <a:tint val="75000"/>
+                  </a:schemeClr>
+                </a:solidFill>
+              </a:defRPr>
+            </a:lvl5pPr>
+            <a:lvl6pPr marL="2286000" indent="0">
+              <a:buNone/>
+              <a:defRPr sz="1400">
+                <a:solidFill>
+                  <a:schemeClr val="tx1">
+                    <a:tint val="75000"/>
+                  </a:schemeClr>
+                </a:solidFill>
+              </a:defRPr>
+            </a:lvl6pPr>
+            <a:lvl7pPr marL="2743200" indent="0">
+              <a:buNone/>
+              <a:defRPr sz="1400">
+                <a:solidFill>
+                  <a:schemeClr val="tx1">
+                    <a:tint val="75000"/>
+                  </a:schemeClr>
+                </a:solidFill>
+              </a:defRPr>
+            </a:lvl7pPr>
+            <a:lvl8pPr marL="3200400" indent="0">
+              <a:buNone/>
+              <a:defRPr sz="1400">
+                <a:solidFill>
+                  <a:schemeClr val="tx1">
+                    <a:tint val="75000"/>
+                  </a:schemeClr>
+                </a:solidFill>
+              </a:defRPr>
+            </a:lvl8pPr>
+            <a:lvl9pPr marL="3657600" indent="0">
+              <a:buNone/>
+              <a:defRPr sz="1400">
+                <a:solidFill>
+                  <a:schemeClr val="tx1">
+                    <a:tint val="75000"/>
+                  </a:schemeClr>
+                </a:solidFill>
+              </a:defRPr>
+            </a:lvl9pPr>
+          </a:lstStyle>
+          <a:p>
+            <a:pPr lvl="0"/>
+            <a:r>
+              <a:rPr lang="en-US"/>
+              <a:t>Click to edit Master text styles</a:t>
+            </a:r>
+          </a:p>
+        </p:txBody>
+      </p:sp>
+      <p:sp>
+        <p:nvSpPr>
+          <p:cNvPr id="4" name="Date Placeholder 3"/>
+          <p:cNvSpPr>
+            <a:spLocks noGrp="1"/>
+          </p:cNvSpPr>
+          <p:nvPr>
+            <p:ph type="dt" sz="half" idx="10"/>
+          </p:nvPr>
+        </p:nvSpPr>
+        <p:spPr/>
+        <p:txBody>
+          <a:bodyPr/>
+          <a:lstStyle/>
+          <a:p>
+            <a:fld id="{5FC93890-602C-48CB-AE8E-BB8867784A0C}" type="datetimeFigureOut">
+              <a:rPr lang="en-US" smtClean="0"/>
+              <a:t>7/1/2019</a:t>
+            </a:fld>
+            <a:endParaRPr lang="en-US"/>
+          </a:p>
+        </p:txBody>
+      </p:sp>
+      <p:sp>
+        <p:nvSpPr>
+          <p:cNvPr id="5" name="Footer Placeholder 4"/>
+          <p:cNvSpPr>
+            <a:spLocks noGrp="1"/>
+          </p:cNvSpPr>
+          <p:nvPr>
+            <p:ph type="ftr" sz="quarter" idx="11"/>
+          </p:nvPr>
+        </p:nvSpPr>
+        <p:spPr/>
+        <p:txBody>
+          <a:bodyPr/>
+          <a:lstStyle/>
+          <a:p>
+            <a:endParaRPr lang="en-US"/>
+          </a:p>
+        </p:txBody>
+      </p:sp>
+      <p:sp>
+        <p:nvSpPr>
+          <p:cNvPr id="6" name="Slide Number Placeholder 5"/>
+          <p:cNvSpPr>
+            <a:spLocks noGrp="1"/>
+          </p:cNvSpPr>
+          <p:nvPr>
+            <p:ph type="sldNum" sz="quarter" idx="12"/>
+          </p:nvPr>
+        </p:nvSpPr>
+        <p:spPr/>
+        <p:txBody>
+          <a:bodyPr/>
+          <a:lstStyle/>
+          <a:p>
+            <a:fld id="{B33D6D8E-5B73-4E14-8698-76804C0F0F55}" type="slidenum">
+              <a:rPr lang="en-US" smtClean="0"/>
+              <a:t>‹#›</a:t>
+            </a:fld>
+            <a:endParaRPr lang="en-US"/>
+          </a:p>
+        </p:txBody>
+      </p:sp>
+    </p:spTree>
+    <p:extLst>
+      <p:ext uri="{BB962C8B-B14F-4D97-AF65-F5344CB8AC3E}">
+        <p14:creationId xmlns:p14="http://schemas.microsoft.com/office/powerpoint/2010/main" val="1119422991"/>
+      </p:ext>
+    </p:extLst>
+  </p:cSld>
+  <p:clrMapOvr>
+    <a:masterClrMapping/>
+  </p:clrMapOvr>
+</p:sldLayout>
+</file>
+
+<file path=ppt/slideLayouts/slideLayout15.xml><?xml version="1.0" encoding="utf-8"?>
 <p:sldLayout xmlns:a="http://schemas.openxmlformats.org/drawingml/2006/main" xmlns:r="http://schemas.openxmlformats.org/officeDocument/2006/relationships" xmlns:p="http://schemas.openxmlformats.org/presentationml/2006/main" type="vertTx" preserve="1">
   <p:cSld name="Title and Vertical Text">
     <p:spTree>
@@ -1212,13 +3508,7 @@
       </p:grpSpPr>
       <p:sp>
         <p:nvSpPr>
-          <p:cNvPr id="2" name="Title 1">
-            <a:extLst>
-              <a:ext uri="{FF2B5EF4-FFF2-40B4-BE49-F238E27FC236}">
-                <a16:creationId xmlns:a16="http://schemas.microsoft.com/office/drawing/2014/main" id="{92B6BFC8-2364-4E57-83AC-B4C3E4176895}"/>
-              </a:ext>
-            </a:extLst>
-          </p:cNvPr>
+          <p:cNvPr id="2" name="Title 1"/>
           <p:cNvSpPr>
             <a:spLocks noGrp="1"/>
           </p:cNvSpPr>
@@ -1235,18 +3525,13 @@
               <a:rPr lang="en-US"/>
               <a:t>Click to edit Master title style</a:t>
             </a:r>
-          </a:p>
-        </p:txBody>
-      </p:sp>
-      <p:sp>
-        <p:nvSpPr>
-          <p:cNvPr id="3" name="Vertical Text Placeholder 2">
-            <a:extLst>
-              <a:ext uri="{FF2B5EF4-FFF2-40B4-BE49-F238E27FC236}">
-                <a16:creationId xmlns:a16="http://schemas.microsoft.com/office/drawing/2014/main" id="{3C4FCB31-33AB-4225-8903-E9078F1DD199}"/>
-              </a:ext>
-            </a:extLst>
-          </p:cNvPr>
+            <a:endParaRPr lang="en-US" dirty="0"/>
+          </a:p>
+        </p:txBody>
+      </p:sp>
+      <p:sp>
+        <p:nvSpPr>
+          <p:cNvPr id="3" name="Vertical Text Placeholder 2"/>
           <p:cNvSpPr>
             <a:spLocks noGrp="1"/>
           </p:cNvSpPr>
@@ -1292,18 +3577,13 @@
               <a:rPr lang="en-US"/>
               <a:t>Fifth level</a:t>
             </a:r>
-          </a:p>
-        </p:txBody>
-      </p:sp>
-      <p:sp>
-        <p:nvSpPr>
-          <p:cNvPr id="4" name="Date Placeholder 3">
-            <a:extLst>
-              <a:ext uri="{FF2B5EF4-FFF2-40B4-BE49-F238E27FC236}">
-                <a16:creationId xmlns:a16="http://schemas.microsoft.com/office/drawing/2014/main" id="{D63894C0-6837-482B-B3E1-35C33A86C034}"/>
-              </a:ext>
-            </a:extLst>
-          </p:cNvPr>
+            <a:endParaRPr lang="en-US" dirty="0"/>
+          </a:p>
+        </p:txBody>
+      </p:sp>
+      <p:sp>
+        <p:nvSpPr>
+          <p:cNvPr id="4" name="Date Placeholder 3"/>
           <p:cNvSpPr>
             <a:spLocks noGrp="1"/>
           </p:cNvSpPr>
@@ -1318,7 +3598,7 @@
           <a:p>
             <a:fld id="{5FC93890-602C-48CB-AE8E-BB8867784A0C}" type="datetimeFigureOut">
               <a:rPr lang="en-US" smtClean="0"/>
-              <a:t>6/17/2019</a:t>
+              <a:t>7/1/2019</a:t>
             </a:fld>
             <a:endParaRPr lang="en-US"/>
           </a:p>
@@ -1326,13 +3606,7 @@
       </p:sp>
       <p:sp>
         <p:nvSpPr>
-          <p:cNvPr id="5" name="Footer Placeholder 4">
-            <a:extLst>
-              <a:ext uri="{FF2B5EF4-FFF2-40B4-BE49-F238E27FC236}">
-                <a16:creationId xmlns:a16="http://schemas.microsoft.com/office/drawing/2014/main" id="{B026B3F9-31D6-4C82-B7DD-EE224E38CFF3}"/>
-              </a:ext>
-            </a:extLst>
-          </p:cNvPr>
+          <p:cNvPr id="5" name="Footer Placeholder 4"/>
           <p:cNvSpPr>
             <a:spLocks noGrp="1"/>
           </p:cNvSpPr>
@@ -1351,13 +3625,7 @@
       </p:sp>
       <p:sp>
         <p:nvSpPr>
-          <p:cNvPr id="6" name="Slide Number Placeholder 5">
-            <a:extLst>
-              <a:ext uri="{FF2B5EF4-FFF2-40B4-BE49-F238E27FC236}">
-                <a16:creationId xmlns:a16="http://schemas.microsoft.com/office/drawing/2014/main" id="{04D53213-7ECB-46AE-9F3B-67C55DFFB25C}"/>
-              </a:ext>
-            </a:extLst>
-          </p:cNvPr>
+          <p:cNvPr id="6" name="Slide Number Placeholder 5"/>
           <p:cNvSpPr>
             <a:spLocks noGrp="1"/>
           </p:cNvSpPr>
@@ -1381,7 +3649,7 @@
     </p:spTree>
     <p:extLst>
       <p:ext uri="{BB962C8B-B14F-4D97-AF65-F5344CB8AC3E}">
-        <p14:creationId xmlns:p14="http://schemas.microsoft.com/office/powerpoint/2010/main" val="3457980105"/>
+        <p14:creationId xmlns:p14="http://schemas.microsoft.com/office/powerpoint/2010/main" val="1679128012"/>
       </p:ext>
     </p:extLst>
   </p:cSld>
@@ -1391,7 +3659,7 @@
 </p:sldLayout>
 </file>
 
-<file path=ppt/slideLayouts/slideLayout11.xml><?xml version="1.0" encoding="utf-8"?>
+<file path=ppt/slideLayouts/slideLayout16.xml><?xml version="1.0" encoding="utf-8"?>
 <p:sldLayout xmlns:a="http://schemas.openxmlformats.org/drawingml/2006/main" xmlns:r="http://schemas.openxmlformats.org/officeDocument/2006/relationships" xmlns:p="http://schemas.openxmlformats.org/presentationml/2006/main" type="vertTitleAndTx" preserve="1">
   <p:cSld name="Vertical Title and Text">
     <p:spTree>
@@ -1410,13 +3678,7 @@
       </p:grpSpPr>
       <p:sp>
         <p:nvSpPr>
-          <p:cNvPr id="2" name="Vertical Title 1">
-            <a:extLst>
-              <a:ext uri="{FF2B5EF4-FFF2-40B4-BE49-F238E27FC236}">
-                <a16:creationId xmlns:a16="http://schemas.microsoft.com/office/drawing/2014/main" id="{EA39AC5E-9613-4374-8803-A202B3B7FB69}"/>
-              </a:ext>
-            </a:extLst>
-          </p:cNvPr>
+          <p:cNvPr id="2" name="Vertical Title 1"/>
           <p:cNvSpPr>
             <a:spLocks noGrp="1"/>
           </p:cNvSpPr>
@@ -1426,30 +3688,25 @@
         </p:nvSpPr>
         <p:spPr>
           <a:xfrm>
-            <a:off x="8724900" y="365125"/>
-            <a:ext cx="2628900" cy="5811838"/>
+            <a:off x="7967673" y="609599"/>
+            <a:ext cx="1304743" cy="5251451"/>
           </a:xfrm>
         </p:spPr>
         <p:txBody>
-          <a:bodyPr vert="eaVert"/>
+          <a:bodyPr vert="eaVert" anchor="ctr"/>
           <a:lstStyle/>
           <a:p>
             <a:r>
               <a:rPr lang="en-US"/>
               <a:t>Click to edit Master title style</a:t>
             </a:r>
-          </a:p>
-        </p:txBody>
-      </p:sp>
-      <p:sp>
-        <p:nvSpPr>
-          <p:cNvPr id="3" name="Vertical Text Placeholder 2">
-            <a:extLst>
-              <a:ext uri="{FF2B5EF4-FFF2-40B4-BE49-F238E27FC236}">
-                <a16:creationId xmlns:a16="http://schemas.microsoft.com/office/drawing/2014/main" id="{30B44813-1612-4D35-972C-F0AE7DE7E2CF}"/>
-              </a:ext>
-            </a:extLst>
-          </p:cNvPr>
+            <a:endParaRPr lang="en-US" dirty="0"/>
+          </a:p>
+        </p:txBody>
+      </p:sp>
+      <p:sp>
+        <p:nvSpPr>
+          <p:cNvPr id="3" name="Vertical Text Placeholder 2"/>
           <p:cNvSpPr>
             <a:spLocks noGrp="1"/>
           </p:cNvSpPr>
@@ -1459,8 +3716,8 @@
         </p:nvSpPr>
         <p:spPr>
           <a:xfrm>
-            <a:off x="838200" y="365125"/>
-            <a:ext cx="7734300" cy="5811838"/>
+            <a:off x="677335" y="609600"/>
+            <a:ext cx="7060150" cy="5251450"/>
           </a:xfrm>
         </p:spPr>
         <p:txBody>
@@ -1500,18 +3757,13 @@
               <a:rPr lang="en-US"/>
               <a:t>Fifth level</a:t>
             </a:r>
-          </a:p>
-        </p:txBody>
-      </p:sp>
-      <p:sp>
-        <p:nvSpPr>
-          <p:cNvPr id="4" name="Date Placeholder 3">
-            <a:extLst>
-              <a:ext uri="{FF2B5EF4-FFF2-40B4-BE49-F238E27FC236}">
-                <a16:creationId xmlns:a16="http://schemas.microsoft.com/office/drawing/2014/main" id="{A5A0F20C-9CE1-499B-9B74-348755CA71B1}"/>
-              </a:ext>
-            </a:extLst>
-          </p:cNvPr>
+            <a:endParaRPr lang="en-US" dirty="0"/>
+          </a:p>
+        </p:txBody>
+      </p:sp>
+      <p:sp>
+        <p:nvSpPr>
+          <p:cNvPr id="4" name="Date Placeholder 3"/>
           <p:cNvSpPr>
             <a:spLocks noGrp="1"/>
           </p:cNvSpPr>
@@ -1526,7 +3778,7 @@
           <a:p>
             <a:fld id="{5FC93890-602C-48CB-AE8E-BB8867784A0C}" type="datetimeFigureOut">
               <a:rPr lang="en-US" smtClean="0"/>
-              <a:t>6/17/2019</a:t>
+              <a:t>7/1/2019</a:t>
             </a:fld>
             <a:endParaRPr lang="en-US"/>
           </a:p>
@@ -1534,13 +3786,7 @@
       </p:sp>
       <p:sp>
         <p:nvSpPr>
-          <p:cNvPr id="5" name="Footer Placeholder 4">
-            <a:extLst>
-              <a:ext uri="{FF2B5EF4-FFF2-40B4-BE49-F238E27FC236}">
-                <a16:creationId xmlns:a16="http://schemas.microsoft.com/office/drawing/2014/main" id="{85497649-7F14-4AE0-A169-0D402AE466CD}"/>
-              </a:ext>
-            </a:extLst>
-          </p:cNvPr>
+          <p:cNvPr id="5" name="Footer Placeholder 4"/>
           <p:cNvSpPr>
             <a:spLocks noGrp="1"/>
           </p:cNvSpPr>
@@ -1559,13 +3805,7 @@
       </p:sp>
       <p:sp>
         <p:nvSpPr>
-          <p:cNvPr id="6" name="Slide Number Placeholder 5">
-            <a:extLst>
-              <a:ext uri="{FF2B5EF4-FFF2-40B4-BE49-F238E27FC236}">
-                <a16:creationId xmlns:a16="http://schemas.microsoft.com/office/drawing/2014/main" id="{7E49C067-9F72-4793-8E27-FE973EE88DEF}"/>
-              </a:ext>
-            </a:extLst>
-          </p:cNvPr>
+          <p:cNvPr id="6" name="Slide Number Placeholder 5"/>
           <p:cNvSpPr>
             <a:spLocks noGrp="1"/>
           </p:cNvSpPr>
@@ -1589,7 +3829,7 @@
     </p:spTree>
     <p:extLst>
       <p:ext uri="{BB962C8B-B14F-4D97-AF65-F5344CB8AC3E}">
-        <p14:creationId xmlns:p14="http://schemas.microsoft.com/office/powerpoint/2010/main" val="1373879877"/>
+        <p14:creationId xmlns:p14="http://schemas.microsoft.com/office/powerpoint/2010/main" val="3707514927"/>
       </p:ext>
     </p:extLst>
   </p:cSld>
@@ -1618,13 +3858,7 @@
       </p:grpSpPr>
       <p:sp>
         <p:nvSpPr>
-          <p:cNvPr id="2" name="Title 1">
-            <a:extLst>
-              <a:ext uri="{FF2B5EF4-FFF2-40B4-BE49-F238E27FC236}">
-                <a16:creationId xmlns:a16="http://schemas.microsoft.com/office/drawing/2014/main" id="{14DEA48B-E127-46F4-8ADA-5405D2E4CD8B}"/>
-              </a:ext>
-            </a:extLst>
-          </p:cNvPr>
+          <p:cNvPr id="2" name="Title 1"/>
           <p:cNvSpPr>
             <a:spLocks noGrp="1"/>
           </p:cNvSpPr>
@@ -1634,25 +3868,26 @@
         </p:nvSpPr>
         <p:spPr/>
         <p:txBody>
-          <a:bodyPr/>
-          <a:lstStyle/>
+          <a:bodyPr>
+            <a:normAutofit/>
+          </a:bodyPr>
+          <a:lstStyle>
+            <a:lvl1pPr>
+              <a:defRPr sz="3600"/>
+            </a:lvl1pPr>
+          </a:lstStyle>
           <a:p>
             <a:r>
               <a:rPr lang="en-US"/>
               <a:t>Click to edit Master title style</a:t>
             </a:r>
-          </a:p>
-        </p:txBody>
-      </p:sp>
-      <p:sp>
-        <p:nvSpPr>
-          <p:cNvPr id="3" name="Content Placeholder 2">
-            <a:extLst>
-              <a:ext uri="{FF2B5EF4-FFF2-40B4-BE49-F238E27FC236}">
-                <a16:creationId xmlns:a16="http://schemas.microsoft.com/office/drawing/2014/main" id="{4D3E64D0-0F4B-423A-BCC5-33FD1EC82911}"/>
-              </a:ext>
-            </a:extLst>
-          </p:cNvPr>
+            <a:endParaRPr lang="en-US" dirty="0"/>
+          </a:p>
+        </p:txBody>
+      </p:sp>
+      <p:sp>
+        <p:nvSpPr>
+          <p:cNvPr id="3" name="Content Placeholder 2"/>
           <p:cNvSpPr>
             <a:spLocks noGrp="1"/>
           </p:cNvSpPr>
@@ -1698,18 +3933,13 @@
               <a:rPr lang="en-US"/>
               <a:t>Fifth level</a:t>
             </a:r>
-          </a:p>
-        </p:txBody>
-      </p:sp>
-      <p:sp>
-        <p:nvSpPr>
-          <p:cNvPr id="4" name="Date Placeholder 3">
-            <a:extLst>
-              <a:ext uri="{FF2B5EF4-FFF2-40B4-BE49-F238E27FC236}">
-                <a16:creationId xmlns:a16="http://schemas.microsoft.com/office/drawing/2014/main" id="{EFDD8AC9-E929-471F-A216-328798768061}"/>
-              </a:ext>
-            </a:extLst>
-          </p:cNvPr>
+            <a:endParaRPr lang="en-US" dirty="0"/>
+          </a:p>
+        </p:txBody>
+      </p:sp>
+      <p:sp>
+        <p:nvSpPr>
+          <p:cNvPr id="4" name="Date Placeholder 3"/>
           <p:cNvSpPr>
             <a:spLocks noGrp="1"/>
           </p:cNvSpPr>
@@ -1724,7 +3954,7 @@
           <a:p>
             <a:fld id="{5FC93890-602C-48CB-AE8E-BB8867784A0C}" type="datetimeFigureOut">
               <a:rPr lang="en-US" smtClean="0"/>
-              <a:t>6/17/2019</a:t>
+              <a:t>7/1/2019</a:t>
             </a:fld>
             <a:endParaRPr lang="en-US"/>
           </a:p>
@@ -1732,13 +3962,7 @@
       </p:sp>
       <p:sp>
         <p:nvSpPr>
-          <p:cNvPr id="5" name="Footer Placeholder 4">
-            <a:extLst>
-              <a:ext uri="{FF2B5EF4-FFF2-40B4-BE49-F238E27FC236}">
-                <a16:creationId xmlns:a16="http://schemas.microsoft.com/office/drawing/2014/main" id="{C8CBAC86-5EF9-4812-8BD8-6584C3AD6C0C}"/>
-              </a:ext>
-            </a:extLst>
-          </p:cNvPr>
+          <p:cNvPr id="5" name="Footer Placeholder 4"/>
           <p:cNvSpPr>
             <a:spLocks noGrp="1"/>
           </p:cNvSpPr>
@@ -1757,13 +3981,7 @@
       </p:sp>
       <p:sp>
         <p:nvSpPr>
-          <p:cNvPr id="6" name="Slide Number Placeholder 5">
-            <a:extLst>
-              <a:ext uri="{FF2B5EF4-FFF2-40B4-BE49-F238E27FC236}">
-                <a16:creationId xmlns:a16="http://schemas.microsoft.com/office/drawing/2014/main" id="{87670C89-697D-4E75-A6F1-16CAD69F9BCF}"/>
-              </a:ext>
-            </a:extLst>
-          </p:cNvPr>
+          <p:cNvPr id="6" name="Slide Number Placeholder 5"/>
           <p:cNvSpPr>
             <a:spLocks noGrp="1"/>
           </p:cNvSpPr>
@@ -1787,7 +4005,7 @@
     </p:spTree>
     <p:extLst>
       <p:ext uri="{BB962C8B-B14F-4D97-AF65-F5344CB8AC3E}">
-        <p14:creationId xmlns:p14="http://schemas.microsoft.com/office/powerpoint/2010/main" val="2970322142"/>
+        <p14:creationId xmlns:p14="http://schemas.microsoft.com/office/powerpoint/2010/main" val="816019046"/>
       </p:ext>
     </p:extLst>
   </p:cSld>
@@ -1816,13 +4034,7 @@
       </p:grpSpPr>
       <p:sp>
         <p:nvSpPr>
-          <p:cNvPr id="2" name="Title 1">
-            <a:extLst>
-              <a:ext uri="{FF2B5EF4-FFF2-40B4-BE49-F238E27FC236}">
-                <a16:creationId xmlns:a16="http://schemas.microsoft.com/office/drawing/2014/main" id="{20F2CEBE-51E4-4ADE-B59E-DF451448665E}"/>
-              </a:ext>
-            </a:extLst>
-          </p:cNvPr>
+          <p:cNvPr id="2" name="Title 1"/>
           <p:cNvSpPr>
             <a:spLocks noGrp="1"/>
           </p:cNvSpPr>
@@ -1832,15 +4044,15 @@
         </p:nvSpPr>
         <p:spPr>
           <a:xfrm>
-            <a:off x="831850" y="1709738"/>
-            <a:ext cx="10515600" cy="2852737"/>
+            <a:off x="677335" y="2700867"/>
+            <a:ext cx="8596668" cy="1826581"/>
           </a:xfrm>
         </p:spPr>
         <p:txBody>
           <a:bodyPr anchor="b"/>
           <a:lstStyle>
-            <a:lvl1pPr>
-              <a:defRPr sz="6000"/>
+            <a:lvl1pPr algn="l">
+              <a:defRPr sz="4000" b="0" cap="none"/>
             </a:lvl1pPr>
           </a:lstStyle>
           <a:p>
@@ -1848,18 +4060,13 @@
               <a:rPr lang="en-US"/>
               <a:t>Click to edit Master title style</a:t>
             </a:r>
-          </a:p>
-        </p:txBody>
-      </p:sp>
-      <p:sp>
-        <p:nvSpPr>
-          <p:cNvPr id="3" name="Text Placeholder 2">
-            <a:extLst>
-              <a:ext uri="{FF2B5EF4-FFF2-40B4-BE49-F238E27FC236}">
-                <a16:creationId xmlns:a16="http://schemas.microsoft.com/office/drawing/2014/main" id="{6F742864-358B-4D33-86DE-94C0D4702E82}"/>
-              </a:ext>
-            </a:extLst>
-          </p:cNvPr>
+            <a:endParaRPr lang="en-US" dirty="0"/>
+          </a:p>
+        </p:txBody>
+      </p:sp>
+      <p:sp>
+        <p:nvSpPr>
+          <p:cNvPr id="3" name="Text Placeholder 2"/>
           <p:cNvSpPr>
             <a:spLocks noGrp="1"/>
           </p:cNvSpPr>
@@ -1869,26 +4076,27 @@
         </p:nvSpPr>
         <p:spPr>
           <a:xfrm>
-            <a:off x="831850" y="4589463"/>
-            <a:ext cx="10515600" cy="1500187"/>
+            <a:off x="677335" y="4527448"/>
+            <a:ext cx="8596668" cy="860400"/>
           </a:xfrm>
         </p:spPr>
         <p:txBody>
-          <a:bodyPr/>
+          <a:bodyPr anchor="t"/>
           <a:lstStyle>
-            <a:lvl1pPr marL="0" indent="0">
-              <a:buNone/>
-              <a:defRPr sz="2400">
+            <a:lvl1pPr marL="0" indent="0" algn="l">
+              <a:buNone/>
+              <a:defRPr sz="2000">
                 <a:solidFill>
                   <a:schemeClr val="tx1">
-                    <a:tint val="75000"/>
+                    <a:lumMod val="50000"/>
+                    <a:lumOff val="50000"/>
                   </a:schemeClr>
                 </a:solidFill>
               </a:defRPr>
             </a:lvl1pPr>
             <a:lvl2pPr marL="457200" indent="0">
               <a:buNone/>
-              <a:defRPr sz="2000">
+              <a:defRPr sz="1800">
                 <a:solidFill>
                   <a:schemeClr val="tx1">
                     <a:tint val="75000"/>
@@ -1898,7 +4106,7 @@
             </a:lvl2pPr>
             <a:lvl3pPr marL="914400" indent="0">
               <a:buNone/>
-              <a:defRPr sz="1800">
+              <a:defRPr sz="1600">
                 <a:solidFill>
                   <a:schemeClr val="tx1">
                     <a:tint val="75000"/>
@@ -1908,7 +4116,7 @@
             </a:lvl3pPr>
             <a:lvl4pPr marL="1371600" indent="0">
               <a:buNone/>
-              <a:defRPr sz="1600">
+              <a:defRPr sz="1400">
                 <a:solidFill>
                   <a:schemeClr val="tx1">
                     <a:tint val="75000"/>
@@ -1918,7 +4126,7 @@
             </a:lvl4pPr>
             <a:lvl5pPr marL="1828800" indent="0">
               <a:buNone/>
-              <a:defRPr sz="1600">
+              <a:defRPr sz="1400">
                 <a:solidFill>
                   <a:schemeClr val="tx1">
                     <a:tint val="75000"/>
@@ -1928,7 +4136,7 @@
             </a:lvl5pPr>
             <a:lvl6pPr marL="2286000" indent="0">
               <a:buNone/>
-              <a:defRPr sz="1600">
+              <a:defRPr sz="1400">
                 <a:solidFill>
                   <a:schemeClr val="tx1">
                     <a:tint val="75000"/>
@@ -1938,7 +4146,7 @@
             </a:lvl6pPr>
             <a:lvl7pPr marL="2743200" indent="0">
               <a:buNone/>
-              <a:defRPr sz="1600">
+              <a:defRPr sz="1400">
                 <a:solidFill>
                   <a:schemeClr val="tx1">
                     <a:tint val="75000"/>
@@ -1948,7 +4156,7 @@
             </a:lvl7pPr>
             <a:lvl8pPr marL="3200400" indent="0">
               <a:buNone/>
-              <a:defRPr sz="1600">
+              <a:defRPr sz="1400">
                 <a:solidFill>
                   <a:schemeClr val="tx1">
                     <a:tint val="75000"/>
@@ -1958,7 +4166,7 @@
             </a:lvl8pPr>
             <a:lvl9pPr marL="3657600" indent="0">
               <a:buNone/>
-              <a:defRPr sz="1600">
+              <a:defRPr sz="1400">
                 <a:solidFill>
                   <a:schemeClr val="tx1">
                     <a:tint val="75000"/>
@@ -1978,13 +4186,7 @@
       </p:sp>
       <p:sp>
         <p:nvSpPr>
-          <p:cNvPr id="4" name="Date Placeholder 3">
-            <a:extLst>
-              <a:ext uri="{FF2B5EF4-FFF2-40B4-BE49-F238E27FC236}">
-                <a16:creationId xmlns:a16="http://schemas.microsoft.com/office/drawing/2014/main" id="{93C848CB-5630-4206-AEB3-901380886A35}"/>
-              </a:ext>
-            </a:extLst>
-          </p:cNvPr>
+          <p:cNvPr id="4" name="Date Placeholder 3"/>
           <p:cNvSpPr>
             <a:spLocks noGrp="1"/>
           </p:cNvSpPr>
@@ -1999,7 +4201,7 @@
           <a:p>
             <a:fld id="{5FC93890-602C-48CB-AE8E-BB8867784A0C}" type="datetimeFigureOut">
               <a:rPr lang="en-US" smtClean="0"/>
-              <a:t>6/17/2019</a:t>
+              <a:t>7/1/2019</a:t>
             </a:fld>
             <a:endParaRPr lang="en-US"/>
           </a:p>
@@ -2007,13 +4209,7 @@
       </p:sp>
       <p:sp>
         <p:nvSpPr>
-          <p:cNvPr id="5" name="Footer Placeholder 4">
-            <a:extLst>
-              <a:ext uri="{FF2B5EF4-FFF2-40B4-BE49-F238E27FC236}">
-                <a16:creationId xmlns:a16="http://schemas.microsoft.com/office/drawing/2014/main" id="{A56128B1-613C-4F00-ACF1-9044BB510527}"/>
-              </a:ext>
-            </a:extLst>
-          </p:cNvPr>
+          <p:cNvPr id="5" name="Footer Placeholder 4"/>
           <p:cNvSpPr>
             <a:spLocks noGrp="1"/>
           </p:cNvSpPr>
@@ -2032,13 +4228,7 @@
       </p:sp>
       <p:sp>
         <p:nvSpPr>
-          <p:cNvPr id="6" name="Slide Number Placeholder 5">
-            <a:extLst>
-              <a:ext uri="{FF2B5EF4-FFF2-40B4-BE49-F238E27FC236}">
-                <a16:creationId xmlns:a16="http://schemas.microsoft.com/office/drawing/2014/main" id="{96BFCF8B-BCEC-4BE0-97EB-BA34C56B13F6}"/>
-              </a:ext>
-            </a:extLst>
-          </p:cNvPr>
+          <p:cNvPr id="6" name="Slide Number Placeholder 5"/>
           <p:cNvSpPr>
             <a:spLocks noGrp="1"/>
           </p:cNvSpPr>
@@ -2062,7 +4252,7 @@
     </p:spTree>
     <p:extLst>
       <p:ext uri="{BB962C8B-B14F-4D97-AF65-F5344CB8AC3E}">
-        <p14:creationId xmlns:p14="http://schemas.microsoft.com/office/powerpoint/2010/main" val="108101027"/>
+        <p14:creationId xmlns:p14="http://schemas.microsoft.com/office/powerpoint/2010/main" val="1124532265"/>
       </p:ext>
     </p:extLst>
   </p:cSld>
@@ -2091,13 +4281,7 @@
       </p:grpSpPr>
       <p:sp>
         <p:nvSpPr>
-          <p:cNvPr id="2" name="Title 1">
-            <a:extLst>
-              <a:ext uri="{FF2B5EF4-FFF2-40B4-BE49-F238E27FC236}">
-                <a16:creationId xmlns:a16="http://schemas.microsoft.com/office/drawing/2014/main" id="{BCC19500-8D00-4ED0-AF35-308FEE6D1571}"/>
-              </a:ext>
-            </a:extLst>
-          </p:cNvPr>
+          <p:cNvPr id="2" name="Title 1"/>
           <p:cNvSpPr>
             <a:spLocks noGrp="1"/>
           </p:cNvSpPr>
@@ -2114,18 +4298,13 @@
               <a:rPr lang="en-US"/>
               <a:t>Click to edit Master title style</a:t>
             </a:r>
-          </a:p>
-        </p:txBody>
-      </p:sp>
-      <p:sp>
-        <p:nvSpPr>
-          <p:cNvPr id="3" name="Content Placeholder 2">
-            <a:extLst>
-              <a:ext uri="{FF2B5EF4-FFF2-40B4-BE49-F238E27FC236}">
-                <a16:creationId xmlns:a16="http://schemas.microsoft.com/office/drawing/2014/main" id="{D3854C5D-D499-4DC2-8336-6CAE92E963E2}"/>
-              </a:ext>
-            </a:extLst>
-          </p:cNvPr>
+            <a:endParaRPr lang="en-US" dirty="0"/>
+          </a:p>
+        </p:txBody>
+      </p:sp>
+      <p:sp>
+        <p:nvSpPr>
+          <p:cNvPr id="3" name="Content Placeholder 2"/>
           <p:cNvSpPr>
             <a:spLocks noGrp="1"/>
           </p:cNvSpPr>
@@ -2135,8 +4314,8 @@
         </p:nvSpPr>
         <p:spPr>
           <a:xfrm>
-            <a:off x="838200" y="1825625"/>
-            <a:ext cx="5181600" cy="4351338"/>
+            <a:off x="677334" y="2160589"/>
+            <a:ext cx="4184035" cy="3880772"/>
           </a:xfrm>
         </p:spPr>
         <p:txBody>
@@ -2176,18 +4355,13 @@
               <a:rPr lang="en-US"/>
               <a:t>Fifth level</a:t>
             </a:r>
-          </a:p>
-        </p:txBody>
-      </p:sp>
-      <p:sp>
-        <p:nvSpPr>
-          <p:cNvPr id="4" name="Content Placeholder 3">
-            <a:extLst>
-              <a:ext uri="{FF2B5EF4-FFF2-40B4-BE49-F238E27FC236}">
-                <a16:creationId xmlns:a16="http://schemas.microsoft.com/office/drawing/2014/main" id="{7EDADBC6-C257-4A19-93AB-5CE8CB1B6721}"/>
-              </a:ext>
-            </a:extLst>
-          </p:cNvPr>
+            <a:endParaRPr lang="en-US" dirty="0"/>
+          </a:p>
+        </p:txBody>
+      </p:sp>
+      <p:sp>
+        <p:nvSpPr>
+          <p:cNvPr id="4" name="Content Placeholder 3"/>
           <p:cNvSpPr>
             <a:spLocks noGrp="1"/>
           </p:cNvSpPr>
@@ -2197,8 +4371,8 @@
         </p:nvSpPr>
         <p:spPr>
           <a:xfrm>
-            <a:off x="6172200" y="1825625"/>
-            <a:ext cx="5181600" cy="4351338"/>
+            <a:off x="5089970" y="2160589"/>
+            <a:ext cx="4184034" cy="3880773"/>
           </a:xfrm>
         </p:spPr>
         <p:txBody>
@@ -2238,18 +4412,13 @@
               <a:rPr lang="en-US"/>
               <a:t>Fifth level</a:t>
             </a:r>
-          </a:p>
-        </p:txBody>
-      </p:sp>
-      <p:sp>
-        <p:nvSpPr>
-          <p:cNvPr id="5" name="Date Placeholder 4">
-            <a:extLst>
-              <a:ext uri="{FF2B5EF4-FFF2-40B4-BE49-F238E27FC236}">
-                <a16:creationId xmlns:a16="http://schemas.microsoft.com/office/drawing/2014/main" id="{96541B4B-09A4-4C9E-A0B6-A27002EA92CA}"/>
-              </a:ext>
-            </a:extLst>
-          </p:cNvPr>
+            <a:endParaRPr lang="en-US" dirty="0"/>
+          </a:p>
+        </p:txBody>
+      </p:sp>
+      <p:sp>
+        <p:nvSpPr>
+          <p:cNvPr id="5" name="Date Placeholder 4"/>
           <p:cNvSpPr>
             <a:spLocks noGrp="1"/>
           </p:cNvSpPr>
@@ -2264,7 +4433,7 @@
           <a:p>
             <a:fld id="{5FC93890-602C-48CB-AE8E-BB8867784A0C}" type="datetimeFigureOut">
               <a:rPr lang="en-US" smtClean="0"/>
-              <a:t>6/17/2019</a:t>
+              <a:t>7/1/2019</a:t>
             </a:fld>
             <a:endParaRPr lang="en-US"/>
           </a:p>
@@ -2272,13 +4441,7 @@
       </p:sp>
       <p:sp>
         <p:nvSpPr>
-          <p:cNvPr id="6" name="Footer Placeholder 5">
-            <a:extLst>
-              <a:ext uri="{FF2B5EF4-FFF2-40B4-BE49-F238E27FC236}">
-                <a16:creationId xmlns:a16="http://schemas.microsoft.com/office/drawing/2014/main" id="{8819FC83-5E22-4696-8406-B304AB417166}"/>
-              </a:ext>
-            </a:extLst>
-          </p:cNvPr>
+          <p:cNvPr id="6" name="Footer Placeholder 5"/>
           <p:cNvSpPr>
             <a:spLocks noGrp="1"/>
           </p:cNvSpPr>
@@ -2297,13 +4460,7 @@
       </p:sp>
       <p:sp>
         <p:nvSpPr>
-          <p:cNvPr id="7" name="Slide Number Placeholder 6">
-            <a:extLst>
-              <a:ext uri="{FF2B5EF4-FFF2-40B4-BE49-F238E27FC236}">
-                <a16:creationId xmlns:a16="http://schemas.microsoft.com/office/drawing/2014/main" id="{3AF53CC1-FF10-4304-ABDB-D06DA8319940}"/>
-              </a:ext>
-            </a:extLst>
-          </p:cNvPr>
+          <p:cNvPr id="7" name="Slide Number Placeholder 6"/>
           <p:cNvSpPr>
             <a:spLocks noGrp="1"/>
           </p:cNvSpPr>
@@ -2327,7 +4484,7 @@
     </p:spTree>
     <p:extLst>
       <p:ext uri="{BB962C8B-B14F-4D97-AF65-F5344CB8AC3E}">
-        <p14:creationId xmlns:p14="http://schemas.microsoft.com/office/powerpoint/2010/main" val="1783836062"/>
+        <p14:creationId xmlns:p14="http://schemas.microsoft.com/office/powerpoint/2010/main" val="3255528619"/>
       </p:ext>
     </p:extLst>
   </p:cSld>
@@ -2356,65 +4513,55 @@
       </p:grpSpPr>
       <p:sp>
         <p:nvSpPr>
-          <p:cNvPr id="2" name="Title 1">
-            <a:extLst>
-              <a:ext uri="{FF2B5EF4-FFF2-40B4-BE49-F238E27FC236}">
-                <a16:creationId xmlns:a16="http://schemas.microsoft.com/office/drawing/2014/main" id="{56863750-E3E1-43B5-BFF3-31B6A367FA37}"/>
-              </a:ext>
-            </a:extLst>
-          </p:cNvPr>
+          <p:cNvPr id="2" name="Title 1"/>
           <p:cNvSpPr>
             <a:spLocks noGrp="1"/>
           </p:cNvSpPr>
           <p:nvPr>
             <p:ph type="title"/>
+          </p:nvPr>
+        </p:nvSpPr>
+        <p:spPr/>
+        <p:txBody>
+          <a:bodyPr/>
+          <a:lstStyle>
+            <a:lvl1pPr>
+              <a:defRPr/>
+            </a:lvl1pPr>
+          </a:lstStyle>
+          <a:p>
+            <a:r>
+              <a:rPr lang="en-US"/>
+              <a:t>Click to edit Master title style</a:t>
+            </a:r>
+            <a:endParaRPr lang="en-US" dirty="0"/>
+          </a:p>
+        </p:txBody>
+      </p:sp>
+      <p:sp>
+        <p:nvSpPr>
+          <p:cNvPr id="3" name="Text Placeholder 2"/>
+          <p:cNvSpPr>
+            <a:spLocks noGrp="1"/>
+          </p:cNvSpPr>
+          <p:nvPr>
+            <p:ph type="body" idx="1"/>
           </p:nvPr>
         </p:nvSpPr>
         <p:spPr>
           <a:xfrm>
-            <a:off x="839788" y="365125"/>
-            <a:ext cx="10515600" cy="1325563"/>
+            <a:off x="675745" y="2160983"/>
+            <a:ext cx="4185623" cy="576262"/>
           </a:xfrm>
         </p:spPr>
         <p:txBody>
-          <a:bodyPr/>
-          <a:lstStyle/>
-          <a:p>
-            <a:r>
-              <a:rPr lang="en-US"/>
-              <a:t>Click to edit Master title style</a:t>
-            </a:r>
-          </a:p>
-        </p:txBody>
-      </p:sp>
-      <p:sp>
-        <p:nvSpPr>
-          <p:cNvPr id="3" name="Text Placeholder 2">
-            <a:extLst>
-              <a:ext uri="{FF2B5EF4-FFF2-40B4-BE49-F238E27FC236}">
-                <a16:creationId xmlns:a16="http://schemas.microsoft.com/office/drawing/2014/main" id="{67B1C1EE-AC42-4176-90B4-0902983E861D}"/>
-              </a:ext>
-            </a:extLst>
-          </p:cNvPr>
-          <p:cNvSpPr>
-            <a:spLocks noGrp="1"/>
-          </p:cNvSpPr>
-          <p:nvPr>
-            <p:ph type="body" idx="1"/>
-          </p:nvPr>
-        </p:nvSpPr>
-        <p:spPr>
-          <a:xfrm>
-            <a:off x="839788" y="1681163"/>
-            <a:ext cx="5157787" cy="823912"/>
-          </a:xfrm>
-        </p:spPr>
-        <p:txBody>
-          <a:bodyPr anchor="b"/>
+          <a:bodyPr anchor="b">
+            <a:noAutofit/>
+          </a:bodyPr>
           <a:lstStyle>
             <a:lvl1pPr marL="0" indent="0">
               <a:buNone/>
-              <a:defRPr sz="2400" b="1"/>
+              <a:defRPr sz="2400" b="0"/>
             </a:lvl1pPr>
             <a:lvl2pPr marL="457200" indent="0">
               <a:buNone/>
@@ -2460,13 +4607,7 @@
       </p:sp>
       <p:sp>
         <p:nvSpPr>
-          <p:cNvPr id="4" name="Content Placeholder 3">
-            <a:extLst>
-              <a:ext uri="{FF2B5EF4-FFF2-40B4-BE49-F238E27FC236}">
-                <a16:creationId xmlns:a16="http://schemas.microsoft.com/office/drawing/2014/main" id="{F061FEEC-42EA-474D-9277-015E20B5C0E2}"/>
-              </a:ext>
-            </a:extLst>
-          </p:cNvPr>
+          <p:cNvPr id="4" name="Content Placeholder 3"/>
           <p:cNvSpPr>
             <a:spLocks noGrp="1"/>
           </p:cNvSpPr>
@@ -2476,12 +4617,14 @@
         </p:nvSpPr>
         <p:spPr>
           <a:xfrm>
-            <a:off x="839788" y="2505075"/>
-            <a:ext cx="5157787" cy="3684588"/>
+            <a:off x="675745" y="2737245"/>
+            <a:ext cx="4185623" cy="3304117"/>
           </a:xfrm>
         </p:spPr>
         <p:txBody>
-          <a:bodyPr/>
+          <a:bodyPr>
+            <a:normAutofit/>
+          </a:bodyPr>
           <a:lstStyle/>
           <a:p>
             <a:pPr lvl="0"/>
@@ -2517,18 +4660,13 @@
               <a:rPr lang="en-US"/>
               <a:t>Fifth level</a:t>
             </a:r>
-          </a:p>
-        </p:txBody>
-      </p:sp>
-      <p:sp>
-        <p:nvSpPr>
-          <p:cNvPr id="5" name="Text Placeholder 4">
-            <a:extLst>
-              <a:ext uri="{FF2B5EF4-FFF2-40B4-BE49-F238E27FC236}">
-                <a16:creationId xmlns:a16="http://schemas.microsoft.com/office/drawing/2014/main" id="{25CEE860-7326-4695-B43E-21792F6A2997}"/>
-              </a:ext>
-            </a:extLst>
-          </p:cNvPr>
+            <a:endParaRPr lang="en-US" dirty="0"/>
+          </a:p>
+        </p:txBody>
+      </p:sp>
+      <p:sp>
+        <p:nvSpPr>
+          <p:cNvPr id="5" name="Text Placeholder 4"/>
           <p:cNvSpPr>
             <a:spLocks noGrp="1"/>
           </p:cNvSpPr>
@@ -2538,16 +4676,18 @@
         </p:nvSpPr>
         <p:spPr>
           <a:xfrm>
-            <a:off x="6172200" y="1681163"/>
-            <a:ext cx="5183188" cy="823912"/>
+            <a:off x="5088383" y="2160983"/>
+            <a:ext cx="4185618" cy="576262"/>
           </a:xfrm>
         </p:spPr>
         <p:txBody>
-          <a:bodyPr anchor="b"/>
+          <a:bodyPr anchor="b">
+            <a:noAutofit/>
+          </a:bodyPr>
           <a:lstStyle>
             <a:lvl1pPr marL="0" indent="0">
               <a:buNone/>
-              <a:defRPr sz="2400" b="1"/>
+              <a:defRPr sz="2400" b="0"/>
             </a:lvl1pPr>
             <a:lvl2pPr marL="457200" indent="0">
               <a:buNone/>
@@ -2593,13 +4733,7 @@
       </p:sp>
       <p:sp>
         <p:nvSpPr>
-          <p:cNvPr id="6" name="Content Placeholder 5">
-            <a:extLst>
-              <a:ext uri="{FF2B5EF4-FFF2-40B4-BE49-F238E27FC236}">
-                <a16:creationId xmlns:a16="http://schemas.microsoft.com/office/drawing/2014/main" id="{5099FF87-FB02-44F3-9295-6B35C4681C0D}"/>
-              </a:ext>
-            </a:extLst>
-          </p:cNvPr>
+          <p:cNvPr id="6" name="Content Placeholder 5"/>
           <p:cNvSpPr>
             <a:spLocks noGrp="1"/>
           </p:cNvSpPr>
@@ -2609,12 +4743,14 @@
         </p:nvSpPr>
         <p:spPr>
           <a:xfrm>
-            <a:off x="6172200" y="2505075"/>
-            <a:ext cx="5183188" cy="3684588"/>
+            <a:off x="5088384" y="2737245"/>
+            <a:ext cx="4185617" cy="3304117"/>
           </a:xfrm>
         </p:spPr>
         <p:txBody>
-          <a:bodyPr/>
+          <a:bodyPr>
+            <a:normAutofit/>
+          </a:bodyPr>
           <a:lstStyle/>
           <a:p>
             <a:pPr lvl="0"/>
@@ -2650,18 +4786,13 @@
               <a:rPr lang="en-US"/>
               <a:t>Fifth level</a:t>
             </a:r>
-          </a:p>
-        </p:txBody>
-      </p:sp>
-      <p:sp>
-        <p:nvSpPr>
-          <p:cNvPr id="7" name="Date Placeholder 6">
-            <a:extLst>
-              <a:ext uri="{FF2B5EF4-FFF2-40B4-BE49-F238E27FC236}">
-                <a16:creationId xmlns:a16="http://schemas.microsoft.com/office/drawing/2014/main" id="{D04C5F4F-E62B-4A8B-AC16-A84314FFAF85}"/>
-              </a:ext>
-            </a:extLst>
-          </p:cNvPr>
+            <a:endParaRPr lang="en-US" dirty="0"/>
+          </a:p>
+        </p:txBody>
+      </p:sp>
+      <p:sp>
+        <p:nvSpPr>
+          <p:cNvPr id="7" name="Date Placeholder 6"/>
           <p:cNvSpPr>
             <a:spLocks noGrp="1"/>
           </p:cNvSpPr>
@@ -2676,7 +4807,7 @@
           <a:p>
             <a:fld id="{5FC93890-602C-48CB-AE8E-BB8867784A0C}" type="datetimeFigureOut">
               <a:rPr lang="en-US" smtClean="0"/>
-              <a:t>6/17/2019</a:t>
+              <a:t>7/1/2019</a:t>
             </a:fld>
             <a:endParaRPr lang="en-US"/>
           </a:p>
@@ -2684,13 +4815,7 @@
       </p:sp>
       <p:sp>
         <p:nvSpPr>
-          <p:cNvPr id="8" name="Footer Placeholder 7">
-            <a:extLst>
-              <a:ext uri="{FF2B5EF4-FFF2-40B4-BE49-F238E27FC236}">
-                <a16:creationId xmlns:a16="http://schemas.microsoft.com/office/drawing/2014/main" id="{F8F6F0B7-22D1-4CCD-9D46-D8D64D02F6B8}"/>
-              </a:ext>
-            </a:extLst>
-          </p:cNvPr>
+          <p:cNvPr id="8" name="Footer Placeholder 7"/>
           <p:cNvSpPr>
             <a:spLocks noGrp="1"/>
           </p:cNvSpPr>
@@ -2709,13 +4834,7 @@
       </p:sp>
       <p:sp>
         <p:nvSpPr>
-          <p:cNvPr id="9" name="Slide Number Placeholder 8">
-            <a:extLst>
-              <a:ext uri="{FF2B5EF4-FFF2-40B4-BE49-F238E27FC236}">
-                <a16:creationId xmlns:a16="http://schemas.microsoft.com/office/drawing/2014/main" id="{AD6A2B86-A539-43FD-8F96-B7910E090952}"/>
-              </a:ext>
-            </a:extLst>
-          </p:cNvPr>
+          <p:cNvPr id="9" name="Slide Number Placeholder 8"/>
           <p:cNvSpPr>
             <a:spLocks noGrp="1"/>
           </p:cNvSpPr>
@@ -2739,7 +4858,7 @@
     </p:spTree>
     <p:extLst>
       <p:ext uri="{BB962C8B-B14F-4D97-AF65-F5344CB8AC3E}">
-        <p14:creationId xmlns:p14="http://schemas.microsoft.com/office/powerpoint/2010/main" val="1754496329"/>
+        <p14:creationId xmlns:p14="http://schemas.microsoft.com/office/powerpoint/2010/main" val="372438381"/>
       </p:ext>
     </p:extLst>
   </p:cSld>
@@ -2768,13 +4887,7 @@
       </p:grpSpPr>
       <p:sp>
         <p:nvSpPr>
-          <p:cNvPr id="2" name="Title 1">
-            <a:extLst>
-              <a:ext uri="{FF2B5EF4-FFF2-40B4-BE49-F238E27FC236}">
-                <a16:creationId xmlns:a16="http://schemas.microsoft.com/office/drawing/2014/main" id="{492C3B9D-7F63-46F9-974F-4D075B32058C}"/>
-              </a:ext>
-            </a:extLst>
-          </p:cNvPr>
+          <p:cNvPr id="2" name="Title 1"/>
           <p:cNvSpPr>
             <a:spLocks noGrp="1"/>
           </p:cNvSpPr>
@@ -2782,7 +4895,12 @@
             <p:ph type="title"/>
           </p:nvPr>
         </p:nvSpPr>
-        <p:spPr/>
+        <p:spPr>
+          <a:xfrm>
+            <a:off x="677334" y="609600"/>
+            <a:ext cx="8596668" cy="1320800"/>
+          </a:xfrm>
+        </p:spPr>
         <p:txBody>
           <a:bodyPr/>
           <a:lstStyle/>
@@ -2791,18 +4909,13 @@
               <a:rPr lang="en-US"/>
               <a:t>Click to edit Master title style</a:t>
             </a:r>
-          </a:p>
-        </p:txBody>
-      </p:sp>
-      <p:sp>
-        <p:nvSpPr>
-          <p:cNvPr id="3" name="Date Placeholder 2">
-            <a:extLst>
-              <a:ext uri="{FF2B5EF4-FFF2-40B4-BE49-F238E27FC236}">
-                <a16:creationId xmlns:a16="http://schemas.microsoft.com/office/drawing/2014/main" id="{1046A369-5BC8-4104-8E01-80FBE9180B14}"/>
-              </a:ext>
-            </a:extLst>
-          </p:cNvPr>
+            <a:endParaRPr lang="en-US" dirty="0"/>
+          </a:p>
+        </p:txBody>
+      </p:sp>
+      <p:sp>
+        <p:nvSpPr>
+          <p:cNvPr id="3" name="Date Placeholder 2"/>
           <p:cNvSpPr>
             <a:spLocks noGrp="1"/>
           </p:cNvSpPr>
@@ -2817,7 +4930,7 @@
           <a:p>
             <a:fld id="{5FC93890-602C-48CB-AE8E-BB8867784A0C}" type="datetimeFigureOut">
               <a:rPr lang="en-US" smtClean="0"/>
-              <a:t>6/17/2019</a:t>
+              <a:t>7/1/2019</a:t>
             </a:fld>
             <a:endParaRPr lang="en-US"/>
           </a:p>
@@ -2825,13 +4938,7 @@
       </p:sp>
       <p:sp>
         <p:nvSpPr>
-          <p:cNvPr id="4" name="Footer Placeholder 3">
-            <a:extLst>
-              <a:ext uri="{FF2B5EF4-FFF2-40B4-BE49-F238E27FC236}">
-                <a16:creationId xmlns:a16="http://schemas.microsoft.com/office/drawing/2014/main" id="{96C26463-C4E4-4284-BF88-B400F3133AFB}"/>
-              </a:ext>
-            </a:extLst>
-          </p:cNvPr>
+          <p:cNvPr id="4" name="Footer Placeholder 3"/>
           <p:cNvSpPr>
             <a:spLocks noGrp="1"/>
           </p:cNvSpPr>
@@ -2850,13 +4957,7 @@
       </p:sp>
       <p:sp>
         <p:nvSpPr>
-          <p:cNvPr id="5" name="Slide Number Placeholder 4">
-            <a:extLst>
-              <a:ext uri="{FF2B5EF4-FFF2-40B4-BE49-F238E27FC236}">
-                <a16:creationId xmlns:a16="http://schemas.microsoft.com/office/drawing/2014/main" id="{ED6422AA-F4EC-4A9B-B080-421FA5F105A3}"/>
-              </a:ext>
-            </a:extLst>
-          </p:cNvPr>
+          <p:cNvPr id="5" name="Slide Number Placeholder 4"/>
           <p:cNvSpPr>
             <a:spLocks noGrp="1"/>
           </p:cNvSpPr>
@@ -2880,7 +4981,7 @@
     </p:spTree>
     <p:extLst>
       <p:ext uri="{BB962C8B-B14F-4D97-AF65-F5344CB8AC3E}">
-        <p14:creationId xmlns:p14="http://schemas.microsoft.com/office/powerpoint/2010/main" val="4212532261"/>
+        <p14:creationId xmlns:p14="http://schemas.microsoft.com/office/powerpoint/2010/main" val="3731419534"/>
       </p:ext>
     </p:extLst>
   </p:cSld>
@@ -2909,13 +5010,7 @@
       </p:grpSpPr>
       <p:sp>
         <p:nvSpPr>
-          <p:cNvPr id="2" name="Date Placeholder 1">
-            <a:extLst>
-              <a:ext uri="{FF2B5EF4-FFF2-40B4-BE49-F238E27FC236}">
-                <a16:creationId xmlns:a16="http://schemas.microsoft.com/office/drawing/2014/main" id="{EF5D507A-9368-49A8-B6A2-559C910ABC36}"/>
-              </a:ext>
-            </a:extLst>
-          </p:cNvPr>
+          <p:cNvPr id="2" name="Date Placeholder 1"/>
           <p:cNvSpPr>
             <a:spLocks noGrp="1"/>
           </p:cNvSpPr>
@@ -2930,7 +5025,7 @@
           <a:p>
             <a:fld id="{5FC93890-602C-48CB-AE8E-BB8867784A0C}" type="datetimeFigureOut">
               <a:rPr lang="en-US" smtClean="0"/>
-              <a:t>6/17/2019</a:t>
+              <a:t>7/1/2019</a:t>
             </a:fld>
             <a:endParaRPr lang="en-US"/>
           </a:p>
@@ -2938,13 +5033,7 @@
       </p:sp>
       <p:sp>
         <p:nvSpPr>
-          <p:cNvPr id="3" name="Footer Placeholder 2">
-            <a:extLst>
-              <a:ext uri="{FF2B5EF4-FFF2-40B4-BE49-F238E27FC236}">
-                <a16:creationId xmlns:a16="http://schemas.microsoft.com/office/drawing/2014/main" id="{0D705DBC-669A-4EEA-BBFF-44651EE27FC7}"/>
-              </a:ext>
-            </a:extLst>
-          </p:cNvPr>
+          <p:cNvPr id="3" name="Footer Placeholder 2"/>
           <p:cNvSpPr>
             <a:spLocks noGrp="1"/>
           </p:cNvSpPr>
@@ -2963,13 +5052,7 @@
       </p:sp>
       <p:sp>
         <p:nvSpPr>
-          <p:cNvPr id="4" name="Slide Number Placeholder 3">
-            <a:extLst>
-              <a:ext uri="{FF2B5EF4-FFF2-40B4-BE49-F238E27FC236}">
-                <a16:creationId xmlns:a16="http://schemas.microsoft.com/office/drawing/2014/main" id="{8108AEC9-0173-4952-A99E-232C010F64A5}"/>
-              </a:ext>
-            </a:extLst>
-          </p:cNvPr>
+          <p:cNvPr id="4" name="Slide Number Placeholder 3"/>
           <p:cNvSpPr>
             <a:spLocks noGrp="1"/>
           </p:cNvSpPr>
@@ -2993,7 +5076,7 @@
     </p:spTree>
     <p:extLst>
       <p:ext uri="{BB962C8B-B14F-4D97-AF65-F5344CB8AC3E}">
-        <p14:creationId xmlns:p14="http://schemas.microsoft.com/office/powerpoint/2010/main" val="4137659844"/>
+        <p14:creationId xmlns:p14="http://schemas.microsoft.com/office/powerpoint/2010/main" val="1130893759"/>
       </p:ext>
     </p:extLst>
   </p:cSld>
@@ -3022,13 +5105,7 @@
       </p:grpSpPr>
       <p:sp>
         <p:nvSpPr>
-          <p:cNvPr id="2" name="Title 1">
-            <a:extLst>
-              <a:ext uri="{FF2B5EF4-FFF2-40B4-BE49-F238E27FC236}">
-                <a16:creationId xmlns:a16="http://schemas.microsoft.com/office/drawing/2014/main" id="{CF2B223D-410B-4F05-B9B2-E39DE95448FA}"/>
-              </a:ext>
-            </a:extLst>
-          </p:cNvPr>
+          <p:cNvPr id="2" name="Title 1"/>
           <p:cNvSpPr>
             <a:spLocks noGrp="1"/>
           </p:cNvSpPr>
@@ -3038,15 +5115,17 @@
         </p:nvSpPr>
         <p:spPr>
           <a:xfrm>
-            <a:off x="839788" y="457200"/>
-            <a:ext cx="3932237" cy="1600200"/>
+            <a:off x="677334" y="1498604"/>
+            <a:ext cx="3854528" cy="1278466"/>
           </a:xfrm>
         </p:spPr>
         <p:txBody>
-          <a:bodyPr anchor="b"/>
+          <a:bodyPr anchor="b">
+            <a:normAutofit/>
+          </a:bodyPr>
           <a:lstStyle>
             <a:lvl1pPr>
-              <a:defRPr sz="3200"/>
+              <a:defRPr sz="2000"/>
             </a:lvl1pPr>
           </a:lstStyle>
           <a:p>
@@ -3054,18 +5133,13 @@
               <a:rPr lang="en-US"/>
               <a:t>Click to edit Master title style</a:t>
             </a:r>
-          </a:p>
-        </p:txBody>
-      </p:sp>
-      <p:sp>
-        <p:nvSpPr>
-          <p:cNvPr id="3" name="Content Placeholder 2">
-            <a:extLst>
-              <a:ext uri="{FF2B5EF4-FFF2-40B4-BE49-F238E27FC236}">
-                <a16:creationId xmlns:a16="http://schemas.microsoft.com/office/drawing/2014/main" id="{7884B9B3-4C06-4EF7-85A3-E07B074B1C4F}"/>
-              </a:ext>
-            </a:extLst>
-          </p:cNvPr>
+            <a:endParaRPr lang="en-US" dirty="0"/>
+          </a:p>
+        </p:txBody>
+      </p:sp>
+      <p:sp>
+        <p:nvSpPr>
+          <p:cNvPr id="3" name="Content Placeholder 2"/>
           <p:cNvSpPr>
             <a:spLocks noGrp="1"/>
           </p:cNvSpPr>
@@ -3075,41 +5149,15 @@
         </p:nvSpPr>
         <p:spPr>
           <a:xfrm>
-            <a:off x="5183188" y="987425"/>
-            <a:ext cx="6172200" cy="4873625"/>
+            <a:off x="4760461" y="514924"/>
+            <a:ext cx="4513541" cy="5526437"/>
           </a:xfrm>
         </p:spPr>
         <p:txBody>
-          <a:bodyPr/>
-          <a:lstStyle>
-            <a:lvl1pPr>
-              <a:defRPr sz="3200"/>
-            </a:lvl1pPr>
-            <a:lvl2pPr>
-              <a:defRPr sz="2800"/>
-            </a:lvl2pPr>
-            <a:lvl3pPr>
-              <a:defRPr sz="2400"/>
-            </a:lvl3pPr>
-            <a:lvl4pPr>
-              <a:defRPr sz="2000"/>
-            </a:lvl4pPr>
-            <a:lvl5pPr>
-              <a:defRPr sz="2000"/>
-            </a:lvl5pPr>
-            <a:lvl6pPr>
-              <a:defRPr sz="2000"/>
-            </a:lvl6pPr>
-            <a:lvl7pPr>
-              <a:defRPr sz="2000"/>
-            </a:lvl7pPr>
-            <a:lvl8pPr>
-              <a:defRPr sz="2000"/>
-            </a:lvl8pPr>
-            <a:lvl9pPr>
-              <a:defRPr sz="2000"/>
-            </a:lvl9pPr>
-          </a:lstStyle>
+          <a:bodyPr>
+            <a:normAutofit/>
+          </a:bodyPr>
+          <a:lstStyle/>
           <a:p>
             <a:pPr lvl="0"/>
             <a:r>
@@ -3144,18 +5192,13 @@
               <a:rPr lang="en-US"/>
               <a:t>Fifth level</a:t>
             </a:r>
-          </a:p>
-        </p:txBody>
-      </p:sp>
-      <p:sp>
-        <p:nvSpPr>
-          <p:cNvPr id="4" name="Text Placeholder 3">
-            <a:extLst>
-              <a:ext uri="{FF2B5EF4-FFF2-40B4-BE49-F238E27FC236}">
-                <a16:creationId xmlns:a16="http://schemas.microsoft.com/office/drawing/2014/main" id="{6AFE873A-3AF0-46B4-9370-648C585788B4}"/>
-              </a:ext>
-            </a:extLst>
-          </p:cNvPr>
+            <a:endParaRPr lang="en-US" dirty="0"/>
+          </a:p>
+        </p:txBody>
+      </p:sp>
+      <p:sp>
+        <p:nvSpPr>
+          <p:cNvPr id="4" name="Text Placeholder 3"/>
           <p:cNvSpPr>
             <a:spLocks noGrp="1"/>
           </p:cNvSpPr>
@@ -3165,46 +5208,48 @@
         </p:nvSpPr>
         <p:spPr>
           <a:xfrm>
-            <a:off x="839788" y="2057400"/>
-            <a:ext cx="3932237" cy="3811588"/>
+            <a:off x="677334" y="2777069"/>
+            <a:ext cx="3854528" cy="2584449"/>
           </a:xfrm>
         </p:spPr>
         <p:txBody>
-          <a:bodyPr/>
+          <a:bodyPr>
+            <a:normAutofit/>
+          </a:bodyPr>
           <a:lstStyle>
             <a:lvl1pPr marL="0" indent="0">
               <a:buNone/>
-              <a:defRPr sz="1600"/>
+              <a:defRPr sz="1400"/>
             </a:lvl1pPr>
-            <a:lvl2pPr marL="457200" indent="0">
+            <a:lvl2pPr marL="457063" indent="0">
               <a:buNone/>
               <a:defRPr sz="1400"/>
             </a:lvl2pPr>
-            <a:lvl3pPr marL="914400" indent="0">
+            <a:lvl3pPr marL="914126" indent="0">
               <a:buNone/>
               <a:defRPr sz="1200"/>
             </a:lvl3pPr>
-            <a:lvl4pPr marL="1371600" indent="0">
+            <a:lvl4pPr marL="1371189" indent="0">
               <a:buNone/>
               <a:defRPr sz="1000"/>
             </a:lvl4pPr>
-            <a:lvl5pPr marL="1828800" indent="0">
+            <a:lvl5pPr marL="1828251" indent="0">
               <a:buNone/>
               <a:defRPr sz="1000"/>
             </a:lvl5pPr>
-            <a:lvl6pPr marL="2286000" indent="0">
+            <a:lvl6pPr marL="2285314" indent="0">
               <a:buNone/>
               <a:defRPr sz="1000"/>
             </a:lvl6pPr>
-            <a:lvl7pPr marL="2743200" indent="0">
+            <a:lvl7pPr marL="2742377" indent="0">
               <a:buNone/>
               <a:defRPr sz="1000"/>
             </a:lvl7pPr>
-            <a:lvl8pPr marL="3200400" indent="0">
+            <a:lvl8pPr marL="3199440" indent="0">
               <a:buNone/>
               <a:defRPr sz="1000"/>
             </a:lvl8pPr>
-            <a:lvl9pPr marL="3657600" indent="0">
+            <a:lvl9pPr marL="3656503" indent="0">
               <a:buNone/>
               <a:defRPr sz="1000"/>
             </a:lvl9pPr>
@@ -3220,13 +5265,7 @@
       </p:sp>
       <p:sp>
         <p:nvSpPr>
-          <p:cNvPr id="5" name="Date Placeholder 4">
-            <a:extLst>
-              <a:ext uri="{FF2B5EF4-FFF2-40B4-BE49-F238E27FC236}">
-                <a16:creationId xmlns:a16="http://schemas.microsoft.com/office/drawing/2014/main" id="{73838322-EE71-472C-9041-86A505E74756}"/>
-              </a:ext>
-            </a:extLst>
-          </p:cNvPr>
+          <p:cNvPr id="5" name="Date Placeholder 4"/>
           <p:cNvSpPr>
             <a:spLocks noGrp="1"/>
           </p:cNvSpPr>
@@ -3241,7 +5280,7 @@
           <a:p>
             <a:fld id="{5FC93890-602C-48CB-AE8E-BB8867784A0C}" type="datetimeFigureOut">
               <a:rPr lang="en-US" smtClean="0"/>
-              <a:t>6/17/2019</a:t>
+              <a:t>7/1/2019</a:t>
             </a:fld>
             <a:endParaRPr lang="en-US"/>
           </a:p>
@@ -3249,13 +5288,7 @@
       </p:sp>
       <p:sp>
         <p:nvSpPr>
-          <p:cNvPr id="6" name="Footer Placeholder 5">
-            <a:extLst>
-              <a:ext uri="{FF2B5EF4-FFF2-40B4-BE49-F238E27FC236}">
-                <a16:creationId xmlns:a16="http://schemas.microsoft.com/office/drawing/2014/main" id="{5DA82B40-E756-48B7-BE1E-A08592BC91FF}"/>
-              </a:ext>
-            </a:extLst>
-          </p:cNvPr>
+          <p:cNvPr id="6" name="Footer Placeholder 5"/>
           <p:cNvSpPr>
             <a:spLocks noGrp="1"/>
           </p:cNvSpPr>
@@ -3274,13 +5307,7 @@
       </p:sp>
       <p:sp>
         <p:nvSpPr>
-          <p:cNvPr id="7" name="Slide Number Placeholder 6">
-            <a:extLst>
-              <a:ext uri="{FF2B5EF4-FFF2-40B4-BE49-F238E27FC236}">
-                <a16:creationId xmlns:a16="http://schemas.microsoft.com/office/drawing/2014/main" id="{9D299F00-1489-4E9B-B01A-1E3C0760C2C4}"/>
-              </a:ext>
-            </a:extLst>
-          </p:cNvPr>
+          <p:cNvPr id="7" name="Slide Number Placeholder 6"/>
           <p:cNvSpPr>
             <a:spLocks noGrp="1"/>
           </p:cNvSpPr>
@@ -3304,7 +5331,7 @@
     </p:spTree>
     <p:extLst>
       <p:ext uri="{BB962C8B-B14F-4D97-AF65-F5344CB8AC3E}">
-        <p14:creationId xmlns:p14="http://schemas.microsoft.com/office/powerpoint/2010/main" val="1709719839"/>
+        <p14:creationId xmlns:p14="http://schemas.microsoft.com/office/powerpoint/2010/main" val="852639448"/>
       </p:ext>
     </p:extLst>
   </p:cSld>
@@ -3333,13 +5360,7 @@
       </p:grpSpPr>
       <p:sp>
         <p:nvSpPr>
-          <p:cNvPr id="2" name="Title 1">
-            <a:extLst>
-              <a:ext uri="{FF2B5EF4-FFF2-40B4-BE49-F238E27FC236}">
-                <a16:creationId xmlns:a16="http://schemas.microsoft.com/office/drawing/2014/main" id="{7E40C509-6A4C-4045-9096-FE79A64A57D3}"/>
-              </a:ext>
-            </a:extLst>
-          </p:cNvPr>
+          <p:cNvPr id="2" name="Title 1"/>
           <p:cNvSpPr>
             <a:spLocks noGrp="1"/>
           </p:cNvSpPr>
@@ -3349,15 +5370,17 @@
         </p:nvSpPr>
         <p:spPr>
           <a:xfrm>
-            <a:off x="839788" y="457200"/>
-            <a:ext cx="3932237" cy="1600200"/>
+            <a:off x="677334" y="4800600"/>
+            <a:ext cx="8596667" cy="566738"/>
           </a:xfrm>
         </p:spPr>
         <p:txBody>
-          <a:bodyPr anchor="b"/>
+          <a:bodyPr anchor="b">
+            <a:normAutofit/>
+          </a:bodyPr>
           <a:lstStyle>
-            <a:lvl1pPr>
-              <a:defRPr sz="3200"/>
+            <a:lvl1pPr algn="l">
+              <a:defRPr sz="2400" b="0"/>
             </a:lvl1pPr>
           </a:lstStyle>
           <a:p>
@@ -3365,20 +5388,15 @@
               <a:rPr lang="en-US"/>
               <a:t>Click to edit Master title style</a:t>
             </a:r>
-          </a:p>
-        </p:txBody>
-      </p:sp>
-      <p:sp>
-        <p:nvSpPr>
-          <p:cNvPr id="3" name="Picture Placeholder 2">
-            <a:extLst>
-              <a:ext uri="{FF2B5EF4-FFF2-40B4-BE49-F238E27FC236}">
-                <a16:creationId xmlns:a16="http://schemas.microsoft.com/office/drawing/2014/main" id="{B58A86B5-9B91-4939-BCA1-EFDE91F73B46}"/>
-              </a:ext>
-            </a:extLst>
-          </p:cNvPr>
-          <p:cNvSpPr>
-            <a:spLocks noGrp="1"/>
+            <a:endParaRPr lang="en-US" dirty="0"/>
+          </a:p>
+        </p:txBody>
+      </p:sp>
+      <p:sp>
+        <p:nvSpPr>
+          <p:cNvPr id="3" name="Picture Placeholder 2"/>
+          <p:cNvSpPr>
+            <a:spLocks noGrp="1" noChangeAspect="1"/>
           </p:cNvSpPr>
           <p:nvPr>
             <p:ph type="pic" idx="1"/>
@@ -3386,118 +5404,120 @@
         </p:nvSpPr>
         <p:spPr>
           <a:xfrm>
-            <a:off x="5183188" y="987425"/>
-            <a:ext cx="6172200" cy="4873625"/>
+            <a:off x="677334" y="609600"/>
+            <a:ext cx="8596668" cy="3845718"/>
           </a:xfrm>
         </p:spPr>
         <p:txBody>
-          <a:bodyPr/>
+          <a:bodyPr anchor="t">
+            <a:normAutofit/>
+          </a:bodyPr>
           <a:lstStyle>
-            <a:lvl1pPr marL="0" indent="0">
-              <a:buNone/>
-              <a:defRPr sz="3200"/>
-            </a:lvl1pPr>
-            <a:lvl2pPr marL="457200" indent="0">
-              <a:buNone/>
-              <a:defRPr sz="2800"/>
-            </a:lvl2pPr>
-            <a:lvl3pPr marL="914400" indent="0">
-              <a:buNone/>
-              <a:defRPr sz="2400"/>
-            </a:lvl3pPr>
-            <a:lvl4pPr marL="1371600" indent="0">
-              <a:buNone/>
-              <a:defRPr sz="2000"/>
-            </a:lvl4pPr>
-            <a:lvl5pPr marL="1828800" indent="0">
-              <a:buNone/>
-              <a:defRPr sz="2000"/>
-            </a:lvl5pPr>
-            <a:lvl6pPr marL="2286000" indent="0">
-              <a:buNone/>
-              <a:defRPr sz="2000"/>
-            </a:lvl6pPr>
-            <a:lvl7pPr marL="2743200" indent="0">
-              <a:buNone/>
-              <a:defRPr sz="2000"/>
-            </a:lvl7pPr>
-            <a:lvl8pPr marL="3200400" indent="0">
-              <a:buNone/>
-              <a:defRPr sz="2000"/>
-            </a:lvl8pPr>
-            <a:lvl9pPr marL="3657600" indent="0">
-              <a:buNone/>
-              <a:defRPr sz="2000"/>
-            </a:lvl9pPr>
-          </a:lstStyle>
-          <a:p>
-            <a:endParaRPr lang="en-US"/>
-          </a:p>
-        </p:txBody>
-      </p:sp>
-      <p:sp>
-        <p:nvSpPr>
-          <p:cNvPr id="4" name="Text Placeholder 3">
-            <a:extLst>
-              <a:ext uri="{FF2B5EF4-FFF2-40B4-BE49-F238E27FC236}">
-                <a16:creationId xmlns:a16="http://schemas.microsoft.com/office/drawing/2014/main" id="{A1626A3E-9159-497A-A3FD-596676EFEFE2}"/>
-              </a:ext>
-            </a:extLst>
-          </p:cNvPr>
-          <p:cNvSpPr>
-            <a:spLocks noGrp="1"/>
-          </p:cNvSpPr>
-          <p:nvPr>
-            <p:ph type="body" sz="half" idx="2"/>
-          </p:nvPr>
-        </p:nvSpPr>
-        <p:spPr>
-          <a:xfrm>
-            <a:off x="839788" y="2057400"/>
-            <a:ext cx="3932237" cy="3811588"/>
-          </a:xfrm>
-        </p:spPr>
-        <p:txBody>
-          <a:bodyPr/>
-          <a:lstStyle>
-            <a:lvl1pPr marL="0" indent="0">
+            <a:lvl1pPr marL="0" indent="0" algn="ctr">
               <a:buNone/>
               <a:defRPr sz="1600"/>
             </a:lvl1pPr>
             <a:lvl2pPr marL="457200" indent="0">
               <a:buNone/>
-              <a:defRPr sz="1400"/>
+              <a:defRPr sz="1600"/>
             </a:lvl2pPr>
             <a:lvl3pPr marL="914400" indent="0">
               <a:buNone/>
-              <a:defRPr sz="1200"/>
+              <a:defRPr sz="1600"/>
             </a:lvl3pPr>
             <a:lvl4pPr marL="1371600" indent="0">
               <a:buNone/>
-              <a:defRPr sz="1000"/>
+              <a:defRPr sz="1600"/>
             </a:lvl4pPr>
             <a:lvl5pPr marL="1828800" indent="0">
               <a:buNone/>
-              <a:defRPr sz="1000"/>
+              <a:defRPr sz="1600"/>
             </a:lvl5pPr>
             <a:lvl6pPr marL="2286000" indent="0">
               <a:buNone/>
-              <a:defRPr sz="1000"/>
+              <a:defRPr sz="1600"/>
             </a:lvl6pPr>
             <a:lvl7pPr marL="2743200" indent="0">
               <a:buNone/>
-              <a:defRPr sz="1000"/>
+              <a:defRPr sz="1600"/>
             </a:lvl7pPr>
             <a:lvl8pPr marL="3200400" indent="0">
               <a:buNone/>
-              <a:defRPr sz="1000"/>
+              <a:defRPr sz="1600"/>
             </a:lvl8pPr>
             <a:lvl9pPr marL="3657600" indent="0">
               <a:buNone/>
-              <a:defRPr sz="1000"/>
+              <a:defRPr sz="1600"/>
             </a:lvl9pPr>
           </a:lstStyle>
           <a:p>
+            <a:r>
+              <a:rPr lang="en-US"/>
+              <a:t>Click icon to add picture</a:t>
+            </a:r>
+            <a:endParaRPr lang="en-US" dirty="0"/>
+          </a:p>
+        </p:txBody>
+      </p:sp>
+      <p:sp>
+        <p:nvSpPr>
+          <p:cNvPr id="4" name="Text Placeholder 3"/>
+          <p:cNvSpPr>
+            <a:spLocks noGrp="1"/>
+          </p:cNvSpPr>
+          <p:nvPr>
+            <p:ph type="body" sz="half" idx="2"/>
+          </p:nvPr>
+        </p:nvSpPr>
+        <p:spPr>
+          <a:xfrm>
+            <a:off x="677334" y="5367338"/>
+            <a:ext cx="8596667" cy="674024"/>
+          </a:xfrm>
+        </p:spPr>
+        <p:txBody>
+          <a:bodyPr>
+            <a:normAutofit/>
+          </a:bodyPr>
+          <a:lstStyle>
+            <a:lvl1pPr marL="0" indent="0">
+              <a:buNone/>
+              <a:defRPr sz="1200"/>
+            </a:lvl1pPr>
+            <a:lvl2pPr marL="457200" indent="0">
+              <a:buNone/>
+              <a:defRPr sz="1200"/>
+            </a:lvl2pPr>
+            <a:lvl3pPr marL="914400" indent="0">
+              <a:buNone/>
+              <a:defRPr sz="1000"/>
+            </a:lvl3pPr>
+            <a:lvl4pPr marL="1371600" indent="0">
+              <a:buNone/>
+              <a:defRPr sz="900"/>
+            </a:lvl4pPr>
+            <a:lvl5pPr marL="1828800" indent="0">
+              <a:buNone/>
+              <a:defRPr sz="900"/>
+            </a:lvl5pPr>
+            <a:lvl6pPr marL="2286000" indent="0">
+              <a:buNone/>
+              <a:defRPr sz="900"/>
+            </a:lvl6pPr>
+            <a:lvl7pPr marL="2743200" indent="0">
+              <a:buNone/>
+              <a:defRPr sz="900"/>
+            </a:lvl7pPr>
+            <a:lvl8pPr marL="3200400" indent="0">
+              <a:buNone/>
+              <a:defRPr sz="900"/>
+            </a:lvl8pPr>
+            <a:lvl9pPr marL="3657600" indent="0">
+              <a:buNone/>
+              <a:defRPr sz="900"/>
+            </a:lvl9pPr>
+          </a:lstStyle>
+          <a:p>
             <a:pPr lvl="0"/>
             <a:r>
               <a:rPr lang="en-US"/>
@@ -3508,13 +5528,7 @@
       </p:sp>
       <p:sp>
         <p:nvSpPr>
-          <p:cNvPr id="5" name="Date Placeholder 4">
-            <a:extLst>
-              <a:ext uri="{FF2B5EF4-FFF2-40B4-BE49-F238E27FC236}">
-                <a16:creationId xmlns:a16="http://schemas.microsoft.com/office/drawing/2014/main" id="{6FB91A42-5C65-4995-87B0-884A5F478BE3}"/>
-              </a:ext>
-            </a:extLst>
-          </p:cNvPr>
+          <p:cNvPr id="5" name="Date Placeholder 4"/>
           <p:cNvSpPr>
             <a:spLocks noGrp="1"/>
           </p:cNvSpPr>
@@ -3529,7 +5543,7 @@
           <a:p>
             <a:fld id="{5FC93890-602C-48CB-AE8E-BB8867784A0C}" type="datetimeFigureOut">
               <a:rPr lang="en-US" smtClean="0"/>
-              <a:t>6/17/2019</a:t>
+              <a:t>7/1/2019</a:t>
             </a:fld>
             <a:endParaRPr lang="en-US"/>
           </a:p>
@@ -3537,13 +5551,7 @@
       </p:sp>
       <p:sp>
         <p:nvSpPr>
-          <p:cNvPr id="6" name="Footer Placeholder 5">
-            <a:extLst>
-              <a:ext uri="{FF2B5EF4-FFF2-40B4-BE49-F238E27FC236}">
-                <a16:creationId xmlns:a16="http://schemas.microsoft.com/office/drawing/2014/main" id="{058196ED-0D21-40B8-94CB-EDB816A5CD92}"/>
-              </a:ext>
-            </a:extLst>
-          </p:cNvPr>
+          <p:cNvPr id="6" name="Footer Placeholder 5"/>
           <p:cNvSpPr>
             <a:spLocks noGrp="1"/>
           </p:cNvSpPr>
@@ -3562,13 +5570,7 @@
       </p:sp>
       <p:sp>
         <p:nvSpPr>
-          <p:cNvPr id="7" name="Slide Number Placeholder 6">
-            <a:extLst>
-              <a:ext uri="{FF2B5EF4-FFF2-40B4-BE49-F238E27FC236}">
-                <a16:creationId xmlns:a16="http://schemas.microsoft.com/office/drawing/2014/main" id="{F137E1AB-7603-4ADF-9C62-D30334DD17CE}"/>
-              </a:ext>
-            </a:extLst>
-          </p:cNvPr>
+          <p:cNvPr id="7" name="Slide Number Placeholder 6"/>
           <p:cNvSpPr>
             <a:spLocks noGrp="1"/>
           </p:cNvSpPr>
@@ -3592,7 +5594,7 @@
     </p:spTree>
     <p:extLst>
       <p:ext uri="{BB962C8B-B14F-4D97-AF65-F5344CB8AC3E}">
-        <p14:creationId xmlns:p14="http://schemas.microsoft.com/office/powerpoint/2010/main" val="2799131529"/>
+        <p14:creationId xmlns:p14="http://schemas.microsoft.com/office/powerpoint/2010/main" val="1781994489"/>
       </p:ext>
     </p:extLst>
   </p:cSld>
@@ -3624,15 +5626,539 @@
           <a:chExt cx="0" cy="0"/>
         </a:xfrm>
       </p:grpSpPr>
-      <p:sp>
-        <p:nvSpPr>
-          <p:cNvPr id="2" name="Title Placeholder 1">
-            <a:extLst>
-              <a:ext uri="{FF2B5EF4-FFF2-40B4-BE49-F238E27FC236}">
-                <a16:creationId xmlns:a16="http://schemas.microsoft.com/office/drawing/2014/main" id="{B90BADB8-4879-4316-932B-D188A5768366}"/>
-              </a:ext>
-            </a:extLst>
-          </p:cNvPr>
+      <p:grpSp>
+        <p:nvGrpSpPr>
+          <p:cNvPr id="7" name="Group 6"/>
+          <p:cNvGrpSpPr/>
+          <p:nvPr/>
+        </p:nvGrpSpPr>
+        <p:grpSpPr>
+          <a:xfrm>
+            <a:off x="0" y="-8467"/>
+            <a:ext cx="12192000" cy="6866467"/>
+            <a:chOff x="0" y="-8467"/>
+            <a:chExt cx="12192000" cy="6866467"/>
+          </a:xfrm>
+        </p:grpSpPr>
+        <p:cxnSp>
+          <p:nvCxnSpPr>
+            <p:cNvPr id="20" name="Straight Connector 19"/>
+            <p:cNvCxnSpPr/>
+            <p:nvPr/>
+          </p:nvCxnSpPr>
+          <p:spPr>
+            <a:xfrm>
+              <a:off x="9371012" y="0"/>
+              <a:ext cx="1219200" cy="6858000"/>
+            </a:xfrm>
+            <a:prstGeom prst="line">
+              <a:avLst/>
+            </a:prstGeom>
+            <a:ln w="9525">
+              <a:solidFill>
+                <a:schemeClr val="bg1">
+                  <a:lumMod val="75000"/>
+                </a:schemeClr>
+              </a:solidFill>
+            </a:ln>
+          </p:spPr>
+          <p:style>
+            <a:lnRef idx="2">
+              <a:schemeClr val="accent1"/>
+            </a:lnRef>
+            <a:fillRef idx="0">
+              <a:schemeClr val="accent1"/>
+            </a:fillRef>
+            <a:effectRef idx="1">
+              <a:schemeClr val="accent1"/>
+            </a:effectRef>
+            <a:fontRef idx="minor">
+              <a:schemeClr val="tx1"/>
+            </a:fontRef>
+          </p:style>
+        </p:cxnSp>
+        <p:cxnSp>
+          <p:nvCxnSpPr>
+            <p:cNvPr id="21" name="Straight Connector 20"/>
+            <p:cNvCxnSpPr/>
+            <p:nvPr/>
+          </p:nvCxnSpPr>
+          <p:spPr>
+            <a:xfrm flipH="1">
+              <a:off x="7425267" y="3681413"/>
+              <a:ext cx="4763558" cy="3176587"/>
+            </a:xfrm>
+            <a:prstGeom prst="line">
+              <a:avLst/>
+            </a:prstGeom>
+            <a:ln w="9525">
+              <a:solidFill>
+                <a:schemeClr val="bg1">
+                  <a:lumMod val="85000"/>
+                </a:schemeClr>
+              </a:solidFill>
+            </a:ln>
+          </p:spPr>
+          <p:style>
+            <a:lnRef idx="2">
+              <a:schemeClr val="accent1"/>
+            </a:lnRef>
+            <a:fillRef idx="0">
+              <a:schemeClr val="accent1"/>
+            </a:fillRef>
+            <a:effectRef idx="1">
+              <a:schemeClr val="accent1"/>
+            </a:effectRef>
+            <a:fontRef idx="minor">
+              <a:schemeClr val="tx1"/>
+            </a:fontRef>
+          </p:style>
+        </p:cxnSp>
+        <p:sp>
+          <p:nvSpPr>
+            <p:cNvPr id="22" name="Rectangle 23"/>
+            <p:cNvSpPr/>
+            <p:nvPr/>
+          </p:nvSpPr>
+          <p:spPr>
+            <a:xfrm>
+              <a:off x="9181476" y="-8467"/>
+              <a:ext cx="3007349" cy="6866467"/>
+            </a:xfrm>
+            <a:custGeom>
+              <a:avLst/>
+              <a:gdLst/>
+              <a:ahLst/>
+              <a:cxnLst/>
+              <a:rect l="l" t="t" r="r" b="b"/>
+              <a:pathLst>
+                <a:path w="3007349" h="6866467">
+                  <a:moveTo>
+                    <a:pt x="2045532" y="0"/>
+                  </a:moveTo>
+                  <a:lnTo>
+                    <a:pt x="3007349" y="0"/>
+                  </a:lnTo>
+                  <a:lnTo>
+                    <a:pt x="3007349" y="6866467"/>
+                  </a:lnTo>
+                  <a:lnTo>
+                    <a:pt x="0" y="6866467"/>
+                  </a:lnTo>
+                  <a:lnTo>
+                    <a:pt x="2045532" y="0"/>
+                  </a:lnTo>
+                  <a:close/>
+                </a:path>
+              </a:pathLst>
+            </a:custGeom>
+            <a:solidFill>
+              <a:schemeClr val="accent1">
+                <a:alpha val="30000"/>
+              </a:schemeClr>
+            </a:solidFill>
+            <a:ln>
+              <a:noFill/>
+            </a:ln>
+            <a:effectLst/>
+          </p:spPr>
+          <p:style>
+            <a:lnRef idx="1">
+              <a:schemeClr val="accent1"/>
+            </a:lnRef>
+            <a:fillRef idx="3">
+              <a:schemeClr val="accent1"/>
+            </a:fillRef>
+            <a:effectRef idx="2">
+              <a:schemeClr val="accent1"/>
+            </a:effectRef>
+            <a:fontRef idx="minor">
+              <a:schemeClr val="lt1"/>
+            </a:fontRef>
+          </p:style>
+        </p:sp>
+        <p:sp>
+          <p:nvSpPr>
+            <p:cNvPr id="23" name="Rectangle 25"/>
+            <p:cNvSpPr/>
+            <p:nvPr/>
+          </p:nvSpPr>
+          <p:spPr>
+            <a:xfrm>
+              <a:off x="9603442" y="-8467"/>
+              <a:ext cx="2588558" cy="6866467"/>
+            </a:xfrm>
+            <a:custGeom>
+              <a:avLst/>
+              <a:gdLst/>
+              <a:ahLst/>
+              <a:cxnLst/>
+              <a:rect l="l" t="t" r="r" b="b"/>
+              <a:pathLst>
+                <a:path w="2573311" h="6866467">
+                  <a:moveTo>
+                    <a:pt x="0" y="0"/>
+                  </a:moveTo>
+                  <a:lnTo>
+                    <a:pt x="2573311" y="0"/>
+                  </a:lnTo>
+                  <a:lnTo>
+                    <a:pt x="2573311" y="6866467"/>
+                  </a:lnTo>
+                  <a:lnTo>
+                    <a:pt x="1202336" y="6866467"/>
+                  </a:lnTo>
+                  <a:lnTo>
+                    <a:pt x="0" y="0"/>
+                  </a:lnTo>
+                  <a:close/>
+                </a:path>
+              </a:pathLst>
+            </a:custGeom>
+            <a:solidFill>
+              <a:schemeClr val="accent1">
+                <a:alpha val="20000"/>
+              </a:schemeClr>
+            </a:solidFill>
+            <a:ln>
+              <a:noFill/>
+            </a:ln>
+            <a:effectLst/>
+          </p:spPr>
+          <p:style>
+            <a:lnRef idx="1">
+              <a:schemeClr val="accent1"/>
+            </a:lnRef>
+            <a:fillRef idx="3">
+              <a:schemeClr val="accent1"/>
+            </a:fillRef>
+            <a:effectRef idx="2">
+              <a:schemeClr val="accent1"/>
+            </a:effectRef>
+            <a:fontRef idx="minor">
+              <a:schemeClr val="lt1"/>
+            </a:fontRef>
+          </p:style>
+        </p:sp>
+        <p:sp>
+          <p:nvSpPr>
+            <p:cNvPr id="24" name="Isosceles Triangle 23"/>
+            <p:cNvSpPr/>
+            <p:nvPr/>
+          </p:nvSpPr>
+          <p:spPr>
+            <a:xfrm>
+              <a:off x="8932333" y="3048000"/>
+              <a:ext cx="3259667" cy="3810000"/>
+            </a:xfrm>
+            <a:prstGeom prst="triangle">
+              <a:avLst>
+                <a:gd name="adj" fmla="val 100000"/>
+              </a:avLst>
+            </a:prstGeom>
+            <a:solidFill>
+              <a:schemeClr val="accent2">
+                <a:alpha val="72000"/>
+              </a:schemeClr>
+            </a:solidFill>
+            <a:ln>
+              <a:noFill/>
+            </a:ln>
+            <a:effectLst/>
+          </p:spPr>
+          <p:style>
+            <a:lnRef idx="1">
+              <a:schemeClr val="accent1"/>
+            </a:lnRef>
+            <a:fillRef idx="3">
+              <a:schemeClr val="accent1"/>
+            </a:fillRef>
+            <a:effectRef idx="2">
+              <a:schemeClr val="accent1"/>
+            </a:effectRef>
+            <a:fontRef idx="minor">
+              <a:schemeClr val="lt1"/>
+            </a:fontRef>
+          </p:style>
+        </p:sp>
+        <p:sp>
+          <p:nvSpPr>
+            <p:cNvPr id="25" name="Rectangle 27"/>
+            <p:cNvSpPr/>
+            <p:nvPr/>
+          </p:nvSpPr>
+          <p:spPr>
+            <a:xfrm>
+              <a:off x="9334500" y="-8467"/>
+              <a:ext cx="2854326" cy="6866467"/>
+            </a:xfrm>
+            <a:custGeom>
+              <a:avLst/>
+              <a:gdLst/>
+              <a:ahLst/>
+              <a:cxnLst/>
+              <a:rect l="l" t="t" r="r" b="b"/>
+              <a:pathLst>
+                <a:path w="2858013" h="6866467">
+                  <a:moveTo>
+                    <a:pt x="0" y="0"/>
+                  </a:moveTo>
+                  <a:lnTo>
+                    <a:pt x="2858013" y="0"/>
+                  </a:lnTo>
+                  <a:lnTo>
+                    <a:pt x="2858013" y="6866467"/>
+                  </a:lnTo>
+                  <a:lnTo>
+                    <a:pt x="2473942" y="6866467"/>
+                  </a:lnTo>
+                  <a:lnTo>
+                    <a:pt x="0" y="0"/>
+                  </a:lnTo>
+                  <a:close/>
+                </a:path>
+              </a:pathLst>
+            </a:custGeom>
+            <a:solidFill>
+              <a:schemeClr val="accent2">
+                <a:lumMod val="75000"/>
+                <a:alpha val="70000"/>
+              </a:schemeClr>
+            </a:solidFill>
+            <a:ln>
+              <a:noFill/>
+            </a:ln>
+            <a:effectLst/>
+          </p:spPr>
+          <p:style>
+            <a:lnRef idx="1">
+              <a:schemeClr val="accent1"/>
+            </a:lnRef>
+            <a:fillRef idx="3">
+              <a:schemeClr val="accent1"/>
+            </a:fillRef>
+            <a:effectRef idx="2">
+              <a:schemeClr val="accent1"/>
+            </a:effectRef>
+            <a:fontRef idx="minor">
+              <a:schemeClr val="lt1"/>
+            </a:fontRef>
+          </p:style>
+        </p:sp>
+        <p:sp>
+          <p:nvSpPr>
+            <p:cNvPr id="26" name="Rectangle 28"/>
+            <p:cNvSpPr/>
+            <p:nvPr/>
+          </p:nvSpPr>
+          <p:spPr>
+            <a:xfrm>
+              <a:off x="10898730" y="-8467"/>
+              <a:ext cx="1290094" cy="6866467"/>
+            </a:xfrm>
+            <a:custGeom>
+              <a:avLst/>
+              <a:gdLst/>
+              <a:ahLst/>
+              <a:cxnLst/>
+              <a:rect l="l" t="t" r="r" b="b"/>
+              <a:pathLst>
+                <a:path w="1290094" h="6858000">
+                  <a:moveTo>
+                    <a:pt x="1019735" y="0"/>
+                  </a:moveTo>
+                  <a:lnTo>
+                    <a:pt x="1290094" y="0"/>
+                  </a:lnTo>
+                  <a:lnTo>
+                    <a:pt x="1290094" y="6858000"/>
+                  </a:lnTo>
+                  <a:lnTo>
+                    <a:pt x="0" y="6858000"/>
+                  </a:lnTo>
+                  <a:lnTo>
+                    <a:pt x="1019735" y="0"/>
+                  </a:lnTo>
+                  <a:close/>
+                </a:path>
+              </a:pathLst>
+            </a:custGeom>
+            <a:solidFill>
+              <a:schemeClr val="accent1">
+                <a:lumMod val="60000"/>
+                <a:lumOff val="40000"/>
+                <a:alpha val="70000"/>
+              </a:schemeClr>
+            </a:solidFill>
+            <a:ln>
+              <a:noFill/>
+            </a:ln>
+            <a:effectLst/>
+          </p:spPr>
+          <p:style>
+            <a:lnRef idx="1">
+              <a:schemeClr val="accent1"/>
+            </a:lnRef>
+            <a:fillRef idx="3">
+              <a:schemeClr val="accent1"/>
+            </a:fillRef>
+            <a:effectRef idx="2">
+              <a:schemeClr val="accent1"/>
+            </a:effectRef>
+            <a:fontRef idx="minor">
+              <a:schemeClr val="lt1"/>
+            </a:fontRef>
+          </p:style>
+        </p:sp>
+        <p:sp>
+          <p:nvSpPr>
+            <p:cNvPr id="27" name="Rectangle 29"/>
+            <p:cNvSpPr/>
+            <p:nvPr/>
+          </p:nvSpPr>
+          <p:spPr>
+            <a:xfrm>
+              <a:off x="10938999" y="-8467"/>
+              <a:ext cx="1249825" cy="6866467"/>
+            </a:xfrm>
+            <a:custGeom>
+              <a:avLst/>
+              <a:gdLst/>
+              <a:ahLst/>
+              <a:cxnLst/>
+              <a:rect l="l" t="t" r="r" b="b"/>
+              <a:pathLst>
+                <a:path w="1249825" h="6858000">
+                  <a:moveTo>
+                    <a:pt x="0" y="0"/>
+                  </a:moveTo>
+                  <a:lnTo>
+                    <a:pt x="1249825" y="0"/>
+                  </a:lnTo>
+                  <a:lnTo>
+                    <a:pt x="1249825" y="6858000"/>
+                  </a:lnTo>
+                  <a:lnTo>
+                    <a:pt x="1109382" y="6858000"/>
+                  </a:lnTo>
+                  <a:lnTo>
+                    <a:pt x="0" y="0"/>
+                  </a:lnTo>
+                  <a:close/>
+                </a:path>
+              </a:pathLst>
+            </a:custGeom>
+            <a:solidFill>
+              <a:schemeClr val="accent1">
+                <a:alpha val="65000"/>
+              </a:schemeClr>
+            </a:solidFill>
+            <a:ln>
+              <a:noFill/>
+            </a:ln>
+            <a:effectLst/>
+          </p:spPr>
+          <p:style>
+            <a:lnRef idx="1">
+              <a:schemeClr val="accent1"/>
+            </a:lnRef>
+            <a:fillRef idx="3">
+              <a:schemeClr val="accent1"/>
+            </a:fillRef>
+            <a:effectRef idx="2">
+              <a:schemeClr val="accent1"/>
+            </a:effectRef>
+            <a:fontRef idx="minor">
+              <a:schemeClr val="lt1"/>
+            </a:fontRef>
+          </p:style>
+        </p:sp>
+        <p:sp>
+          <p:nvSpPr>
+            <p:cNvPr id="28" name="Isosceles Triangle 27"/>
+            <p:cNvSpPr/>
+            <p:nvPr/>
+          </p:nvSpPr>
+          <p:spPr>
+            <a:xfrm>
+              <a:off x="10371666" y="3589867"/>
+              <a:ext cx="1817159" cy="3268133"/>
+            </a:xfrm>
+            <a:prstGeom prst="triangle">
+              <a:avLst>
+                <a:gd name="adj" fmla="val 100000"/>
+              </a:avLst>
+            </a:prstGeom>
+            <a:solidFill>
+              <a:schemeClr val="accent1">
+                <a:alpha val="80000"/>
+              </a:schemeClr>
+            </a:solidFill>
+            <a:ln>
+              <a:noFill/>
+            </a:ln>
+            <a:effectLst/>
+          </p:spPr>
+          <p:style>
+            <a:lnRef idx="1">
+              <a:schemeClr val="accent1"/>
+            </a:lnRef>
+            <a:fillRef idx="3">
+              <a:schemeClr val="accent1"/>
+            </a:fillRef>
+            <a:effectRef idx="2">
+              <a:schemeClr val="accent1"/>
+            </a:effectRef>
+            <a:fontRef idx="minor">
+              <a:schemeClr val="lt1"/>
+            </a:fontRef>
+          </p:style>
+        </p:sp>
+        <p:sp>
+          <p:nvSpPr>
+            <p:cNvPr id="29" name="Isosceles Triangle 28"/>
+            <p:cNvSpPr/>
+            <p:nvPr/>
+          </p:nvSpPr>
+          <p:spPr>
+            <a:xfrm>
+              <a:off x="0" y="4013200"/>
+              <a:ext cx="448733" cy="2844800"/>
+            </a:xfrm>
+            <a:prstGeom prst="triangle">
+              <a:avLst>
+                <a:gd name="adj" fmla="val 0"/>
+              </a:avLst>
+            </a:prstGeom>
+            <a:solidFill>
+              <a:schemeClr val="accent1">
+                <a:alpha val="85000"/>
+              </a:schemeClr>
+            </a:solidFill>
+            <a:ln>
+              <a:noFill/>
+            </a:ln>
+            <a:effectLst/>
+          </p:spPr>
+          <p:style>
+            <a:lnRef idx="1">
+              <a:schemeClr val="accent1"/>
+            </a:lnRef>
+            <a:fillRef idx="3">
+              <a:schemeClr val="accent1"/>
+            </a:fillRef>
+            <a:effectRef idx="2">
+              <a:schemeClr val="accent1"/>
+            </a:effectRef>
+            <a:fontRef idx="minor">
+              <a:schemeClr val="lt1"/>
+            </a:fontRef>
+          </p:style>
+        </p:sp>
+      </p:grpSp>
+      <p:sp>
+        <p:nvSpPr>
+          <p:cNvPr id="2" name="Title Placeholder 1"/>
           <p:cNvSpPr>
             <a:spLocks noGrp="1"/>
           </p:cNvSpPr>
@@ -3642,15 +6168,15 @@
         </p:nvSpPr>
         <p:spPr>
           <a:xfrm>
-            <a:off x="838200" y="365125"/>
-            <a:ext cx="10515600" cy="1325563"/>
+            <a:off x="677334" y="609600"/>
+            <a:ext cx="8596668" cy="1320800"/>
           </a:xfrm>
           <a:prstGeom prst="rect">
             <a:avLst/>
           </a:prstGeom>
         </p:spPr>
         <p:txBody>
-          <a:bodyPr vert="horz" lIns="91440" tIns="45720" rIns="91440" bIns="45720" rtlCol="0" anchor="ctr">
+          <a:bodyPr vert="horz" lIns="91440" tIns="45720" rIns="91440" bIns="45720" rtlCol="0" anchor="t">
             <a:normAutofit/>
           </a:bodyPr>
           <a:lstStyle/>
@@ -3659,18 +6185,13 @@
               <a:rPr lang="en-US"/>
               <a:t>Click to edit Master title style</a:t>
             </a:r>
-          </a:p>
-        </p:txBody>
-      </p:sp>
-      <p:sp>
-        <p:nvSpPr>
-          <p:cNvPr id="3" name="Text Placeholder 2">
-            <a:extLst>
-              <a:ext uri="{FF2B5EF4-FFF2-40B4-BE49-F238E27FC236}">
-                <a16:creationId xmlns:a16="http://schemas.microsoft.com/office/drawing/2014/main" id="{5D8B30B8-1550-41EA-A7C3-186DB4EC2423}"/>
-              </a:ext>
-            </a:extLst>
-          </p:cNvPr>
+            <a:endParaRPr lang="en-US" dirty="0"/>
+          </a:p>
+        </p:txBody>
+      </p:sp>
+      <p:sp>
+        <p:nvSpPr>
+          <p:cNvPr id="3" name="Text Placeholder 2"/>
           <p:cNvSpPr>
             <a:spLocks noGrp="1"/>
           </p:cNvSpPr>
@@ -3680,8 +6201,8 @@
         </p:nvSpPr>
         <p:spPr>
           <a:xfrm>
-            <a:off x="838200" y="1825625"/>
-            <a:ext cx="10515600" cy="4351338"/>
+            <a:off x="677334" y="2160589"/>
+            <a:ext cx="8596668" cy="3880773"/>
           </a:xfrm>
           <a:prstGeom prst="rect">
             <a:avLst/>
@@ -3726,18 +6247,13 @@
               <a:rPr lang="en-US"/>
               <a:t>Fifth level</a:t>
             </a:r>
-          </a:p>
-        </p:txBody>
-      </p:sp>
-      <p:sp>
-        <p:nvSpPr>
-          <p:cNvPr id="4" name="Date Placeholder 3">
-            <a:extLst>
-              <a:ext uri="{FF2B5EF4-FFF2-40B4-BE49-F238E27FC236}">
-                <a16:creationId xmlns:a16="http://schemas.microsoft.com/office/drawing/2014/main" id="{83818546-892F-4FC1-9ADF-EF68F88EFC2C}"/>
-              </a:ext>
-            </a:extLst>
-          </p:cNvPr>
+            <a:endParaRPr lang="en-US" dirty="0"/>
+          </a:p>
+        </p:txBody>
+      </p:sp>
+      <p:sp>
+        <p:nvSpPr>
+          <p:cNvPr id="4" name="Date Placeholder 3"/>
           <p:cNvSpPr>
             <a:spLocks noGrp="1"/>
           </p:cNvSpPr>
@@ -3747,8 +6263,8 @@
         </p:nvSpPr>
         <p:spPr>
           <a:xfrm>
-            <a:off x="838200" y="6356350"/>
-            <a:ext cx="2743200" cy="365125"/>
+            <a:off x="7205133" y="6041362"/>
+            <a:ext cx="911939" cy="365125"/>
           </a:xfrm>
           <a:prstGeom prst="rect">
             <a:avLst/>
@@ -3757,8 +6273,8 @@
         <p:txBody>
           <a:bodyPr vert="horz" lIns="91440" tIns="45720" rIns="91440" bIns="45720" rtlCol="0" anchor="ctr"/>
           <a:lstStyle>
-            <a:lvl1pPr algn="l">
-              <a:defRPr sz="1200">
+            <a:lvl1pPr algn="r">
+              <a:defRPr sz="900">
                 <a:solidFill>
                   <a:schemeClr val="tx1">
                     <a:tint val="75000"/>
@@ -3770,7 +6286,7 @@
           <a:p>
             <a:fld id="{5FC93890-602C-48CB-AE8E-BB8867784A0C}" type="datetimeFigureOut">
               <a:rPr lang="en-US" smtClean="0"/>
-              <a:t>6/17/2019</a:t>
+              <a:t>7/1/2019</a:t>
             </a:fld>
             <a:endParaRPr lang="en-US"/>
           </a:p>
@@ -3778,13 +6294,7 @@
       </p:sp>
       <p:sp>
         <p:nvSpPr>
-          <p:cNvPr id="5" name="Footer Placeholder 4">
-            <a:extLst>
-              <a:ext uri="{FF2B5EF4-FFF2-40B4-BE49-F238E27FC236}">
-                <a16:creationId xmlns:a16="http://schemas.microsoft.com/office/drawing/2014/main" id="{C7D91E96-8209-4BAB-84B4-681CBF2EA473}"/>
-              </a:ext>
-            </a:extLst>
-          </p:cNvPr>
+          <p:cNvPr id="5" name="Footer Placeholder 4"/>
           <p:cNvSpPr>
             <a:spLocks noGrp="1"/>
           </p:cNvSpPr>
@@ -3794,8 +6304,8 @@
         </p:nvSpPr>
         <p:spPr>
           <a:xfrm>
-            <a:off x="4038600" y="6356350"/>
-            <a:ext cx="4114800" cy="365125"/>
+            <a:off x="677334" y="6041362"/>
+            <a:ext cx="6297612" cy="365125"/>
           </a:xfrm>
           <a:prstGeom prst="rect">
             <a:avLst/>
@@ -3804,8 +6314,8 @@
         <p:txBody>
           <a:bodyPr vert="horz" lIns="91440" tIns="45720" rIns="91440" bIns="45720" rtlCol="0" anchor="ctr"/>
           <a:lstStyle>
-            <a:lvl1pPr algn="ctr">
-              <a:defRPr sz="1200">
+            <a:lvl1pPr algn="l">
+              <a:defRPr sz="900">
                 <a:solidFill>
                   <a:schemeClr val="tx1">
                     <a:tint val="75000"/>
@@ -3821,13 +6331,7 @@
       </p:sp>
       <p:sp>
         <p:nvSpPr>
-          <p:cNvPr id="6" name="Slide Number Placeholder 5">
-            <a:extLst>
-              <a:ext uri="{FF2B5EF4-FFF2-40B4-BE49-F238E27FC236}">
-                <a16:creationId xmlns:a16="http://schemas.microsoft.com/office/drawing/2014/main" id="{0E12719C-50D9-4F5E-ABAE-18410CABBD9D}"/>
-              </a:ext>
-            </a:extLst>
-          </p:cNvPr>
+          <p:cNvPr id="6" name="Slide Number Placeholder 5"/>
           <p:cNvSpPr>
             <a:spLocks noGrp="1"/>
           </p:cNvSpPr>
@@ -3837,8 +6341,8 @@
         </p:nvSpPr>
         <p:spPr>
           <a:xfrm>
-            <a:off x="8610600" y="6356350"/>
-            <a:ext cx="2743200" cy="365125"/>
+            <a:off x="8590663" y="6041362"/>
+            <a:ext cx="683339" cy="365125"/>
           </a:xfrm>
           <a:prstGeom prst="rect">
             <a:avLst/>
@@ -3848,11 +6352,9 @@
           <a:bodyPr vert="horz" lIns="91440" tIns="45720" rIns="91440" bIns="45720" rtlCol="0" anchor="ctr"/>
           <a:lstStyle>
             <a:lvl1pPr algn="r">
-              <a:defRPr sz="1200">
+              <a:defRPr sz="900">
                 <a:solidFill>
-                  <a:schemeClr val="tx1">
-                    <a:tint val="75000"/>
-                  </a:schemeClr>
+                  <a:schemeClr val="accent1"/>
                 </a:solidFill>
               </a:defRPr>
             </a:lvl1pPr>
@@ -3869,201 +6371,322 @@
     </p:spTree>
     <p:extLst>
       <p:ext uri="{BB962C8B-B14F-4D97-AF65-F5344CB8AC3E}">
-        <p14:creationId xmlns:p14="http://schemas.microsoft.com/office/powerpoint/2010/main" val="2293628520"/>
+        <p14:creationId xmlns:p14="http://schemas.microsoft.com/office/powerpoint/2010/main" val="3028621410"/>
       </p:ext>
     </p:extLst>
   </p:cSld>
   <p:clrMap bg1="lt1" tx1="dk1" bg2="lt2" tx2="dk2" accent1="accent1" accent2="accent2" accent3="accent3" accent4="accent4" accent5="accent5" accent6="accent6" hlink="hlink" folHlink="folHlink"/>
   <p:sldLayoutIdLst>
-    <p:sldLayoutId id="2147483649" r:id="rId1"/>
-    <p:sldLayoutId id="2147483650" r:id="rId2"/>
-    <p:sldLayoutId id="2147483651" r:id="rId3"/>
-    <p:sldLayoutId id="2147483652" r:id="rId4"/>
-    <p:sldLayoutId id="2147483653" r:id="rId5"/>
-    <p:sldLayoutId id="2147483654" r:id="rId6"/>
-    <p:sldLayoutId id="2147483655" r:id="rId7"/>
-    <p:sldLayoutId id="2147483656" r:id="rId8"/>
-    <p:sldLayoutId id="2147483657" r:id="rId9"/>
-    <p:sldLayoutId id="2147483658" r:id="rId10"/>
-    <p:sldLayoutId id="2147483659" r:id="rId11"/>
+    <p:sldLayoutId id="2147483735" r:id="rId1"/>
+    <p:sldLayoutId id="2147483736" r:id="rId2"/>
+    <p:sldLayoutId id="2147483737" r:id="rId3"/>
+    <p:sldLayoutId id="2147483738" r:id="rId4"/>
+    <p:sldLayoutId id="2147483739" r:id="rId5"/>
+    <p:sldLayoutId id="2147483740" r:id="rId6"/>
+    <p:sldLayoutId id="2147483741" r:id="rId7"/>
+    <p:sldLayoutId id="2147483742" r:id="rId8"/>
+    <p:sldLayoutId id="2147483743" r:id="rId9"/>
+    <p:sldLayoutId id="2147483744" r:id="rId10"/>
+    <p:sldLayoutId id="2147483745" r:id="rId11"/>
+    <p:sldLayoutId id="2147483746" r:id="rId12"/>
+    <p:sldLayoutId id="2147483747" r:id="rId13"/>
+    <p:sldLayoutId id="2147483748" r:id="rId14"/>
+    <p:sldLayoutId id="2147483749" r:id="rId15"/>
+    <p:sldLayoutId id="2147483750" r:id="rId16"/>
   </p:sldLayoutIdLst>
   <p:txStyles>
     <p:titleStyle>
-      <a:lvl1pPr algn="l" defTabSz="914400" rtl="0" eaLnBrk="1" latinLnBrk="0" hangingPunct="1">
-        <a:lnSpc>
-          <a:spcPct val="90000"/>
-        </a:lnSpc>
+      <a:lvl1pPr algn="l" defTabSz="457200" rtl="0" eaLnBrk="1" latinLnBrk="0" hangingPunct="1">
         <a:spcBef>
           <a:spcPct val="0"/>
         </a:spcBef>
         <a:buNone/>
-        <a:defRPr sz="4400" kern="1200">
+        <a:defRPr sz="3600" kern="1200">
           <a:solidFill>
-            <a:schemeClr val="tx1"/>
+            <a:schemeClr val="accent1"/>
           </a:solidFill>
           <a:latin typeface="+mj-lt"/>
           <a:ea typeface="+mj-ea"/>
           <a:cs typeface="+mj-cs"/>
         </a:defRPr>
       </a:lvl1pPr>
+      <a:lvl2pPr eaLnBrk="1" hangingPunct="1">
+        <a:defRPr>
+          <a:solidFill>
+            <a:schemeClr val="tx2"/>
+          </a:solidFill>
+        </a:defRPr>
+      </a:lvl2pPr>
+      <a:lvl3pPr eaLnBrk="1" hangingPunct="1">
+        <a:defRPr>
+          <a:solidFill>
+            <a:schemeClr val="tx2"/>
+          </a:solidFill>
+        </a:defRPr>
+      </a:lvl3pPr>
+      <a:lvl4pPr eaLnBrk="1" hangingPunct="1">
+        <a:defRPr>
+          <a:solidFill>
+            <a:schemeClr val="tx2"/>
+          </a:solidFill>
+        </a:defRPr>
+      </a:lvl4pPr>
+      <a:lvl5pPr eaLnBrk="1" hangingPunct="1">
+        <a:defRPr>
+          <a:solidFill>
+            <a:schemeClr val="tx2"/>
+          </a:solidFill>
+        </a:defRPr>
+      </a:lvl5pPr>
+      <a:lvl6pPr eaLnBrk="1" hangingPunct="1">
+        <a:defRPr>
+          <a:solidFill>
+            <a:schemeClr val="tx2"/>
+          </a:solidFill>
+        </a:defRPr>
+      </a:lvl6pPr>
+      <a:lvl7pPr eaLnBrk="1" hangingPunct="1">
+        <a:defRPr>
+          <a:solidFill>
+            <a:schemeClr val="tx2"/>
+          </a:solidFill>
+        </a:defRPr>
+      </a:lvl7pPr>
+      <a:lvl8pPr eaLnBrk="1" hangingPunct="1">
+        <a:defRPr>
+          <a:solidFill>
+            <a:schemeClr val="tx2"/>
+          </a:solidFill>
+        </a:defRPr>
+      </a:lvl8pPr>
+      <a:lvl9pPr eaLnBrk="1" hangingPunct="1">
+        <a:defRPr>
+          <a:solidFill>
+            <a:schemeClr val="tx2"/>
+          </a:solidFill>
+        </a:defRPr>
+      </a:lvl9pPr>
     </p:titleStyle>
     <p:bodyStyle>
-      <a:lvl1pPr marL="228600" indent="-228600" algn="l" defTabSz="914400" rtl="0" eaLnBrk="1" latinLnBrk="0" hangingPunct="1">
-        <a:lnSpc>
-          <a:spcPct val="90000"/>
-        </a:lnSpc>
+      <a:lvl1pPr marL="342900" indent="-342900" algn="l" defTabSz="457200" rtl="0" eaLnBrk="1" latinLnBrk="0" hangingPunct="1">
         <a:spcBef>
           <a:spcPts val="1000"/>
         </a:spcBef>
-        <a:buFont typeface="Arial" panose="020B0604020202020204" pitchFamily="34" charset="0"/>
-        <a:buChar char="•"/>
-        <a:defRPr sz="2800" kern="1200">
+        <a:spcAft>
+          <a:spcPts val="0"/>
+        </a:spcAft>
+        <a:buClr>
+          <a:schemeClr val="accent1"/>
+        </a:buClr>
+        <a:buSzPct val="80000"/>
+        <a:buFont typeface="Wingdings 3" charset="2"/>
+        <a:buChar char=""/>
+        <a:defRPr sz="1800" kern="1200">
           <a:solidFill>
-            <a:schemeClr val="tx1"/>
+            <a:schemeClr val="tx1">
+              <a:lumMod val="75000"/>
+              <a:lumOff val="25000"/>
+            </a:schemeClr>
           </a:solidFill>
           <a:latin typeface="+mn-lt"/>
           <a:ea typeface="+mn-ea"/>
           <a:cs typeface="+mn-cs"/>
         </a:defRPr>
       </a:lvl1pPr>
-      <a:lvl2pPr marL="685800" indent="-228600" algn="l" defTabSz="914400" rtl="0" eaLnBrk="1" latinLnBrk="0" hangingPunct="1">
-        <a:lnSpc>
-          <a:spcPct val="90000"/>
-        </a:lnSpc>
+      <a:lvl2pPr marL="742950" indent="-285750" algn="l" defTabSz="457200" rtl="0" eaLnBrk="1" latinLnBrk="0" hangingPunct="1">
         <a:spcBef>
-          <a:spcPts val="500"/>
+          <a:spcPts val="1000"/>
         </a:spcBef>
-        <a:buFont typeface="Arial" panose="020B0604020202020204" pitchFamily="34" charset="0"/>
-        <a:buChar char="•"/>
-        <a:defRPr sz="2400" kern="1200">
+        <a:spcAft>
+          <a:spcPts val="0"/>
+        </a:spcAft>
+        <a:buClr>
+          <a:schemeClr val="accent1"/>
+        </a:buClr>
+        <a:buSzPct val="80000"/>
+        <a:buFont typeface="Wingdings 3" charset="2"/>
+        <a:buChar char=""/>
+        <a:defRPr sz="1600" kern="1200">
           <a:solidFill>
-            <a:schemeClr val="tx1"/>
+            <a:schemeClr val="tx1">
+              <a:lumMod val="75000"/>
+              <a:lumOff val="25000"/>
+            </a:schemeClr>
           </a:solidFill>
           <a:latin typeface="+mn-lt"/>
           <a:ea typeface="+mn-ea"/>
           <a:cs typeface="+mn-cs"/>
         </a:defRPr>
       </a:lvl2pPr>
-      <a:lvl3pPr marL="1143000" indent="-228600" algn="l" defTabSz="914400" rtl="0" eaLnBrk="1" latinLnBrk="0" hangingPunct="1">
-        <a:lnSpc>
-          <a:spcPct val="90000"/>
-        </a:lnSpc>
+      <a:lvl3pPr marL="1143000" indent="-228600" algn="l" defTabSz="457200" rtl="0" eaLnBrk="1" latinLnBrk="0" hangingPunct="1">
         <a:spcBef>
-          <a:spcPts val="500"/>
+          <a:spcPts val="1000"/>
         </a:spcBef>
-        <a:buFont typeface="Arial" panose="020B0604020202020204" pitchFamily="34" charset="0"/>
-        <a:buChar char="•"/>
-        <a:defRPr sz="2000" kern="1200">
+        <a:spcAft>
+          <a:spcPts val="0"/>
+        </a:spcAft>
+        <a:buClr>
+          <a:schemeClr val="accent1"/>
+        </a:buClr>
+        <a:buSzPct val="80000"/>
+        <a:buFont typeface="Wingdings 3" charset="2"/>
+        <a:buChar char=""/>
+        <a:defRPr sz="1400" kern="1200">
           <a:solidFill>
-            <a:schemeClr val="tx1"/>
+            <a:schemeClr val="tx1">
+              <a:lumMod val="75000"/>
+              <a:lumOff val="25000"/>
+            </a:schemeClr>
           </a:solidFill>
           <a:latin typeface="+mn-lt"/>
           <a:ea typeface="+mn-ea"/>
           <a:cs typeface="+mn-cs"/>
         </a:defRPr>
       </a:lvl3pPr>
-      <a:lvl4pPr marL="1600200" indent="-228600" algn="l" defTabSz="914400" rtl="0" eaLnBrk="1" latinLnBrk="0" hangingPunct="1">
-        <a:lnSpc>
-          <a:spcPct val="90000"/>
-        </a:lnSpc>
+      <a:lvl4pPr marL="1600200" indent="-228600" algn="l" defTabSz="457200" rtl="0" eaLnBrk="1" latinLnBrk="0" hangingPunct="1">
         <a:spcBef>
-          <a:spcPts val="500"/>
+          <a:spcPts val="1000"/>
         </a:spcBef>
-        <a:buFont typeface="Arial" panose="020B0604020202020204" pitchFamily="34" charset="0"/>
-        <a:buChar char="•"/>
-        <a:defRPr sz="1800" kern="1200">
+        <a:spcAft>
+          <a:spcPts val="0"/>
+        </a:spcAft>
+        <a:buClr>
+          <a:schemeClr val="accent1"/>
+        </a:buClr>
+        <a:buSzPct val="80000"/>
+        <a:buFont typeface="Wingdings 3" charset="2"/>
+        <a:buChar char=""/>
+        <a:defRPr sz="1200" kern="1200">
           <a:solidFill>
-            <a:schemeClr val="tx1"/>
+            <a:schemeClr val="tx1">
+              <a:lumMod val="75000"/>
+              <a:lumOff val="25000"/>
+            </a:schemeClr>
           </a:solidFill>
           <a:latin typeface="+mn-lt"/>
           <a:ea typeface="+mn-ea"/>
           <a:cs typeface="+mn-cs"/>
         </a:defRPr>
       </a:lvl4pPr>
-      <a:lvl5pPr marL="2057400" indent="-228600" algn="l" defTabSz="914400" rtl="0" eaLnBrk="1" latinLnBrk="0" hangingPunct="1">
-        <a:lnSpc>
-          <a:spcPct val="90000"/>
-        </a:lnSpc>
+      <a:lvl5pPr marL="2057400" indent="-228600" algn="l" defTabSz="457200" rtl="0" eaLnBrk="1" latinLnBrk="0" hangingPunct="1">
         <a:spcBef>
-          <a:spcPts val="500"/>
+          <a:spcPts val="1000"/>
         </a:spcBef>
-        <a:buFont typeface="Arial" panose="020B0604020202020204" pitchFamily="34" charset="0"/>
-        <a:buChar char="•"/>
-        <a:defRPr sz="1800" kern="1200">
+        <a:spcAft>
+          <a:spcPts val="0"/>
+        </a:spcAft>
+        <a:buClr>
+          <a:schemeClr val="accent1"/>
+        </a:buClr>
+        <a:buSzPct val="80000"/>
+        <a:buFont typeface="Wingdings 3" charset="2"/>
+        <a:buChar char=""/>
+        <a:defRPr sz="1200" kern="1200">
           <a:solidFill>
-            <a:schemeClr val="tx1"/>
+            <a:schemeClr val="tx1">
+              <a:lumMod val="75000"/>
+              <a:lumOff val="25000"/>
+            </a:schemeClr>
           </a:solidFill>
           <a:latin typeface="+mn-lt"/>
           <a:ea typeface="+mn-ea"/>
           <a:cs typeface="+mn-cs"/>
         </a:defRPr>
       </a:lvl5pPr>
-      <a:lvl6pPr marL="2514600" indent="-228600" algn="l" defTabSz="914400" rtl="0" eaLnBrk="1" latinLnBrk="0" hangingPunct="1">
-        <a:lnSpc>
-          <a:spcPct val="90000"/>
-        </a:lnSpc>
+      <a:lvl6pPr marL="2514600" indent="-228600" algn="l" defTabSz="457200" rtl="0" eaLnBrk="1" latinLnBrk="0" hangingPunct="1">
         <a:spcBef>
-          <a:spcPts val="500"/>
+          <a:spcPts val="1000"/>
         </a:spcBef>
-        <a:buFont typeface="Arial" panose="020B0604020202020204" pitchFamily="34" charset="0"/>
-        <a:buChar char="•"/>
-        <a:defRPr sz="1800" kern="1200">
+        <a:spcAft>
+          <a:spcPts val="0"/>
+        </a:spcAft>
+        <a:buClr>
+          <a:schemeClr val="accent1"/>
+        </a:buClr>
+        <a:buSzPct val="80000"/>
+        <a:buFont typeface="Wingdings 3" charset="2"/>
+        <a:buChar char=""/>
+        <a:defRPr sz="1200" kern="1200">
           <a:solidFill>
-            <a:schemeClr val="tx1"/>
+            <a:schemeClr val="tx1">
+              <a:lumMod val="75000"/>
+              <a:lumOff val="25000"/>
+            </a:schemeClr>
           </a:solidFill>
           <a:latin typeface="+mn-lt"/>
           <a:ea typeface="+mn-ea"/>
           <a:cs typeface="+mn-cs"/>
         </a:defRPr>
       </a:lvl6pPr>
-      <a:lvl7pPr marL="2971800" indent="-228600" algn="l" defTabSz="914400" rtl="0" eaLnBrk="1" latinLnBrk="0" hangingPunct="1">
-        <a:lnSpc>
-          <a:spcPct val="90000"/>
-        </a:lnSpc>
+      <a:lvl7pPr marL="2971800" indent="-228600" algn="l" defTabSz="457200" rtl="0" eaLnBrk="1" latinLnBrk="0" hangingPunct="1">
         <a:spcBef>
-          <a:spcPts val="500"/>
+          <a:spcPts val="1000"/>
         </a:spcBef>
-        <a:buFont typeface="Arial" panose="020B0604020202020204" pitchFamily="34" charset="0"/>
-        <a:buChar char="•"/>
-        <a:defRPr sz="1800" kern="1200">
+        <a:spcAft>
+          <a:spcPts val="0"/>
+        </a:spcAft>
+        <a:buClr>
+          <a:schemeClr val="accent1"/>
+        </a:buClr>
+        <a:buSzPct val="80000"/>
+        <a:buFont typeface="Wingdings 3" charset="2"/>
+        <a:buChar char=""/>
+        <a:defRPr sz="1200" kern="1200">
           <a:solidFill>
-            <a:schemeClr val="tx1"/>
+            <a:schemeClr val="tx1">
+              <a:lumMod val="75000"/>
+              <a:lumOff val="25000"/>
+            </a:schemeClr>
           </a:solidFill>
           <a:latin typeface="+mn-lt"/>
           <a:ea typeface="+mn-ea"/>
           <a:cs typeface="+mn-cs"/>
         </a:defRPr>
       </a:lvl7pPr>
-      <a:lvl8pPr marL="3429000" indent="-228600" algn="l" defTabSz="914400" rtl="0" eaLnBrk="1" latinLnBrk="0" hangingPunct="1">
-        <a:lnSpc>
-          <a:spcPct val="90000"/>
-        </a:lnSpc>
+      <a:lvl8pPr marL="3429000" indent="-228600" algn="l" defTabSz="457200" rtl="0" eaLnBrk="1" latinLnBrk="0" hangingPunct="1">
         <a:spcBef>
-          <a:spcPts val="500"/>
+          <a:spcPts val="1000"/>
         </a:spcBef>
-        <a:buFont typeface="Arial" panose="020B0604020202020204" pitchFamily="34" charset="0"/>
-        <a:buChar char="•"/>
-        <a:defRPr sz="1800" kern="1200">
+        <a:spcAft>
+          <a:spcPts val="0"/>
+        </a:spcAft>
+        <a:buClr>
+          <a:schemeClr val="accent1"/>
+        </a:buClr>
+        <a:buSzPct val="80000"/>
+        <a:buFont typeface="Wingdings 3" charset="2"/>
+        <a:buChar char=""/>
+        <a:defRPr sz="1200" kern="1200">
           <a:solidFill>
-            <a:schemeClr val="tx1"/>
+            <a:schemeClr val="tx1">
+              <a:lumMod val="75000"/>
+              <a:lumOff val="25000"/>
+            </a:schemeClr>
           </a:solidFill>
           <a:latin typeface="+mn-lt"/>
           <a:ea typeface="+mn-ea"/>
           <a:cs typeface="+mn-cs"/>
         </a:defRPr>
       </a:lvl8pPr>
-      <a:lvl9pPr marL="3886200" indent="-228600" algn="l" defTabSz="914400" rtl="0" eaLnBrk="1" latinLnBrk="0" hangingPunct="1">
-        <a:lnSpc>
-          <a:spcPct val="90000"/>
-        </a:lnSpc>
+      <a:lvl9pPr marL="3886200" indent="-228600" algn="l" defTabSz="457200" rtl="0" eaLnBrk="1" latinLnBrk="0" hangingPunct="1">
         <a:spcBef>
-          <a:spcPts val="500"/>
+          <a:spcPts val="1000"/>
         </a:spcBef>
-        <a:buFont typeface="Arial" panose="020B0604020202020204" pitchFamily="34" charset="0"/>
-        <a:buChar char="•"/>
-        <a:defRPr sz="1800" kern="1200">
+        <a:spcAft>
+          <a:spcPts val="0"/>
+        </a:spcAft>
+        <a:buClr>
+          <a:schemeClr val="accent1"/>
+        </a:buClr>
+        <a:buSzPct val="80000"/>
+        <a:buFont typeface="Wingdings 3" charset="2"/>
+        <a:buChar char=""/>
+        <a:defRPr sz="1200" kern="1200">
           <a:solidFill>
-            <a:schemeClr val="tx1"/>
+            <a:schemeClr val="tx1">
+              <a:lumMod val="75000"/>
+              <a:lumOff val="25000"/>
+            </a:schemeClr>
           </a:solidFill>
           <a:latin typeface="+mn-lt"/>
           <a:ea typeface="+mn-ea"/>
@@ -4075,7 +6698,7 @@
       <a:defPPr>
         <a:defRPr lang="en-US"/>
       </a:defPPr>
-      <a:lvl1pPr marL="0" algn="l" defTabSz="914400" rtl="0" eaLnBrk="1" latinLnBrk="0" hangingPunct="1">
+      <a:lvl1pPr marL="0" algn="l" defTabSz="457200" rtl="0" eaLnBrk="1" latinLnBrk="0" hangingPunct="1">
         <a:defRPr sz="1800" kern="1200">
           <a:solidFill>
             <a:schemeClr val="tx1"/>
@@ -4085,7 +6708,7 @@
           <a:cs typeface="+mn-cs"/>
         </a:defRPr>
       </a:lvl1pPr>
-      <a:lvl2pPr marL="457200" algn="l" defTabSz="914400" rtl="0" eaLnBrk="1" latinLnBrk="0" hangingPunct="1">
+      <a:lvl2pPr marL="457200" algn="l" defTabSz="457200" rtl="0" eaLnBrk="1" latinLnBrk="0" hangingPunct="1">
         <a:defRPr sz="1800" kern="1200">
           <a:solidFill>
             <a:schemeClr val="tx1"/>
@@ -4095,7 +6718,7 @@
           <a:cs typeface="+mn-cs"/>
         </a:defRPr>
       </a:lvl2pPr>
-      <a:lvl3pPr marL="914400" algn="l" defTabSz="914400" rtl="0" eaLnBrk="1" latinLnBrk="0" hangingPunct="1">
+      <a:lvl3pPr marL="914400" algn="l" defTabSz="457200" rtl="0" eaLnBrk="1" latinLnBrk="0" hangingPunct="1">
         <a:defRPr sz="1800" kern="1200">
           <a:solidFill>
             <a:schemeClr val="tx1"/>
@@ -4105,7 +6728,7 @@
           <a:cs typeface="+mn-cs"/>
         </a:defRPr>
       </a:lvl3pPr>
-      <a:lvl4pPr marL="1371600" algn="l" defTabSz="914400" rtl="0" eaLnBrk="1" latinLnBrk="0" hangingPunct="1">
+      <a:lvl4pPr marL="1371600" algn="l" defTabSz="457200" rtl="0" eaLnBrk="1" latinLnBrk="0" hangingPunct="1">
         <a:defRPr sz="1800" kern="1200">
           <a:solidFill>
             <a:schemeClr val="tx1"/>
@@ -4115,7 +6738,7 @@
           <a:cs typeface="+mn-cs"/>
         </a:defRPr>
       </a:lvl4pPr>
-      <a:lvl5pPr marL="1828800" algn="l" defTabSz="914400" rtl="0" eaLnBrk="1" latinLnBrk="0" hangingPunct="1">
+      <a:lvl5pPr marL="1828800" algn="l" defTabSz="457200" rtl="0" eaLnBrk="1" latinLnBrk="0" hangingPunct="1">
         <a:defRPr sz="1800" kern="1200">
           <a:solidFill>
             <a:schemeClr val="tx1"/>
@@ -4125,7 +6748,7 @@
           <a:cs typeface="+mn-cs"/>
         </a:defRPr>
       </a:lvl5pPr>
-      <a:lvl6pPr marL="2286000" algn="l" defTabSz="914400" rtl="0" eaLnBrk="1" latinLnBrk="0" hangingPunct="1">
+      <a:lvl6pPr marL="2286000" algn="l" defTabSz="457200" rtl="0" eaLnBrk="1" latinLnBrk="0" hangingPunct="1">
         <a:defRPr sz="1800" kern="1200">
           <a:solidFill>
             <a:schemeClr val="tx1"/>
@@ -4135,7 +6758,7 @@
           <a:cs typeface="+mn-cs"/>
         </a:defRPr>
       </a:lvl6pPr>
-      <a:lvl7pPr marL="2743200" algn="l" defTabSz="914400" rtl="0" eaLnBrk="1" latinLnBrk="0" hangingPunct="1">
+      <a:lvl7pPr marL="2743200" algn="l" defTabSz="457200" rtl="0" eaLnBrk="1" latinLnBrk="0" hangingPunct="1">
         <a:defRPr sz="1800" kern="1200">
           <a:solidFill>
             <a:schemeClr val="tx1"/>
@@ -4145,7 +6768,7 @@
           <a:cs typeface="+mn-cs"/>
         </a:defRPr>
       </a:lvl7pPr>
-      <a:lvl8pPr marL="3200400" algn="l" defTabSz="914400" rtl="0" eaLnBrk="1" latinLnBrk="0" hangingPunct="1">
+      <a:lvl8pPr marL="3200400" algn="l" defTabSz="457200" rtl="0" eaLnBrk="1" latinLnBrk="0" hangingPunct="1">
         <a:defRPr sz="1800" kern="1200">
           <a:solidFill>
             <a:schemeClr val="tx1"/>
@@ -4155,7 +6778,7 @@
           <a:cs typeface="+mn-cs"/>
         </a:defRPr>
       </a:lvl8pPr>
-      <a:lvl9pPr marL="3657600" algn="l" defTabSz="914400" rtl="0" eaLnBrk="1" latinLnBrk="0" hangingPunct="1">
+      <a:lvl9pPr marL="3657600" algn="l" defTabSz="457200" rtl="0" eaLnBrk="1" latinLnBrk="0" hangingPunct="1">
         <a:defRPr sz="1800" kern="1200">
           <a:solidFill>
             <a:schemeClr val="tx1"/>
@@ -4189,10 +6812,165 @@
       </p:grpSpPr>
       <p:sp>
         <p:nvSpPr>
+          <p:cNvPr id="5" name="Title 4">
+            <a:extLst>
+              <a:ext uri="{FF2B5EF4-FFF2-40B4-BE49-F238E27FC236}">
+                <a16:creationId xmlns:a16="http://schemas.microsoft.com/office/drawing/2014/main" id="{06C40825-3EEE-4316-A33E-8626B06FEBD1}"/>
+              </a:ext>
+            </a:extLst>
+          </p:cNvPr>
+          <p:cNvSpPr>
+            <a:spLocks noGrp="1"/>
+          </p:cNvSpPr>
+          <p:nvPr>
+            <p:ph type="title"/>
+          </p:nvPr>
+        </p:nvSpPr>
+        <p:spPr/>
+        <p:txBody>
+          <a:bodyPr/>
+          <a:lstStyle/>
+          <a:p>
+            <a:r>
+              <a:rPr lang="en-US" dirty="0"/>
+              <a:t>Announcements</a:t>
+            </a:r>
+          </a:p>
+        </p:txBody>
+      </p:sp>
+      <p:sp>
+        <p:nvSpPr>
+          <p:cNvPr id="6" name="Content Placeholder 5">
+            <a:extLst>
+              <a:ext uri="{FF2B5EF4-FFF2-40B4-BE49-F238E27FC236}">
+                <a16:creationId xmlns:a16="http://schemas.microsoft.com/office/drawing/2014/main" id="{27C3F9D6-5A6D-480B-BAFB-EE53145784F4}"/>
+              </a:ext>
+            </a:extLst>
+          </p:cNvPr>
+          <p:cNvSpPr>
+            <a:spLocks noGrp="1"/>
+          </p:cNvSpPr>
+          <p:nvPr>
+            <p:ph idx="1"/>
+          </p:nvPr>
+        </p:nvSpPr>
+        <p:spPr/>
+        <p:txBody>
+          <a:bodyPr>
+            <a:normAutofit/>
+          </a:bodyPr>
+          <a:lstStyle/>
+          <a:p>
+            <a:r>
+              <a:rPr lang="en-US" sz="2000" dirty="0"/>
+              <a:t>August 6</a:t>
+            </a:r>
+            <a:r>
+              <a:rPr lang="en-US" sz="2000" baseline="30000" dirty="0"/>
+              <a:t>th</a:t>
+            </a:r>
+            <a:r>
+              <a:rPr lang="en-US" sz="2000" dirty="0"/>
+              <a:t> – PowerShell Fundamentals: Part 2 by C. David Littlejohn</a:t>
+            </a:r>
+          </a:p>
+          <a:p>
+            <a:endParaRPr lang="en-US" sz="2000" dirty="0"/>
+          </a:p>
+          <a:p>
+            <a:r>
+              <a:rPr lang="en-US" sz="2000" dirty="0"/>
+              <a:t>August 9</a:t>
+            </a:r>
+            <a:r>
+              <a:rPr lang="en-US" sz="2000" baseline="30000" dirty="0"/>
+              <a:t>th</a:t>
+            </a:r>
+            <a:r>
+              <a:rPr lang="en-US" sz="2000" dirty="0"/>
+              <a:t> and 10</a:t>
+            </a:r>
+            <a:r>
+              <a:rPr lang="en-US" sz="2000" baseline="30000" dirty="0"/>
+              <a:t>th</a:t>
+            </a:r>
+            <a:r>
+              <a:rPr lang="en-US" sz="2000" dirty="0"/>
+              <a:t> – PowerShell on the River, Chattanooga, TN @ Chattanooga State. More info at </a:t>
+            </a:r>
+            <a:r>
+              <a:rPr lang="en-US" sz="2000" dirty="0">
+                <a:hlinkClick r:id="rId2"/>
+              </a:rPr>
+              <a:t>https://www.powershellchatt.com/</a:t>
+            </a:r>
+            <a:endParaRPr lang="en-US" sz="2000" dirty="0"/>
+          </a:p>
+          <a:p>
+            <a:endParaRPr lang="en-US" sz="2000" dirty="0"/>
+          </a:p>
+          <a:p>
+            <a:r>
+              <a:rPr lang="en-US" sz="2000" dirty="0"/>
+              <a:t>September 21</a:t>
+            </a:r>
+            <a:r>
+              <a:rPr lang="en-US" sz="2000" baseline="30000" dirty="0"/>
+              <a:t>st</a:t>
+            </a:r>
+            <a:r>
+              <a:rPr lang="en-US" sz="2000" dirty="0"/>
+              <a:t> – Research Triangle PowerShell Saturday, Raleigh, NC. More info at </a:t>
+            </a:r>
+            <a:r>
+              <a:rPr lang="en-US" sz="2000" dirty="0">
+                <a:hlinkClick r:id="rId3"/>
+              </a:rPr>
+              <a:t>https://eventil.com/events/research-triangle-powershell-saturday/</a:t>
+            </a:r>
+            <a:endParaRPr lang="en-US" sz="2000" dirty="0"/>
+          </a:p>
+          <a:p>
+            <a:endParaRPr lang="en-US" sz="2000" dirty="0"/>
+          </a:p>
+        </p:txBody>
+      </p:sp>
+    </p:spTree>
+    <p:extLst>
+      <p:ext uri="{BB962C8B-B14F-4D97-AF65-F5344CB8AC3E}">
+        <p14:creationId xmlns:p14="http://schemas.microsoft.com/office/powerpoint/2010/main" val="3804050382"/>
+      </p:ext>
+    </p:extLst>
+  </p:cSld>
+  <p:clrMapOvr>
+    <a:masterClrMapping/>
+  </p:clrMapOvr>
+</p:sld>
+</file>
+
+<file path=ppt/slides/slide10.xml><?xml version="1.0" encoding="utf-8"?>
+<p:sld xmlns:a="http://schemas.openxmlformats.org/drawingml/2006/main" xmlns:r="http://schemas.openxmlformats.org/officeDocument/2006/relationships" xmlns:p="http://schemas.openxmlformats.org/presentationml/2006/main">
+  <p:cSld>
+    <p:spTree>
+      <p:nvGrpSpPr>
+        <p:cNvPr id="1" name=""/>
+        <p:cNvGrpSpPr/>
+        <p:nvPr/>
+      </p:nvGrpSpPr>
+      <p:grpSpPr>
+        <a:xfrm>
+          <a:off x="0" y="0"/>
+          <a:ext cx="0" cy="0"/>
+          <a:chOff x="0" y="0"/>
+          <a:chExt cx="0" cy="0"/>
+        </a:xfrm>
+      </p:grpSpPr>
+      <p:sp>
+        <p:nvSpPr>
           <p:cNvPr id="2" name="Title 1">
             <a:extLst>
               <a:ext uri="{FF2B5EF4-FFF2-40B4-BE49-F238E27FC236}">
-                <a16:creationId xmlns:a16="http://schemas.microsoft.com/office/drawing/2014/main" id="{2AAF4DB2-6300-48F0-8D24-69EFAF76964C}"/>
+                <a16:creationId xmlns:a16="http://schemas.microsoft.com/office/drawing/2014/main" id="{99602E41-ED1C-4A83-BE1D-5F9666860B77}"/>
               </a:ext>
             </a:extLst>
           </p:cNvPr>
@@ -4200,7 +6978,7 @@
             <a:spLocks noGrp="1"/>
           </p:cNvSpPr>
           <p:nvPr>
-            <p:ph type="ctrTitle"/>
+            <p:ph type="title"/>
           </p:nvPr>
         </p:nvSpPr>
         <p:spPr/>
@@ -4210,17 +6988,17 @@
           <a:p>
             <a:r>
               <a:rPr lang="en-US" dirty="0"/>
-              <a:t>PowerShell Fundamentals 1</a:t>
-            </a:r>
-          </a:p>
-        </p:txBody>
-      </p:sp>
-      <p:sp>
-        <p:nvSpPr>
-          <p:cNvPr id="3" name="Subtitle 2">
+              <a:t>Homework</a:t>
+            </a:r>
+          </a:p>
+        </p:txBody>
+      </p:sp>
+      <p:sp>
+        <p:nvSpPr>
+          <p:cNvPr id="3" name="Content Placeholder 2">
             <a:extLst>
               <a:ext uri="{FF2B5EF4-FFF2-40B4-BE49-F238E27FC236}">
-                <a16:creationId xmlns:a16="http://schemas.microsoft.com/office/drawing/2014/main" id="{1FD350CA-5E54-4CAF-B5A5-741D8E9815C2}"/>
+                <a16:creationId xmlns:a16="http://schemas.microsoft.com/office/drawing/2014/main" id="{55FCA305-1E34-48DC-B6A1-2B90AB65F525}"/>
               </a:ext>
             </a:extLst>
           </p:cNvPr>
@@ -4228,62 +7006,344 @@
             <a:spLocks noGrp="1"/>
           </p:cNvSpPr>
           <p:nvPr>
-            <p:ph type="subTitle" idx="1"/>
+            <p:ph idx="1"/>
           </p:nvPr>
         </p:nvSpPr>
         <p:spPr/>
         <p:txBody>
           <a:bodyPr>
-            <a:normAutofit fontScale="77500" lnSpcReduction="20000"/>
+            <a:normAutofit/>
           </a:bodyPr>
           <a:lstStyle/>
           <a:p>
             <a:r>
-              <a:rPr lang="en-US" dirty="0"/>
-              <a:t>C. David Littlejohn – IT Operations Engineer</a:t>
-            </a:r>
-          </a:p>
-          <a:p>
-            <a:r>
-              <a:rPr lang="en-US" dirty="0"/>
-              <a:t>Twitter: @</a:t>
-            </a:r>
-            <a:r>
-              <a:rPr lang="en-US" dirty="0" err="1"/>
-              <a:t>littlejohnpsh</a:t>
-            </a:r>
-            <a:endParaRPr lang="en-US" dirty="0"/>
-          </a:p>
-          <a:p>
-            <a:r>
-              <a:rPr lang="en-US" dirty="0"/>
-              <a:t>Github.com/ergo3114</a:t>
-            </a:r>
-          </a:p>
-          <a:p>
-            <a:r>
-              <a:rPr lang="en-US" dirty="0">
-                <a:hlinkClick r:id="rId2"/>
-              </a:rPr>
-              <a:t>https://www.powershellchatt.com/</a:t>
-            </a:r>
-            <a:endParaRPr lang="en-US" dirty="0"/>
-          </a:p>
-          <a:p>
-            <a:r>
-              <a:rPr lang="en-US" dirty="0">
-                <a:hlinkClick r:id="rId3"/>
-              </a:rPr>
-              <a:t>https://github.com/PSHChatt</a:t>
-            </a:r>
-            <a:endParaRPr lang="en-US" dirty="0"/>
+              <a:rPr lang="en-US" sz="2000" dirty="0"/>
+              <a:t>Open Notepad.exe.</a:t>
+            </a:r>
+          </a:p>
+          <a:p>
+            <a:endParaRPr lang="en-US" sz="2000" dirty="0"/>
+          </a:p>
+          <a:p>
+            <a:r>
+              <a:rPr lang="en-US" sz="2000" dirty="0"/>
+              <a:t>Get the status of </a:t>
+            </a:r>
+            <a:r>
+              <a:rPr lang="en-US" sz="2000"/>
+              <a:t>Notepad.exe.</a:t>
+            </a:r>
+            <a:endParaRPr lang="en-US" sz="2000" dirty="0"/>
+          </a:p>
+          <a:p>
+            <a:endParaRPr lang="en-US" sz="2000" dirty="0"/>
+          </a:p>
+          <a:p>
+            <a:r>
+              <a:rPr lang="en-US" sz="2000" dirty="0"/>
+              <a:t>Close Notepad.exe.</a:t>
+            </a:r>
           </a:p>
         </p:txBody>
       </p:sp>
     </p:spTree>
     <p:extLst>
       <p:ext uri="{BB962C8B-B14F-4D97-AF65-F5344CB8AC3E}">
-        <p14:creationId xmlns:p14="http://schemas.microsoft.com/office/powerpoint/2010/main" val="878438801"/>
+        <p14:creationId xmlns:p14="http://schemas.microsoft.com/office/powerpoint/2010/main" val="4217542822"/>
+      </p:ext>
+    </p:extLst>
+  </p:cSld>
+  <p:clrMapOvr>
+    <a:masterClrMapping/>
+  </p:clrMapOvr>
+</p:sld>
+</file>
+
+<file path=ppt/slides/slide11.xml><?xml version="1.0" encoding="utf-8"?>
+<p:sld xmlns:a="http://schemas.openxmlformats.org/drawingml/2006/main" xmlns:r="http://schemas.openxmlformats.org/officeDocument/2006/relationships" xmlns:p="http://schemas.openxmlformats.org/presentationml/2006/main">
+  <p:cSld>
+    <p:spTree>
+      <p:nvGrpSpPr>
+        <p:cNvPr id="1" name=""/>
+        <p:cNvGrpSpPr/>
+        <p:nvPr/>
+      </p:nvGrpSpPr>
+      <p:grpSpPr>
+        <a:xfrm>
+          <a:off x="0" y="0"/>
+          <a:ext cx="0" cy="0"/>
+          <a:chOff x="0" y="0"/>
+          <a:chExt cx="0" cy="0"/>
+        </a:xfrm>
+      </p:grpSpPr>
+      <p:sp>
+        <p:nvSpPr>
+          <p:cNvPr id="2" name="Title 1">
+            <a:extLst>
+              <a:ext uri="{FF2B5EF4-FFF2-40B4-BE49-F238E27FC236}">
+                <a16:creationId xmlns:a16="http://schemas.microsoft.com/office/drawing/2014/main" id="{78F2687B-1DAD-4E58-94AC-1009C9CF1721}"/>
+              </a:ext>
+            </a:extLst>
+          </p:cNvPr>
+          <p:cNvSpPr>
+            <a:spLocks noGrp="1"/>
+          </p:cNvSpPr>
+          <p:nvPr>
+            <p:ph type="title"/>
+          </p:nvPr>
+        </p:nvSpPr>
+        <p:spPr/>
+        <p:txBody>
+          <a:bodyPr/>
+          <a:lstStyle/>
+          <a:p>
+            <a:r>
+              <a:rPr lang="en-US" dirty="0"/>
+              <a:t>References</a:t>
+            </a:r>
+          </a:p>
+        </p:txBody>
+      </p:sp>
+      <p:sp>
+        <p:nvSpPr>
+          <p:cNvPr id="3" name="Content Placeholder 2">
+            <a:extLst>
+              <a:ext uri="{FF2B5EF4-FFF2-40B4-BE49-F238E27FC236}">
+                <a16:creationId xmlns:a16="http://schemas.microsoft.com/office/drawing/2014/main" id="{B878F1E6-3C4D-4BDE-825C-E244F9657F36}"/>
+              </a:ext>
+            </a:extLst>
+          </p:cNvPr>
+          <p:cNvSpPr>
+            <a:spLocks noGrp="1"/>
+          </p:cNvSpPr>
+          <p:nvPr>
+            <p:ph idx="1"/>
+          </p:nvPr>
+        </p:nvSpPr>
+        <p:spPr/>
+        <p:txBody>
+          <a:bodyPr>
+            <a:normAutofit/>
+          </a:bodyPr>
+          <a:lstStyle/>
+          <a:p>
+            <a:r>
+              <a:rPr lang="en-US" sz="2000" dirty="0">
+                <a:hlinkClick r:id="rId2"/>
+              </a:rPr>
+              <a:t>https://www.jsnover.com/Docs/MonadManifesto.pdf</a:t>
+            </a:r>
+            <a:endParaRPr lang="en-US" sz="2000" dirty="0"/>
+          </a:p>
+          <a:p>
+            <a:endParaRPr lang="en-US" sz="2000" dirty="0">
+              <a:hlinkClick r:id="rId3"/>
+            </a:endParaRPr>
+          </a:p>
+          <a:p>
+            <a:r>
+              <a:rPr lang="en-US" sz="2000" dirty="0">
+                <a:hlinkClick r:id="rId3"/>
+              </a:rPr>
+              <a:t>https://communary.net/2015/01/20/the-holy-trinity-of-powershell-cmdlets/</a:t>
+            </a:r>
+            <a:endParaRPr lang="en-US" sz="2000" dirty="0"/>
+          </a:p>
+        </p:txBody>
+      </p:sp>
+    </p:spTree>
+    <p:extLst>
+      <p:ext uri="{BB962C8B-B14F-4D97-AF65-F5344CB8AC3E}">
+        <p14:creationId xmlns:p14="http://schemas.microsoft.com/office/powerpoint/2010/main" val="3846218459"/>
+      </p:ext>
+    </p:extLst>
+  </p:cSld>
+  <p:clrMapOvr>
+    <a:masterClrMapping/>
+  </p:clrMapOvr>
+</p:sld>
+</file>
+
+<file path=ppt/slides/slide12.xml><?xml version="1.0" encoding="utf-8"?>
+<p:sld xmlns:a="http://schemas.openxmlformats.org/drawingml/2006/main" xmlns:r="http://schemas.openxmlformats.org/officeDocument/2006/relationships" xmlns:p="http://schemas.openxmlformats.org/presentationml/2006/main">
+  <p:cSld>
+    <p:spTree>
+      <p:nvGrpSpPr>
+        <p:cNvPr id="1" name=""/>
+        <p:cNvGrpSpPr/>
+        <p:nvPr/>
+      </p:nvGrpSpPr>
+      <p:grpSpPr>
+        <a:xfrm>
+          <a:off x="0" y="0"/>
+          <a:ext cx="0" cy="0"/>
+          <a:chOff x="0" y="0"/>
+          <a:chExt cx="0" cy="0"/>
+        </a:xfrm>
+      </p:grpSpPr>
+      <p:sp>
+        <p:nvSpPr>
+          <p:cNvPr id="2" name="Title 1">
+            <a:extLst>
+              <a:ext uri="{FF2B5EF4-FFF2-40B4-BE49-F238E27FC236}">
+                <a16:creationId xmlns:a16="http://schemas.microsoft.com/office/drawing/2014/main" id="{22148B53-20C2-40D5-8A40-BECCBD847254}"/>
+              </a:ext>
+            </a:extLst>
+          </p:cNvPr>
+          <p:cNvSpPr>
+            <a:spLocks noGrp="1"/>
+          </p:cNvSpPr>
+          <p:nvPr>
+            <p:ph type="title"/>
+          </p:nvPr>
+        </p:nvSpPr>
+        <p:spPr/>
+        <p:txBody>
+          <a:bodyPr/>
+          <a:lstStyle/>
+          <a:p>
+            <a:r>
+              <a:rPr lang="en-US" dirty="0"/>
+              <a:t>More Reading</a:t>
+            </a:r>
+          </a:p>
+        </p:txBody>
+      </p:sp>
+      <p:sp>
+        <p:nvSpPr>
+          <p:cNvPr id="3" name="Content Placeholder 2">
+            <a:extLst>
+              <a:ext uri="{FF2B5EF4-FFF2-40B4-BE49-F238E27FC236}">
+                <a16:creationId xmlns:a16="http://schemas.microsoft.com/office/drawing/2014/main" id="{D553982B-64CD-4637-ADA9-6F8CA958B6E6}"/>
+              </a:ext>
+            </a:extLst>
+          </p:cNvPr>
+          <p:cNvSpPr>
+            <a:spLocks noGrp="1"/>
+          </p:cNvSpPr>
+          <p:nvPr>
+            <p:ph idx="1"/>
+          </p:nvPr>
+        </p:nvSpPr>
+        <p:spPr/>
+        <p:txBody>
+          <a:bodyPr>
+            <a:normAutofit/>
+          </a:bodyPr>
+          <a:lstStyle/>
+          <a:p>
+            <a:r>
+              <a:rPr lang="en-US" sz="2000" dirty="0">
+                <a:hlinkClick r:id="rId2"/>
+              </a:rPr>
+              <a:t>PowerShell in a Month of Lunches – Don Jones &amp; Jeff Hicks</a:t>
+            </a:r>
+            <a:endParaRPr lang="en-US" sz="2000" dirty="0"/>
+          </a:p>
+          <a:p>
+            <a:pPr marL="0" indent="0">
+              <a:buNone/>
+            </a:pPr>
+            <a:endParaRPr lang="en-US" sz="2000" dirty="0"/>
+          </a:p>
+          <a:p>
+            <a:r>
+              <a:rPr lang="en-US" sz="2000" dirty="0">
+                <a:hlinkClick r:id="rId3"/>
+              </a:rPr>
+              <a:t>https://leanpub.com/powershell101</a:t>
+            </a:r>
+            <a:endParaRPr lang="en-US" sz="2000" dirty="0"/>
+          </a:p>
+        </p:txBody>
+      </p:sp>
+    </p:spTree>
+    <p:extLst>
+      <p:ext uri="{BB962C8B-B14F-4D97-AF65-F5344CB8AC3E}">
+        <p14:creationId xmlns:p14="http://schemas.microsoft.com/office/powerpoint/2010/main" val="1832739366"/>
+      </p:ext>
+    </p:extLst>
+  </p:cSld>
+  <p:clrMapOvr>
+    <a:masterClrMapping/>
+  </p:clrMapOvr>
+</p:sld>
+</file>
+
+<file path=ppt/slides/slide13.xml><?xml version="1.0" encoding="utf-8"?>
+<p:sld xmlns:a="http://schemas.openxmlformats.org/drawingml/2006/main" xmlns:r="http://schemas.openxmlformats.org/officeDocument/2006/relationships" xmlns:p="http://schemas.openxmlformats.org/presentationml/2006/main">
+  <p:cSld>
+    <p:spTree>
+      <p:nvGrpSpPr>
+        <p:cNvPr id="1" name=""/>
+        <p:cNvGrpSpPr/>
+        <p:nvPr/>
+      </p:nvGrpSpPr>
+      <p:grpSpPr>
+        <a:xfrm>
+          <a:off x="0" y="0"/>
+          <a:ext cx="0" cy="0"/>
+          <a:chOff x="0" y="0"/>
+          <a:chExt cx="0" cy="0"/>
+        </a:xfrm>
+      </p:grpSpPr>
+      <p:sp>
+        <p:nvSpPr>
+          <p:cNvPr id="2" name="Title 1">
+            <a:extLst>
+              <a:ext uri="{FF2B5EF4-FFF2-40B4-BE49-F238E27FC236}">
+                <a16:creationId xmlns:a16="http://schemas.microsoft.com/office/drawing/2014/main" id="{15579AF1-31CA-42EA-ABF8-163A5F08EFE2}"/>
+              </a:ext>
+            </a:extLst>
+          </p:cNvPr>
+          <p:cNvSpPr>
+            <a:spLocks noGrp="1"/>
+          </p:cNvSpPr>
+          <p:nvPr>
+            <p:ph type="title"/>
+          </p:nvPr>
+        </p:nvSpPr>
+        <p:spPr/>
+        <p:txBody>
+          <a:bodyPr/>
+          <a:lstStyle/>
+          <a:p>
+            <a:r>
+              <a:rPr lang="en-US" dirty="0"/>
+              <a:t>Questions?</a:t>
+            </a:r>
+          </a:p>
+        </p:txBody>
+      </p:sp>
+      <p:sp>
+        <p:nvSpPr>
+          <p:cNvPr id="3" name="Content Placeholder 2">
+            <a:extLst>
+              <a:ext uri="{FF2B5EF4-FFF2-40B4-BE49-F238E27FC236}">
+                <a16:creationId xmlns:a16="http://schemas.microsoft.com/office/drawing/2014/main" id="{9ECA7458-799A-4B09-A375-8C3BB41D11D6}"/>
+              </a:ext>
+            </a:extLst>
+          </p:cNvPr>
+          <p:cNvSpPr>
+            <a:spLocks noGrp="1"/>
+          </p:cNvSpPr>
+          <p:nvPr>
+            <p:ph idx="1"/>
+          </p:nvPr>
+        </p:nvSpPr>
+        <p:spPr/>
+        <p:txBody>
+          <a:bodyPr/>
+          <a:lstStyle/>
+          <a:p>
+            <a:endParaRPr lang="en-US" dirty="0"/>
+          </a:p>
+        </p:txBody>
+      </p:sp>
+    </p:spTree>
+    <p:extLst>
+      <p:ext uri="{BB962C8B-B14F-4D97-AF65-F5344CB8AC3E}">
+        <p14:creationId xmlns:p14="http://schemas.microsoft.com/office/powerpoint/2010/main" val="3752931151"/>
       </p:ext>
     </p:extLst>
   </p:cSld>
@@ -4315,7 +7375,7 @@
           <p:cNvPr id="2" name="Title 1">
             <a:extLst>
               <a:ext uri="{FF2B5EF4-FFF2-40B4-BE49-F238E27FC236}">
-                <a16:creationId xmlns:a16="http://schemas.microsoft.com/office/drawing/2014/main" id="{05B193E3-249B-470A-889C-8C94E2A0A61E}"/>
+                <a16:creationId xmlns:a16="http://schemas.microsoft.com/office/drawing/2014/main" id="{2AAF4DB2-6300-48F0-8D24-69EFAF76964C}"/>
               </a:ext>
             </a:extLst>
           </p:cNvPr>
@@ -4323,7 +7383,7 @@
             <a:spLocks noGrp="1"/>
           </p:cNvSpPr>
           <p:nvPr>
-            <p:ph type="title"/>
+            <p:ph type="ctrTitle"/>
           </p:nvPr>
         </p:nvSpPr>
         <p:spPr/>
@@ -4333,17 +7393,17 @@
           <a:p>
             <a:r>
               <a:rPr lang="en-US" dirty="0"/>
-              <a:t>PowerShell History and Standards</a:t>
-            </a:r>
-          </a:p>
-        </p:txBody>
-      </p:sp>
-      <p:sp>
-        <p:nvSpPr>
-          <p:cNvPr id="3" name="Content Placeholder 2">
+              <a:t>PowerShell Fundamentals 1</a:t>
+            </a:r>
+          </a:p>
+        </p:txBody>
+      </p:sp>
+      <p:sp>
+        <p:nvSpPr>
+          <p:cNvPr id="3" name="Subtitle 2">
             <a:extLst>
               <a:ext uri="{FF2B5EF4-FFF2-40B4-BE49-F238E27FC236}">
-                <a16:creationId xmlns:a16="http://schemas.microsoft.com/office/drawing/2014/main" id="{B39900F3-93D5-4C4B-AB69-DAE8302B88DC}"/>
+                <a16:creationId xmlns:a16="http://schemas.microsoft.com/office/drawing/2014/main" id="{1FD350CA-5E54-4CAF-B5A5-741D8E9815C2}"/>
               </a:ext>
             </a:extLst>
           </p:cNvPr>
@@ -4351,49 +7411,68 @@
             <a:spLocks noGrp="1"/>
           </p:cNvSpPr>
           <p:nvPr>
-            <p:ph idx="1"/>
-          </p:nvPr>
-        </p:nvSpPr>
-        <p:spPr/>
-        <p:txBody>
-          <a:bodyPr/>
-          <a:lstStyle/>
-          <a:p>
+            <p:ph type="subTitle" idx="1"/>
+          </p:nvPr>
+        </p:nvSpPr>
+        <p:spPr>
+          <a:xfrm>
+            <a:off x="810001" y="4473526"/>
+            <a:ext cx="10572000" cy="2384474"/>
+          </a:xfrm>
+        </p:spPr>
+        <p:txBody>
+          <a:bodyPr>
+            <a:normAutofit/>
+          </a:bodyPr>
+          <a:lstStyle/>
+          <a:p>
+            <a:pPr algn="l"/>
             <a:r>
               <a:rPr lang="en-US" dirty="0"/>
-              <a:t>Designed in 2002 by Jeffrey </a:t>
+              <a:t>C. David Littlejohn – IT Operations Engineer</a:t>
+            </a:r>
+          </a:p>
+          <a:p>
+            <a:pPr algn="l"/>
+            <a:r>
+              <a:rPr lang="en-US" dirty="0"/>
+              <a:t>Twitter: @</a:t>
             </a:r>
             <a:r>
               <a:rPr lang="en-US" dirty="0" err="1"/>
-              <a:t>Snover</a:t>
-            </a:r>
+              <a:t>littlejohnpsh</a:t>
+            </a:r>
+            <a:endParaRPr lang="en-US" dirty="0"/>
+          </a:p>
+          <a:p>
+            <a:pPr algn="l"/>
             <a:r>
               <a:rPr lang="en-US" dirty="0"/>
-              <a:t> to create a framework that could be used for automation and pluggable into other systems</a:t>
-            </a:r>
-          </a:p>
-          <a:p>
+              <a:t>Github.com/ergo3114</a:t>
+            </a:r>
+          </a:p>
+          <a:p>
+            <a:pPr algn="l"/>
+            <a:r>
+              <a:rPr lang="en-US" dirty="0">
+                <a:hlinkClick r:id="rId2"/>
+              </a:rPr>
+              <a:t>https://www.powershellchatt.com/</a:t>
+            </a:r>
             <a:endParaRPr lang="en-US" dirty="0"/>
           </a:p>
           <a:p>
-            <a:r>
-              <a:rPr lang="en-US" dirty="0"/>
-              <a:t>First called Monad but before version 1 was released it was changed to Windows PowerShell</a:t>
-            </a:r>
-          </a:p>
-          <a:p>
+            <a:pPr algn="l"/>
+            <a:r>
+              <a:rPr lang="en-US" dirty="0">
+                <a:hlinkClick r:id="rId3"/>
+              </a:rPr>
+              <a:t>https://github.com/PSHChatt</a:t>
+            </a:r>
             <a:endParaRPr lang="en-US" dirty="0"/>
           </a:p>
           <a:p>
-            <a:r>
-              <a:rPr lang="en-US" dirty="0"/>
-              <a:t>Has a &lt;verb&gt;-&lt;noun&gt; syntax and can be stringed together with multiple commands using a pipe |</a:t>
-            </a:r>
-          </a:p>
-          <a:p>
-            <a:endParaRPr lang="en-US" dirty="0"/>
-          </a:p>
-          <a:p>
+            <a:pPr algn="l"/>
             <a:endParaRPr lang="en-US" dirty="0"/>
           </a:p>
         </p:txBody>
@@ -4401,7 +7480,7 @@
     </p:spTree>
     <p:extLst>
       <p:ext uri="{BB962C8B-B14F-4D97-AF65-F5344CB8AC3E}">
-        <p14:creationId xmlns:p14="http://schemas.microsoft.com/office/powerpoint/2010/main" val="3278669182"/>
+        <p14:creationId xmlns:p14="http://schemas.microsoft.com/office/powerpoint/2010/main" val="878438801"/>
       </p:ext>
     </p:extLst>
   </p:cSld>
@@ -4433,7 +7512,7 @@
           <p:cNvPr id="2" name="Title 1">
             <a:extLst>
               <a:ext uri="{FF2B5EF4-FFF2-40B4-BE49-F238E27FC236}">
-                <a16:creationId xmlns:a16="http://schemas.microsoft.com/office/drawing/2014/main" id="{A1E55A32-07B6-48F8-8603-815920900656}"/>
+                <a16:creationId xmlns:a16="http://schemas.microsoft.com/office/drawing/2014/main" id="{05B193E3-249B-470A-889C-8C94E2A0A61E}"/>
               </a:ext>
             </a:extLst>
           </p:cNvPr>
@@ -4451,7 +7530,7 @@
           <a:p>
             <a:r>
               <a:rPr lang="en-US" dirty="0"/>
-              <a:t>Help! I need somebody; not just anybody</a:t>
+              <a:t>PowerShell History and Standards</a:t>
             </a:r>
           </a:p>
         </p:txBody>
@@ -4461,7 +7540,7 @@
           <p:cNvPr id="3" name="Content Placeholder 2">
             <a:extLst>
               <a:ext uri="{FF2B5EF4-FFF2-40B4-BE49-F238E27FC236}">
-                <a16:creationId xmlns:a16="http://schemas.microsoft.com/office/drawing/2014/main" id="{A37876D5-20D9-41D1-96E2-C73600455D24}"/>
+                <a16:creationId xmlns:a16="http://schemas.microsoft.com/office/drawing/2014/main" id="{B39900F3-93D5-4C4B-AB69-DAE8302B88DC}"/>
               </a:ext>
             </a:extLst>
           </p:cNvPr>
@@ -4474,47 +7553,54 @@
         </p:nvSpPr>
         <p:spPr/>
         <p:txBody>
-          <a:bodyPr/>
-          <a:lstStyle/>
-          <a:p>
-            <a:r>
-              <a:rPr lang="en-US" dirty="0"/>
-              <a:t>Get-Help</a:t>
-            </a:r>
-          </a:p>
-          <a:p>
-            <a:endParaRPr lang="en-US" dirty="0"/>
-          </a:p>
-          <a:p>
-            <a:r>
-              <a:rPr lang="en-US" dirty="0"/>
-              <a:t>Update-Help run as administrator</a:t>
-            </a:r>
-          </a:p>
-          <a:p>
-            <a:endParaRPr lang="en-US" dirty="0"/>
-          </a:p>
-          <a:p>
-            <a:r>
-              <a:rPr lang="en-US" dirty="0"/>
-              <a:t>It is common to get errors about updating help files for specific modules and can be ignored</a:t>
-            </a:r>
-          </a:p>
-          <a:p>
-            <a:endParaRPr lang="en-US" dirty="0"/>
-          </a:p>
-          <a:p>
-            <a:r>
-              <a:rPr lang="en-US" dirty="0"/>
-              <a:t>Help and man are two aliases for Get-Help</a:t>
-            </a:r>
+          <a:bodyPr>
+            <a:normAutofit/>
+          </a:bodyPr>
+          <a:lstStyle/>
+          <a:p>
+            <a:r>
+              <a:rPr lang="en-US" sz="2000" dirty="0"/>
+              <a:t>Designed in 2002 by Jeffrey </a:t>
+            </a:r>
+            <a:r>
+              <a:rPr lang="en-US" sz="2000" dirty="0" err="1"/>
+              <a:t>Snover</a:t>
+            </a:r>
+            <a:r>
+              <a:rPr lang="en-US" sz="2000" dirty="0"/>
+              <a:t> to create a framework that could be used for automation and pluggable into other systems</a:t>
+            </a:r>
+          </a:p>
+          <a:p>
+            <a:endParaRPr lang="en-US" sz="2000" dirty="0"/>
+          </a:p>
+          <a:p>
+            <a:r>
+              <a:rPr lang="en-US" sz="2000" dirty="0"/>
+              <a:t>First called Monad but before version 1 was released it was changed to Windows PowerShell</a:t>
+            </a:r>
+          </a:p>
+          <a:p>
+            <a:endParaRPr lang="en-US" sz="2000" dirty="0"/>
+          </a:p>
+          <a:p>
+            <a:r>
+              <a:rPr lang="en-US" sz="2000" dirty="0"/>
+              <a:t>Has a &lt;verb&gt;-&lt;noun&gt; syntax and can be stringed together with multiple commands using a pipe |</a:t>
+            </a:r>
+          </a:p>
+          <a:p>
+            <a:endParaRPr lang="en-US" sz="2000" dirty="0"/>
+          </a:p>
+          <a:p>
+            <a:endParaRPr lang="en-US" sz="2000" dirty="0"/>
           </a:p>
         </p:txBody>
       </p:sp>
     </p:spTree>
     <p:extLst>
       <p:ext uri="{BB962C8B-B14F-4D97-AF65-F5344CB8AC3E}">
-        <p14:creationId xmlns:p14="http://schemas.microsoft.com/office/powerpoint/2010/main" val="311011863"/>
+        <p14:creationId xmlns:p14="http://schemas.microsoft.com/office/powerpoint/2010/main" val="3278669182"/>
       </p:ext>
     </p:extLst>
   </p:cSld>
@@ -4546,7 +7632,7 @@
           <p:cNvPr id="2" name="Title 1">
             <a:extLst>
               <a:ext uri="{FF2B5EF4-FFF2-40B4-BE49-F238E27FC236}">
-                <a16:creationId xmlns:a16="http://schemas.microsoft.com/office/drawing/2014/main" id="{846CE1C8-0815-4CBD-822C-7B1BFEF76D97}"/>
+                <a16:creationId xmlns:a16="http://schemas.microsoft.com/office/drawing/2014/main" id="{A1E55A32-07B6-48F8-8603-815920900656}"/>
               </a:ext>
             </a:extLst>
           </p:cNvPr>
@@ -4564,7 +7650,7 @@
           <a:p>
             <a:r>
               <a:rPr lang="en-US" dirty="0"/>
-              <a:t>Get-Help Demo</a:t>
+              <a:t>Help! I need somebody; not just anybody</a:t>
             </a:r>
           </a:p>
         </p:txBody>
@@ -4574,7 +7660,7 @@
           <p:cNvPr id="3" name="Content Placeholder 2">
             <a:extLst>
               <a:ext uri="{FF2B5EF4-FFF2-40B4-BE49-F238E27FC236}">
-                <a16:creationId xmlns:a16="http://schemas.microsoft.com/office/drawing/2014/main" id="{CC3DF64B-A1E6-4FAD-ADD1-DB85BF1D5FE9}"/>
+                <a16:creationId xmlns:a16="http://schemas.microsoft.com/office/drawing/2014/main" id="{A37876D5-20D9-41D1-96E2-C73600455D24}"/>
               </a:ext>
             </a:extLst>
           </p:cNvPr>
@@ -4587,17 +7673,49 @@
         </p:nvSpPr>
         <p:spPr/>
         <p:txBody>
-          <a:bodyPr/>
-          <a:lstStyle/>
-          <a:p>
-            <a:endParaRPr lang="en-US" dirty="0"/>
+          <a:bodyPr>
+            <a:normAutofit/>
+          </a:bodyPr>
+          <a:lstStyle/>
+          <a:p>
+            <a:r>
+              <a:rPr lang="en-US" sz="2000" dirty="0"/>
+              <a:t>Get-Help</a:t>
+            </a:r>
+          </a:p>
+          <a:p>
+            <a:endParaRPr lang="en-US" sz="2000" dirty="0"/>
+          </a:p>
+          <a:p>
+            <a:r>
+              <a:rPr lang="en-US" sz="2000" dirty="0"/>
+              <a:t>Update-Help run as administrator</a:t>
+            </a:r>
+          </a:p>
+          <a:p>
+            <a:endParaRPr lang="en-US" sz="2000" dirty="0"/>
+          </a:p>
+          <a:p>
+            <a:r>
+              <a:rPr lang="en-US" sz="2000" dirty="0"/>
+              <a:t>It is common to get errors about updating help files for specific modules and can be ignored</a:t>
+            </a:r>
+          </a:p>
+          <a:p>
+            <a:endParaRPr lang="en-US" sz="2000" dirty="0"/>
+          </a:p>
+          <a:p>
+            <a:r>
+              <a:rPr lang="en-US" sz="2000" dirty="0"/>
+              <a:t>Help and man are two aliases for Get-Help</a:t>
+            </a:r>
           </a:p>
         </p:txBody>
       </p:sp>
     </p:spTree>
     <p:extLst>
       <p:ext uri="{BB962C8B-B14F-4D97-AF65-F5344CB8AC3E}">
-        <p14:creationId xmlns:p14="http://schemas.microsoft.com/office/powerpoint/2010/main" val="1560917551"/>
+        <p14:creationId xmlns:p14="http://schemas.microsoft.com/office/powerpoint/2010/main" val="311011863"/>
       </p:ext>
     </p:extLst>
   </p:cSld>
@@ -4629,7 +7747,7 @@
           <p:cNvPr id="2" name="Title 1">
             <a:extLst>
               <a:ext uri="{FF2B5EF4-FFF2-40B4-BE49-F238E27FC236}">
-                <a16:creationId xmlns:a16="http://schemas.microsoft.com/office/drawing/2014/main" id="{5C4BA178-2996-4D86-9409-4A192A826FDB}"/>
+                <a16:creationId xmlns:a16="http://schemas.microsoft.com/office/drawing/2014/main" id="{846CE1C8-0815-4CBD-822C-7B1BFEF76D97}"/>
               </a:ext>
             </a:extLst>
           </p:cNvPr>
@@ -4647,7 +7765,7 @@
           <a:p>
             <a:r>
               <a:rPr lang="en-US" dirty="0"/>
-              <a:t>Your wish is my command</a:t>
+              <a:t>Get-Help Demo</a:t>
             </a:r>
           </a:p>
         </p:txBody>
@@ -4657,7 +7775,7 @@
           <p:cNvPr id="3" name="Content Placeholder 2">
             <a:extLst>
               <a:ext uri="{FF2B5EF4-FFF2-40B4-BE49-F238E27FC236}">
-                <a16:creationId xmlns:a16="http://schemas.microsoft.com/office/drawing/2014/main" id="{59849B9E-97F6-47A3-AB10-B0775F126161}"/>
+                <a16:creationId xmlns:a16="http://schemas.microsoft.com/office/drawing/2014/main" id="{CC3DF64B-A1E6-4FAD-ADD1-DB85BF1D5FE9}"/>
               </a:ext>
             </a:extLst>
           </p:cNvPr>
@@ -4673,35 +7791,14 @@
           <a:bodyPr/>
           <a:lstStyle/>
           <a:p>
-            <a:r>
-              <a:rPr lang="en-US" dirty="0"/>
-              <a:t>Get-Command</a:t>
-            </a:r>
-          </a:p>
-          <a:p>
             <a:endParaRPr lang="en-US" dirty="0"/>
-          </a:p>
-          <a:p>
-            <a:r>
-              <a:rPr lang="en-US" dirty="0"/>
-              <a:t>Provides details about a command</a:t>
-            </a:r>
-          </a:p>
-          <a:p>
-            <a:endParaRPr lang="en-US" dirty="0"/>
-          </a:p>
-          <a:p>
-            <a:r>
-              <a:rPr lang="en-US" dirty="0"/>
-              <a:t>Can search by verb, noun, type, module it is defined in, and more</a:t>
-            </a:r>
           </a:p>
         </p:txBody>
       </p:sp>
     </p:spTree>
     <p:extLst>
       <p:ext uri="{BB962C8B-B14F-4D97-AF65-F5344CB8AC3E}">
-        <p14:creationId xmlns:p14="http://schemas.microsoft.com/office/powerpoint/2010/main" val="2866318210"/>
+        <p14:creationId xmlns:p14="http://schemas.microsoft.com/office/powerpoint/2010/main" val="1560917551"/>
       </p:ext>
     </p:extLst>
   </p:cSld>
@@ -4733,7 +7830,7 @@
           <p:cNvPr id="2" name="Title 1">
             <a:extLst>
               <a:ext uri="{FF2B5EF4-FFF2-40B4-BE49-F238E27FC236}">
-                <a16:creationId xmlns:a16="http://schemas.microsoft.com/office/drawing/2014/main" id="{E47E3F83-1473-4FDF-B075-018EBEBB1BFA}"/>
+                <a16:creationId xmlns:a16="http://schemas.microsoft.com/office/drawing/2014/main" id="{5C4BA178-2996-4D86-9409-4A192A826FDB}"/>
               </a:ext>
             </a:extLst>
           </p:cNvPr>
@@ -4751,7 +7848,7 @@
           <a:p>
             <a:r>
               <a:rPr lang="en-US" dirty="0"/>
-              <a:t>Get-Command Demo</a:t>
+              <a:t>Your wish is my command</a:t>
             </a:r>
           </a:p>
         </p:txBody>
@@ -4761,7 +7858,7 @@
           <p:cNvPr id="3" name="Content Placeholder 2">
             <a:extLst>
               <a:ext uri="{FF2B5EF4-FFF2-40B4-BE49-F238E27FC236}">
-                <a16:creationId xmlns:a16="http://schemas.microsoft.com/office/drawing/2014/main" id="{E3D0640B-6519-4F75-AA65-3344B28E6BEB}"/>
+                <a16:creationId xmlns:a16="http://schemas.microsoft.com/office/drawing/2014/main" id="{59849B9E-97F6-47A3-AB10-B0775F126161}"/>
               </a:ext>
             </a:extLst>
           </p:cNvPr>
@@ -4774,17 +7871,40 @@
         </p:nvSpPr>
         <p:spPr/>
         <p:txBody>
-          <a:bodyPr/>
-          <a:lstStyle/>
-          <a:p>
-            <a:endParaRPr lang="en-US"/>
+          <a:bodyPr>
+            <a:normAutofit/>
+          </a:bodyPr>
+          <a:lstStyle/>
+          <a:p>
+            <a:r>
+              <a:rPr lang="en-US" sz="2000" dirty="0"/>
+              <a:t>Get-Command</a:t>
+            </a:r>
+          </a:p>
+          <a:p>
+            <a:endParaRPr lang="en-US" sz="2000" dirty="0"/>
+          </a:p>
+          <a:p>
+            <a:r>
+              <a:rPr lang="en-US" sz="2000" dirty="0"/>
+              <a:t>Provides details about a command</a:t>
+            </a:r>
+          </a:p>
+          <a:p>
+            <a:endParaRPr lang="en-US" sz="2000" dirty="0"/>
+          </a:p>
+          <a:p>
+            <a:r>
+              <a:rPr lang="en-US" sz="2000" dirty="0"/>
+              <a:t>Can search by verb, noun, type, module it is defined in, and more</a:t>
+            </a:r>
           </a:p>
         </p:txBody>
       </p:sp>
     </p:spTree>
     <p:extLst>
       <p:ext uri="{BB962C8B-B14F-4D97-AF65-F5344CB8AC3E}">
-        <p14:creationId xmlns:p14="http://schemas.microsoft.com/office/powerpoint/2010/main" val="4124520193"/>
+        <p14:creationId xmlns:p14="http://schemas.microsoft.com/office/powerpoint/2010/main" val="2866318210"/>
       </p:ext>
     </p:extLst>
   </p:cSld>
@@ -4816,7 +7936,7 @@
           <p:cNvPr id="2" name="Title 1">
             <a:extLst>
               <a:ext uri="{FF2B5EF4-FFF2-40B4-BE49-F238E27FC236}">
-                <a16:creationId xmlns:a16="http://schemas.microsoft.com/office/drawing/2014/main" id="{4E2FCC33-C846-4483-9C6A-4F47AA21E620}"/>
+                <a16:creationId xmlns:a16="http://schemas.microsoft.com/office/drawing/2014/main" id="{E47E3F83-1473-4FDF-B075-018EBEBB1BFA}"/>
               </a:ext>
             </a:extLst>
           </p:cNvPr>
@@ -4834,7 +7954,7 @@
           <a:p>
             <a:r>
               <a:rPr lang="en-US" dirty="0"/>
-              <a:t>Get-Member</a:t>
+              <a:t>Get-Command Demo</a:t>
             </a:r>
           </a:p>
         </p:txBody>
@@ -4844,7 +7964,7 @@
           <p:cNvPr id="3" name="Content Placeholder 2">
             <a:extLst>
               <a:ext uri="{FF2B5EF4-FFF2-40B4-BE49-F238E27FC236}">
-                <a16:creationId xmlns:a16="http://schemas.microsoft.com/office/drawing/2014/main" id="{7C48534F-BCE2-428D-87EA-98D943DB6C69}"/>
+                <a16:creationId xmlns:a16="http://schemas.microsoft.com/office/drawing/2014/main" id="{E3D0640B-6519-4F75-AA65-3344B28E6BEB}"/>
               </a:ext>
             </a:extLst>
           </p:cNvPr>
@@ -4860,50 +7980,14 @@
           <a:bodyPr/>
           <a:lstStyle/>
           <a:p>
-            <a:r>
-              <a:rPr lang="en-US" dirty="0"/>
-              <a:t>PowerShell returns objects</a:t>
-            </a:r>
-          </a:p>
-          <a:p>
-            <a:endParaRPr lang="en-US" dirty="0"/>
-          </a:p>
-          <a:p>
-            <a:r>
-              <a:rPr lang="en-US" dirty="0"/>
-              <a:t>Objects have:</a:t>
-            </a:r>
-          </a:p>
-          <a:p>
-            <a:pPr lvl="1"/>
-            <a:r>
-              <a:rPr lang="en-US" dirty="0"/>
-              <a:t>Properties = descriptive words aka fields or attributes</a:t>
-            </a:r>
-          </a:p>
-          <a:p>
-            <a:pPr lvl="1"/>
-            <a:r>
-              <a:rPr lang="en-US" dirty="0"/>
-              <a:t>Methods = actionable code or procedures</a:t>
-            </a:r>
-          </a:p>
-          <a:p>
-            <a:pPr lvl="1"/>
-            <a:endParaRPr lang="en-US" dirty="0"/>
-          </a:p>
-          <a:p>
-            <a:r>
-              <a:rPr lang="en-US" dirty="0"/>
-              <a:t>Think of a dog as an object</a:t>
-            </a:r>
+            <a:endParaRPr lang="en-US"/>
           </a:p>
         </p:txBody>
       </p:sp>
     </p:spTree>
     <p:extLst>
       <p:ext uri="{BB962C8B-B14F-4D97-AF65-F5344CB8AC3E}">
-        <p14:creationId xmlns:p14="http://schemas.microsoft.com/office/powerpoint/2010/main" val="1251765685"/>
+        <p14:creationId xmlns:p14="http://schemas.microsoft.com/office/powerpoint/2010/main" val="4124520193"/>
       </p:ext>
     </p:extLst>
   </p:cSld>
@@ -4935,7 +8019,7 @@
           <p:cNvPr id="2" name="Title 1">
             <a:extLst>
               <a:ext uri="{FF2B5EF4-FFF2-40B4-BE49-F238E27FC236}">
-                <a16:creationId xmlns:a16="http://schemas.microsoft.com/office/drawing/2014/main" id="{E5FAB51B-F705-4F8E-B808-FF9E03021EF5}"/>
+                <a16:creationId xmlns:a16="http://schemas.microsoft.com/office/drawing/2014/main" id="{4E2FCC33-C846-4483-9C6A-4F47AA21E620}"/>
               </a:ext>
             </a:extLst>
           </p:cNvPr>
@@ -4953,7 +8037,7 @@
           <a:p>
             <a:r>
               <a:rPr lang="en-US" dirty="0"/>
-              <a:t>Get-Member Demo</a:t>
+              <a:t>Get-Member</a:t>
             </a:r>
           </a:p>
         </p:txBody>
@@ -4963,7 +8047,7 @@
           <p:cNvPr id="3" name="Content Placeholder 2">
             <a:extLst>
               <a:ext uri="{FF2B5EF4-FFF2-40B4-BE49-F238E27FC236}">
-                <a16:creationId xmlns:a16="http://schemas.microsoft.com/office/drawing/2014/main" id="{D79E9E7A-3E4D-498A-B435-6097D4CFE1CD}"/>
+                <a16:creationId xmlns:a16="http://schemas.microsoft.com/office/drawing/2014/main" id="{7C48534F-BCE2-428D-87EA-98D943DB6C69}"/>
               </a:ext>
             </a:extLst>
           </p:cNvPr>
@@ -4979,14 +8063,50 @@
           <a:bodyPr/>
           <a:lstStyle/>
           <a:p>
-            <a:endParaRPr lang="en-US"/>
+            <a:r>
+              <a:rPr lang="en-US" sz="2000" dirty="0"/>
+              <a:t>PowerShell returns objects</a:t>
+            </a:r>
+          </a:p>
+          <a:p>
+            <a:endParaRPr lang="en-US" sz="2000" dirty="0"/>
+          </a:p>
+          <a:p>
+            <a:r>
+              <a:rPr lang="en-US" sz="2000" dirty="0"/>
+              <a:t>Objects have:</a:t>
+            </a:r>
+          </a:p>
+          <a:p>
+            <a:pPr lvl="1"/>
+            <a:r>
+              <a:rPr lang="en-US" sz="1800" dirty="0"/>
+              <a:t>Properties = descriptive words aka fields or attributes</a:t>
+            </a:r>
+          </a:p>
+          <a:p>
+            <a:pPr lvl="1"/>
+            <a:r>
+              <a:rPr lang="en-US" sz="1800" dirty="0"/>
+              <a:t>Methods = actionable code or procedures</a:t>
+            </a:r>
+          </a:p>
+          <a:p>
+            <a:pPr lvl="1"/>
+            <a:endParaRPr lang="en-US" dirty="0"/>
+          </a:p>
+          <a:p>
+            <a:r>
+              <a:rPr lang="en-US" sz="2000" dirty="0"/>
+              <a:t>Think of a dog as an object</a:t>
+            </a:r>
           </a:p>
         </p:txBody>
       </p:sp>
     </p:spTree>
     <p:extLst>
       <p:ext uri="{BB962C8B-B14F-4D97-AF65-F5344CB8AC3E}">
-        <p14:creationId xmlns:p14="http://schemas.microsoft.com/office/powerpoint/2010/main" val="2231455180"/>
+        <p14:creationId xmlns:p14="http://schemas.microsoft.com/office/powerpoint/2010/main" val="1251765685"/>
       </p:ext>
     </p:extLst>
   </p:cSld>
@@ -5018,7 +8138,7 @@
           <p:cNvPr id="2" name="Title 1">
             <a:extLst>
               <a:ext uri="{FF2B5EF4-FFF2-40B4-BE49-F238E27FC236}">
-                <a16:creationId xmlns:a16="http://schemas.microsoft.com/office/drawing/2014/main" id="{78F2687B-1DAD-4E58-94AC-1009C9CF1721}"/>
+                <a16:creationId xmlns:a16="http://schemas.microsoft.com/office/drawing/2014/main" id="{E5FAB51B-F705-4F8E-B808-FF9E03021EF5}"/>
               </a:ext>
             </a:extLst>
           </p:cNvPr>
@@ -5036,7 +8156,7 @@
           <a:p>
             <a:r>
               <a:rPr lang="en-US" dirty="0"/>
-              <a:t>References</a:t>
+              <a:t>Get-Member Demo</a:t>
             </a:r>
           </a:p>
         </p:txBody>
@@ -5046,7 +8166,7 @@
           <p:cNvPr id="3" name="Content Placeholder 2">
             <a:extLst>
               <a:ext uri="{FF2B5EF4-FFF2-40B4-BE49-F238E27FC236}">
-                <a16:creationId xmlns:a16="http://schemas.microsoft.com/office/drawing/2014/main" id="{B878F1E6-3C4D-4BDE-825C-E244F9657F36}"/>
+                <a16:creationId xmlns:a16="http://schemas.microsoft.com/office/drawing/2014/main" id="{D79E9E7A-3E4D-498A-B435-6097D4CFE1CD}"/>
               </a:ext>
             </a:extLst>
           </p:cNvPr>
@@ -5062,31 +8182,14 @@
           <a:bodyPr/>
           <a:lstStyle/>
           <a:p>
-            <a:r>
-              <a:rPr lang="en-US" dirty="0">
-                <a:hlinkClick r:id="rId2"/>
-              </a:rPr>
-              <a:t>https://www.jsnover.com/Docs/MonadManifesto.pdf</a:t>
-            </a:r>
-            <a:endParaRPr lang="en-US" dirty="0">
-              <a:hlinkClick r:id="rId3"/>
-            </a:endParaRPr>
-          </a:p>
-          <a:p>
-            <a:r>
-              <a:rPr lang="en-US" dirty="0">
-                <a:hlinkClick r:id="rId3"/>
-              </a:rPr>
-              <a:t>https://communary.net/2015/01/20/the-holy-trinity-of-powershell-cmdlets/</a:t>
-            </a:r>
-            <a:endParaRPr lang="en-US" dirty="0"/>
+            <a:endParaRPr lang="en-US"/>
           </a:p>
         </p:txBody>
       </p:sp>
     </p:spTree>
     <p:extLst>
       <p:ext uri="{BB962C8B-B14F-4D97-AF65-F5344CB8AC3E}">
-        <p14:creationId xmlns:p14="http://schemas.microsoft.com/office/powerpoint/2010/main" val="3846218459"/>
+        <p14:creationId xmlns:p14="http://schemas.microsoft.com/office/powerpoint/2010/main" val="2231455180"/>
       </p:ext>
     </p:extLst>
   </p:cSld>
@@ -5097,9 +8200,9 @@
 </file>
 
 <file path=ppt/theme/theme1.xml><?xml version="1.0" encoding="utf-8"?>
-<a:theme xmlns:a="http://schemas.openxmlformats.org/drawingml/2006/main" name="Office Theme">
+<a:theme xmlns:a="http://schemas.openxmlformats.org/drawingml/2006/main" name="Facet">
   <a:themeElements>
-    <a:clrScheme name="Office">
+    <a:clrScheme name="Facet">
       <a:dk1>
         <a:sysClr val="windowText" lastClr="000000"/>
       </a:dk1>
@@ -5107,52 +8210,52 @@
         <a:sysClr val="window" lastClr="FFFFFF"/>
       </a:lt1>
       <a:dk2>
-        <a:srgbClr val="44546A"/>
+        <a:srgbClr val="2C3C43"/>
       </a:dk2>
       <a:lt2>
-        <a:srgbClr val="E7E6E6"/>
+        <a:srgbClr val="EBEBEB"/>
       </a:lt2>
       <a:accent1>
-        <a:srgbClr val="4472C4"/>
+        <a:srgbClr val="90C226"/>
       </a:accent1>
       <a:accent2>
-        <a:srgbClr val="ED7D31"/>
+        <a:srgbClr val="54A021"/>
       </a:accent2>
       <a:accent3>
-        <a:srgbClr val="A5A5A5"/>
+        <a:srgbClr val="E6B91E"/>
       </a:accent3>
       <a:accent4>
-        <a:srgbClr val="FFC000"/>
+        <a:srgbClr val="E76618"/>
       </a:accent4>
       <a:accent5>
-        <a:srgbClr val="5B9BD5"/>
+        <a:srgbClr val="C42F1A"/>
       </a:accent5>
       <a:accent6>
-        <a:srgbClr val="70AD47"/>
+        <a:srgbClr val="918655"/>
       </a:accent6>
       <a:hlink>
-        <a:srgbClr val="0563C1"/>
+        <a:srgbClr val="99CA3C"/>
       </a:hlink>
       <a:folHlink>
-        <a:srgbClr val="954F72"/>
+        <a:srgbClr val="B9D181"/>
       </a:folHlink>
     </a:clrScheme>
-    <a:fontScheme name="Office">
+    <a:fontScheme name="Facet">
       <a:majorFont>
-        <a:latin typeface="Calibri Light" panose="020F0302020204030204"/>
+        <a:latin typeface="Trebuchet MS" panose="020B0603020202020204"/>
         <a:ea typeface=""/>
         <a:cs typeface=""/>
-        <a:font script="Jpan" typeface="游ゴシック Light"/>
+        <a:font script="Jpan" typeface="メイリオ"/>
         <a:font script="Hang" typeface="맑은 고딕"/>
-        <a:font script="Hans" typeface="等线 Light"/>
-        <a:font script="Hant" typeface="新細明體"/>
-        <a:font script="Arab" typeface="Times New Roman"/>
-        <a:font script="Hebr" typeface="Times New Roman"/>
-        <a:font script="Thai" typeface="Angsana New"/>
+        <a:font script="Hans" typeface="方正姚体"/>
+        <a:font script="Hant" typeface="微軟正黑體"/>
+        <a:font script="Arab" typeface="Tahoma"/>
+        <a:font script="Hebr" typeface="Arial"/>
+        <a:font script="Thai" typeface="Cordia New"/>
         <a:font script="Ethi" typeface="Nyala"/>
         <a:font script="Beng" typeface="Vrinda"/>
         <a:font script="Gujr" typeface="Shruti"/>
-        <a:font script="Khmr" typeface="MoolBoran"/>
+        <a:font script="Khmr" typeface="DaunPenh"/>
         <a:font script="Knda" typeface="Tunga"/>
         <a:font script="Guru" typeface="Raavi"/>
         <a:font script="Cans" typeface="Euphemia"/>
@@ -5169,38 +8272,21 @@
         <a:font script="Laoo" typeface="DokChampa"/>
         <a:font script="Sinh" typeface="Iskoola Pota"/>
         <a:font script="Mong" typeface="Mongolian Baiti"/>
-        <a:font script="Viet" typeface="Times New Roman"/>
+        <a:font script="Viet" typeface="Tahoma"/>
         <a:font script="Uigh" typeface="Microsoft Uighur"/>
         <a:font script="Geor" typeface="Sylfaen"/>
-        <a:font script="Armn" typeface="Arial"/>
-        <a:font script="Bugi" typeface="Leelawadee UI"/>
-        <a:font script="Bopo" typeface="Microsoft JhengHei"/>
-        <a:font script="Java" typeface="Javanese Text"/>
-        <a:font script="Lisu" typeface="Segoe UI"/>
-        <a:font script="Mymr" typeface="Myanmar Text"/>
-        <a:font script="Nkoo" typeface="Ebrima"/>
-        <a:font script="Olck" typeface="Nirmala UI"/>
-        <a:font script="Osma" typeface="Ebrima"/>
-        <a:font script="Phag" typeface="Phagspa"/>
-        <a:font script="Syrn" typeface="Estrangelo Edessa"/>
-        <a:font script="Syrj" typeface="Estrangelo Edessa"/>
-        <a:font script="Syre" typeface="Estrangelo Edessa"/>
-        <a:font script="Sora" typeface="Nirmala UI"/>
-        <a:font script="Tale" typeface="Microsoft Tai Le"/>
-        <a:font script="Talu" typeface="Microsoft New Tai Lue"/>
-        <a:font script="Tfng" typeface="Ebrima"/>
       </a:majorFont>
       <a:minorFont>
-        <a:latin typeface="Calibri" panose="020F0502020204030204"/>
+        <a:latin typeface="Trebuchet MS" panose="020B0603020202020204"/>
         <a:ea typeface=""/>
         <a:cs typeface=""/>
-        <a:font script="Jpan" typeface="游ゴシック"/>
-        <a:font script="Hang" typeface="맑은 고딕"/>
-        <a:font script="Hans" typeface="等线"/>
-        <a:font script="Hant" typeface="新細明體"/>
-        <a:font script="Arab" typeface="Arial"/>
-        <a:font script="Hebr" typeface="Arial"/>
-        <a:font script="Thai" typeface="Cordia New"/>
+        <a:font script="Jpan" typeface="メイリオ"/>
+        <a:font script="Hang" typeface="HY그래픽M"/>
+        <a:font script="Hans" typeface="华文新魏"/>
+        <a:font script="Hant" typeface="微軟正黑體"/>
+        <a:font script="Arab" typeface="Tahoma"/>
+        <a:font script="Hebr" typeface="Gisha"/>
+        <a:font script="Thai" typeface="IrisUPC"/>
         <a:font script="Ethi" typeface="Nyala"/>
         <a:font script="Beng" typeface="Vrinda"/>
         <a:font script="Gujr" typeface="Shruti"/>
@@ -5224,26 +8310,9 @@
         <a:font script="Viet" typeface="Arial"/>
         <a:font script="Uigh" typeface="Microsoft Uighur"/>
         <a:font script="Geor" typeface="Sylfaen"/>
-        <a:font script="Armn" typeface="Arial"/>
-        <a:font script="Bugi" typeface="Leelawadee UI"/>
-        <a:font script="Bopo" typeface="Microsoft JhengHei"/>
-        <a:font script="Java" typeface="Javanese Text"/>
-        <a:font script="Lisu" typeface="Segoe UI"/>
-        <a:font script="Mymr" typeface="Myanmar Text"/>
-        <a:font script="Nkoo" typeface="Ebrima"/>
-        <a:font script="Olck" typeface="Nirmala UI"/>
-        <a:font script="Osma" typeface="Ebrima"/>
-        <a:font script="Phag" typeface="Phagspa"/>
-        <a:font script="Syrn" typeface="Estrangelo Edessa"/>
-        <a:font script="Syrj" typeface="Estrangelo Edessa"/>
-        <a:font script="Syre" typeface="Estrangelo Edessa"/>
-        <a:font script="Sora" typeface="Nirmala UI"/>
-        <a:font script="Tale" typeface="Microsoft Tai Le"/>
-        <a:font script="Talu" typeface="Microsoft New Tai Lue"/>
-        <a:font script="Tfng" typeface="Ebrima"/>
       </a:minorFont>
     </a:fontScheme>
-    <a:fmtScheme name="Office">
+    <a:fmtScheme name="Facet">
       <a:fillStyleLst>
         <a:solidFill>
           <a:schemeClr val="phClr"/>
@@ -5252,23 +8321,13 @@
           <a:gsLst>
             <a:gs pos="0">
               <a:schemeClr val="phClr">
+                <a:tint val="65000"/>
                 <a:lumMod val="110000"/>
-                <a:satMod val="105000"/>
-                <a:tint val="67000"/>
               </a:schemeClr>
             </a:gs>
-            <a:gs pos="50000">
+            <a:gs pos="88000">
               <a:schemeClr val="phClr">
-                <a:lumMod val="105000"/>
-                <a:satMod val="103000"/>
-                <a:tint val="73000"/>
-              </a:schemeClr>
-            </a:gs>
-            <a:gs pos="100000">
-              <a:schemeClr val="phClr">
-                <a:lumMod val="105000"/>
-                <a:satMod val="109000"/>
-                <a:tint val="81000"/>
+                <a:tint val="90000"/>
               </a:schemeClr>
             </a:gs>
           </a:gsLst>
@@ -5278,23 +8337,14 @@
           <a:gsLst>
             <a:gs pos="0">
               <a:schemeClr val="phClr">
-                <a:satMod val="103000"/>
-                <a:lumMod val="102000"/>
-                <a:tint val="94000"/>
+                <a:tint val="96000"/>
+                <a:lumMod val="100000"/>
               </a:schemeClr>
             </a:gs>
-            <a:gs pos="50000">
+            <a:gs pos="78000">
               <a:schemeClr val="phClr">
-                <a:satMod val="110000"/>
-                <a:lumMod val="100000"/>
-                <a:shade val="100000"/>
-              </a:schemeClr>
-            </a:gs>
-            <a:gs pos="100000">
-              <a:schemeClr val="phClr">
-                <a:lumMod val="99000"/>
-                <a:satMod val="120000"/>
-                <a:shade val="78000"/>
+                <a:shade val="94000"/>
+                <a:lumMod val="94000"/>
               </a:schemeClr>
             </a:gs>
           </a:gsLst>
@@ -5302,26 +8352,23 @@
         </a:gradFill>
       </a:fillStyleLst>
       <a:lnStyleLst>
-        <a:ln w="6350" cap="flat" cmpd="sng" algn="ctr">
+        <a:ln w="12700" cap="rnd" cmpd="sng" algn="ctr">
           <a:solidFill>
             <a:schemeClr val="phClr"/>
           </a:solidFill>
           <a:prstDash val="solid"/>
-          <a:miter lim="800000"/>
         </a:ln>
-        <a:ln w="12700" cap="flat" cmpd="sng" algn="ctr">
+        <a:ln w="19050" cap="rnd" cmpd="sng" algn="ctr">
           <a:solidFill>
             <a:schemeClr val="phClr"/>
           </a:solidFill>
           <a:prstDash val="solid"/>
-          <a:miter lim="800000"/>
         </a:ln>
-        <a:ln w="19050" cap="flat" cmpd="sng" algn="ctr">
+        <a:ln w="25400" cap="rnd" cmpd="sng" algn="ctr">
           <a:solidFill>
             <a:schemeClr val="phClr"/>
           </a:solidFill>
           <a:prstDash val="solid"/>
-          <a:miter lim="800000"/>
         </a:ln>
       </a:lnStyleLst>
       <a:effectStyleLst>
@@ -5329,54 +8376,72 @@
           <a:effectLst/>
         </a:effectStyle>
         <a:effectStyle>
-          <a:effectLst/>
+          <a:effectLst>
+            <a:outerShdw blurRad="38100" dist="25400" dir="5400000" rotWithShape="0">
+              <a:srgbClr val="000000">
+                <a:alpha val="35000"/>
+              </a:srgbClr>
+            </a:outerShdw>
+          </a:effectLst>
         </a:effectStyle>
         <a:effectStyle>
           <a:effectLst>
-            <a:outerShdw blurRad="57150" dist="19050" dir="5400000" algn="ctr" rotWithShape="0">
+            <a:outerShdw blurRad="50800" dist="38100" dir="5400000" rotWithShape="0">
               <a:srgbClr val="000000">
-                <a:alpha val="63000"/>
+                <a:alpha val="35000"/>
               </a:srgbClr>
             </a:outerShdw>
           </a:effectLst>
+          <a:scene3d>
+            <a:camera prst="orthographicFront">
+              <a:rot lat="0" lon="0" rev="0"/>
+            </a:camera>
+            <a:lightRig rig="threePt" dir="tl"/>
+          </a:scene3d>
+          <a:sp3d prstMaterial="plastic">
+            <a:bevelT w="0" h="0"/>
+          </a:sp3d>
         </a:effectStyle>
       </a:effectStyleLst>
       <a:bgFillStyleLst>
         <a:solidFill>
           <a:schemeClr val="phClr"/>
         </a:solidFill>
-        <a:solidFill>
-          <a:schemeClr val="phClr">
-            <a:tint val="95000"/>
-            <a:satMod val="170000"/>
-          </a:schemeClr>
-        </a:solidFill>
         <a:gradFill rotWithShape="1">
           <a:gsLst>
             <a:gs pos="0">
               <a:schemeClr val="phClr">
-                <a:tint val="93000"/>
-                <a:satMod val="150000"/>
-                <a:shade val="98000"/>
-                <a:lumMod val="102000"/>
+                <a:tint val="90000"/>
+                <a:lumMod val="104000"/>
               </a:schemeClr>
             </a:gs>
-            <a:gs pos="50000">
+            <a:gs pos="94000">
               <a:schemeClr val="phClr">
-                <a:tint val="98000"/>
-                <a:satMod val="130000"/>
-                <a:shade val="90000"/>
-                <a:lumMod val="103000"/>
+                <a:shade val="96000"/>
+                <a:lumMod val="82000"/>
+              </a:schemeClr>
+            </a:gs>
+          </a:gsLst>
+          <a:lin ang="5400000" scaled="0"/>
+        </a:gradFill>
+        <a:gradFill rotWithShape="1">
+          <a:gsLst>
+            <a:gs pos="0">
+              <a:schemeClr val="phClr">
+                <a:tint val="90000"/>
+                <a:lumMod val="110000"/>
               </a:schemeClr>
             </a:gs>
             <a:gs pos="100000">
               <a:schemeClr val="phClr">
-                <a:shade val="63000"/>
-                <a:satMod val="120000"/>
+                <a:shade val="94000"/>
+                <a:lumMod val="96000"/>
               </a:schemeClr>
             </a:gs>
           </a:gsLst>
-          <a:lin ang="5400000" scaled="0"/>
+          <a:path path="circle">
+            <a:fillToRect l="50000" t="50000" r="100000" b="100000"/>
+          </a:path>
         </a:gradFill>
       </a:bgFillStyleLst>
     </a:fmtScheme>
@@ -5385,7 +8450,7 @@
   <a:extraClrSchemeLst/>
   <a:extLst>
     <a:ext uri="{05A4C25C-085E-4340-85A3-A5531E510DB2}">
-      <thm15:themeFamily xmlns:thm15="http://schemas.microsoft.com/office/thememl/2012/main" name="Office Theme" id="{62F939B6-93AF-4DB8-9C6B-D6C7DFDC589F}" vid="{4A3C46E8-61CC-4603-A589-7422A47A8E4A}"/>
+      <thm15:themeFamily xmlns:thm15="http://schemas.microsoft.com/office/thememl/2012/main" name="Facet" id="{C0C680CD-088A-49FC-A102-D699147F32B2}" vid="{CFBC31BA-B70F-4F30-BCAA-4F3011E16C4D}"/>
     </a:ext>
   </a:extLst>
 </a:theme>
